--- a/improved prototype final.pptx
+++ b/improved prototype final.pptx
@@ -172,7 +172,7 @@
           <p:cNvPr id="2" name="כותרת 1">
             <a:extLst>
               <a:ext uri="{FF2B5EF4-FFF2-40B4-BE49-F238E27FC236}">
-                <a16:creationId xmlns:a16="http://schemas.microsoft.com/office/drawing/2014/main" xmlns="" id="{53755FFC-9701-4E21-B24C-8E41CF9D2988}"/>
+                <a16:creationId xmlns:a16="http://schemas.microsoft.com/office/drawing/2014/main" id="{53755FFC-9701-4E21-B24C-8E41CF9D2988}"/>
               </a:ext>
             </a:extLst>
           </p:cNvPr>
@@ -209,7 +209,7 @@
           <p:cNvPr id="3" name="כותרת משנה 2">
             <a:extLst>
               <a:ext uri="{FF2B5EF4-FFF2-40B4-BE49-F238E27FC236}">
-                <a16:creationId xmlns:a16="http://schemas.microsoft.com/office/drawing/2014/main" xmlns="" id="{0B33920E-B0A4-42B8-B090-2B3016324A1E}"/>
+                <a16:creationId xmlns:a16="http://schemas.microsoft.com/office/drawing/2014/main" id="{0B33920E-B0A4-42B8-B090-2B3016324A1E}"/>
               </a:ext>
             </a:extLst>
           </p:cNvPr>
@@ -279,7 +279,7 @@
           <p:cNvPr id="4" name="מציין מיקום של תאריך 3">
             <a:extLst>
               <a:ext uri="{FF2B5EF4-FFF2-40B4-BE49-F238E27FC236}">
-                <a16:creationId xmlns:a16="http://schemas.microsoft.com/office/drawing/2014/main" xmlns="" id="{6A2A55E4-79DF-4F68-9930-06FB5E1EBE2A}"/>
+                <a16:creationId xmlns:a16="http://schemas.microsoft.com/office/drawing/2014/main" id="{6A2A55E4-79DF-4F68-9930-06FB5E1EBE2A}"/>
               </a:ext>
             </a:extLst>
           </p:cNvPr>
@@ -297,7 +297,7 @@
           <a:p>
             <a:fld id="{2F696DD7-520A-476F-8728-3D5F2206F502}" type="datetimeFigureOut">
               <a:rPr lang="he-IL" smtClean="0"/>
-              <a:t>י"א/כסלו/תשע"ט</a:t>
+              <a:t>ט"ז/כסלו/תשע"ט</a:t>
             </a:fld>
             <a:endParaRPr lang="he-IL"/>
           </a:p>
@@ -308,7 +308,7 @@
           <p:cNvPr id="5" name="מציין מיקום של כותרת תחתונה 4">
             <a:extLst>
               <a:ext uri="{FF2B5EF4-FFF2-40B4-BE49-F238E27FC236}">
-                <a16:creationId xmlns:a16="http://schemas.microsoft.com/office/drawing/2014/main" xmlns="" id="{7BBBF9A5-E53C-455B-8D96-413CDB22541F}"/>
+                <a16:creationId xmlns:a16="http://schemas.microsoft.com/office/drawing/2014/main" id="{7BBBF9A5-E53C-455B-8D96-413CDB22541F}"/>
               </a:ext>
             </a:extLst>
           </p:cNvPr>
@@ -333,7 +333,7 @@
           <p:cNvPr id="6" name="מציין מיקום של מספר שקופית 5">
             <a:extLst>
               <a:ext uri="{FF2B5EF4-FFF2-40B4-BE49-F238E27FC236}">
-                <a16:creationId xmlns:a16="http://schemas.microsoft.com/office/drawing/2014/main" xmlns="" id="{8B65C0C7-3334-43BC-87BA-A262F220C6B8}"/>
+                <a16:creationId xmlns:a16="http://schemas.microsoft.com/office/drawing/2014/main" id="{8B65C0C7-3334-43BC-87BA-A262F220C6B8}"/>
               </a:ext>
             </a:extLst>
           </p:cNvPr>
@@ -392,7 +392,7 @@
           <p:cNvPr id="2" name="כותרת 1">
             <a:extLst>
               <a:ext uri="{FF2B5EF4-FFF2-40B4-BE49-F238E27FC236}">
-                <a16:creationId xmlns:a16="http://schemas.microsoft.com/office/drawing/2014/main" xmlns="" id="{A5E58FC3-CE92-455B-8289-4C13F48B6629}"/>
+                <a16:creationId xmlns:a16="http://schemas.microsoft.com/office/drawing/2014/main" id="{A5E58FC3-CE92-455B-8289-4C13F48B6629}"/>
               </a:ext>
             </a:extLst>
           </p:cNvPr>
@@ -420,7 +420,7 @@
           <p:cNvPr id="3" name="מציין מיקום של טקסט אנכי 2">
             <a:extLst>
               <a:ext uri="{FF2B5EF4-FFF2-40B4-BE49-F238E27FC236}">
-                <a16:creationId xmlns:a16="http://schemas.microsoft.com/office/drawing/2014/main" xmlns="" id="{B68C8877-3DD0-4646-A68C-14C4362A85A8}"/>
+                <a16:creationId xmlns:a16="http://schemas.microsoft.com/office/drawing/2014/main" id="{B68C8877-3DD0-4646-A68C-14C4362A85A8}"/>
               </a:ext>
             </a:extLst>
           </p:cNvPr>
@@ -477,7 +477,7 @@
           <p:cNvPr id="4" name="מציין מיקום של תאריך 3">
             <a:extLst>
               <a:ext uri="{FF2B5EF4-FFF2-40B4-BE49-F238E27FC236}">
-                <a16:creationId xmlns:a16="http://schemas.microsoft.com/office/drawing/2014/main" xmlns="" id="{78B4B45A-2574-4FEE-A271-FA0C139DF3A3}"/>
+                <a16:creationId xmlns:a16="http://schemas.microsoft.com/office/drawing/2014/main" id="{78B4B45A-2574-4FEE-A271-FA0C139DF3A3}"/>
               </a:ext>
             </a:extLst>
           </p:cNvPr>
@@ -495,7 +495,7 @@
           <a:p>
             <a:fld id="{2F696DD7-520A-476F-8728-3D5F2206F502}" type="datetimeFigureOut">
               <a:rPr lang="he-IL" smtClean="0"/>
-              <a:t>י"א/כסלו/תשע"ט</a:t>
+              <a:t>ט"ז/כסלו/תשע"ט</a:t>
             </a:fld>
             <a:endParaRPr lang="he-IL"/>
           </a:p>
@@ -506,7 +506,7 @@
           <p:cNvPr id="5" name="מציין מיקום של כותרת תחתונה 4">
             <a:extLst>
               <a:ext uri="{FF2B5EF4-FFF2-40B4-BE49-F238E27FC236}">
-                <a16:creationId xmlns:a16="http://schemas.microsoft.com/office/drawing/2014/main" xmlns="" id="{BB96836D-D653-4D48-BD07-76CAA13544A0}"/>
+                <a16:creationId xmlns:a16="http://schemas.microsoft.com/office/drawing/2014/main" id="{BB96836D-D653-4D48-BD07-76CAA13544A0}"/>
               </a:ext>
             </a:extLst>
           </p:cNvPr>
@@ -531,7 +531,7 @@
           <p:cNvPr id="6" name="מציין מיקום של מספר שקופית 5">
             <a:extLst>
               <a:ext uri="{FF2B5EF4-FFF2-40B4-BE49-F238E27FC236}">
-                <a16:creationId xmlns:a16="http://schemas.microsoft.com/office/drawing/2014/main" xmlns="" id="{FC76652F-A9F7-4BE2-B41E-D0F7D209E295}"/>
+                <a16:creationId xmlns:a16="http://schemas.microsoft.com/office/drawing/2014/main" id="{FC76652F-A9F7-4BE2-B41E-D0F7D209E295}"/>
               </a:ext>
             </a:extLst>
           </p:cNvPr>
@@ -590,7 +590,7 @@
           <p:cNvPr id="2" name="כותרת אנכית 1">
             <a:extLst>
               <a:ext uri="{FF2B5EF4-FFF2-40B4-BE49-F238E27FC236}">
-                <a16:creationId xmlns:a16="http://schemas.microsoft.com/office/drawing/2014/main" xmlns="" id="{4D84E369-7472-4E0D-A5D3-C91551ADB3C3}"/>
+                <a16:creationId xmlns:a16="http://schemas.microsoft.com/office/drawing/2014/main" id="{4D84E369-7472-4E0D-A5D3-C91551ADB3C3}"/>
               </a:ext>
             </a:extLst>
           </p:cNvPr>
@@ -623,7 +623,7 @@
           <p:cNvPr id="3" name="מציין מיקום של טקסט אנכי 2">
             <a:extLst>
               <a:ext uri="{FF2B5EF4-FFF2-40B4-BE49-F238E27FC236}">
-                <a16:creationId xmlns:a16="http://schemas.microsoft.com/office/drawing/2014/main" xmlns="" id="{2991936B-E6CF-408B-91C0-3E742D706503}"/>
+                <a16:creationId xmlns:a16="http://schemas.microsoft.com/office/drawing/2014/main" id="{2991936B-E6CF-408B-91C0-3E742D706503}"/>
               </a:ext>
             </a:extLst>
           </p:cNvPr>
@@ -685,7 +685,7 @@
           <p:cNvPr id="4" name="מציין מיקום של תאריך 3">
             <a:extLst>
               <a:ext uri="{FF2B5EF4-FFF2-40B4-BE49-F238E27FC236}">
-                <a16:creationId xmlns:a16="http://schemas.microsoft.com/office/drawing/2014/main" xmlns="" id="{AEC43580-F3DB-425C-A32B-6BBC8FB864DA}"/>
+                <a16:creationId xmlns:a16="http://schemas.microsoft.com/office/drawing/2014/main" id="{AEC43580-F3DB-425C-A32B-6BBC8FB864DA}"/>
               </a:ext>
             </a:extLst>
           </p:cNvPr>
@@ -703,7 +703,7 @@
           <a:p>
             <a:fld id="{2F696DD7-520A-476F-8728-3D5F2206F502}" type="datetimeFigureOut">
               <a:rPr lang="he-IL" smtClean="0"/>
-              <a:t>י"א/כסלו/תשע"ט</a:t>
+              <a:t>ט"ז/כסלו/תשע"ט</a:t>
             </a:fld>
             <a:endParaRPr lang="he-IL"/>
           </a:p>
@@ -714,7 +714,7 @@
           <p:cNvPr id="5" name="מציין מיקום של כותרת תחתונה 4">
             <a:extLst>
               <a:ext uri="{FF2B5EF4-FFF2-40B4-BE49-F238E27FC236}">
-                <a16:creationId xmlns:a16="http://schemas.microsoft.com/office/drawing/2014/main" xmlns="" id="{F132B632-E716-4D8F-9C99-6443DF59B06C}"/>
+                <a16:creationId xmlns:a16="http://schemas.microsoft.com/office/drawing/2014/main" id="{F132B632-E716-4D8F-9C99-6443DF59B06C}"/>
               </a:ext>
             </a:extLst>
           </p:cNvPr>
@@ -739,7 +739,7 @@
           <p:cNvPr id="6" name="מציין מיקום של מספר שקופית 5">
             <a:extLst>
               <a:ext uri="{FF2B5EF4-FFF2-40B4-BE49-F238E27FC236}">
-                <a16:creationId xmlns:a16="http://schemas.microsoft.com/office/drawing/2014/main" xmlns="" id="{E5D967A8-E3E5-4818-B2C0-E385FC090DCB}"/>
+                <a16:creationId xmlns:a16="http://schemas.microsoft.com/office/drawing/2014/main" id="{E5D967A8-E3E5-4818-B2C0-E385FC090DCB}"/>
               </a:ext>
             </a:extLst>
           </p:cNvPr>
@@ -798,7 +798,7 @@
           <p:cNvPr id="2" name="כותרת 1">
             <a:extLst>
               <a:ext uri="{FF2B5EF4-FFF2-40B4-BE49-F238E27FC236}">
-                <a16:creationId xmlns:a16="http://schemas.microsoft.com/office/drawing/2014/main" xmlns="" id="{931A3E4B-2665-46C3-A0BB-F65E19AFDD6D}"/>
+                <a16:creationId xmlns:a16="http://schemas.microsoft.com/office/drawing/2014/main" id="{931A3E4B-2665-46C3-A0BB-F65E19AFDD6D}"/>
               </a:ext>
             </a:extLst>
           </p:cNvPr>
@@ -826,7 +826,7 @@
           <p:cNvPr id="3" name="מציין מיקום תוכן 2">
             <a:extLst>
               <a:ext uri="{FF2B5EF4-FFF2-40B4-BE49-F238E27FC236}">
-                <a16:creationId xmlns:a16="http://schemas.microsoft.com/office/drawing/2014/main" xmlns="" id="{7697B1AC-41EF-4CBD-B77B-E2C754B2096A}"/>
+                <a16:creationId xmlns:a16="http://schemas.microsoft.com/office/drawing/2014/main" id="{7697B1AC-41EF-4CBD-B77B-E2C754B2096A}"/>
               </a:ext>
             </a:extLst>
           </p:cNvPr>
@@ -883,7 +883,7 @@
           <p:cNvPr id="4" name="מציין מיקום של תאריך 3">
             <a:extLst>
               <a:ext uri="{FF2B5EF4-FFF2-40B4-BE49-F238E27FC236}">
-                <a16:creationId xmlns:a16="http://schemas.microsoft.com/office/drawing/2014/main" xmlns="" id="{BC866C3B-55A6-4C4C-BB7C-9019995D3852}"/>
+                <a16:creationId xmlns:a16="http://schemas.microsoft.com/office/drawing/2014/main" id="{BC866C3B-55A6-4C4C-BB7C-9019995D3852}"/>
               </a:ext>
             </a:extLst>
           </p:cNvPr>
@@ -901,7 +901,7 @@
           <a:p>
             <a:fld id="{2F696DD7-520A-476F-8728-3D5F2206F502}" type="datetimeFigureOut">
               <a:rPr lang="he-IL" smtClean="0"/>
-              <a:t>י"א/כסלו/תשע"ט</a:t>
+              <a:t>ט"ז/כסלו/תשע"ט</a:t>
             </a:fld>
             <a:endParaRPr lang="he-IL"/>
           </a:p>
@@ -912,7 +912,7 @@
           <p:cNvPr id="5" name="מציין מיקום של כותרת תחתונה 4">
             <a:extLst>
               <a:ext uri="{FF2B5EF4-FFF2-40B4-BE49-F238E27FC236}">
-                <a16:creationId xmlns:a16="http://schemas.microsoft.com/office/drawing/2014/main" xmlns="" id="{4CC7A734-6C2D-40C7-93B6-8C4804AFF9E0}"/>
+                <a16:creationId xmlns:a16="http://schemas.microsoft.com/office/drawing/2014/main" id="{4CC7A734-6C2D-40C7-93B6-8C4804AFF9E0}"/>
               </a:ext>
             </a:extLst>
           </p:cNvPr>
@@ -937,7 +937,7 @@
           <p:cNvPr id="6" name="מציין מיקום של מספר שקופית 5">
             <a:extLst>
               <a:ext uri="{FF2B5EF4-FFF2-40B4-BE49-F238E27FC236}">
-                <a16:creationId xmlns:a16="http://schemas.microsoft.com/office/drawing/2014/main" xmlns="" id="{96537130-D1EA-4FDF-9F8E-2F13E4F71967}"/>
+                <a16:creationId xmlns:a16="http://schemas.microsoft.com/office/drawing/2014/main" id="{96537130-D1EA-4FDF-9F8E-2F13E4F71967}"/>
               </a:ext>
             </a:extLst>
           </p:cNvPr>
@@ -996,7 +996,7 @@
           <p:cNvPr id="2" name="כותרת 1">
             <a:extLst>
               <a:ext uri="{FF2B5EF4-FFF2-40B4-BE49-F238E27FC236}">
-                <a16:creationId xmlns:a16="http://schemas.microsoft.com/office/drawing/2014/main" xmlns="" id="{40971C83-7D6F-41F7-97D8-71106EE94D0C}"/>
+                <a16:creationId xmlns:a16="http://schemas.microsoft.com/office/drawing/2014/main" id="{40971C83-7D6F-41F7-97D8-71106EE94D0C}"/>
               </a:ext>
             </a:extLst>
           </p:cNvPr>
@@ -1033,7 +1033,7 @@
           <p:cNvPr id="3" name="מציין מיקום טקסט 2">
             <a:extLst>
               <a:ext uri="{FF2B5EF4-FFF2-40B4-BE49-F238E27FC236}">
-                <a16:creationId xmlns:a16="http://schemas.microsoft.com/office/drawing/2014/main" xmlns="" id="{A085F6DA-2FAB-41B8-96B3-AD053E8A3428}"/>
+                <a16:creationId xmlns:a16="http://schemas.microsoft.com/office/drawing/2014/main" id="{A085F6DA-2FAB-41B8-96B3-AD053E8A3428}"/>
               </a:ext>
             </a:extLst>
           </p:cNvPr>
@@ -1158,7 +1158,7 @@
           <p:cNvPr id="4" name="מציין מיקום של תאריך 3">
             <a:extLst>
               <a:ext uri="{FF2B5EF4-FFF2-40B4-BE49-F238E27FC236}">
-                <a16:creationId xmlns:a16="http://schemas.microsoft.com/office/drawing/2014/main" xmlns="" id="{AA7E502A-5D2D-4F0A-89C4-A2F003C359AD}"/>
+                <a16:creationId xmlns:a16="http://schemas.microsoft.com/office/drawing/2014/main" id="{AA7E502A-5D2D-4F0A-89C4-A2F003C359AD}"/>
               </a:ext>
             </a:extLst>
           </p:cNvPr>
@@ -1176,7 +1176,7 @@
           <a:p>
             <a:fld id="{2F696DD7-520A-476F-8728-3D5F2206F502}" type="datetimeFigureOut">
               <a:rPr lang="he-IL" smtClean="0"/>
-              <a:t>י"א/כסלו/תשע"ט</a:t>
+              <a:t>ט"ז/כסלו/תשע"ט</a:t>
             </a:fld>
             <a:endParaRPr lang="he-IL"/>
           </a:p>
@@ -1187,7 +1187,7 @@
           <p:cNvPr id="5" name="מציין מיקום של כותרת תחתונה 4">
             <a:extLst>
               <a:ext uri="{FF2B5EF4-FFF2-40B4-BE49-F238E27FC236}">
-                <a16:creationId xmlns:a16="http://schemas.microsoft.com/office/drawing/2014/main" xmlns="" id="{F5BBB1EF-056B-480C-817A-03868D3639A5}"/>
+                <a16:creationId xmlns:a16="http://schemas.microsoft.com/office/drawing/2014/main" id="{F5BBB1EF-056B-480C-817A-03868D3639A5}"/>
               </a:ext>
             </a:extLst>
           </p:cNvPr>
@@ -1212,7 +1212,7 @@
           <p:cNvPr id="6" name="מציין מיקום של מספר שקופית 5">
             <a:extLst>
               <a:ext uri="{FF2B5EF4-FFF2-40B4-BE49-F238E27FC236}">
-                <a16:creationId xmlns:a16="http://schemas.microsoft.com/office/drawing/2014/main" xmlns="" id="{5C599663-ACAB-4911-B04D-50E1557EEB62}"/>
+                <a16:creationId xmlns:a16="http://schemas.microsoft.com/office/drawing/2014/main" id="{5C599663-ACAB-4911-B04D-50E1557EEB62}"/>
               </a:ext>
             </a:extLst>
           </p:cNvPr>
@@ -1271,7 +1271,7 @@
           <p:cNvPr id="2" name="כותרת 1">
             <a:extLst>
               <a:ext uri="{FF2B5EF4-FFF2-40B4-BE49-F238E27FC236}">
-                <a16:creationId xmlns:a16="http://schemas.microsoft.com/office/drawing/2014/main" xmlns="" id="{DD0A3868-464E-4FD5-9FCC-1E60B3B52C4F}"/>
+                <a16:creationId xmlns:a16="http://schemas.microsoft.com/office/drawing/2014/main" id="{DD0A3868-464E-4FD5-9FCC-1E60B3B52C4F}"/>
               </a:ext>
             </a:extLst>
           </p:cNvPr>
@@ -1299,7 +1299,7 @@
           <p:cNvPr id="3" name="מציין מיקום תוכן 2">
             <a:extLst>
               <a:ext uri="{FF2B5EF4-FFF2-40B4-BE49-F238E27FC236}">
-                <a16:creationId xmlns:a16="http://schemas.microsoft.com/office/drawing/2014/main" xmlns="" id="{63A3D9DA-F143-4ABE-8DA7-58681C9AF26A}"/>
+                <a16:creationId xmlns:a16="http://schemas.microsoft.com/office/drawing/2014/main" id="{63A3D9DA-F143-4ABE-8DA7-58681C9AF26A}"/>
               </a:ext>
             </a:extLst>
           </p:cNvPr>
@@ -1361,7 +1361,7 @@
           <p:cNvPr id="4" name="מציין מיקום תוכן 3">
             <a:extLst>
               <a:ext uri="{FF2B5EF4-FFF2-40B4-BE49-F238E27FC236}">
-                <a16:creationId xmlns:a16="http://schemas.microsoft.com/office/drawing/2014/main" xmlns="" id="{419373E1-E04B-4E25-88C1-E4D6A1CFF570}"/>
+                <a16:creationId xmlns:a16="http://schemas.microsoft.com/office/drawing/2014/main" id="{419373E1-E04B-4E25-88C1-E4D6A1CFF570}"/>
               </a:ext>
             </a:extLst>
           </p:cNvPr>
@@ -1423,7 +1423,7 @@
           <p:cNvPr id="5" name="מציין מיקום של תאריך 4">
             <a:extLst>
               <a:ext uri="{FF2B5EF4-FFF2-40B4-BE49-F238E27FC236}">
-                <a16:creationId xmlns:a16="http://schemas.microsoft.com/office/drawing/2014/main" xmlns="" id="{4BE6F1AD-DA0C-465C-92EB-6E665377AB67}"/>
+                <a16:creationId xmlns:a16="http://schemas.microsoft.com/office/drawing/2014/main" id="{4BE6F1AD-DA0C-465C-92EB-6E665377AB67}"/>
               </a:ext>
             </a:extLst>
           </p:cNvPr>
@@ -1441,7 +1441,7 @@
           <a:p>
             <a:fld id="{2F696DD7-520A-476F-8728-3D5F2206F502}" type="datetimeFigureOut">
               <a:rPr lang="he-IL" smtClean="0"/>
-              <a:t>י"א/כסלו/תשע"ט</a:t>
+              <a:t>ט"ז/כסלו/תשע"ט</a:t>
             </a:fld>
             <a:endParaRPr lang="he-IL"/>
           </a:p>
@@ -1452,7 +1452,7 @@
           <p:cNvPr id="6" name="מציין מיקום של כותרת תחתונה 5">
             <a:extLst>
               <a:ext uri="{FF2B5EF4-FFF2-40B4-BE49-F238E27FC236}">
-                <a16:creationId xmlns:a16="http://schemas.microsoft.com/office/drawing/2014/main" xmlns="" id="{B907750E-9F9B-4D32-91FF-305E219979D9}"/>
+                <a16:creationId xmlns:a16="http://schemas.microsoft.com/office/drawing/2014/main" id="{B907750E-9F9B-4D32-91FF-305E219979D9}"/>
               </a:ext>
             </a:extLst>
           </p:cNvPr>
@@ -1477,7 +1477,7 @@
           <p:cNvPr id="7" name="מציין מיקום של מספר שקופית 6">
             <a:extLst>
               <a:ext uri="{FF2B5EF4-FFF2-40B4-BE49-F238E27FC236}">
-                <a16:creationId xmlns:a16="http://schemas.microsoft.com/office/drawing/2014/main" xmlns="" id="{FC6253EC-E05F-4893-8DBE-FB51B62200E5}"/>
+                <a16:creationId xmlns:a16="http://schemas.microsoft.com/office/drawing/2014/main" id="{FC6253EC-E05F-4893-8DBE-FB51B62200E5}"/>
               </a:ext>
             </a:extLst>
           </p:cNvPr>
@@ -1536,7 +1536,7 @@
           <p:cNvPr id="2" name="כותרת 1">
             <a:extLst>
               <a:ext uri="{FF2B5EF4-FFF2-40B4-BE49-F238E27FC236}">
-                <a16:creationId xmlns:a16="http://schemas.microsoft.com/office/drawing/2014/main" xmlns="" id="{47DB465C-F41C-41CC-BD6D-FC963E6F55FE}"/>
+                <a16:creationId xmlns:a16="http://schemas.microsoft.com/office/drawing/2014/main" id="{47DB465C-F41C-41CC-BD6D-FC963E6F55FE}"/>
               </a:ext>
             </a:extLst>
           </p:cNvPr>
@@ -1569,7 +1569,7 @@
           <p:cNvPr id="3" name="מציין מיקום טקסט 2">
             <a:extLst>
               <a:ext uri="{FF2B5EF4-FFF2-40B4-BE49-F238E27FC236}">
-                <a16:creationId xmlns:a16="http://schemas.microsoft.com/office/drawing/2014/main" xmlns="" id="{E7DFF440-C19B-4FE0-ABF8-48C351EF7EFD}"/>
+                <a16:creationId xmlns:a16="http://schemas.microsoft.com/office/drawing/2014/main" id="{E7DFF440-C19B-4FE0-ABF8-48C351EF7EFD}"/>
               </a:ext>
             </a:extLst>
           </p:cNvPr>
@@ -1640,7 +1640,7 @@
           <p:cNvPr id="4" name="מציין מיקום תוכן 3">
             <a:extLst>
               <a:ext uri="{FF2B5EF4-FFF2-40B4-BE49-F238E27FC236}">
-                <a16:creationId xmlns:a16="http://schemas.microsoft.com/office/drawing/2014/main" xmlns="" id="{78F65F6B-721F-4DB0-9593-037DD8FB0EDF}"/>
+                <a16:creationId xmlns:a16="http://schemas.microsoft.com/office/drawing/2014/main" id="{78F65F6B-721F-4DB0-9593-037DD8FB0EDF}"/>
               </a:ext>
             </a:extLst>
           </p:cNvPr>
@@ -1702,7 +1702,7 @@
           <p:cNvPr id="5" name="מציין מיקום טקסט 4">
             <a:extLst>
               <a:ext uri="{FF2B5EF4-FFF2-40B4-BE49-F238E27FC236}">
-                <a16:creationId xmlns:a16="http://schemas.microsoft.com/office/drawing/2014/main" xmlns="" id="{F23891D1-80DD-4189-90BB-9E469CFA29F6}"/>
+                <a16:creationId xmlns:a16="http://schemas.microsoft.com/office/drawing/2014/main" id="{F23891D1-80DD-4189-90BB-9E469CFA29F6}"/>
               </a:ext>
             </a:extLst>
           </p:cNvPr>
@@ -1773,7 +1773,7 @@
           <p:cNvPr id="6" name="מציין מיקום תוכן 5">
             <a:extLst>
               <a:ext uri="{FF2B5EF4-FFF2-40B4-BE49-F238E27FC236}">
-                <a16:creationId xmlns:a16="http://schemas.microsoft.com/office/drawing/2014/main" xmlns="" id="{BE62378F-1633-4361-AD69-9B8529078254}"/>
+                <a16:creationId xmlns:a16="http://schemas.microsoft.com/office/drawing/2014/main" id="{BE62378F-1633-4361-AD69-9B8529078254}"/>
               </a:ext>
             </a:extLst>
           </p:cNvPr>
@@ -1835,7 +1835,7 @@
           <p:cNvPr id="7" name="מציין מיקום של תאריך 6">
             <a:extLst>
               <a:ext uri="{FF2B5EF4-FFF2-40B4-BE49-F238E27FC236}">
-                <a16:creationId xmlns:a16="http://schemas.microsoft.com/office/drawing/2014/main" xmlns="" id="{97E240FF-FA8A-4EC1-836E-B0B1F454096B}"/>
+                <a16:creationId xmlns:a16="http://schemas.microsoft.com/office/drawing/2014/main" id="{97E240FF-FA8A-4EC1-836E-B0B1F454096B}"/>
               </a:ext>
             </a:extLst>
           </p:cNvPr>
@@ -1853,7 +1853,7 @@
           <a:p>
             <a:fld id="{2F696DD7-520A-476F-8728-3D5F2206F502}" type="datetimeFigureOut">
               <a:rPr lang="he-IL" smtClean="0"/>
-              <a:t>י"א/כסלו/תשע"ט</a:t>
+              <a:t>ט"ז/כסלו/תשע"ט</a:t>
             </a:fld>
             <a:endParaRPr lang="he-IL"/>
           </a:p>
@@ -1864,7 +1864,7 @@
           <p:cNvPr id="8" name="מציין מיקום של כותרת תחתונה 7">
             <a:extLst>
               <a:ext uri="{FF2B5EF4-FFF2-40B4-BE49-F238E27FC236}">
-                <a16:creationId xmlns:a16="http://schemas.microsoft.com/office/drawing/2014/main" xmlns="" id="{D3CC7B2D-DF7E-41D7-A109-11CE27E5503D}"/>
+                <a16:creationId xmlns:a16="http://schemas.microsoft.com/office/drawing/2014/main" id="{D3CC7B2D-DF7E-41D7-A109-11CE27E5503D}"/>
               </a:ext>
             </a:extLst>
           </p:cNvPr>
@@ -1889,7 +1889,7 @@
           <p:cNvPr id="9" name="מציין מיקום של מספר שקופית 8">
             <a:extLst>
               <a:ext uri="{FF2B5EF4-FFF2-40B4-BE49-F238E27FC236}">
-                <a16:creationId xmlns:a16="http://schemas.microsoft.com/office/drawing/2014/main" xmlns="" id="{6C96F614-F8A4-4762-BFBE-EA0AD0F76C5C}"/>
+                <a16:creationId xmlns:a16="http://schemas.microsoft.com/office/drawing/2014/main" id="{6C96F614-F8A4-4762-BFBE-EA0AD0F76C5C}"/>
               </a:ext>
             </a:extLst>
           </p:cNvPr>
@@ -1948,7 +1948,7 @@
           <p:cNvPr id="2" name="כותרת 1">
             <a:extLst>
               <a:ext uri="{FF2B5EF4-FFF2-40B4-BE49-F238E27FC236}">
-                <a16:creationId xmlns:a16="http://schemas.microsoft.com/office/drawing/2014/main" xmlns="" id="{9A44189C-A7E5-4077-AD0A-C4D19157838B}"/>
+                <a16:creationId xmlns:a16="http://schemas.microsoft.com/office/drawing/2014/main" id="{9A44189C-A7E5-4077-AD0A-C4D19157838B}"/>
               </a:ext>
             </a:extLst>
           </p:cNvPr>
@@ -1976,7 +1976,7 @@
           <p:cNvPr id="3" name="מציין מיקום של תאריך 2">
             <a:extLst>
               <a:ext uri="{FF2B5EF4-FFF2-40B4-BE49-F238E27FC236}">
-                <a16:creationId xmlns:a16="http://schemas.microsoft.com/office/drawing/2014/main" xmlns="" id="{7399EF21-BBF6-40B3-9C52-5C594355FB67}"/>
+                <a16:creationId xmlns:a16="http://schemas.microsoft.com/office/drawing/2014/main" id="{7399EF21-BBF6-40B3-9C52-5C594355FB67}"/>
               </a:ext>
             </a:extLst>
           </p:cNvPr>
@@ -1994,7 +1994,7 @@
           <a:p>
             <a:fld id="{2F696DD7-520A-476F-8728-3D5F2206F502}" type="datetimeFigureOut">
               <a:rPr lang="he-IL" smtClean="0"/>
-              <a:t>י"א/כסלו/תשע"ט</a:t>
+              <a:t>ט"ז/כסלו/תשע"ט</a:t>
             </a:fld>
             <a:endParaRPr lang="he-IL"/>
           </a:p>
@@ -2005,7 +2005,7 @@
           <p:cNvPr id="4" name="מציין מיקום של כותרת תחתונה 3">
             <a:extLst>
               <a:ext uri="{FF2B5EF4-FFF2-40B4-BE49-F238E27FC236}">
-                <a16:creationId xmlns:a16="http://schemas.microsoft.com/office/drawing/2014/main" xmlns="" id="{94F0F592-DCE4-4F6D-B0F9-E8165B2173AF}"/>
+                <a16:creationId xmlns:a16="http://schemas.microsoft.com/office/drawing/2014/main" id="{94F0F592-DCE4-4F6D-B0F9-E8165B2173AF}"/>
               </a:ext>
             </a:extLst>
           </p:cNvPr>
@@ -2030,7 +2030,7 @@
           <p:cNvPr id="5" name="מציין מיקום של מספר שקופית 4">
             <a:extLst>
               <a:ext uri="{FF2B5EF4-FFF2-40B4-BE49-F238E27FC236}">
-                <a16:creationId xmlns:a16="http://schemas.microsoft.com/office/drawing/2014/main" xmlns="" id="{705A35BF-06E1-4AAA-91A7-63BE01393103}"/>
+                <a16:creationId xmlns:a16="http://schemas.microsoft.com/office/drawing/2014/main" id="{705A35BF-06E1-4AAA-91A7-63BE01393103}"/>
               </a:ext>
             </a:extLst>
           </p:cNvPr>
@@ -2089,7 +2089,7 @@
           <p:cNvPr id="2" name="מציין מיקום של תאריך 1">
             <a:extLst>
               <a:ext uri="{FF2B5EF4-FFF2-40B4-BE49-F238E27FC236}">
-                <a16:creationId xmlns:a16="http://schemas.microsoft.com/office/drawing/2014/main" xmlns="" id="{57AFD463-2AB1-4656-8929-716A72D8BBC4}"/>
+                <a16:creationId xmlns:a16="http://schemas.microsoft.com/office/drawing/2014/main" id="{57AFD463-2AB1-4656-8929-716A72D8BBC4}"/>
               </a:ext>
             </a:extLst>
           </p:cNvPr>
@@ -2107,7 +2107,7 @@
           <a:p>
             <a:fld id="{2F696DD7-520A-476F-8728-3D5F2206F502}" type="datetimeFigureOut">
               <a:rPr lang="he-IL" smtClean="0"/>
-              <a:t>י"א/כסלו/תשע"ט</a:t>
+              <a:t>ט"ז/כסלו/תשע"ט</a:t>
             </a:fld>
             <a:endParaRPr lang="he-IL"/>
           </a:p>
@@ -2118,7 +2118,7 @@
           <p:cNvPr id="3" name="מציין מיקום של כותרת תחתונה 2">
             <a:extLst>
               <a:ext uri="{FF2B5EF4-FFF2-40B4-BE49-F238E27FC236}">
-                <a16:creationId xmlns:a16="http://schemas.microsoft.com/office/drawing/2014/main" xmlns="" id="{652118C9-0B2E-4A7D-B6C1-7695C286D776}"/>
+                <a16:creationId xmlns:a16="http://schemas.microsoft.com/office/drawing/2014/main" id="{652118C9-0B2E-4A7D-B6C1-7695C286D776}"/>
               </a:ext>
             </a:extLst>
           </p:cNvPr>
@@ -2143,7 +2143,7 @@
           <p:cNvPr id="4" name="מציין מיקום של מספר שקופית 3">
             <a:extLst>
               <a:ext uri="{FF2B5EF4-FFF2-40B4-BE49-F238E27FC236}">
-                <a16:creationId xmlns:a16="http://schemas.microsoft.com/office/drawing/2014/main" xmlns="" id="{9360D819-3A9B-47A2-9207-3BDB72D42672}"/>
+                <a16:creationId xmlns:a16="http://schemas.microsoft.com/office/drawing/2014/main" id="{9360D819-3A9B-47A2-9207-3BDB72D42672}"/>
               </a:ext>
             </a:extLst>
           </p:cNvPr>
@@ -2202,7 +2202,7 @@
           <p:cNvPr id="2" name="כותרת 1">
             <a:extLst>
               <a:ext uri="{FF2B5EF4-FFF2-40B4-BE49-F238E27FC236}">
-                <a16:creationId xmlns:a16="http://schemas.microsoft.com/office/drawing/2014/main" xmlns="" id="{E00D396E-7390-4F31-AE78-E2917D2C15CC}"/>
+                <a16:creationId xmlns:a16="http://schemas.microsoft.com/office/drawing/2014/main" id="{E00D396E-7390-4F31-AE78-E2917D2C15CC}"/>
               </a:ext>
             </a:extLst>
           </p:cNvPr>
@@ -2239,7 +2239,7 @@
           <p:cNvPr id="3" name="מציין מיקום תוכן 2">
             <a:extLst>
               <a:ext uri="{FF2B5EF4-FFF2-40B4-BE49-F238E27FC236}">
-                <a16:creationId xmlns:a16="http://schemas.microsoft.com/office/drawing/2014/main" xmlns="" id="{7EA9D75F-D3EC-4D37-B95E-2426AFDA8451}"/>
+                <a16:creationId xmlns:a16="http://schemas.microsoft.com/office/drawing/2014/main" id="{7EA9D75F-D3EC-4D37-B95E-2426AFDA8451}"/>
               </a:ext>
             </a:extLst>
           </p:cNvPr>
@@ -2329,7 +2329,7 @@
           <p:cNvPr id="4" name="מציין מיקום טקסט 3">
             <a:extLst>
               <a:ext uri="{FF2B5EF4-FFF2-40B4-BE49-F238E27FC236}">
-                <a16:creationId xmlns:a16="http://schemas.microsoft.com/office/drawing/2014/main" xmlns="" id="{FDC5C5F1-3A61-406A-8FDF-BE45B9C6DFE3}"/>
+                <a16:creationId xmlns:a16="http://schemas.microsoft.com/office/drawing/2014/main" id="{FDC5C5F1-3A61-406A-8FDF-BE45B9C6DFE3}"/>
               </a:ext>
             </a:extLst>
           </p:cNvPr>
@@ -2400,7 +2400,7 @@
           <p:cNvPr id="5" name="מציין מיקום של תאריך 4">
             <a:extLst>
               <a:ext uri="{FF2B5EF4-FFF2-40B4-BE49-F238E27FC236}">
-                <a16:creationId xmlns:a16="http://schemas.microsoft.com/office/drawing/2014/main" xmlns="" id="{AD431D12-3673-4763-A44F-6081E72DD07B}"/>
+                <a16:creationId xmlns:a16="http://schemas.microsoft.com/office/drawing/2014/main" id="{AD431D12-3673-4763-A44F-6081E72DD07B}"/>
               </a:ext>
             </a:extLst>
           </p:cNvPr>
@@ -2418,7 +2418,7 @@
           <a:p>
             <a:fld id="{2F696DD7-520A-476F-8728-3D5F2206F502}" type="datetimeFigureOut">
               <a:rPr lang="he-IL" smtClean="0"/>
-              <a:t>י"א/כסלו/תשע"ט</a:t>
+              <a:t>ט"ז/כסלו/תשע"ט</a:t>
             </a:fld>
             <a:endParaRPr lang="he-IL"/>
           </a:p>
@@ -2429,7 +2429,7 @@
           <p:cNvPr id="6" name="מציין מיקום של כותרת תחתונה 5">
             <a:extLst>
               <a:ext uri="{FF2B5EF4-FFF2-40B4-BE49-F238E27FC236}">
-                <a16:creationId xmlns:a16="http://schemas.microsoft.com/office/drawing/2014/main" xmlns="" id="{B449A75C-02CB-447B-827F-EC28D062017E}"/>
+                <a16:creationId xmlns:a16="http://schemas.microsoft.com/office/drawing/2014/main" id="{B449A75C-02CB-447B-827F-EC28D062017E}"/>
               </a:ext>
             </a:extLst>
           </p:cNvPr>
@@ -2454,7 +2454,7 @@
           <p:cNvPr id="7" name="מציין מיקום של מספר שקופית 6">
             <a:extLst>
               <a:ext uri="{FF2B5EF4-FFF2-40B4-BE49-F238E27FC236}">
-                <a16:creationId xmlns:a16="http://schemas.microsoft.com/office/drawing/2014/main" xmlns="" id="{47B164F1-F8EA-49FB-8555-D4ECB858174D}"/>
+                <a16:creationId xmlns:a16="http://schemas.microsoft.com/office/drawing/2014/main" id="{47B164F1-F8EA-49FB-8555-D4ECB858174D}"/>
               </a:ext>
             </a:extLst>
           </p:cNvPr>
@@ -2513,7 +2513,7 @@
           <p:cNvPr id="2" name="כותרת 1">
             <a:extLst>
               <a:ext uri="{FF2B5EF4-FFF2-40B4-BE49-F238E27FC236}">
-                <a16:creationId xmlns:a16="http://schemas.microsoft.com/office/drawing/2014/main" xmlns="" id="{0AF1FA81-5530-4651-B224-BD0D083C2F91}"/>
+                <a16:creationId xmlns:a16="http://schemas.microsoft.com/office/drawing/2014/main" id="{0AF1FA81-5530-4651-B224-BD0D083C2F91}"/>
               </a:ext>
             </a:extLst>
           </p:cNvPr>
@@ -2550,7 +2550,7 @@
           <p:cNvPr id="3" name="מציין מיקום של תמונה 2">
             <a:extLst>
               <a:ext uri="{FF2B5EF4-FFF2-40B4-BE49-F238E27FC236}">
-                <a16:creationId xmlns:a16="http://schemas.microsoft.com/office/drawing/2014/main" xmlns="" id="{38BD6F77-402E-4979-BB90-8FF213F37B68}"/>
+                <a16:creationId xmlns:a16="http://schemas.microsoft.com/office/drawing/2014/main" id="{38BD6F77-402E-4979-BB90-8FF213F37B68}"/>
               </a:ext>
             </a:extLst>
           </p:cNvPr>
@@ -2617,7 +2617,7 @@
           <p:cNvPr id="4" name="מציין מיקום טקסט 3">
             <a:extLst>
               <a:ext uri="{FF2B5EF4-FFF2-40B4-BE49-F238E27FC236}">
-                <a16:creationId xmlns:a16="http://schemas.microsoft.com/office/drawing/2014/main" xmlns="" id="{EA81CBFF-FFB6-41E7-ABB5-185497CEFADC}"/>
+                <a16:creationId xmlns:a16="http://schemas.microsoft.com/office/drawing/2014/main" id="{EA81CBFF-FFB6-41E7-ABB5-185497CEFADC}"/>
               </a:ext>
             </a:extLst>
           </p:cNvPr>
@@ -2688,7 +2688,7 @@
           <p:cNvPr id="5" name="מציין מיקום של תאריך 4">
             <a:extLst>
               <a:ext uri="{FF2B5EF4-FFF2-40B4-BE49-F238E27FC236}">
-                <a16:creationId xmlns:a16="http://schemas.microsoft.com/office/drawing/2014/main" xmlns="" id="{170699F3-3511-425B-8B92-AA75928A552D}"/>
+                <a16:creationId xmlns:a16="http://schemas.microsoft.com/office/drawing/2014/main" id="{170699F3-3511-425B-8B92-AA75928A552D}"/>
               </a:ext>
             </a:extLst>
           </p:cNvPr>
@@ -2706,7 +2706,7 @@
           <a:p>
             <a:fld id="{2F696DD7-520A-476F-8728-3D5F2206F502}" type="datetimeFigureOut">
               <a:rPr lang="he-IL" smtClean="0"/>
-              <a:t>י"א/כסלו/תשע"ט</a:t>
+              <a:t>ט"ז/כסלו/תשע"ט</a:t>
             </a:fld>
             <a:endParaRPr lang="he-IL"/>
           </a:p>
@@ -2717,7 +2717,7 @@
           <p:cNvPr id="6" name="מציין מיקום של כותרת תחתונה 5">
             <a:extLst>
               <a:ext uri="{FF2B5EF4-FFF2-40B4-BE49-F238E27FC236}">
-                <a16:creationId xmlns:a16="http://schemas.microsoft.com/office/drawing/2014/main" xmlns="" id="{6A9333E6-7CAF-40F5-9761-38CBE52C4D48}"/>
+                <a16:creationId xmlns:a16="http://schemas.microsoft.com/office/drawing/2014/main" id="{6A9333E6-7CAF-40F5-9761-38CBE52C4D48}"/>
               </a:ext>
             </a:extLst>
           </p:cNvPr>
@@ -2742,7 +2742,7 @@
           <p:cNvPr id="7" name="מציין מיקום של מספר שקופית 6">
             <a:extLst>
               <a:ext uri="{FF2B5EF4-FFF2-40B4-BE49-F238E27FC236}">
-                <a16:creationId xmlns:a16="http://schemas.microsoft.com/office/drawing/2014/main" xmlns="" id="{F8E13EEE-C28D-4B06-9A95-140360963413}"/>
+                <a16:creationId xmlns:a16="http://schemas.microsoft.com/office/drawing/2014/main" id="{F8E13EEE-C28D-4B06-9A95-140360963413}"/>
               </a:ext>
             </a:extLst>
           </p:cNvPr>
@@ -2806,7 +2806,7 @@
           <p:cNvPr id="2" name="מציין מיקום של כותרת 1">
             <a:extLst>
               <a:ext uri="{FF2B5EF4-FFF2-40B4-BE49-F238E27FC236}">
-                <a16:creationId xmlns:a16="http://schemas.microsoft.com/office/drawing/2014/main" xmlns="" id="{A074CD9A-0475-4783-91F4-C2F2B2D37FE8}"/>
+                <a16:creationId xmlns:a16="http://schemas.microsoft.com/office/drawing/2014/main" id="{A074CD9A-0475-4783-91F4-C2F2B2D37FE8}"/>
               </a:ext>
             </a:extLst>
           </p:cNvPr>
@@ -2844,7 +2844,7 @@
           <p:cNvPr id="3" name="מציין מיקום טקסט 2">
             <a:extLst>
               <a:ext uri="{FF2B5EF4-FFF2-40B4-BE49-F238E27FC236}">
-                <a16:creationId xmlns:a16="http://schemas.microsoft.com/office/drawing/2014/main" xmlns="" id="{2BD0F4FC-2DD7-4176-9AC8-78C0E69F903D}"/>
+                <a16:creationId xmlns:a16="http://schemas.microsoft.com/office/drawing/2014/main" id="{2BD0F4FC-2DD7-4176-9AC8-78C0E69F903D}"/>
               </a:ext>
             </a:extLst>
           </p:cNvPr>
@@ -2911,7 +2911,7 @@
           <p:cNvPr id="4" name="מציין מיקום של תאריך 3">
             <a:extLst>
               <a:ext uri="{FF2B5EF4-FFF2-40B4-BE49-F238E27FC236}">
-                <a16:creationId xmlns:a16="http://schemas.microsoft.com/office/drawing/2014/main" xmlns="" id="{2A4E754E-FB15-4507-973D-1427749E1D55}"/>
+                <a16:creationId xmlns:a16="http://schemas.microsoft.com/office/drawing/2014/main" id="{2A4E754E-FB15-4507-973D-1427749E1D55}"/>
               </a:ext>
             </a:extLst>
           </p:cNvPr>
@@ -2947,7 +2947,7 @@
           <a:p>
             <a:fld id="{2F696DD7-520A-476F-8728-3D5F2206F502}" type="datetimeFigureOut">
               <a:rPr lang="he-IL" smtClean="0"/>
-              <a:t>י"א/כסלו/תשע"ט</a:t>
+              <a:t>ט"ז/כסלו/תשע"ט</a:t>
             </a:fld>
             <a:endParaRPr lang="he-IL"/>
           </a:p>
@@ -2958,7 +2958,7 @@
           <p:cNvPr id="5" name="מציין מיקום של כותרת תחתונה 4">
             <a:extLst>
               <a:ext uri="{FF2B5EF4-FFF2-40B4-BE49-F238E27FC236}">
-                <a16:creationId xmlns:a16="http://schemas.microsoft.com/office/drawing/2014/main" xmlns="" id="{8ABD12E6-9889-4BFB-91AA-233C5F04DCB0}"/>
+                <a16:creationId xmlns:a16="http://schemas.microsoft.com/office/drawing/2014/main" id="{8ABD12E6-9889-4BFB-91AA-233C5F04DCB0}"/>
               </a:ext>
             </a:extLst>
           </p:cNvPr>
@@ -3001,7 +3001,7 @@
           <p:cNvPr id="6" name="מציין מיקום של מספר שקופית 5">
             <a:extLst>
               <a:ext uri="{FF2B5EF4-FFF2-40B4-BE49-F238E27FC236}">
-                <a16:creationId xmlns:a16="http://schemas.microsoft.com/office/drawing/2014/main" xmlns="" id="{4E3B5264-AF7F-48F6-902F-E2C4154A8391}"/>
+                <a16:creationId xmlns:a16="http://schemas.microsoft.com/office/drawing/2014/main" id="{4E3B5264-AF7F-48F6-902F-E2C4154A8391}"/>
               </a:ext>
             </a:extLst>
           </p:cNvPr>
@@ -3369,7 +3369,7 @@
           <p:cNvPr id="7" name="TextBox 6">
             <a:extLst>
               <a:ext uri="{FF2B5EF4-FFF2-40B4-BE49-F238E27FC236}">
-                <a16:creationId xmlns:a16="http://schemas.microsoft.com/office/drawing/2014/main" xmlns="" id="{2A34298B-CE0F-419C-B443-CF751037D207}"/>
+                <a16:creationId xmlns:a16="http://schemas.microsoft.com/office/drawing/2014/main" id="{2A34298B-CE0F-419C-B443-CF751037D207}"/>
               </a:ext>
             </a:extLst>
           </p:cNvPr>
@@ -3404,7 +3404,7 @@
             <a:hlinkClick r:id="rId2" action="ppaction://hlinksldjump"/>
             <a:extLst>
               <a:ext uri="{FF2B5EF4-FFF2-40B4-BE49-F238E27FC236}">
-                <a16:creationId xmlns:a16="http://schemas.microsoft.com/office/drawing/2014/main" xmlns="" id="{1FD023DD-0FF8-4F63-AF64-4F79C45ADC2D}"/>
+                <a16:creationId xmlns:a16="http://schemas.microsoft.com/office/drawing/2014/main" id="{1FD023DD-0FF8-4F63-AF64-4F79C45ADC2D}"/>
               </a:ext>
             </a:extLst>
           </p:cNvPr>
@@ -3463,7 +3463,7 @@
             <a:hlinkClick r:id="rId3" action="ppaction://hlinksldjump"/>
             <a:extLst>
               <a:ext uri="{FF2B5EF4-FFF2-40B4-BE49-F238E27FC236}">
-                <a16:creationId xmlns:a16="http://schemas.microsoft.com/office/drawing/2014/main" xmlns="" id="{A59F8BDF-C661-4909-9386-6947E20F42FA}"/>
+                <a16:creationId xmlns:a16="http://schemas.microsoft.com/office/drawing/2014/main" id="{A59F8BDF-C661-4909-9386-6947E20F42FA}"/>
               </a:ext>
             </a:extLst>
           </p:cNvPr>
@@ -3525,7 +3525,7 @@
           <p:cNvPr id="11" name="מלבן 10">
             <a:extLst>
               <a:ext uri="{FF2B5EF4-FFF2-40B4-BE49-F238E27FC236}">
-                <a16:creationId xmlns:a16="http://schemas.microsoft.com/office/drawing/2014/main" xmlns="" id="{FEF74455-1A42-42CF-9E53-FB9AAB23BFC0}"/>
+                <a16:creationId xmlns:a16="http://schemas.microsoft.com/office/drawing/2014/main" id="{FEF74455-1A42-42CF-9E53-FB9AAB23BFC0}"/>
               </a:ext>
             </a:extLst>
           </p:cNvPr>
@@ -3577,7 +3577,7 @@
           <p:cNvPr id="13" name="תמונה 12">
             <a:extLst>
               <a:ext uri="{FF2B5EF4-FFF2-40B4-BE49-F238E27FC236}">
-                <a16:creationId xmlns:a16="http://schemas.microsoft.com/office/drawing/2014/main" xmlns="" id="{6B8D5635-1790-4293-AC1E-49BBCE7DA201}"/>
+                <a16:creationId xmlns:a16="http://schemas.microsoft.com/office/drawing/2014/main" id="{6B8D5635-1790-4293-AC1E-49BBCE7DA201}"/>
               </a:ext>
             </a:extLst>
           </p:cNvPr>
@@ -3637,7 +3637,7 @@
           <p:cNvPr id="5" name="כותרת 1">
             <a:extLst>
               <a:ext uri="{FF2B5EF4-FFF2-40B4-BE49-F238E27FC236}">
-                <a16:creationId xmlns:a16="http://schemas.microsoft.com/office/drawing/2014/main" xmlns="" id="{C40F7549-C363-45AB-BA91-4D097C5CC44C}"/>
+                <a16:creationId xmlns:a16="http://schemas.microsoft.com/office/drawing/2014/main" id="{C40F7549-C363-45AB-BA91-4D097C5CC44C}"/>
               </a:ext>
             </a:extLst>
           </p:cNvPr>
@@ -3693,7 +3693,7 @@
           <p:cNvPr id="6" name="TextBox 5">
             <a:extLst>
               <a:ext uri="{FF2B5EF4-FFF2-40B4-BE49-F238E27FC236}">
-                <a16:creationId xmlns:a16="http://schemas.microsoft.com/office/drawing/2014/main" xmlns="" id="{9F9F58F4-1254-471A-AFAE-F112A083C569}"/>
+                <a16:creationId xmlns:a16="http://schemas.microsoft.com/office/drawing/2014/main" id="{9F9F58F4-1254-471A-AFAE-F112A083C569}"/>
               </a:ext>
             </a:extLst>
           </p:cNvPr>
@@ -3742,7 +3742,7 @@
             <a:hlinkClick r:id="rId2" action="ppaction://hlinksldjump"/>
             <a:extLst>
               <a:ext uri="{FF2B5EF4-FFF2-40B4-BE49-F238E27FC236}">
-                <a16:creationId xmlns:a16="http://schemas.microsoft.com/office/drawing/2014/main" xmlns="" id="{A2C2366D-6015-4A14-94E2-B3AB35965050}"/>
+                <a16:creationId xmlns:a16="http://schemas.microsoft.com/office/drawing/2014/main" id="{A2C2366D-6015-4A14-94E2-B3AB35965050}"/>
               </a:ext>
             </a:extLst>
           </p:cNvPr>
@@ -3805,7 +3805,7 @@
             <a:hlinkClick r:id="rId3" action="ppaction://hlinksldjump"/>
             <a:extLst>
               <a:ext uri="{FF2B5EF4-FFF2-40B4-BE49-F238E27FC236}">
-                <a16:creationId xmlns:a16="http://schemas.microsoft.com/office/drawing/2014/main" xmlns="" id="{E0C08EF2-8C92-4EAE-B838-BEC02EEB7CF1}"/>
+                <a16:creationId xmlns:a16="http://schemas.microsoft.com/office/drawing/2014/main" id="{E0C08EF2-8C92-4EAE-B838-BEC02EEB7CF1}"/>
               </a:ext>
             </a:extLst>
           </p:cNvPr>
@@ -3836,7 +3836,7 @@
             <a:hlinkClick r:id="rId5" action="ppaction://hlinksldjump"/>
             <a:extLst>
               <a:ext uri="{FF2B5EF4-FFF2-40B4-BE49-F238E27FC236}">
-                <a16:creationId xmlns:a16="http://schemas.microsoft.com/office/drawing/2014/main" xmlns="" id="{97FD8794-251B-4A0F-864B-89E94F05AE27}"/>
+                <a16:creationId xmlns:a16="http://schemas.microsoft.com/office/drawing/2014/main" id="{97FD8794-251B-4A0F-864B-89E94F05AE27}"/>
               </a:ext>
             </a:extLst>
           </p:cNvPr>
@@ -3912,7 +3912,7 @@
             <a:hlinkClick r:id="rId6" action="ppaction://hlinksldjump"/>
             <a:extLst>
               <a:ext uri="{FF2B5EF4-FFF2-40B4-BE49-F238E27FC236}">
-                <a16:creationId xmlns:a16="http://schemas.microsoft.com/office/drawing/2014/main" xmlns="" id="{6CD19A4C-F55E-49D8-A6A9-16C5B15E84FD}"/>
+                <a16:creationId xmlns:a16="http://schemas.microsoft.com/office/drawing/2014/main" id="{6CD19A4C-F55E-49D8-A6A9-16C5B15E84FD}"/>
               </a:ext>
             </a:extLst>
           </p:cNvPr>
@@ -3977,7 +3977,7 @@
             <a:hlinkClick r:id="rId7" action="ppaction://hlinksldjump"/>
             <a:extLst>
               <a:ext uri="{FF2B5EF4-FFF2-40B4-BE49-F238E27FC236}">
-                <a16:creationId xmlns:a16="http://schemas.microsoft.com/office/drawing/2014/main" xmlns="" id="{4160DC91-399F-43AB-AEDF-2D33FDA303C1}"/>
+                <a16:creationId xmlns:a16="http://schemas.microsoft.com/office/drawing/2014/main" id="{4160DC91-399F-43AB-AEDF-2D33FDA303C1}"/>
               </a:ext>
             </a:extLst>
           </p:cNvPr>
@@ -4042,7 +4042,7 @@
             <a:hlinkClick r:id="rId8" action="ppaction://hlinksldjump"/>
             <a:extLst>
               <a:ext uri="{FF2B5EF4-FFF2-40B4-BE49-F238E27FC236}">
-                <a16:creationId xmlns:a16="http://schemas.microsoft.com/office/drawing/2014/main" xmlns="" id="{F3AACF8C-D67D-4B77-A23E-EFA0EA4CD4E0}"/>
+                <a16:creationId xmlns:a16="http://schemas.microsoft.com/office/drawing/2014/main" id="{F3AACF8C-D67D-4B77-A23E-EFA0EA4CD4E0}"/>
               </a:ext>
             </a:extLst>
           </p:cNvPr>
@@ -4086,7 +4086,7 @@
           <a:p>
             <a:pPr algn="ctr"/>
             <a:r>
-              <a:rPr lang="en-GB" sz="2400" dirty="0" smtClean="0">
+              <a:rPr lang="en-GB" sz="2400" dirty="0">
                 <a:solidFill>
                   <a:srgbClr val="92D050"/>
                 </a:solidFill>
@@ -4136,7 +4136,7 @@
           <p:cNvPr id="2" name="כותרת 1">
             <a:extLst>
               <a:ext uri="{FF2B5EF4-FFF2-40B4-BE49-F238E27FC236}">
-                <a16:creationId xmlns:a16="http://schemas.microsoft.com/office/drawing/2014/main" xmlns="" id="{8D99CC99-F642-4FF3-B6C3-664106E0735C}"/>
+                <a16:creationId xmlns:a16="http://schemas.microsoft.com/office/drawing/2014/main" id="{8D99CC99-F642-4FF3-B6C3-664106E0735C}"/>
               </a:ext>
             </a:extLst>
           </p:cNvPr>
@@ -4182,7 +4182,7 @@
           <p:cNvPr id="3" name="כותרת משנה 2">
             <a:extLst>
               <a:ext uri="{FF2B5EF4-FFF2-40B4-BE49-F238E27FC236}">
-                <a16:creationId xmlns:a16="http://schemas.microsoft.com/office/drawing/2014/main" xmlns="" id="{51E243ED-2629-466A-BF86-F432772E8DF5}"/>
+                <a16:creationId xmlns:a16="http://schemas.microsoft.com/office/drawing/2014/main" id="{51E243ED-2629-466A-BF86-F432772E8DF5}"/>
               </a:ext>
             </a:extLst>
           </p:cNvPr>
@@ -4226,7 +4226,7 @@
             <a:hlinkClick r:id="rId2" action="ppaction://hlinksldjump"/>
             <a:extLst>
               <a:ext uri="{FF2B5EF4-FFF2-40B4-BE49-F238E27FC236}">
-                <a16:creationId xmlns:a16="http://schemas.microsoft.com/office/drawing/2014/main" xmlns="" id="{2A06FD91-96A8-4A2D-9407-4F87E5E2762D}"/>
+                <a16:creationId xmlns:a16="http://schemas.microsoft.com/office/drawing/2014/main" id="{2A06FD91-96A8-4A2D-9407-4F87E5E2762D}"/>
               </a:ext>
             </a:extLst>
           </p:cNvPr>
@@ -4298,7 +4298,7 @@
             <a:hlinkClick r:id="rId3" action="ppaction://hlinksldjump"/>
             <a:extLst>
               <a:ext uri="{FF2B5EF4-FFF2-40B4-BE49-F238E27FC236}">
-                <a16:creationId xmlns:a16="http://schemas.microsoft.com/office/drawing/2014/main" xmlns="" id="{BC7F3C19-4BCC-4BC1-A26C-2973BC343B7C}"/>
+                <a16:creationId xmlns:a16="http://schemas.microsoft.com/office/drawing/2014/main" id="{BC7F3C19-4BCC-4BC1-A26C-2973BC343B7C}"/>
               </a:ext>
             </a:extLst>
           </p:cNvPr>
@@ -4363,7 +4363,7 @@
           <p:cNvPr id="9" name="מלבן: פינות מעוגלות 8">
             <a:extLst>
               <a:ext uri="{FF2B5EF4-FFF2-40B4-BE49-F238E27FC236}">
-                <a16:creationId xmlns:a16="http://schemas.microsoft.com/office/drawing/2014/main" xmlns="" id="{244B42EF-985A-4B1D-87D7-167E4CC40D65}"/>
+                <a16:creationId xmlns:a16="http://schemas.microsoft.com/office/drawing/2014/main" id="{244B42EF-985A-4B1D-87D7-167E4CC40D65}"/>
               </a:ext>
             </a:extLst>
           </p:cNvPr>
@@ -4420,7 +4420,7 @@
           <p:cNvPr id="10" name="TextBox 9">
             <a:extLst>
               <a:ext uri="{FF2B5EF4-FFF2-40B4-BE49-F238E27FC236}">
-                <a16:creationId xmlns:a16="http://schemas.microsoft.com/office/drawing/2014/main" xmlns="" id="{32A9558C-48FD-4ACD-A791-F77D88137FB2}"/>
+                <a16:creationId xmlns:a16="http://schemas.microsoft.com/office/drawing/2014/main" id="{32A9558C-48FD-4ACD-A791-F77D88137FB2}"/>
               </a:ext>
             </a:extLst>
           </p:cNvPr>
@@ -4460,7 +4460,7 @@
           <p:cNvPr id="12" name="תמונה 11">
             <a:extLst>
               <a:ext uri="{FF2B5EF4-FFF2-40B4-BE49-F238E27FC236}">
-                <a16:creationId xmlns:a16="http://schemas.microsoft.com/office/drawing/2014/main" xmlns="" id="{CA490BAD-C18B-4C3A-8A51-CE64A97D60A0}"/>
+                <a16:creationId xmlns:a16="http://schemas.microsoft.com/office/drawing/2014/main" id="{CA490BAD-C18B-4C3A-8A51-CE64A97D60A0}"/>
               </a:ext>
             </a:extLst>
           </p:cNvPr>
@@ -4490,7 +4490,7 @@
           <p:cNvPr id="13" name="TextBox 12">
             <a:extLst>
               <a:ext uri="{FF2B5EF4-FFF2-40B4-BE49-F238E27FC236}">
-                <a16:creationId xmlns:a16="http://schemas.microsoft.com/office/drawing/2014/main" xmlns="" id="{0A1D3DC5-9E3C-4C7E-BB78-26A3A94DE0B1}"/>
+                <a16:creationId xmlns:a16="http://schemas.microsoft.com/office/drawing/2014/main" id="{0A1D3DC5-9E3C-4C7E-BB78-26A3A94DE0B1}"/>
               </a:ext>
             </a:extLst>
           </p:cNvPr>
@@ -4530,7 +4530,7 @@
           <p:cNvPr id="14" name="תמונה 13">
             <a:extLst>
               <a:ext uri="{FF2B5EF4-FFF2-40B4-BE49-F238E27FC236}">
-                <a16:creationId xmlns:a16="http://schemas.microsoft.com/office/drawing/2014/main" xmlns="" id="{3874E7B7-2657-4122-A8CE-007670A03F96}"/>
+                <a16:creationId xmlns:a16="http://schemas.microsoft.com/office/drawing/2014/main" id="{3874E7B7-2657-4122-A8CE-007670A03F96}"/>
               </a:ext>
             </a:extLst>
           </p:cNvPr>
@@ -4560,7 +4560,7 @@
           <p:cNvPr id="15" name="TextBox 14">
             <a:extLst>
               <a:ext uri="{FF2B5EF4-FFF2-40B4-BE49-F238E27FC236}">
-                <a16:creationId xmlns:a16="http://schemas.microsoft.com/office/drawing/2014/main" xmlns="" id="{6903690B-E079-4F17-9B1B-70A839A08CD8}"/>
+                <a16:creationId xmlns:a16="http://schemas.microsoft.com/office/drawing/2014/main" id="{6903690B-E079-4F17-9B1B-70A839A08CD8}"/>
               </a:ext>
             </a:extLst>
           </p:cNvPr>
@@ -4601,7 +4601,7 @@
             <a:hlinkClick r:id="rId6" action="ppaction://hlinksldjump"/>
             <a:extLst>
               <a:ext uri="{FF2B5EF4-FFF2-40B4-BE49-F238E27FC236}">
-                <a16:creationId xmlns:a16="http://schemas.microsoft.com/office/drawing/2014/main" xmlns="" id="{01D9B498-25EC-484E-B713-17D8DD18BF77}"/>
+                <a16:creationId xmlns:a16="http://schemas.microsoft.com/office/drawing/2014/main" id="{01D9B498-25EC-484E-B713-17D8DD18BF77}"/>
               </a:ext>
             </a:extLst>
           </p:cNvPr>
@@ -4631,7 +4631,7 @@
           <p:cNvPr id="18" name="כותרת משנה 2">
             <a:extLst>
               <a:ext uri="{FF2B5EF4-FFF2-40B4-BE49-F238E27FC236}">
-                <a16:creationId xmlns:a16="http://schemas.microsoft.com/office/drawing/2014/main" xmlns="" id="{E4F9A06C-4C55-4AB7-B920-9ED59C0C2CC8}"/>
+                <a16:creationId xmlns:a16="http://schemas.microsoft.com/office/drawing/2014/main" id="{E4F9A06C-4C55-4AB7-B920-9ED59C0C2CC8}"/>
               </a:ext>
             </a:extLst>
           </p:cNvPr>
@@ -4838,7 +4838,7 @@
           <p:cNvPr id="19" name="מלבן: פינות מעוגלות 18">
             <a:extLst>
               <a:ext uri="{FF2B5EF4-FFF2-40B4-BE49-F238E27FC236}">
-                <a16:creationId xmlns:a16="http://schemas.microsoft.com/office/drawing/2014/main" xmlns="" id="{9B946297-8BEB-46DE-9C57-8D7745A20ED0}"/>
+                <a16:creationId xmlns:a16="http://schemas.microsoft.com/office/drawing/2014/main" id="{9B946297-8BEB-46DE-9C57-8D7745A20ED0}"/>
               </a:ext>
             </a:extLst>
           </p:cNvPr>
@@ -4895,7 +4895,7 @@
           <p:cNvPr id="20" name="Picture 4" descr="×ª××× × ×§×©××¨×">
             <a:extLst>
               <a:ext uri="{FF2B5EF4-FFF2-40B4-BE49-F238E27FC236}">
-                <a16:creationId xmlns:a16="http://schemas.microsoft.com/office/drawing/2014/main" xmlns="" id="{C22A0C5D-76BB-47F0-88FF-7936290D307B}"/>
+                <a16:creationId xmlns:a16="http://schemas.microsoft.com/office/drawing/2014/main" id="{C22A0C5D-76BB-47F0-88FF-7936290D307B}"/>
               </a:ext>
             </a:extLst>
           </p:cNvPr>
@@ -4942,7 +4942,7 @@
           <p:cNvPr id="21" name="מלבן: פינות מעוגלות 20">
             <a:extLst>
               <a:ext uri="{FF2B5EF4-FFF2-40B4-BE49-F238E27FC236}">
-                <a16:creationId xmlns:a16="http://schemas.microsoft.com/office/drawing/2014/main" xmlns="" id="{766C7385-0E22-4515-A441-ADAD76FA0BF8}"/>
+                <a16:creationId xmlns:a16="http://schemas.microsoft.com/office/drawing/2014/main" id="{766C7385-0E22-4515-A441-ADAD76FA0BF8}"/>
               </a:ext>
             </a:extLst>
           </p:cNvPr>
@@ -4999,7 +4999,7 @@
           <p:cNvPr id="22" name="טבלה 21">
             <a:extLst>
               <a:ext uri="{FF2B5EF4-FFF2-40B4-BE49-F238E27FC236}">
-                <a16:creationId xmlns:a16="http://schemas.microsoft.com/office/drawing/2014/main" xmlns="" id="{C90886BA-A453-4E39-A639-DB63FCA5AA9B}"/>
+                <a16:creationId xmlns:a16="http://schemas.microsoft.com/office/drawing/2014/main" id="{C90886BA-A453-4E39-A639-DB63FCA5AA9B}"/>
               </a:ext>
             </a:extLst>
           </p:cNvPr>
@@ -5028,7 +5028,7 @@
                 <a:gridCol w="2971281">
                   <a:extLst>
                     <a:ext uri="{9D8B030D-6E8A-4147-A177-3AD203B41FA5}">
-                      <a16:colId xmlns:a16="http://schemas.microsoft.com/office/drawing/2014/main" xmlns="" val="2343234628"/>
+                      <a16:colId xmlns:a16="http://schemas.microsoft.com/office/drawing/2014/main" val="2343234628"/>
                     </a:ext>
                   </a:extLst>
                 </a:gridCol>
@@ -5050,7 +5050,7 @@
                 </a:tc>
                 <a:extLst>
                   <a:ext uri="{0D108BD9-81ED-4DB2-BD59-A6C34878D82A}">
-                    <a16:rowId xmlns:a16="http://schemas.microsoft.com/office/drawing/2014/main" xmlns="" val="2878763511"/>
+                    <a16:rowId xmlns:a16="http://schemas.microsoft.com/office/drawing/2014/main" val="2878763511"/>
                   </a:ext>
                 </a:extLst>
               </a:tr>
@@ -5088,7 +5088,7 @@
                 </a:tc>
                 <a:extLst>
                   <a:ext uri="{0D108BD9-81ED-4DB2-BD59-A6C34878D82A}">
-                    <a16:rowId xmlns:a16="http://schemas.microsoft.com/office/drawing/2014/main" xmlns="" val="3036631769"/>
+                    <a16:rowId xmlns:a16="http://schemas.microsoft.com/office/drawing/2014/main" val="3036631769"/>
                   </a:ext>
                 </a:extLst>
               </a:tr>
@@ -5126,7 +5126,7 @@
                 </a:tc>
                 <a:extLst>
                   <a:ext uri="{0D108BD9-81ED-4DB2-BD59-A6C34878D82A}">
-                    <a16:rowId xmlns:a16="http://schemas.microsoft.com/office/drawing/2014/main" xmlns="" val="794648582"/>
+                    <a16:rowId xmlns:a16="http://schemas.microsoft.com/office/drawing/2014/main" val="794648582"/>
                   </a:ext>
                 </a:extLst>
               </a:tr>
@@ -5164,7 +5164,7 @@
                 </a:tc>
                 <a:extLst>
                   <a:ext uri="{0D108BD9-81ED-4DB2-BD59-A6C34878D82A}">
-                    <a16:rowId xmlns:a16="http://schemas.microsoft.com/office/drawing/2014/main" xmlns="" val="4093646392"/>
+                    <a16:rowId xmlns:a16="http://schemas.microsoft.com/office/drawing/2014/main" val="4093646392"/>
                   </a:ext>
                 </a:extLst>
               </a:tr>
@@ -5202,7 +5202,7 @@
                 </a:tc>
                 <a:extLst>
                   <a:ext uri="{0D108BD9-81ED-4DB2-BD59-A6C34878D82A}">
-                    <a16:rowId xmlns:a16="http://schemas.microsoft.com/office/drawing/2014/main" xmlns="" val="734820375"/>
+                    <a16:rowId xmlns:a16="http://schemas.microsoft.com/office/drawing/2014/main" val="734820375"/>
                   </a:ext>
                 </a:extLst>
               </a:tr>
@@ -5215,7 +5215,7 @@
           <p:cNvPr id="23" name="כותרת משנה 2">
             <a:extLst>
               <a:ext uri="{FF2B5EF4-FFF2-40B4-BE49-F238E27FC236}">
-                <a16:creationId xmlns:a16="http://schemas.microsoft.com/office/drawing/2014/main" xmlns="" id="{FE249E1B-A5CC-4B37-AB40-7E4DF93379F5}"/>
+                <a16:creationId xmlns:a16="http://schemas.microsoft.com/office/drawing/2014/main" id="{FE249E1B-A5CC-4B37-AB40-7E4DF93379F5}"/>
               </a:ext>
             </a:extLst>
           </p:cNvPr>
@@ -5403,7 +5403,7 @@
           </a:lstStyle>
           <a:p>
             <a:r>
-              <a:rPr lang="en-GB" sz="2300" dirty="0" smtClean="0">
+              <a:rPr lang="en-GB" sz="2300" dirty="0">
                 <a:latin typeface="+mj-lt"/>
               </a:rPr>
               <a:t>Event Number 351</a:t>
@@ -5411,7 +5411,7 @@
           </a:p>
           <a:p>
             <a:r>
-              <a:rPr lang="en-GB" sz="2300" dirty="0" smtClean="0">
+              <a:rPr lang="en-GB" sz="2300" dirty="0">
                 <a:latin typeface="+mj-lt"/>
               </a:rPr>
               <a:t>Date: 19/11/2018 22:18</a:t>
@@ -5419,7 +5419,7 @@
           </a:p>
           <a:p>
             <a:r>
-              <a:rPr lang="en-GB" sz="2300" dirty="0" smtClean="0">
+              <a:rPr lang="en-GB" sz="2300" dirty="0">
                 <a:latin typeface="+mj-lt"/>
               </a:rPr>
               <a:t>Status: In Process</a:t>
@@ -5479,7 +5479,7 @@
           <p:cNvPr id="2" name="כותרת 1">
             <a:extLst>
               <a:ext uri="{FF2B5EF4-FFF2-40B4-BE49-F238E27FC236}">
-                <a16:creationId xmlns:a16="http://schemas.microsoft.com/office/drawing/2014/main" xmlns="" id="{83590A85-8A38-4156-8E98-731E7CBADFA9}"/>
+                <a16:creationId xmlns:a16="http://schemas.microsoft.com/office/drawing/2014/main" id="{83590A85-8A38-4156-8E98-731E7CBADFA9}"/>
               </a:ext>
             </a:extLst>
           </p:cNvPr>
@@ -5523,7 +5523,7 @@
           <p:cNvPr id="4" name="TextBox 3">
             <a:extLst>
               <a:ext uri="{FF2B5EF4-FFF2-40B4-BE49-F238E27FC236}">
-                <a16:creationId xmlns:a16="http://schemas.microsoft.com/office/drawing/2014/main" xmlns="" id="{48DA418F-825C-46DD-BF03-443F69BAD165}"/>
+                <a16:creationId xmlns:a16="http://schemas.microsoft.com/office/drawing/2014/main" id="{48DA418F-825C-46DD-BF03-443F69BAD165}"/>
               </a:ext>
             </a:extLst>
           </p:cNvPr>
@@ -5577,7 +5577,7 @@
             <a:hlinkClick r:id="rId2" action="ppaction://hlinksldjump"/>
             <a:extLst>
               <a:ext uri="{FF2B5EF4-FFF2-40B4-BE49-F238E27FC236}">
-                <a16:creationId xmlns:a16="http://schemas.microsoft.com/office/drawing/2014/main" xmlns="" id="{8B98B82A-B940-4A6B-BF72-44DF9250E74F}"/>
+                <a16:creationId xmlns:a16="http://schemas.microsoft.com/office/drawing/2014/main" id="{8B98B82A-B940-4A6B-BF72-44DF9250E74F}"/>
               </a:ext>
             </a:extLst>
           </p:cNvPr>
@@ -5669,7 +5669,7 @@
           <p:cNvPr id="2" name="כותרת 1">
             <a:extLst>
               <a:ext uri="{FF2B5EF4-FFF2-40B4-BE49-F238E27FC236}">
-                <a16:creationId xmlns:a16="http://schemas.microsoft.com/office/drawing/2014/main" xmlns="" id="{F96EB23A-7A3E-4AC6-B4D4-56EF2056204E}"/>
+                <a16:creationId xmlns:a16="http://schemas.microsoft.com/office/drawing/2014/main" id="{F96EB23A-7A3E-4AC6-B4D4-56EF2056204E}"/>
               </a:ext>
             </a:extLst>
           </p:cNvPr>
@@ -5699,14 +5699,6 @@
                 </a:solidFill>
               </a:rPr>
               <a:t>Pending Events</a:t>
-            </a:r>
-            <a:r>
-              <a:rPr lang="he-IL" dirty="0">
-                <a:solidFill>
-                  <a:srgbClr val="92D050"/>
-                </a:solidFill>
-              </a:rPr>
-              <a:t/>
             </a:r>
             <a:br>
               <a:rPr lang="he-IL" dirty="0">
@@ -5724,7 +5716,7 @@
           <p:cNvPr id="4" name="טבלה 3">
             <a:extLst>
               <a:ext uri="{FF2B5EF4-FFF2-40B4-BE49-F238E27FC236}">
-                <a16:creationId xmlns:a16="http://schemas.microsoft.com/office/drawing/2014/main" xmlns="" id="{3AB076C3-8766-4D03-8386-4FA0CE688B6B}"/>
+                <a16:creationId xmlns:a16="http://schemas.microsoft.com/office/drawing/2014/main" id="{3AB076C3-8766-4D03-8386-4FA0CE688B6B}"/>
               </a:ext>
             </a:extLst>
           </p:cNvPr>
@@ -5753,63 +5745,63 @@
                 <a:gridCol w="1233826">
                   <a:extLst>
                     <a:ext uri="{9D8B030D-6E8A-4147-A177-3AD203B41FA5}">
-                      <a16:colId xmlns:a16="http://schemas.microsoft.com/office/drawing/2014/main" xmlns="" val="3614517155"/>
+                      <a16:colId xmlns:a16="http://schemas.microsoft.com/office/drawing/2014/main" val="3614517155"/>
                     </a:ext>
                   </a:extLst>
                 </a:gridCol>
                 <a:gridCol w="1044976">
                   <a:extLst>
                     <a:ext uri="{9D8B030D-6E8A-4147-A177-3AD203B41FA5}">
-                      <a16:colId xmlns:a16="http://schemas.microsoft.com/office/drawing/2014/main" xmlns="" val="149255907"/>
+                      <a16:colId xmlns:a16="http://schemas.microsoft.com/office/drawing/2014/main" val="149255907"/>
                     </a:ext>
                   </a:extLst>
                 </a:gridCol>
                 <a:gridCol w="982027">
                   <a:extLst>
                     <a:ext uri="{9D8B030D-6E8A-4147-A177-3AD203B41FA5}">
-                      <a16:colId xmlns:a16="http://schemas.microsoft.com/office/drawing/2014/main" xmlns="" val="2726573482"/>
+                      <a16:colId xmlns:a16="http://schemas.microsoft.com/office/drawing/2014/main" val="2726573482"/>
                     </a:ext>
                   </a:extLst>
                 </a:gridCol>
                 <a:gridCol w="1435268">
                   <a:extLst>
                     <a:ext uri="{9D8B030D-6E8A-4147-A177-3AD203B41FA5}">
-                      <a16:colId xmlns:a16="http://schemas.microsoft.com/office/drawing/2014/main" xmlns="" val="1847903682"/>
+                      <a16:colId xmlns:a16="http://schemas.microsoft.com/office/drawing/2014/main" val="1847903682"/>
                     </a:ext>
                   </a:extLst>
                 </a:gridCol>
                 <a:gridCol w="1271597">
                   <a:extLst>
                     <a:ext uri="{9D8B030D-6E8A-4147-A177-3AD203B41FA5}">
-                      <a16:colId xmlns:a16="http://schemas.microsoft.com/office/drawing/2014/main" xmlns="" val="3853517344"/>
+                      <a16:colId xmlns:a16="http://schemas.microsoft.com/office/drawing/2014/main" val="3853517344"/>
                     </a:ext>
                   </a:extLst>
                 </a:gridCol>
                 <a:gridCol w="1347506">
                   <a:extLst>
                     <a:ext uri="{9D8B030D-6E8A-4147-A177-3AD203B41FA5}">
-                      <a16:colId xmlns:a16="http://schemas.microsoft.com/office/drawing/2014/main" xmlns="" val="2137394321"/>
+                      <a16:colId xmlns:a16="http://schemas.microsoft.com/office/drawing/2014/main" val="2137394321"/>
                     </a:ext>
                   </a:extLst>
                 </a:gridCol>
                 <a:gridCol w="1352811">
                   <a:extLst>
                     <a:ext uri="{9D8B030D-6E8A-4147-A177-3AD203B41FA5}">
-                      <a16:colId xmlns:a16="http://schemas.microsoft.com/office/drawing/2014/main" xmlns="" val="2033288465"/>
+                      <a16:colId xmlns:a16="http://schemas.microsoft.com/office/drawing/2014/main" val="2033288465"/>
                     </a:ext>
                   </a:extLst>
                 </a:gridCol>
                 <a:gridCol w="1038935">
                   <a:extLst>
                     <a:ext uri="{9D8B030D-6E8A-4147-A177-3AD203B41FA5}">
-                      <a16:colId xmlns:a16="http://schemas.microsoft.com/office/drawing/2014/main" xmlns="" val="4245539016"/>
+                      <a16:colId xmlns:a16="http://schemas.microsoft.com/office/drawing/2014/main" val="4245539016"/>
                     </a:ext>
                   </a:extLst>
                 </a:gridCol>
                 <a:gridCol w="1315958">
                   <a:extLst>
                     <a:ext uri="{9D8B030D-6E8A-4147-A177-3AD203B41FA5}">
-                      <a16:colId xmlns:a16="http://schemas.microsoft.com/office/drawing/2014/main" xmlns="" val="1191744740"/>
+                      <a16:colId xmlns:a16="http://schemas.microsoft.com/office/drawing/2014/main" val="1191744740"/>
                     </a:ext>
                   </a:extLst>
                 </a:gridCol>
@@ -5952,7 +5944,7 @@
                 </a:tc>
                 <a:extLst>
                   <a:ext uri="{0D108BD9-81ED-4DB2-BD59-A6C34878D82A}">
-                    <a16:rowId xmlns:a16="http://schemas.microsoft.com/office/drawing/2014/main" xmlns="" val="1228919773"/>
+                    <a16:rowId xmlns:a16="http://schemas.microsoft.com/office/drawing/2014/main" val="1228919773"/>
                   </a:ext>
                 </a:extLst>
               </a:tr>
@@ -6121,7 +6113,7 @@
                 </a:tc>
                 <a:extLst>
                   <a:ext uri="{0D108BD9-81ED-4DB2-BD59-A6C34878D82A}">
-                    <a16:rowId xmlns:a16="http://schemas.microsoft.com/office/drawing/2014/main" xmlns="" val="4120531732"/>
+                    <a16:rowId xmlns:a16="http://schemas.microsoft.com/office/drawing/2014/main" val="4120531732"/>
                   </a:ext>
                 </a:extLst>
               </a:tr>
@@ -6269,7 +6261,7 @@
                 </a:tc>
                 <a:extLst>
                   <a:ext uri="{0D108BD9-81ED-4DB2-BD59-A6C34878D82A}">
-                    <a16:rowId xmlns:a16="http://schemas.microsoft.com/office/drawing/2014/main" xmlns="" val="3981230142"/>
+                    <a16:rowId xmlns:a16="http://schemas.microsoft.com/office/drawing/2014/main" val="3981230142"/>
                   </a:ext>
                 </a:extLst>
               </a:tr>
@@ -6417,7 +6409,7 @@
                 </a:tc>
                 <a:extLst>
                   <a:ext uri="{0D108BD9-81ED-4DB2-BD59-A6C34878D82A}">
-                    <a16:rowId xmlns:a16="http://schemas.microsoft.com/office/drawing/2014/main" xmlns="" val="4122735466"/>
+                    <a16:rowId xmlns:a16="http://schemas.microsoft.com/office/drawing/2014/main" val="4122735466"/>
                   </a:ext>
                 </a:extLst>
               </a:tr>
@@ -6431,7 +6423,7 @@
             <a:hlinkClick r:id="rId2" action="ppaction://hlinksldjump"/>
             <a:extLst>
               <a:ext uri="{FF2B5EF4-FFF2-40B4-BE49-F238E27FC236}">
-                <a16:creationId xmlns:a16="http://schemas.microsoft.com/office/drawing/2014/main" xmlns="" id="{E4FF3082-96DF-4BD7-B903-399DF7D0AC4A}"/>
+                <a16:creationId xmlns:a16="http://schemas.microsoft.com/office/drawing/2014/main" id="{E4FF3082-96DF-4BD7-B903-399DF7D0AC4A}"/>
               </a:ext>
             </a:extLst>
           </p:cNvPr>
@@ -6486,7 +6478,7 @@
             <a:hlinkClick r:id="rId3" action="ppaction://hlinksldjump"/>
             <a:extLst>
               <a:ext uri="{FF2B5EF4-FFF2-40B4-BE49-F238E27FC236}">
-                <a16:creationId xmlns:a16="http://schemas.microsoft.com/office/drawing/2014/main" xmlns="" id="{E1DDF279-BAEE-4D2C-B482-8589BA526128}"/>
+                <a16:creationId xmlns:a16="http://schemas.microsoft.com/office/drawing/2014/main" id="{E1DDF279-BAEE-4D2C-B482-8589BA526128}"/>
               </a:ext>
             </a:extLst>
           </p:cNvPr>
@@ -6517,7 +6509,7 @@
             <a:hlinkClick r:id="rId5" action="ppaction://hlinksldjump"/>
             <a:extLst>
               <a:ext uri="{FF2B5EF4-FFF2-40B4-BE49-F238E27FC236}">
-                <a16:creationId xmlns:a16="http://schemas.microsoft.com/office/drawing/2014/main" xmlns="" id="{8240D119-CF05-4264-B608-56F28821DF13}"/>
+                <a16:creationId xmlns:a16="http://schemas.microsoft.com/office/drawing/2014/main" id="{8240D119-CF05-4264-B608-56F28821DF13}"/>
               </a:ext>
             </a:extLst>
           </p:cNvPr>
@@ -6548,7 +6540,7 @@
             <a:hlinkClick r:id="rId6" action="ppaction://hlinksldjump"/>
             <a:extLst>
               <a:ext uri="{FF2B5EF4-FFF2-40B4-BE49-F238E27FC236}">
-                <a16:creationId xmlns:a16="http://schemas.microsoft.com/office/drawing/2014/main" xmlns="" id="{3A96E15C-BA44-4AB6-8F43-46E6CE6B349F}"/>
+                <a16:creationId xmlns:a16="http://schemas.microsoft.com/office/drawing/2014/main" id="{3A96E15C-BA44-4AB6-8F43-46E6CE6B349F}"/>
               </a:ext>
             </a:extLst>
           </p:cNvPr>
@@ -6579,7 +6571,7 @@
             <a:hlinkClick r:id="rId8" action="ppaction://hlinksldjump"/>
             <a:extLst>
               <a:ext uri="{FF2B5EF4-FFF2-40B4-BE49-F238E27FC236}">
-                <a16:creationId xmlns:a16="http://schemas.microsoft.com/office/drawing/2014/main" xmlns="" id="{433E26BB-985A-4CB8-A700-4B05EB3DD514}"/>
+                <a16:creationId xmlns:a16="http://schemas.microsoft.com/office/drawing/2014/main" id="{433E26BB-985A-4CB8-A700-4B05EB3DD514}"/>
               </a:ext>
             </a:extLst>
           </p:cNvPr>
@@ -6667,7 +6659,7 @@
           <p:cNvPr id="2" name="כותרת 1">
             <a:extLst>
               <a:ext uri="{FF2B5EF4-FFF2-40B4-BE49-F238E27FC236}">
-                <a16:creationId xmlns:a16="http://schemas.microsoft.com/office/drawing/2014/main" xmlns="" id="{BC2D913F-277F-423E-A958-92674200E817}"/>
+                <a16:creationId xmlns:a16="http://schemas.microsoft.com/office/drawing/2014/main" id="{BC2D913F-277F-423E-A958-92674200E817}"/>
               </a:ext>
             </a:extLst>
           </p:cNvPr>
@@ -6711,7 +6703,7 @@
           <p:cNvPr id="4" name="תמונה 3">
             <a:extLst>
               <a:ext uri="{FF2B5EF4-FFF2-40B4-BE49-F238E27FC236}">
-                <a16:creationId xmlns:a16="http://schemas.microsoft.com/office/drawing/2014/main" xmlns="" id="{B37EDCDE-EB74-41B6-A821-37E0F1B544AE}"/>
+                <a16:creationId xmlns:a16="http://schemas.microsoft.com/office/drawing/2014/main" id="{B37EDCDE-EB74-41B6-A821-37E0F1B544AE}"/>
               </a:ext>
             </a:extLst>
           </p:cNvPr>
@@ -6741,7 +6733,7 @@
           <p:cNvPr id="5" name="מלבן: פינות מעוגלות 4">
             <a:extLst>
               <a:ext uri="{FF2B5EF4-FFF2-40B4-BE49-F238E27FC236}">
-                <a16:creationId xmlns:a16="http://schemas.microsoft.com/office/drawing/2014/main" xmlns="" id="{8B48FE70-1732-4913-AA76-F85756413ED7}"/>
+                <a16:creationId xmlns:a16="http://schemas.microsoft.com/office/drawing/2014/main" id="{8B48FE70-1732-4913-AA76-F85756413ED7}"/>
               </a:ext>
             </a:extLst>
           </p:cNvPr>
@@ -6807,7 +6799,7 @@
           <p:cNvPr id="6" name="TextBox 5">
             <a:extLst>
               <a:ext uri="{FF2B5EF4-FFF2-40B4-BE49-F238E27FC236}">
-                <a16:creationId xmlns:a16="http://schemas.microsoft.com/office/drawing/2014/main" xmlns="" id="{6ED17ACC-47D6-4772-AA68-960D58B84335}"/>
+                <a16:creationId xmlns:a16="http://schemas.microsoft.com/office/drawing/2014/main" id="{6ED17ACC-47D6-4772-AA68-960D58B84335}"/>
               </a:ext>
             </a:extLst>
           </p:cNvPr>
@@ -6847,7 +6839,7 @@
           <p:cNvPr id="7" name="מלבן: פינות מעוגלות 6">
             <a:extLst>
               <a:ext uri="{FF2B5EF4-FFF2-40B4-BE49-F238E27FC236}">
-                <a16:creationId xmlns:a16="http://schemas.microsoft.com/office/drawing/2014/main" xmlns="" id="{75F0202B-FE35-4A2C-9E0D-6DCB69296AB5}"/>
+                <a16:creationId xmlns:a16="http://schemas.microsoft.com/office/drawing/2014/main" id="{75F0202B-FE35-4A2C-9E0D-6DCB69296AB5}"/>
               </a:ext>
             </a:extLst>
           </p:cNvPr>
@@ -6913,7 +6905,7 @@
           <p:cNvPr id="8" name="מלבן 7">
             <a:extLst>
               <a:ext uri="{FF2B5EF4-FFF2-40B4-BE49-F238E27FC236}">
-                <a16:creationId xmlns:a16="http://schemas.microsoft.com/office/drawing/2014/main" xmlns="" id="{5DF25F94-3E5C-4EE1-9144-24209DC1C41E}"/>
+                <a16:creationId xmlns:a16="http://schemas.microsoft.com/office/drawing/2014/main" id="{5DF25F94-3E5C-4EE1-9144-24209DC1C41E}"/>
               </a:ext>
             </a:extLst>
           </p:cNvPr>
@@ -6952,7 +6944,7 @@
           <p:cNvPr id="9" name="מלבן: פינות מעוגלות 8">
             <a:extLst>
               <a:ext uri="{FF2B5EF4-FFF2-40B4-BE49-F238E27FC236}">
-                <a16:creationId xmlns:a16="http://schemas.microsoft.com/office/drawing/2014/main" xmlns="" id="{1866EB00-2E51-487C-A5A6-274DDBC3A019}"/>
+                <a16:creationId xmlns:a16="http://schemas.microsoft.com/office/drawing/2014/main" id="{1866EB00-2E51-487C-A5A6-274DDBC3A019}"/>
               </a:ext>
             </a:extLst>
           </p:cNvPr>
@@ -7021,7 +7013,7 @@
           <p:cNvPr id="10" name="מלבן 9">
             <a:extLst>
               <a:ext uri="{FF2B5EF4-FFF2-40B4-BE49-F238E27FC236}">
-                <a16:creationId xmlns:a16="http://schemas.microsoft.com/office/drawing/2014/main" xmlns="" id="{71E6019A-5478-4BCF-80F4-4733F14542B7}"/>
+                <a16:creationId xmlns:a16="http://schemas.microsoft.com/office/drawing/2014/main" id="{71E6019A-5478-4BCF-80F4-4733F14542B7}"/>
               </a:ext>
             </a:extLst>
           </p:cNvPr>
@@ -7060,7 +7052,7 @@
           <p:cNvPr id="12" name="מלבן 11">
             <a:extLst>
               <a:ext uri="{FF2B5EF4-FFF2-40B4-BE49-F238E27FC236}">
-                <a16:creationId xmlns:a16="http://schemas.microsoft.com/office/drawing/2014/main" xmlns="" id="{0770C8DE-ED77-49A4-8F6E-CC63C76BEB9B}"/>
+                <a16:creationId xmlns:a16="http://schemas.microsoft.com/office/drawing/2014/main" id="{0770C8DE-ED77-49A4-8F6E-CC63C76BEB9B}"/>
               </a:ext>
             </a:extLst>
           </p:cNvPr>
@@ -7099,7 +7091,7 @@
           <p:cNvPr id="13" name="מלבן: פינות מעוגלות 12">
             <a:extLst>
               <a:ext uri="{FF2B5EF4-FFF2-40B4-BE49-F238E27FC236}">
-                <a16:creationId xmlns:a16="http://schemas.microsoft.com/office/drawing/2014/main" xmlns="" id="{6E1DC836-6F56-444B-A265-2566D8E5E3D4}"/>
+                <a16:creationId xmlns:a16="http://schemas.microsoft.com/office/drawing/2014/main" id="{6E1DC836-6F56-444B-A265-2566D8E5E3D4}"/>
               </a:ext>
             </a:extLst>
           </p:cNvPr>
@@ -7168,7 +7160,7 @@
           <p:cNvPr id="14" name="מלבן 13">
             <a:extLst>
               <a:ext uri="{FF2B5EF4-FFF2-40B4-BE49-F238E27FC236}">
-                <a16:creationId xmlns:a16="http://schemas.microsoft.com/office/drawing/2014/main" xmlns="" id="{04CFE674-DE28-4698-B45E-B8A3D3E3C1DD}"/>
+                <a16:creationId xmlns:a16="http://schemas.microsoft.com/office/drawing/2014/main" id="{04CFE674-DE28-4698-B45E-B8A3D3E3C1DD}"/>
               </a:ext>
             </a:extLst>
           </p:cNvPr>
@@ -7207,7 +7199,7 @@
           <p:cNvPr id="16" name="מלבן: פינות מעוגלות 15">
             <a:extLst>
               <a:ext uri="{FF2B5EF4-FFF2-40B4-BE49-F238E27FC236}">
-                <a16:creationId xmlns:a16="http://schemas.microsoft.com/office/drawing/2014/main" xmlns="" id="{AE9605A6-E1B3-416A-B135-2F2A31E09D37}"/>
+                <a16:creationId xmlns:a16="http://schemas.microsoft.com/office/drawing/2014/main" id="{AE9605A6-E1B3-416A-B135-2F2A31E09D37}"/>
               </a:ext>
             </a:extLst>
           </p:cNvPr>
@@ -7276,7 +7268,7 @@
           <p:cNvPr id="17" name="מלבן 16">
             <a:extLst>
               <a:ext uri="{FF2B5EF4-FFF2-40B4-BE49-F238E27FC236}">
-                <a16:creationId xmlns:a16="http://schemas.microsoft.com/office/drawing/2014/main" xmlns="" id="{91FCAC0F-1E7D-4E31-AD0D-240A82A2909D}"/>
+                <a16:creationId xmlns:a16="http://schemas.microsoft.com/office/drawing/2014/main" id="{91FCAC0F-1E7D-4E31-AD0D-240A82A2909D}"/>
               </a:ext>
             </a:extLst>
           </p:cNvPr>
@@ -7315,7 +7307,7 @@
           <p:cNvPr id="18" name="מלבן: פינות מעוגלות 17">
             <a:extLst>
               <a:ext uri="{FF2B5EF4-FFF2-40B4-BE49-F238E27FC236}">
-                <a16:creationId xmlns:a16="http://schemas.microsoft.com/office/drawing/2014/main" xmlns="" id="{60443BDE-CEFF-492E-8DE2-E317F641BF8F}"/>
+                <a16:creationId xmlns:a16="http://schemas.microsoft.com/office/drawing/2014/main" id="{60443BDE-CEFF-492E-8DE2-E317F641BF8F}"/>
               </a:ext>
             </a:extLst>
           </p:cNvPr>
@@ -7385,7 +7377,7 @@
             <a:hlinkClick r:id="rId3" action="ppaction://hlinksldjump"/>
             <a:extLst>
               <a:ext uri="{FF2B5EF4-FFF2-40B4-BE49-F238E27FC236}">
-                <a16:creationId xmlns:a16="http://schemas.microsoft.com/office/drawing/2014/main" xmlns="" id="{6B158D41-A738-4F7E-9A09-ECF635A56B69}"/>
+                <a16:creationId xmlns:a16="http://schemas.microsoft.com/office/drawing/2014/main" id="{6B158D41-A738-4F7E-9A09-ECF635A56B69}"/>
               </a:ext>
             </a:extLst>
           </p:cNvPr>
@@ -7451,7 +7443,7 @@
           <p:cNvPr id="21" name="TextBox 20">
             <a:extLst>
               <a:ext uri="{FF2B5EF4-FFF2-40B4-BE49-F238E27FC236}">
-                <a16:creationId xmlns:a16="http://schemas.microsoft.com/office/drawing/2014/main" xmlns="" id="{D72ACC15-4CD4-451F-9D84-A955C5FB4DF1}"/>
+                <a16:creationId xmlns:a16="http://schemas.microsoft.com/office/drawing/2014/main" id="{D72ACC15-4CD4-451F-9D84-A955C5FB4DF1}"/>
               </a:ext>
             </a:extLst>
           </p:cNvPr>
@@ -7491,7 +7483,7 @@
           <p:cNvPr id="22" name="מלבן 21">
             <a:extLst>
               <a:ext uri="{FF2B5EF4-FFF2-40B4-BE49-F238E27FC236}">
-                <a16:creationId xmlns:a16="http://schemas.microsoft.com/office/drawing/2014/main" xmlns="" id="{8FF21C78-51B9-42FF-A2A6-FA24E77383F1}"/>
+                <a16:creationId xmlns:a16="http://schemas.microsoft.com/office/drawing/2014/main" id="{8FF21C78-51B9-42FF-A2A6-FA24E77383F1}"/>
               </a:ext>
             </a:extLst>
           </p:cNvPr>
@@ -7535,7 +7527,7 @@
             <a:hlinkClick r:id="rId4" action="ppaction://hlinksldjump"/>
             <a:extLst>
               <a:ext uri="{FF2B5EF4-FFF2-40B4-BE49-F238E27FC236}">
-                <a16:creationId xmlns:a16="http://schemas.microsoft.com/office/drawing/2014/main" xmlns="" id="{47E8A654-6835-4FEB-BEEB-B3BB0FE77461}"/>
+                <a16:creationId xmlns:a16="http://schemas.microsoft.com/office/drawing/2014/main" id="{47E8A654-6835-4FEB-BEEB-B3BB0FE77461}"/>
               </a:ext>
             </a:extLst>
           </p:cNvPr>
@@ -7566,7 +7558,7 @@
             <a:hlinkClick r:id="rId3" action="ppaction://hlinksldjump"/>
             <a:extLst>
               <a:ext uri="{FF2B5EF4-FFF2-40B4-BE49-F238E27FC236}">
-                <a16:creationId xmlns:a16="http://schemas.microsoft.com/office/drawing/2014/main" xmlns="" id="{FB881B91-E77C-4761-A163-D9174626BBE0}"/>
+                <a16:creationId xmlns:a16="http://schemas.microsoft.com/office/drawing/2014/main" id="{FB881B91-E77C-4761-A163-D9174626BBE0}"/>
               </a:ext>
             </a:extLst>
           </p:cNvPr>
@@ -7624,7 +7616,7 @@
           <p:cNvPr id="25" name="מלבן 24">
             <a:extLst>
               <a:ext uri="{FF2B5EF4-FFF2-40B4-BE49-F238E27FC236}">
-                <a16:creationId xmlns:a16="http://schemas.microsoft.com/office/drawing/2014/main" xmlns="" id="{C0F1C086-51BD-44B9-847E-6F3848F26414}"/>
+                <a16:creationId xmlns:a16="http://schemas.microsoft.com/office/drawing/2014/main" id="{C0F1C086-51BD-44B9-847E-6F3848F26414}"/>
               </a:ext>
             </a:extLst>
           </p:cNvPr>
@@ -7668,7 +7660,7 @@
           <p:cNvPr id="26" name="טבלה 25">
             <a:extLst>
               <a:ext uri="{FF2B5EF4-FFF2-40B4-BE49-F238E27FC236}">
-                <a16:creationId xmlns:a16="http://schemas.microsoft.com/office/drawing/2014/main" xmlns="" id="{30857BC8-10AD-453C-A596-ED4E78DD0304}"/>
+                <a16:creationId xmlns:a16="http://schemas.microsoft.com/office/drawing/2014/main" id="{30857BC8-10AD-453C-A596-ED4E78DD0304}"/>
               </a:ext>
             </a:extLst>
           </p:cNvPr>
@@ -7697,7 +7689,7 @@
                 <a:gridCol w="3012511">
                   <a:extLst>
                     <a:ext uri="{9D8B030D-6E8A-4147-A177-3AD203B41FA5}">
-                      <a16:colId xmlns:a16="http://schemas.microsoft.com/office/drawing/2014/main" xmlns="" val="2343234628"/>
+                      <a16:colId xmlns:a16="http://schemas.microsoft.com/office/drawing/2014/main" val="2343234628"/>
                     </a:ext>
                   </a:extLst>
                 </a:gridCol>
@@ -7719,7 +7711,7 @@
                 </a:tc>
                 <a:extLst>
                   <a:ext uri="{0D108BD9-81ED-4DB2-BD59-A6C34878D82A}">
-                    <a16:rowId xmlns:a16="http://schemas.microsoft.com/office/drawing/2014/main" xmlns="" val="2878763511"/>
+                    <a16:rowId xmlns:a16="http://schemas.microsoft.com/office/drawing/2014/main" val="2878763511"/>
                   </a:ext>
                 </a:extLst>
               </a:tr>
@@ -7757,7 +7749,7 @@
                 </a:tc>
                 <a:extLst>
                   <a:ext uri="{0D108BD9-81ED-4DB2-BD59-A6C34878D82A}">
-                    <a16:rowId xmlns:a16="http://schemas.microsoft.com/office/drawing/2014/main" xmlns="" val="3036631769"/>
+                    <a16:rowId xmlns:a16="http://schemas.microsoft.com/office/drawing/2014/main" val="3036631769"/>
                   </a:ext>
                 </a:extLst>
               </a:tr>
@@ -7770,7 +7762,7 @@
           <p:cNvPr id="27" name="Picture 4" descr="×ª××× × ×§×©××¨×">
             <a:extLst>
               <a:ext uri="{FF2B5EF4-FFF2-40B4-BE49-F238E27FC236}">
-                <a16:creationId xmlns:a16="http://schemas.microsoft.com/office/drawing/2014/main" xmlns="" id="{775EBD01-408D-4B13-B2D2-7EAAFCE644DB}"/>
+                <a16:creationId xmlns:a16="http://schemas.microsoft.com/office/drawing/2014/main" id="{775EBD01-408D-4B13-B2D2-7EAAFCE644DB}"/>
               </a:ext>
             </a:extLst>
           </p:cNvPr>
@@ -7817,7 +7809,7 @@
           <p:cNvPr id="28" name="Picture 4" descr="×ª××× × ×§×©××¨×">
             <a:extLst>
               <a:ext uri="{FF2B5EF4-FFF2-40B4-BE49-F238E27FC236}">
-                <a16:creationId xmlns:a16="http://schemas.microsoft.com/office/drawing/2014/main" xmlns="" id="{CF8E49C3-E307-4816-ADD0-F4A8F6AA0F44}"/>
+                <a16:creationId xmlns:a16="http://schemas.microsoft.com/office/drawing/2014/main" id="{CF8E49C3-E307-4816-ADD0-F4A8F6AA0F44}"/>
               </a:ext>
             </a:extLst>
           </p:cNvPr>
@@ -7864,7 +7856,7 @@
           <p:cNvPr id="29" name="Picture 4" descr="×ª××× × ×§×©××¨×">
             <a:extLst>
               <a:ext uri="{FF2B5EF4-FFF2-40B4-BE49-F238E27FC236}">
-                <a16:creationId xmlns:a16="http://schemas.microsoft.com/office/drawing/2014/main" xmlns="" id="{AC9E9B1D-EE90-4F74-AEA0-CFCF8913DE34}"/>
+                <a16:creationId xmlns:a16="http://schemas.microsoft.com/office/drawing/2014/main" id="{AC9E9B1D-EE90-4F74-AEA0-CFCF8913DE34}"/>
               </a:ext>
             </a:extLst>
           </p:cNvPr>
@@ -7911,7 +7903,7 @@
           <p:cNvPr id="30" name="Picture 4" descr="×ª××× × ×§×©××¨×">
             <a:extLst>
               <a:ext uri="{FF2B5EF4-FFF2-40B4-BE49-F238E27FC236}">
-                <a16:creationId xmlns:a16="http://schemas.microsoft.com/office/drawing/2014/main" xmlns="" id="{3B6A59D6-5548-4B34-BE15-08AC48A8921D}"/>
+                <a16:creationId xmlns:a16="http://schemas.microsoft.com/office/drawing/2014/main" id="{3B6A59D6-5548-4B34-BE15-08AC48A8921D}"/>
               </a:ext>
             </a:extLst>
           </p:cNvPr>
@@ -7958,7 +7950,7 @@
           <p:cNvPr id="31" name="מלבן 30">
             <a:extLst>
               <a:ext uri="{FF2B5EF4-FFF2-40B4-BE49-F238E27FC236}">
-                <a16:creationId xmlns:a16="http://schemas.microsoft.com/office/drawing/2014/main" xmlns="" id="{F4D4ACCA-A9F5-457D-98B6-75459272A375}"/>
+                <a16:creationId xmlns:a16="http://schemas.microsoft.com/office/drawing/2014/main" id="{F4D4ACCA-A9F5-457D-98B6-75459272A375}"/>
               </a:ext>
             </a:extLst>
           </p:cNvPr>
@@ -7997,7 +7989,7 @@
           <p:cNvPr id="32" name="מלבן: פינות מעוגלות 31">
             <a:extLst>
               <a:ext uri="{FF2B5EF4-FFF2-40B4-BE49-F238E27FC236}">
-                <a16:creationId xmlns:a16="http://schemas.microsoft.com/office/drawing/2014/main" xmlns="" id="{8B60E453-3F16-49ED-893D-8B6B255846F6}"/>
+                <a16:creationId xmlns:a16="http://schemas.microsoft.com/office/drawing/2014/main" id="{8B60E453-3F16-49ED-893D-8B6B255846F6}"/>
               </a:ext>
             </a:extLst>
           </p:cNvPr>
@@ -8058,7 +8050,7 @@
           <p:cNvPr id="33" name="כותרת משנה 2">
             <a:extLst>
               <a:ext uri="{FF2B5EF4-FFF2-40B4-BE49-F238E27FC236}">
-                <a16:creationId xmlns:a16="http://schemas.microsoft.com/office/drawing/2014/main" xmlns="" id="{99123D63-F5E8-40A8-9526-CB904C0F8658}"/>
+                <a16:creationId xmlns:a16="http://schemas.microsoft.com/office/drawing/2014/main" id="{99123D63-F5E8-40A8-9526-CB904C0F8658}"/>
               </a:ext>
             </a:extLst>
           </p:cNvPr>
@@ -8265,7 +8257,7 @@
           <p:cNvPr id="34" name="כותרת משנה 2">
             <a:extLst>
               <a:ext uri="{FF2B5EF4-FFF2-40B4-BE49-F238E27FC236}">
-                <a16:creationId xmlns:a16="http://schemas.microsoft.com/office/drawing/2014/main" xmlns="" id="{1696835A-7EF1-4B20-B97D-B9B3116F7EAA}"/>
+                <a16:creationId xmlns:a16="http://schemas.microsoft.com/office/drawing/2014/main" id="{1696835A-7EF1-4B20-B97D-B9B3116F7EAA}"/>
               </a:ext>
             </a:extLst>
           </p:cNvPr>
@@ -8502,7 +8494,7 @@
           <p:cNvPr id="2" name="כותרת 1">
             <a:extLst>
               <a:ext uri="{FF2B5EF4-FFF2-40B4-BE49-F238E27FC236}">
-                <a16:creationId xmlns:a16="http://schemas.microsoft.com/office/drawing/2014/main" xmlns="" id="{EFB632E9-6F29-44D2-8A20-232572234AC2}"/>
+                <a16:creationId xmlns:a16="http://schemas.microsoft.com/office/drawing/2014/main" id="{EFB632E9-6F29-44D2-8A20-232572234AC2}"/>
               </a:ext>
             </a:extLst>
           </p:cNvPr>
@@ -8542,7 +8534,7 @@
           <p:cNvPr id="4" name="תמונה 3">
             <a:extLst>
               <a:ext uri="{FF2B5EF4-FFF2-40B4-BE49-F238E27FC236}">
-                <a16:creationId xmlns:a16="http://schemas.microsoft.com/office/drawing/2014/main" xmlns="" id="{7469C87B-64C9-4046-9FFF-AD545D1289F1}"/>
+                <a16:creationId xmlns:a16="http://schemas.microsoft.com/office/drawing/2014/main" id="{7469C87B-64C9-4046-9FFF-AD545D1289F1}"/>
               </a:ext>
             </a:extLst>
           </p:cNvPr>
@@ -8572,7 +8564,7 @@
           <p:cNvPr id="5" name="מלבן: פינות מעוגלות 4">
             <a:extLst>
               <a:ext uri="{FF2B5EF4-FFF2-40B4-BE49-F238E27FC236}">
-                <a16:creationId xmlns:a16="http://schemas.microsoft.com/office/drawing/2014/main" xmlns="" id="{042A6128-08E8-4CEF-AE3B-2F56D4625E2E}"/>
+                <a16:creationId xmlns:a16="http://schemas.microsoft.com/office/drawing/2014/main" id="{042A6128-08E8-4CEF-AE3B-2F56D4625E2E}"/>
               </a:ext>
             </a:extLst>
           </p:cNvPr>
@@ -8638,7 +8630,7 @@
           <p:cNvPr id="6" name="TextBox 5">
             <a:extLst>
               <a:ext uri="{FF2B5EF4-FFF2-40B4-BE49-F238E27FC236}">
-                <a16:creationId xmlns:a16="http://schemas.microsoft.com/office/drawing/2014/main" xmlns="" id="{9BDA7C52-D268-4CD0-AE66-668B3C748287}"/>
+                <a16:creationId xmlns:a16="http://schemas.microsoft.com/office/drawing/2014/main" id="{9BDA7C52-D268-4CD0-AE66-668B3C748287}"/>
               </a:ext>
             </a:extLst>
           </p:cNvPr>
@@ -8678,7 +8670,7 @@
           <p:cNvPr id="7" name="מלבן: פינות מעוגלות 6">
             <a:extLst>
               <a:ext uri="{FF2B5EF4-FFF2-40B4-BE49-F238E27FC236}">
-                <a16:creationId xmlns:a16="http://schemas.microsoft.com/office/drawing/2014/main" xmlns="" id="{31A27C2F-C3E0-4F44-A9F9-A1A8C1632CE8}"/>
+                <a16:creationId xmlns:a16="http://schemas.microsoft.com/office/drawing/2014/main" id="{31A27C2F-C3E0-4F44-A9F9-A1A8C1632CE8}"/>
               </a:ext>
             </a:extLst>
           </p:cNvPr>
@@ -8744,7 +8736,7 @@
           <p:cNvPr id="8" name="מלבן 7">
             <a:extLst>
               <a:ext uri="{FF2B5EF4-FFF2-40B4-BE49-F238E27FC236}">
-                <a16:creationId xmlns:a16="http://schemas.microsoft.com/office/drawing/2014/main" xmlns="" id="{96F68DDF-CD5B-430A-A214-09E61DD4E45D}"/>
+                <a16:creationId xmlns:a16="http://schemas.microsoft.com/office/drawing/2014/main" id="{96F68DDF-CD5B-430A-A214-09E61DD4E45D}"/>
               </a:ext>
             </a:extLst>
           </p:cNvPr>
@@ -8783,7 +8775,7 @@
           <p:cNvPr id="9" name="מלבן: פינות מעוגלות 8">
             <a:extLst>
               <a:ext uri="{FF2B5EF4-FFF2-40B4-BE49-F238E27FC236}">
-                <a16:creationId xmlns:a16="http://schemas.microsoft.com/office/drawing/2014/main" xmlns="" id="{C6E721F1-A81B-48AA-93C1-B5F302CD603B}"/>
+                <a16:creationId xmlns:a16="http://schemas.microsoft.com/office/drawing/2014/main" id="{C6E721F1-A81B-48AA-93C1-B5F302CD603B}"/>
               </a:ext>
             </a:extLst>
           </p:cNvPr>
@@ -8852,7 +8844,7 @@
           <p:cNvPr id="10" name="מלבן 9">
             <a:extLst>
               <a:ext uri="{FF2B5EF4-FFF2-40B4-BE49-F238E27FC236}">
-                <a16:creationId xmlns:a16="http://schemas.microsoft.com/office/drawing/2014/main" xmlns="" id="{71EB737A-A684-448C-A5B3-A6AE9F2D6A94}"/>
+                <a16:creationId xmlns:a16="http://schemas.microsoft.com/office/drawing/2014/main" id="{71EB737A-A684-448C-A5B3-A6AE9F2D6A94}"/>
               </a:ext>
             </a:extLst>
           </p:cNvPr>
@@ -8891,7 +8883,7 @@
           <p:cNvPr id="12" name="מלבן 11">
             <a:extLst>
               <a:ext uri="{FF2B5EF4-FFF2-40B4-BE49-F238E27FC236}">
-                <a16:creationId xmlns:a16="http://schemas.microsoft.com/office/drawing/2014/main" xmlns="" id="{8ABC994C-8F01-49CD-89B4-EA9386186C45}"/>
+                <a16:creationId xmlns:a16="http://schemas.microsoft.com/office/drawing/2014/main" id="{8ABC994C-8F01-49CD-89B4-EA9386186C45}"/>
               </a:ext>
             </a:extLst>
           </p:cNvPr>
@@ -8930,7 +8922,7 @@
           <p:cNvPr id="13" name="מלבן: פינות מעוגלות 12">
             <a:extLst>
               <a:ext uri="{FF2B5EF4-FFF2-40B4-BE49-F238E27FC236}">
-                <a16:creationId xmlns:a16="http://schemas.microsoft.com/office/drawing/2014/main" xmlns="" id="{8A9F44A7-6BD7-46E8-9D02-A5FF4EA39BE2}"/>
+                <a16:creationId xmlns:a16="http://schemas.microsoft.com/office/drawing/2014/main" id="{8A9F44A7-6BD7-46E8-9D02-A5FF4EA39BE2}"/>
               </a:ext>
             </a:extLst>
           </p:cNvPr>
@@ -8999,7 +8991,7 @@
           <p:cNvPr id="14" name="מלבן 13">
             <a:extLst>
               <a:ext uri="{FF2B5EF4-FFF2-40B4-BE49-F238E27FC236}">
-                <a16:creationId xmlns:a16="http://schemas.microsoft.com/office/drawing/2014/main" xmlns="" id="{FF9A602A-122C-4A2A-AB06-AC2DB57F7E90}"/>
+                <a16:creationId xmlns:a16="http://schemas.microsoft.com/office/drawing/2014/main" id="{FF9A602A-122C-4A2A-AB06-AC2DB57F7E90}"/>
               </a:ext>
             </a:extLst>
           </p:cNvPr>
@@ -9038,7 +9030,7 @@
           <p:cNvPr id="15" name="מלבן: פינות מעוגלות 14">
             <a:extLst>
               <a:ext uri="{FF2B5EF4-FFF2-40B4-BE49-F238E27FC236}">
-                <a16:creationId xmlns:a16="http://schemas.microsoft.com/office/drawing/2014/main" xmlns="" id="{5A9DB97A-DA48-4EAC-8AD7-CC78800849AB}"/>
+                <a16:creationId xmlns:a16="http://schemas.microsoft.com/office/drawing/2014/main" id="{5A9DB97A-DA48-4EAC-8AD7-CC78800849AB}"/>
               </a:ext>
             </a:extLst>
           </p:cNvPr>
@@ -9107,7 +9099,7 @@
           <p:cNvPr id="16" name="מלבן 15">
             <a:extLst>
               <a:ext uri="{FF2B5EF4-FFF2-40B4-BE49-F238E27FC236}">
-                <a16:creationId xmlns:a16="http://schemas.microsoft.com/office/drawing/2014/main" xmlns="" id="{1D8C3B37-A1B2-4FBF-8F6A-2BAF862CAA8C}"/>
+                <a16:creationId xmlns:a16="http://schemas.microsoft.com/office/drawing/2014/main" id="{1D8C3B37-A1B2-4FBF-8F6A-2BAF862CAA8C}"/>
               </a:ext>
             </a:extLst>
           </p:cNvPr>
@@ -9146,7 +9138,7 @@
           <p:cNvPr id="17" name="מלבן: פינות מעוגלות 16">
             <a:extLst>
               <a:ext uri="{FF2B5EF4-FFF2-40B4-BE49-F238E27FC236}">
-                <a16:creationId xmlns:a16="http://schemas.microsoft.com/office/drawing/2014/main" xmlns="" id="{6724F8D2-3F2B-4A5E-8221-F56DD1ACB825}"/>
+                <a16:creationId xmlns:a16="http://schemas.microsoft.com/office/drawing/2014/main" id="{6724F8D2-3F2B-4A5E-8221-F56DD1ACB825}"/>
               </a:ext>
             </a:extLst>
           </p:cNvPr>
@@ -9216,7 +9208,7 @@
             <a:hlinkClick r:id="rId3" action="ppaction://hlinksldjump"/>
             <a:extLst>
               <a:ext uri="{FF2B5EF4-FFF2-40B4-BE49-F238E27FC236}">
-                <a16:creationId xmlns:a16="http://schemas.microsoft.com/office/drawing/2014/main" xmlns="" id="{A262AD3D-91BC-4AD6-96D7-BCD71F93439D}"/>
+                <a16:creationId xmlns:a16="http://schemas.microsoft.com/office/drawing/2014/main" id="{A262AD3D-91BC-4AD6-96D7-BCD71F93439D}"/>
               </a:ext>
             </a:extLst>
           </p:cNvPr>
@@ -9282,7 +9274,7 @@
           <p:cNvPr id="19" name="TextBox 18">
             <a:extLst>
               <a:ext uri="{FF2B5EF4-FFF2-40B4-BE49-F238E27FC236}">
-                <a16:creationId xmlns:a16="http://schemas.microsoft.com/office/drawing/2014/main" xmlns="" id="{45A5F7C4-7346-4D77-B227-4188B46E278E}"/>
+                <a16:creationId xmlns:a16="http://schemas.microsoft.com/office/drawing/2014/main" id="{45A5F7C4-7346-4D77-B227-4188B46E278E}"/>
               </a:ext>
             </a:extLst>
           </p:cNvPr>
@@ -9322,7 +9314,7 @@
           <p:cNvPr id="21" name="מלבן 20">
             <a:extLst>
               <a:ext uri="{FF2B5EF4-FFF2-40B4-BE49-F238E27FC236}">
-                <a16:creationId xmlns:a16="http://schemas.microsoft.com/office/drawing/2014/main" xmlns="" id="{F004685D-2CA7-40C1-BE7C-66B8AEFA17DD}"/>
+                <a16:creationId xmlns:a16="http://schemas.microsoft.com/office/drawing/2014/main" id="{F004685D-2CA7-40C1-BE7C-66B8AEFA17DD}"/>
               </a:ext>
             </a:extLst>
           </p:cNvPr>
@@ -9365,7 +9357,7 @@
             <a:hlinkClick r:id="rId4" action="ppaction://hlinksldjump"/>
             <a:extLst>
               <a:ext uri="{FF2B5EF4-FFF2-40B4-BE49-F238E27FC236}">
-                <a16:creationId xmlns:a16="http://schemas.microsoft.com/office/drawing/2014/main" xmlns="" id="{61CD8042-00A8-48FF-A079-0A0A4A1B41F7}"/>
+                <a16:creationId xmlns:a16="http://schemas.microsoft.com/office/drawing/2014/main" id="{61CD8042-00A8-48FF-A079-0A0A4A1B41F7}"/>
               </a:ext>
             </a:extLst>
           </p:cNvPr>
@@ -9396,7 +9388,7 @@
             <a:hlinkClick r:id="rId3" action="ppaction://hlinksldjump"/>
             <a:extLst>
               <a:ext uri="{FF2B5EF4-FFF2-40B4-BE49-F238E27FC236}">
-                <a16:creationId xmlns:a16="http://schemas.microsoft.com/office/drawing/2014/main" xmlns="" id="{74E58665-4435-405F-A816-858DB61E1D29}"/>
+                <a16:creationId xmlns:a16="http://schemas.microsoft.com/office/drawing/2014/main" id="{74E58665-4435-405F-A816-858DB61E1D29}"/>
               </a:ext>
             </a:extLst>
           </p:cNvPr>
@@ -9454,7 +9446,7 @@
           <p:cNvPr id="24" name="מלבן 23">
             <a:extLst>
               <a:ext uri="{FF2B5EF4-FFF2-40B4-BE49-F238E27FC236}">
-                <a16:creationId xmlns:a16="http://schemas.microsoft.com/office/drawing/2014/main" xmlns="" id="{75656C72-803B-461F-89B1-C9536E758D23}"/>
+                <a16:creationId xmlns:a16="http://schemas.microsoft.com/office/drawing/2014/main" id="{75656C72-803B-461F-89B1-C9536E758D23}"/>
               </a:ext>
             </a:extLst>
           </p:cNvPr>
@@ -9493,7 +9485,7 @@
           <p:cNvPr id="25" name="טבלה 24">
             <a:extLst>
               <a:ext uri="{FF2B5EF4-FFF2-40B4-BE49-F238E27FC236}">
-                <a16:creationId xmlns:a16="http://schemas.microsoft.com/office/drawing/2014/main" xmlns="" id="{5A11CF4B-20A0-42DC-AFD4-50ADA5CB7117}"/>
+                <a16:creationId xmlns:a16="http://schemas.microsoft.com/office/drawing/2014/main" id="{5A11CF4B-20A0-42DC-AFD4-50ADA5CB7117}"/>
               </a:ext>
             </a:extLst>
           </p:cNvPr>
@@ -9522,7 +9514,7 @@
                 <a:gridCol w="2562715">
                   <a:extLst>
                     <a:ext uri="{9D8B030D-6E8A-4147-A177-3AD203B41FA5}">
-                      <a16:colId xmlns:a16="http://schemas.microsoft.com/office/drawing/2014/main" xmlns="" val="2343234628"/>
+                      <a16:colId xmlns:a16="http://schemas.microsoft.com/office/drawing/2014/main" val="2343234628"/>
                     </a:ext>
                   </a:extLst>
                 </a:gridCol>
@@ -9544,7 +9536,7 @@
                 </a:tc>
                 <a:extLst>
                   <a:ext uri="{0D108BD9-81ED-4DB2-BD59-A6C34878D82A}">
-                    <a16:rowId xmlns:a16="http://schemas.microsoft.com/office/drawing/2014/main" xmlns="" val="2878763511"/>
+                    <a16:rowId xmlns:a16="http://schemas.microsoft.com/office/drawing/2014/main" val="2878763511"/>
                   </a:ext>
                 </a:extLst>
               </a:tr>
@@ -9582,7 +9574,7 @@
                 </a:tc>
                 <a:extLst>
                   <a:ext uri="{0D108BD9-81ED-4DB2-BD59-A6C34878D82A}">
-                    <a16:rowId xmlns:a16="http://schemas.microsoft.com/office/drawing/2014/main" xmlns="" val="3036631769"/>
+                    <a16:rowId xmlns:a16="http://schemas.microsoft.com/office/drawing/2014/main" val="3036631769"/>
                   </a:ext>
                 </a:extLst>
               </a:tr>
@@ -9620,7 +9612,7 @@
                 </a:tc>
                 <a:extLst>
                   <a:ext uri="{0D108BD9-81ED-4DB2-BD59-A6C34878D82A}">
-                    <a16:rowId xmlns:a16="http://schemas.microsoft.com/office/drawing/2014/main" xmlns="" val="794648582"/>
+                    <a16:rowId xmlns:a16="http://schemas.microsoft.com/office/drawing/2014/main" val="794648582"/>
                   </a:ext>
                 </a:extLst>
               </a:tr>
@@ -9658,7 +9650,7 @@
                 </a:tc>
                 <a:extLst>
                   <a:ext uri="{0D108BD9-81ED-4DB2-BD59-A6C34878D82A}">
-                    <a16:rowId xmlns:a16="http://schemas.microsoft.com/office/drawing/2014/main" xmlns="" val="4093646392"/>
+                    <a16:rowId xmlns:a16="http://schemas.microsoft.com/office/drawing/2014/main" val="4093646392"/>
                   </a:ext>
                 </a:extLst>
               </a:tr>
@@ -9696,7 +9688,7 @@
                 </a:tc>
                 <a:extLst>
                   <a:ext uri="{0D108BD9-81ED-4DB2-BD59-A6C34878D82A}">
-                    <a16:rowId xmlns:a16="http://schemas.microsoft.com/office/drawing/2014/main" xmlns="" val="734820375"/>
+                    <a16:rowId xmlns:a16="http://schemas.microsoft.com/office/drawing/2014/main" val="734820375"/>
                   </a:ext>
                 </a:extLst>
               </a:tr>
@@ -9709,7 +9701,7 @@
           <p:cNvPr id="26" name="Picture 4" descr="×ª××× × ×§×©××¨×">
             <a:extLst>
               <a:ext uri="{FF2B5EF4-FFF2-40B4-BE49-F238E27FC236}">
-                <a16:creationId xmlns:a16="http://schemas.microsoft.com/office/drawing/2014/main" xmlns="" id="{38DA09F2-6D96-4172-9BDC-E27A05C3AFD8}"/>
+                <a16:creationId xmlns:a16="http://schemas.microsoft.com/office/drawing/2014/main" id="{38DA09F2-6D96-4172-9BDC-E27A05C3AFD8}"/>
               </a:ext>
             </a:extLst>
           </p:cNvPr>
@@ -9756,7 +9748,7 @@
           <p:cNvPr id="27" name="Picture 4" descr="×ª××× × ×§×©××¨×">
             <a:extLst>
               <a:ext uri="{FF2B5EF4-FFF2-40B4-BE49-F238E27FC236}">
-                <a16:creationId xmlns:a16="http://schemas.microsoft.com/office/drawing/2014/main" xmlns="" id="{31276B21-C9FE-4A5D-AE6D-99F4BDF04D14}"/>
+                <a16:creationId xmlns:a16="http://schemas.microsoft.com/office/drawing/2014/main" id="{31276B21-C9FE-4A5D-AE6D-99F4BDF04D14}"/>
               </a:ext>
             </a:extLst>
           </p:cNvPr>
@@ -9803,7 +9795,7 @@
           <p:cNvPr id="28" name="Picture 4" descr="×ª××× × ×§×©××¨×">
             <a:extLst>
               <a:ext uri="{FF2B5EF4-FFF2-40B4-BE49-F238E27FC236}">
-                <a16:creationId xmlns:a16="http://schemas.microsoft.com/office/drawing/2014/main" xmlns="" id="{EB75763E-F693-459A-B559-A82987594081}"/>
+                <a16:creationId xmlns:a16="http://schemas.microsoft.com/office/drawing/2014/main" id="{EB75763E-F693-459A-B559-A82987594081}"/>
               </a:ext>
             </a:extLst>
           </p:cNvPr>
@@ -9850,7 +9842,7 @@
           <p:cNvPr id="29" name="Picture 4" descr="×ª××× × ×§×©××¨×">
             <a:extLst>
               <a:ext uri="{FF2B5EF4-FFF2-40B4-BE49-F238E27FC236}">
-                <a16:creationId xmlns:a16="http://schemas.microsoft.com/office/drawing/2014/main" xmlns="" id="{1D894CE1-0E82-4BED-B557-7818DC0981E6}"/>
+                <a16:creationId xmlns:a16="http://schemas.microsoft.com/office/drawing/2014/main" id="{1D894CE1-0E82-4BED-B557-7818DC0981E6}"/>
               </a:ext>
             </a:extLst>
           </p:cNvPr>
@@ -9897,7 +9889,7 @@
           <p:cNvPr id="30" name="מלבן 29">
             <a:extLst>
               <a:ext uri="{FF2B5EF4-FFF2-40B4-BE49-F238E27FC236}">
-                <a16:creationId xmlns:a16="http://schemas.microsoft.com/office/drawing/2014/main" xmlns="" id="{2977AB1C-4423-4AEF-8C87-49272F7FB070}"/>
+                <a16:creationId xmlns:a16="http://schemas.microsoft.com/office/drawing/2014/main" id="{2977AB1C-4423-4AEF-8C87-49272F7FB070}"/>
               </a:ext>
             </a:extLst>
           </p:cNvPr>
@@ -9936,7 +9928,7 @@
           <p:cNvPr id="31" name="מלבן: פינות מעוגלות 30">
             <a:extLst>
               <a:ext uri="{FF2B5EF4-FFF2-40B4-BE49-F238E27FC236}">
-                <a16:creationId xmlns:a16="http://schemas.microsoft.com/office/drawing/2014/main" xmlns="" id="{497B4ACC-C209-4D15-9B67-1FFA7C65A246}"/>
+                <a16:creationId xmlns:a16="http://schemas.microsoft.com/office/drawing/2014/main" id="{497B4ACC-C209-4D15-9B67-1FFA7C65A246}"/>
               </a:ext>
             </a:extLst>
           </p:cNvPr>
@@ -9997,7 +9989,7 @@
           <p:cNvPr id="32" name="כותרת משנה 2">
             <a:extLst>
               <a:ext uri="{FF2B5EF4-FFF2-40B4-BE49-F238E27FC236}">
-                <a16:creationId xmlns:a16="http://schemas.microsoft.com/office/drawing/2014/main" xmlns="" id="{01B37C32-A237-4CD3-98C4-6429DA28F821}"/>
+                <a16:creationId xmlns:a16="http://schemas.microsoft.com/office/drawing/2014/main" id="{01B37C32-A237-4CD3-98C4-6429DA28F821}"/>
               </a:ext>
             </a:extLst>
           </p:cNvPr>
@@ -10204,7 +10196,7 @@
           <p:cNvPr id="33" name="כותרת משנה 2">
             <a:extLst>
               <a:ext uri="{FF2B5EF4-FFF2-40B4-BE49-F238E27FC236}">
-                <a16:creationId xmlns:a16="http://schemas.microsoft.com/office/drawing/2014/main" xmlns="" id="{F3E58ED6-F2D1-48D6-A253-398356A5A764}"/>
+                <a16:creationId xmlns:a16="http://schemas.microsoft.com/office/drawing/2014/main" id="{F3E58ED6-F2D1-48D6-A253-398356A5A764}"/>
               </a:ext>
             </a:extLst>
           </p:cNvPr>
@@ -10441,7 +10433,7 @@
           <p:cNvPr id="2" name="כותרת 1">
             <a:extLst>
               <a:ext uri="{FF2B5EF4-FFF2-40B4-BE49-F238E27FC236}">
-                <a16:creationId xmlns:a16="http://schemas.microsoft.com/office/drawing/2014/main" xmlns="" id="{B8340755-636A-45D1-816E-A5B25F7D8D7F}"/>
+                <a16:creationId xmlns:a16="http://schemas.microsoft.com/office/drawing/2014/main" id="{B8340755-636A-45D1-816E-A5B25F7D8D7F}"/>
               </a:ext>
             </a:extLst>
           </p:cNvPr>
@@ -10481,7 +10473,7 @@
           <p:cNvPr id="4" name="תמונה 3">
             <a:extLst>
               <a:ext uri="{FF2B5EF4-FFF2-40B4-BE49-F238E27FC236}">
-                <a16:creationId xmlns:a16="http://schemas.microsoft.com/office/drawing/2014/main" xmlns="" id="{A96BD279-1EFA-4304-9B2D-91AD4CFF333E}"/>
+                <a16:creationId xmlns:a16="http://schemas.microsoft.com/office/drawing/2014/main" id="{A96BD279-1EFA-4304-9B2D-91AD4CFF333E}"/>
               </a:ext>
             </a:extLst>
           </p:cNvPr>
@@ -10511,7 +10503,7 @@
           <p:cNvPr id="5" name="מלבן: פינות מעוגלות 4">
             <a:extLst>
               <a:ext uri="{FF2B5EF4-FFF2-40B4-BE49-F238E27FC236}">
-                <a16:creationId xmlns:a16="http://schemas.microsoft.com/office/drawing/2014/main" xmlns="" id="{DAFD7BB8-15BA-48EB-8BCD-6A8B2B6FC2F8}"/>
+                <a16:creationId xmlns:a16="http://schemas.microsoft.com/office/drawing/2014/main" id="{DAFD7BB8-15BA-48EB-8BCD-6A8B2B6FC2F8}"/>
               </a:ext>
             </a:extLst>
           </p:cNvPr>
@@ -10577,7 +10569,7 @@
           <p:cNvPr id="6" name="TextBox 5">
             <a:extLst>
               <a:ext uri="{FF2B5EF4-FFF2-40B4-BE49-F238E27FC236}">
-                <a16:creationId xmlns:a16="http://schemas.microsoft.com/office/drawing/2014/main" xmlns="" id="{DB8B7CBB-5BA3-4E5F-BF51-62CBE7CF071D}"/>
+                <a16:creationId xmlns:a16="http://schemas.microsoft.com/office/drawing/2014/main" id="{DB8B7CBB-5BA3-4E5F-BF51-62CBE7CF071D}"/>
               </a:ext>
             </a:extLst>
           </p:cNvPr>
@@ -10617,7 +10609,7 @@
           <p:cNvPr id="7" name="מלבן: פינות מעוגלות 6">
             <a:extLst>
               <a:ext uri="{FF2B5EF4-FFF2-40B4-BE49-F238E27FC236}">
-                <a16:creationId xmlns:a16="http://schemas.microsoft.com/office/drawing/2014/main" xmlns="" id="{D5161F60-67A2-40FF-B43A-D8FAADE75078}"/>
+                <a16:creationId xmlns:a16="http://schemas.microsoft.com/office/drawing/2014/main" id="{D5161F60-67A2-40FF-B43A-D8FAADE75078}"/>
               </a:ext>
             </a:extLst>
           </p:cNvPr>
@@ -10683,7 +10675,7 @@
           <p:cNvPr id="8" name="מלבן 7">
             <a:extLst>
               <a:ext uri="{FF2B5EF4-FFF2-40B4-BE49-F238E27FC236}">
-                <a16:creationId xmlns:a16="http://schemas.microsoft.com/office/drawing/2014/main" xmlns="" id="{F28745D8-7FFB-4389-B9F2-320D31E8BB2F}"/>
+                <a16:creationId xmlns:a16="http://schemas.microsoft.com/office/drawing/2014/main" id="{F28745D8-7FFB-4389-B9F2-320D31E8BB2F}"/>
               </a:ext>
             </a:extLst>
           </p:cNvPr>
@@ -10722,7 +10714,7 @@
           <p:cNvPr id="9" name="מלבן: פינות מעוגלות 8">
             <a:extLst>
               <a:ext uri="{FF2B5EF4-FFF2-40B4-BE49-F238E27FC236}">
-                <a16:creationId xmlns:a16="http://schemas.microsoft.com/office/drawing/2014/main" xmlns="" id="{E1A0C960-7150-48D6-A35F-5E3C209F4260}"/>
+                <a16:creationId xmlns:a16="http://schemas.microsoft.com/office/drawing/2014/main" id="{E1A0C960-7150-48D6-A35F-5E3C209F4260}"/>
               </a:ext>
             </a:extLst>
           </p:cNvPr>
@@ -10791,7 +10783,7 @@
           <p:cNvPr id="10" name="מלבן 9">
             <a:extLst>
               <a:ext uri="{FF2B5EF4-FFF2-40B4-BE49-F238E27FC236}">
-                <a16:creationId xmlns:a16="http://schemas.microsoft.com/office/drawing/2014/main" xmlns="" id="{02F94890-3386-4A84-9B67-A83D2ACABF9A}"/>
+                <a16:creationId xmlns:a16="http://schemas.microsoft.com/office/drawing/2014/main" id="{02F94890-3386-4A84-9B67-A83D2ACABF9A}"/>
               </a:ext>
             </a:extLst>
           </p:cNvPr>
@@ -10830,7 +10822,7 @@
           <p:cNvPr id="12" name="מלבן 11">
             <a:extLst>
               <a:ext uri="{FF2B5EF4-FFF2-40B4-BE49-F238E27FC236}">
-                <a16:creationId xmlns:a16="http://schemas.microsoft.com/office/drawing/2014/main" xmlns="" id="{84DB8A82-FC64-4CE2-8B98-CDB3ECF7EA0A}"/>
+                <a16:creationId xmlns:a16="http://schemas.microsoft.com/office/drawing/2014/main" id="{84DB8A82-FC64-4CE2-8B98-CDB3ECF7EA0A}"/>
               </a:ext>
             </a:extLst>
           </p:cNvPr>
@@ -10869,7 +10861,7 @@
           <p:cNvPr id="13" name="מלבן: פינות מעוגלות 12">
             <a:extLst>
               <a:ext uri="{FF2B5EF4-FFF2-40B4-BE49-F238E27FC236}">
-                <a16:creationId xmlns:a16="http://schemas.microsoft.com/office/drawing/2014/main" xmlns="" id="{DE09C4E6-6FC8-4074-AD2F-BB8D56C983CF}"/>
+                <a16:creationId xmlns:a16="http://schemas.microsoft.com/office/drawing/2014/main" id="{DE09C4E6-6FC8-4074-AD2F-BB8D56C983CF}"/>
               </a:ext>
             </a:extLst>
           </p:cNvPr>
@@ -10938,7 +10930,7 @@
           <p:cNvPr id="14" name="מלבן 13">
             <a:extLst>
               <a:ext uri="{FF2B5EF4-FFF2-40B4-BE49-F238E27FC236}">
-                <a16:creationId xmlns:a16="http://schemas.microsoft.com/office/drawing/2014/main" xmlns="" id="{49C68C31-A8F1-4D99-A16D-36F24524D856}"/>
+                <a16:creationId xmlns:a16="http://schemas.microsoft.com/office/drawing/2014/main" id="{49C68C31-A8F1-4D99-A16D-36F24524D856}"/>
               </a:ext>
             </a:extLst>
           </p:cNvPr>
@@ -10977,7 +10969,7 @@
           <p:cNvPr id="15" name="מלבן: פינות מעוגלות 14">
             <a:extLst>
               <a:ext uri="{FF2B5EF4-FFF2-40B4-BE49-F238E27FC236}">
-                <a16:creationId xmlns:a16="http://schemas.microsoft.com/office/drawing/2014/main" xmlns="" id="{1573C3AD-41BC-45E8-BE90-93D5583502AE}"/>
+                <a16:creationId xmlns:a16="http://schemas.microsoft.com/office/drawing/2014/main" id="{1573C3AD-41BC-45E8-BE90-93D5583502AE}"/>
               </a:ext>
             </a:extLst>
           </p:cNvPr>
@@ -11046,7 +11038,7 @@
           <p:cNvPr id="16" name="מלבן 15">
             <a:extLst>
               <a:ext uri="{FF2B5EF4-FFF2-40B4-BE49-F238E27FC236}">
-                <a16:creationId xmlns:a16="http://schemas.microsoft.com/office/drawing/2014/main" xmlns="" id="{8E3D9C4D-8A8F-4B8C-98F9-890B15DAC52A}"/>
+                <a16:creationId xmlns:a16="http://schemas.microsoft.com/office/drawing/2014/main" id="{8E3D9C4D-8A8F-4B8C-98F9-890B15DAC52A}"/>
               </a:ext>
             </a:extLst>
           </p:cNvPr>
@@ -11085,7 +11077,7 @@
           <p:cNvPr id="17" name="מלבן: פינות מעוגלות 16">
             <a:extLst>
               <a:ext uri="{FF2B5EF4-FFF2-40B4-BE49-F238E27FC236}">
-                <a16:creationId xmlns:a16="http://schemas.microsoft.com/office/drawing/2014/main" xmlns="" id="{5170BF20-1DB3-47C7-A479-171DA2B08BC9}"/>
+                <a16:creationId xmlns:a16="http://schemas.microsoft.com/office/drawing/2014/main" id="{5170BF20-1DB3-47C7-A479-171DA2B08BC9}"/>
               </a:ext>
             </a:extLst>
           </p:cNvPr>
@@ -11155,7 +11147,7 @@
             <a:hlinkClick r:id="rId3" action="ppaction://hlinksldjump"/>
             <a:extLst>
               <a:ext uri="{FF2B5EF4-FFF2-40B4-BE49-F238E27FC236}">
-                <a16:creationId xmlns:a16="http://schemas.microsoft.com/office/drawing/2014/main" xmlns="" id="{83E79543-A9F1-44ED-AA91-31FDA87D909D}"/>
+                <a16:creationId xmlns:a16="http://schemas.microsoft.com/office/drawing/2014/main" id="{83E79543-A9F1-44ED-AA91-31FDA87D909D}"/>
               </a:ext>
             </a:extLst>
           </p:cNvPr>
@@ -11221,7 +11213,7 @@
           <p:cNvPr id="19" name="TextBox 18">
             <a:extLst>
               <a:ext uri="{FF2B5EF4-FFF2-40B4-BE49-F238E27FC236}">
-                <a16:creationId xmlns:a16="http://schemas.microsoft.com/office/drawing/2014/main" xmlns="" id="{E31A5820-3246-4F42-BF04-2FDC87ADF2B2}"/>
+                <a16:creationId xmlns:a16="http://schemas.microsoft.com/office/drawing/2014/main" id="{E31A5820-3246-4F42-BF04-2FDC87ADF2B2}"/>
               </a:ext>
             </a:extLst>
           </p:cNvPr>
@@ -11261,7 +11253,7 @@
           <p:cNvPr id="20" name="מלבן 19">
             <a:extLst>
               <a:ext uri="{FF2B5EF4-FFF2-40B4-BE49-F238E27FC236}">
-                <a16:creationId xmlns:a16="http://schemas.microsoft.com/office/drawing/2014/main" xmlns="" id="{C3650B2E-E088-43C4-B06D-B65CF9F5E344}"/>
+                <a16:creationId xmlns:a16="http://schemas.microsoft.com/office/drawing/2014/main" id="{C3650B2E-E088-43C4-B06D-B65CF9F5E344}"/>
               </a:ext>
             </a:extLst>
           </p:cNvPr>
@@ -11304,7 +11296,7 @@
             <a:hlinkClick r:id="rId4" action="ppaction://hlinksldjump"/>
             <a:extLst>
               <a:ext uri="{FF2B5EF4-FFF2-40B4-BE49-F238E27FC236}">
-                <a16:creationId xmlns:a16="http://schemas.microsoft.com/office/drawing/2014/main" xmlns="" id="{17BDE17B-7F56-4605-9D1A-5B104B1D8562}"/>
+                <a16:creationId xmlns:a16="http://schemas.microsoft.com/office/drawing/2014/main" id="{17BDE17B-7F56-4605-9D1A-5B104B1D8562}"/>
               </a:ext>
             </a:extLst>
           </p:cNvPr>
@@ -11335,7 +11327,7 @@
             <a:hlinkClick r:id="rId3" action="ppaction://hlinksldjump"/>
             <a:extLst>
               <a:ext uri="{FF2B5EF4-FFF2-40B4-BE49-F238E27FC236}">
-                <a16:creationId xmlns:a16="http://schemas.microsoft.com/office/drawing/2014/main" xmlns="" id="{3A33B63E-2373-4FF6-BBB8-902816D0CE00}"/>
+                <a16:creationId xmlns:a16="http://schemas.microsoft.com/office/drawing/2014/main" id="{3A33B63E-2373-4FF6-BBB8-902816D0CE00}"/>
               </a:ext>
             </a:extLst>
           </p:cNvPr>
@@ -11393,7 +11385,7 @@
           <p:cNvPr id="23" name="מלבן 22">
             <a:extLst>
               <a:ext uri="{FF2B5EF4-FFF2-40B4-BE49-F238E27FC236}">
-                <a16:creationId xmlns:a16="http://schemas.microsoft.com/office/drawing/2014/main" xmlns="" id="{E35E7BAA-213C-4960-983C-F12D1786254D}"/>
+                <a16:creationId xmlns:a16="http://schemas.microsoft.com/office/drawing/2014/main" id="{E35E7BAA-213C-4960-983C-F12D1786254D}"/>
               </a:ext>
             </a:extLst>
           </p:cNvPr>
@@ -11433,7 +11425,7 @@
           <p:cNvPr id="24" name="טבלה 23">
             <a:extLst>
               <a:ext uri="{FF2B5EF4-FFF2-40B4-BE49-F238E27FC236}">
-                <a16:creationId xmlns:a16="http://schemas.microsoft.com/office/drawing/2014/main" xmlns="" id="{CAFA8552-0214-4AA7-9965-6B417E401271}"/>
+                <a16:creationId xmlns:a16="http://schemas.microsoft.com/office/drawing/2014/main" id="{CAFA8552-0214-4AA7-9965-6B417E401271}"/>
               </a:ext>
             </a:extLst>
           </p:cNvPr>
@@ -11462,7 +11454,7 @@
                 <a:gridCol w="2998047">
                   <a:extLst>
                     <a:ext uri="{9D8B030D-6E8A-4147-A177-3AD203B41FA5}">
-                      <a16:colId xmlns:a16="http://schemas.microsoft.com/office/drawing/2014/main" xmlns="" val="2343234628"/>
+                      <a16:colId xmlns:a16="http://schemas.microsoft.com/office/drawing/2014/main" val="2343234628"/>
                     </a:ext>
                   </a:extLst>
                 </a:gridCol>
@@ -11484,7 +11476,7 @@
                 </a:tc>
                 <a:extLst>
                   <a:ext uri="{0D108BD9-81ED-4DB2-BD59-A6C34878D82A}">
-                    <a16:rowId xmlns:a16="http://schemas.microsoft.com/office/drawing/2014/main" xmlns="" val="2878763511"/>
+                    <a16:rowId xmlns:a16="http://schemas.microsoft.com/office/drawing/2014/main" val="2878763511"/>
                   </a:ext>
                 </a:extLst>
               </a:tr>
@@ -11522,7 +11514,7 @@
                 </a:tc>
                 <a:extLst>
                   <a:ext uri="{0D108BD9-81ED-4DB2-BD59-A6C34878D82A}">
-                    <a16:rowId xmlns:a16="http://schemas.microsoft.com/office/drawing/2014/main" xmlns="" val="3036631769"/>
+                    <a16:rowId xmlns:a16="http://schemas.microsoft.com/office/drawing/2014/main" val="3036631769"/>
                   </a:ext>
                 </a:extLst>
               </a:tr>
@@ -11560,7 +11552,7 @@
                 </a:tc>
                 <a:extLst>
                   <a:ext uri="{0D108BD9-81ED-4DB2-BD59-A6C34878D82A}">
-                    <a16:rowId xmlns:a16="http://schemas.microsoft.com/office/drawing/2014/main" xmlns="" val="794648582"/>
+                    <a16:rowId xmlns:a16="http://schemas.microsoft.com/office/drawing/2014/main" val="794648582"/>
                   </a:ext>
                 </a:extLst>
               </a:tr>
@@ -11573,7 +11565,7 @@
           <p:cNvPr id="25" name="Picture 4" descr="×ª××× × ×§×©××¨×">
             <a:extLst>
               <a:ext uri="{FF2B5EF4-FFF2-40B4-BE49-F238E27FC236}">
-                <a16:creationId xmlns:a16="http://schemas.microsoft.com/office/drawing/2014/main" xmlns="" id="{91983E11-39C5-4EAE-AAE5-B1B7697B28FC}"/>
+                <a16:creationId xmlns:a16="http://schemas.microsoft.com/office/drawing/2014/main" id="{91983E11-39C5-4EAE-AAE5-B1B7697B28FC}"/>
               </a:ext>
             </a:extLst>
           </p:cNvPr>
@@ -11620,7 +11612,7 @@
           <p:cNvPr id="26" name="Picture 4" descr="×ª××× × ×§×©××¨×">
             <a:extLst>
               <a:ext uri="{FF2B5EF4-FFF2-40B4-BE49-F238E27FC236}">
-                <a16:creationId xmlns:a16="http://schemas.microsoft.com/office/drawing/2014/main" xmlns="" id="{99209F27-AFE3-4DF2-A0F3-AE75764824E1}"/>
+                <a16:creationId xmlns:a16="http://schemas.microsoft.com/office/drawing/2014/main" id="{99209F27-AFE3-4DF2-A0F3-AE75764824E1}"/>
               </a:ext>
             </a:extLst>
           </p:cNvPr>
@@ -11667,7 +11659,7 @@
           <p:cNvPr id="29" name="Picture 4" descr="×ª××× × ×§×©××¨×">
             <a:extLst>
               <a:ext uri="{FF2B5EF4-FFF2-40B4-BE49-F238E27FC236}">
-                <a16:creationId xmlns:a16="http://schemas.microsoft.com/office/drawing/2014/main" xmlns="" id="{BFF2BBED-29A9-4FBA-9365-D708E34D7D71}"/>
+                <a16:creationId xmlns:a16="http://schemas.microsoft.com/office/drawing/2014/main" id="{BFF2BBED-29A9-4FBA-9365-D708E34D7D71}"/>
               </a:ext>
             </a:extLst>
           </p:cNvPr>
@@ -11714,7 +11706,7 @@
           <p:cNvPr id="30" name="Picture 4" descr="×ª××× × ×§×©××¨×">
             <a:extLst>
               <a:ext uri="{FF2B5EF4-FFF2-40B4-BE49-F238E27FC236}">
-                <a16:creationId xmlns:a16="http://schemas.microsoft.com/office/drawing/2014/main" xmlns="" id="{7FA59F49-AD36-498E-ACD1-0C553DF655DA}"/>
+                <a16:creationId xmlns:a16="http://schemas.microsoft.com/office/drawing/2014/main" id="{7FA59F49-AD36-498E-ACD1-0C553DF655DA}"/>
               </a:ext>
             </a:extLst>
           </p:cNvPr>
@@ -11761,7 +11753,7 @@
           <p:cNvPr id="31" name="מלבן 30">
             <a:extLst>
               <a:ext uri="{FF2B5EF4-FFF2-40B4-BE49-F238E27FC236}">
-                <a16:creationId xmlns:a16="http://schemas.microsoft.com/office/drawing/2014/main" xmlns="" id="{CB684120-4E30-42A0-8188-1BA76F3BED39}"/>
+                <a16:creationId xmlns:a16="http://schemas.microsoft.com/office/drawing/2014/main" id="{CB684120-4E30-42A0-8188-1BA76F3BED39}"/>
               </a:ext>
             </a:extLst>
           </p:cNvPr>
@@ -11800,7 +11792,7 @@
           <p:cNvPr id="32" name="מלבן: פינות מעוגלות 31">
             <a:extLst>
               <a:ext uri="{FF2B5EF4-FFF2-40B4-BE49-F238E27FC236}">
-                <a16:creationId xmlns:a16="http://schemas.microsoft.com/office/drawing/2014/main" xmlns="" id="{8C26A8E2-3CC4-437D-B0FF-B9161D1E7350}"/>
+                <a16:creationId xmlns:a16="http://schemas.microsoft.com/office/drawing/2014/main" id="{8C26A8E2-3CC4-437D-B0FF-B9161D1E7350}"/>
               </a:ext>
             </a:extLst>
           </p:cNvPr>
@@ -11861,7 +11853,7 @@
           <p:cNvPr id="33" name="כותרת משנה 2">
             <a:extLst>
               <a:ext uri="{FF2B5EF4-FFF2-40B4-BE49-F238E27FC236}">
-                <a16:creationId xmlns:a16="http://schemas.microsoft.com/office/drawing/2014/main" xmlns="" id="{F1D64003-3032-4C8D-B1D7-FFD1D8A89084}"/>
+                <a16:creationId xmlns:a16="http://schemas.microsoft.com/office/drawing/2014/main" id="{F1D64003-3032-4C8D-B1D7-FFD1D8A89084}"/>
               </a:ext>
             </a:extLst>
           </p:cNvPr>
@@ -12068,7 +12060,7 @@
           <p:cNvPr id="34" name="כותרת משנה 2">
             <a:extLst>
               <a:ext uri="{FF2B5EF4-FFF2-40B4-BE49-F238E27FC236}">
-                <a16:creationId xmlns:a16="http://schemas.microsoft.com/office/drawing/2014/main" xmlns="" id="{2E60DF26-C474-45AA-B2BF-42E603270BE8}"/>
+                <a16:creationId xmlns:a16="http://schemas.microsoft.com/office/drawing/2014/main" id="{2E60DF26-C474-45AA-B2BF-42E603270BE8}"/>
               </a:ext>
             </a:extLst>
           </p:cNvPr>
@@ -12305,7 +12297,7 @@
           <p:cNvPr id="4" name="כותרת 1">
             <a:extLst>
               <a:ext uri="{FF2B5EF4-FFF2-40B4-BE49-F238E27FC236}">
-                <a16:creationId xmlns:a16="http://schemas.microsoft.com/office/drawing/2014/main" xmlns="" id="{D21498F5-1088-43B1-BB6E-09B73BC51434}"/>
+                <a16:creationId xmlns:a16="http://schemas.microsoft.com/office/drawing/2014/main" id="{D21498F5-1088-43B1-BB6E-09B73BC51434}"/>
               </a:ext>
             </a:extLst>
           </p:cNvPr>
@@ -12335,14 +12327,6 @@
                 </a:solidFill>
               </a:rPr>
               <a:t>Closed Events</a:t>
-            </a:r>
-            <a:r>
-              <a:rPr lang="he-IL" dirty="0">
-                <a:solidFill>
-                  <a:srgbClr val="92D050"/>
-                </a:solidFill>
-              </a:rPr>
-              <a:t/>
             </a:r>
             <a:br>
               <a:rPr lang="he-IL" dirty="0">
@@ -12360,7 +12344,7 @@
           <p:cNvPr id="5" name="טבלה 4">
             <a:extLst>
               <a:ext uri="{FF2B5EF4-FFF2-40B4-BE49-F238E27FC236}">
-                <a16:creationId xmlns:a16="http://schemas.microsoft.com/office/drawing/2014/main" xmlns="" id="{D5D84700-4B3F-4383-A368-46828D8277F9}"/>
+                <a16:creationId xmlns:a16="http://schemas.microsoft.com/office/drawing/2014/main" id="{D5D84700-4B3F-4383-A368-46828D8277F9}"/>
               </a:ext>
             </a:extLst>
           </p:cNvPr>
@@ -12389,63 +12373,63 @@
                 <a:gridCol w="1289368">
                   <a:extLst>
                     <a:ext uri="{9D8B030D-6E8A-4147-A177-3AD203B41FA5}">
-                      <a16:colId xmlns:a16="http://schemas.microsoft.com/office/drawing/2014/main" xmlns="" val="3614517155"/>
+                      <a16:colId xmlns:a16="http://schemas.microsoft.com/office/drawing/2014/main" val="3614517155"/>
                     </a:ext>
                   </a:extLst>
                 </a:gridCol>
                 <a:gridCol w="1002895">
                   <a:extLst>
                     <a:ext uri="{9D8B030D-6E8A-4147-A177-3AD203B41FA5}">
-                      <a16:colId xmlns:a16="http://schemas.microsoft.com/office/drawing/2014/main" xmlns="" val="149255907"/>
+                      <a16:colId xmlns:a16="http://schemas.microsoft.com/office/drawing/2014/main" val="149255907"/>
                     </a:ext>
                   </a:extLst>
                 </a:gridCol>
                 <a:gridCol w="926926">
                   <a:extLst>
                     <a:ext uri="{9D8B030D-6E8A-4147-A177-3AD203B41FA5}">
-                      <a16:colId xmlns:a16="http://schemas.microsoft.com/office/drawing/2014/main" xmlns="" val="2726573482"/>
+                      <a16:colId xmlns:a16="http://schemas.microsoft.com/office/drawing/2014/main" val="2726573482"/>
                     </a:ext>
                   </a:extLst>
                 </a:gridCol>
                 <a:gridCol w="1415442">
                   <a:extLst>
                     <a:ext uri="{9D8B030D-6E8A-4147-A177-3AD203B41FA5}">
-                      <a16:colId xmlns:a16="http://schemas.microsoft.com/office/drawing/2014/main" xmlns="" val="1847903682"/>
+                      <a16:colId xmlns:a16="http://schemas.microsoft.com/office/drawing/2014/main" val="1847903682"/>
                     </a:ext>
                   </a:extLst>
                 </a:gridCol>
                 <a:gridCol w="889347">
                   <a:extLst>
                     <a:ext uri="{9D8B030D-6E8A-4147-A177-3AD203B41FA5}">
-                      <a16:colId xmlns:a16="http://schemas.microsoft.com/office/drawing/2014/main" xmlns="" val="3853517344"/>
+                      <a16:colId xmlns:a16="http://schemas.microsoft.com/office/drawing/2014/main" val="3853517344"/>
                     </a:ext>
                   </a:extLst>
                 </a:gridCol>
                 <a:gridCol w="1903957">
                   <a:extLst>
                     <a:ext uri="{9D8B030D-6E8A-4147-A177-3AD203B41FA5}">
-                      <a16:colId xmlns:a16="http://schemas.microsoft.com/office/drawing/2014/main" xmlns="" val="2137394321"/>
+                      <a16:colId xmlns:a16="http://schemas.microsoft.com/office/drawing/2014/main" val="2137394321"/>
                     </a:ext>
                   </a:extLst>
                 </a:gridCol>
                 <a:gridCol w="1277654">
                   <a:extLst>
                     <a:ext uri="{9D8B030D-6E8A-4147-A177-3AD203B41FA5}">
-                      <a16:colId xmlns:a16="http://schemas.microsoft.com/office/drawing/2014/main" xmlns="" val="2033288465"/>
+                      <a16:colId xmlns:a16="http://schemas.microsoft.com/office/drawing/2014/main" val="2033288465"/>
                     </a:ext>
                   </a:extLst>
                 </a:gridCol>
                 <a:gridCol w="1056899">
                   <a:extLst>
                     <a:ext uri="{9D8B030D-6E8A-4147-A177-3AD203B41FA5}">
-                      <a16:colId xmlns:a16="http://schemas.microsoft.com/office/drawing/2014/main" xmlns="" val="4245539016"/>
+                      <a16:colId xmlns:a16="http://schemas.microsoft.com/office/drawing/2014/main" val="4245539016"/>
                     </a:ext>
                   </a:extLst>
                 </a:gridCol>
                 <a:gridCol w="1315958">
                   <a:extLst>
                     <a:ext uri="{9D8B030D-6E8A-4147-A177-3AD203B41FA5}">
-                      <a16:colId xmlns:a16="http://schemas.microsoft.com/office/drawing/2014/main" xmlns="" val="1191744740"/>
+                      <a16:colId xmlns:a16="http://schemas.microsoft.com/office/drawing/2014/main" val="1191744740"/>
                     </a:ext>
                   </a:extLst>
                 </a:gridCol>
@@ -12588,7 +12572,7 @@
                 </a:tc>
                 <a:extLst>
                   <a:ext uri="{0D108BD9-81ED-4DB2-BD59-A6C34878D82A}">
-                    <a16:rowId xmlns:a16="http://schemas.microsoft.com/office/drawing/2014/main" xmlns="" val="1228919773"/>
+                    <a16:rowId xmlns:a16="http://schemas.microsoft.com/office/drawing/2014/main" val="1228919773"/>
                   </a:ext>
                 </a:extLst>
               </a:tr>
@@ -12780,7 +12764,7 @@
                 </a:tc>
                 <a:extLst>
                   <a:ext uri="{0D108BD9-81ED-4DB2-BD59-A6C34878D82A}">
-                    <a16:rowId xmlns:a16="http://schemas.microsoft.com/office/drawing/2014/main" xmlns="" val="4120531732"/>
+                    <a16:rowId xmlns:a16="http://schemas.microsoft.com/office/drawing/2014/main" val="4120531732"/>
                   </a:ext>
                 </a:extLst>
               </a:tr>
@@ -12928,7 +12912,7 @@
                 </a:tc>
                 <a:extLst>
                   <a:ext uri="{0D108BD9-81ED-4DB2-BD59-A6C34878D82A}">
-                    <a16:rowId xmlns:a16="http://schemas.microsoft.com/office/drawing/2014/main" xmlns="" val="3981230142"/>
+                    <a16:rowId xmlns:a16="http://schemas.microsoft.com/office/drawing/2014/main" val="3981230142"/>
                   </a:ext>
                 </a:extLst>
               </a:tr>
@@ -13076,7 +13060,7 @@
                 </a:tc>
                 <a:extLst>
                   <a:ext uri="{0D108BD9-81ED-4DB2-BD59-A6C34878D82A}">
-                    <a16:rowId xmlns:a16="http://schemas.microsoft.com/office/drawing/2014/main" xmlns="" val="4122735466"/>
+                    <a16:rowId xmlns:a16="http://schemas.microsoft.com/office/drawing/2014/main" val="4122735466"/>
                   </a:ext>
                 </a:extLst>
               </a:tr>
@@ -13090,7 +13074,7 @@
             <a:hlinkClick r:id="rId2" action="ppaction://hlinksldjump"/>
             <a:extLst>
               <a:ext uri="{FF2B5EF4-FFF2-40B4-BE49-F238E27FC236}">
-                <a16:creationId xmlns:a16="http://schemas.microsoft.com/office/drawing/2014/main" xmlns="" id="{F03333BE-F597-4656-9EC3-C29BE948A7D6}"/>
+                <a16:creationId xmlns:a16="http://schemas.microsoft.com/office/drawing/2014/main" id="{F03333BE-F597-4656-9EC3-C29BE948A7D6}"/>
               </a:ext>
             </a:extLst>
           </p:cNvPr>
@@ -13121,7 +13105,7 @@
             <a:hlinkClick r:id="rId4" action="ppaction://hlinksldjump"/>
             <a:extLst>
               <a:ext uri="{FF2B5EF4-FFF2-40B4-BE49-F238E27FC236}">
-                <a16:creationId xmlns:a16="http://schemas.microsoft.com/office/drawing/2014/main" xmlns="" id="{9FFF5F24-B169-4343-9FDA-8F05552D706B}"/>
+                <a16:creationId xmlns:a16="http://schemas.microsoft.com/office/drawing/2014/main" id="{9FFF5F24-B169-4343-9FDA-8F05552D706B}"/>
               </a:ext>
             </a:extLst>
           </p:cNvPr>
@@ -13222,7 +13206,7 @@
           <p:cNvPr id="2" name="כותרת 1">
             <a:extLst>
               <a:ext uri="{FF2B5EF4-FFF2-40B4-BE49-F238E27FC236}">
-                <a16:creationId xmlns:a16="http://schemas.microsoft.com/office/drawing/2014/main" xmlns="" id="{766E680A-1B16-4626-865E-EEF7B16CDF3D}"/>
+                <a16:creationId xmlns:a16="http://schemas.microsoft.com/office/drawing/2014/main" id="{766E680A-1B16-4626-865E-EEF7B16CDF3D}"/>
               </a:ext>
             </a:extLst>
           </p:cNvPr>
@@ -13252,14 +13236,6 @@
                 </a:solidFill>
               </a:rPr>
               <a:t>All Events</a:t>
-            </a:r>
-            <a:r>
-              <a:rPr lang="he-IL" dirty="0">
-                <a:solidFill>
-                  <a:srgbClr val="92D050"/>
-                </a:solidFill>
-              </a:rPr>
-              <a:t/>
             </a:r>
             <a:br>
               <a:rPr lang="he-IL" dirty="0">
@@ -13278,7 +13254,7 @@
             <a:hlinkClick r:id="rId2" action="ppaction://hlinksldjump"/>
             <a:extLst>
               <a:ext uri="{FF2B5EF4-FFF2-40B4-BE49-F238E27FC236}">
-                <a16:creationId xmlns:a16="http://schemas.microsoft.com/office/drawing/2014/main" xmlns="" id="{A820AE5C-A584-4CD2-96DA-B05C3E47D727}"/>
+                <a16:creationId xmlns:a16="http://schemas.microsoft.com/office/drawing/2014/main" id="{A820AE5C-A584-4CD2-96DA-B05C3E47D727}"/>
               </a:ext>
             </a:extLst>
           </p:cNvPr>
@@ -13349,7 +13325,7 @@
           <p:cNvPr id="6" name="טבלה 5">
             <a:extLst>
               <a:ext uri="{FF2B5EF4-FFF2-40B4-BE49-F238E27FC236}">
-                <a16:creationId xmlns:a16="http://schemas.microsoft.com/office/drawing/2014/main" xmlns="" id="{D811A602-BDE3-4D91-9F5B-745F958EC503}"/>
+                <a16:creationId xmlns:a16="http://schemas.microsoft.com/office/drawing/2014/main" id="{D811A602-BDE3-4D91-9F5B-745F958EC503}"/>
               </a:ext>
             </a:extLst>
           </p:cNvPr>
@@ -13378,63 +13354,63 @@
                 <a:gridCol w="1233826">
                   <a:extLst>
                     <a:ext uri="{9D8B030D-6E8A-4147-A177-3AD203B41FA5}">
-                      <a16:colId xmlns:a16="http://schemas.microsoft.com/office/drawing/2014/main" xmlns="" val="3614517155"/>
+                      <a16:colId xmlns:a16="http://schemas.microsoft.com/office/drawing/2014/main" val="3614517155"/>
                     </a:ext>
                   </a:extLst>
                 </a:gridCol>
                 <a:gridCol w="1044976">
                   <a:extLst>
                     <a:ext uri="{9D8B030D-6E8A-4147-A177-3AD203B41FA5}">
-                      <a16:colId xmlns:a16="http://schemas.microsoft.com/office/drawing/2014/main" xmlns="" val="149255907"/>
+                      <a16:colId xmlns:a16="http://schemas.microsoft.com/office/drawing/2014/main" val="149255907"/>
                     </a:ext>
                   </a:extLst>
                 </a:gridCol>
                 <a:gridCol w="982027">
                   <a:extLst>
                     <a:ext uri="{9D8B030D-6E8A-4147-A177-3AD203B41FA5}">
-                      <a16:colId xmlns:a16="http://schemas.microsoft.com/office/drawing/2014/main" xmlns="" val="2726573482"/>
+                      <a16:colId xmlns:a16="http://schemas.microsoft.com/office/drawing/2014/main" val="2726573482"/>
                     </a:ext>
                   </a:extLst>
                 </a:gridCol>
                 <a:gridCol w="1435268">
                   <a:extLst>
                     <a:ext uri="{9D8B030D-6E8A-4147-A177-3AD203B41FA5}">
-                      <a16:colId xmlns:a16="http://schemas.microsoft.com/office/drawing/2014/main" xmlns="" val="1847903682"/>
+                      <a16:colId xmlns:a16="http://schemas.microsoft.com/office/drawing/2014/main" val="1847903682"/>
                     </a:ext>
                   </a:extLst>
                 </a:gridCol>
                 <a:gridCol w="1271597">
                   <a:extLst>
                     <a:ext uri="{9D8B030D-6E8A-4147-A177-3AD203B41FA5}">
-                      <a16:colId xmlns:a16="http://schemas.microsoft.com/office/drawing/2014/main" xmlns="" val="3853517344"/>
+                      <a16:colId xmlns:a16="http://schemas.microsoft.com/office/drawing/2014/main" val="3853517344"/>
                     </a:ext>
                   </a:extLst>
                 </a:gridCol>
                 <a:gridCol w="1347506">
                   <a:extLst>
                     <a:ext uri="{9D8B030D-6E8A-4147-A177-3AD203B41FA5}">
-                      <a16:colId xmlns:a16="http://schemas.microsoft.com/office/drawing/2014/main" xmlns="" val="2137394321"/>
+                      <a16:colId xmlns:a16="http://schemas.microsoft.com/office/drawing/2014/main" val="2137394321"/>
                     </a:ext>
                   </a:extLst>
                 </a:gridCol>
                 <a:gridCol w="1352811">
                   <a:extLst>
                     <a:ext uri="{9D8B030D-6E8A-4147-A177-3AD203B41FA5}">
-                      <a16:colId xmlns:a16="http://schemas.microsoft.com/office/drawing/2014/main" xmlns="" val="2033288465"/>
+                      <a16:colId xmlns:a16="http://schemas.microsoft.com/office/drawing/2014/main" val="2033288465"/>
                     </a:ext>
                   </a:extLst>
                 </a:gridCol>
                 <a:gridCol w="1038935">
                   <a:extLst>
                     <a:ext uri="{9D8B030D-6E8A-4147-A177-3AD203B41FA5}">
-                      <a16:colId xmlns:a16="http://schemas.microsoft.com/office/drawing/2014/main" xmlns="" val="4245539016"/>
+                      <a16:colId xmlns:a16="http://schemas.microsoft.com/office/drawing/2014/main" val="4245539016"/>
                     </a:ext>
                   </a:extLst>
                 </a:gridCol>
                 <a:gridCol w="1315958">
                   <a:extLst>
                     <a:ext uri="{9D8B030D-6E8A-4147-A177-3AD203B41FA5}">
-                      <a16:colId xmlns:a16="http://schemas.microsoft.com/office/drawing/2014/main" xmlns="" val="1191744740"/>
+                      <a16:colId xmlns:a16="http://schemas.microsoft.com/office/drawing/2014/main" val="1191744740"/>
                     </a:ext>
                   </a:extLst>
                 </a:gridCol>
@@ -13577,7 +13553,7 @@
                 </a:tc>
                 <a:extLst>
                   <a:ext uri="{0D108BD9-81ED-4DB2-BD59-A6C34878D82A}">
-                    <a16:rowId xmlns:a16="http://schemas.microsoft.com/office/drawing/2014/main" xmlns="" val="1228919773"/>
+                    <a16:rowId xmlns:a16="http://schemas.microsoft.com/office/drawing/2014/main" val="1228919773"/>
                   </a:ext>
                 </a:extLst>
               </a:tr>
@@ -13746,7 +13722,7 @@
                 </a:tc>
                 <a:extLst>
                   <a:ext uri="{0D108BD9-81ED-4DB2-BD59-A6C34878D82A}">
-                    <a16:rowId xmlns:a16="http://schemas.microsoft.com/office/drawing/2014/main" xmlns="" val="4120531732"/>
+                    <a16:rowId xmlns:a16="http://schemas.microsoft.com/office/drawing/2014/main" val="4120531732"/>
                   </a:ext>
                 </a:extLst>
               </a:tr>
@@ -13894,7 +13870,7 @@
                 </a:tc>
                 <a:extLst>
                   <a:ext uri="{0D108BD9-81ED-4DB2-BD59-A6C34878D82A}">
-                    <a16:rowId xmlns:a16="http://schemas.microsoft.com/office/drawing/2014/main" xmlns="" val="3981230142"/>
+                    <a16:rowId xmlns:a16="http://schemas.microsoft.com/office/drawing/2014/main" val="3981230142"/>
                   </a:ext>
                 </a:extLst>
               </a:tr>
@@ -14042,7 +14018,7 @@
                 </a:tc>
                 <a:extLst>
                   <a:ext uri="{0D108BD9-81ED-4DB2-BD59-A6C34878D82A}">
-                    <a16:rowId xmlns:a16="http://schemas.microsoft.com/office/drawing/2014/main" xmlns="" val="4122735466"/>
+                    <a16:rowId xmlns:a16="http://schemas.microsoft.com/office/drawing/2014/main" val="4122735466"/>
                   </a:ext>
                 </a:extLst>
               </a:tr>
@@ -14056,7 +14032,7 @@
             <a:hlinkClick r:id="rId3" action="ppaction://hlinksldjump"/>
             <a:extLst>
               <a:ext uri="{FF2B5EF4-FFF2-40B4-BE49-F238E27FC236}">
-                <a16:creationId xmlns:a16="http://schemas.microsoft.com/office/drawing/2014/main" xmlns="" id="{443B9A11-1A94-4605-B1EA-1ACCBAF9BC38}"/>
+                <a16:creationId xmlns:a16="http://schemas.microsoft.com/office/drawing/2014/main" id="{443B9A11-1A94-4605-B1EA-1ACCBAF9BC38}"/>
               </a:ext>
             </a:extLst>
           </p:cNvPr>
@@ -14087,7 +14063,7 @@
             <a:hlinkClick r:id="rId5" action="ppaction://hlinksldjump"/>
             <a:extLst>
               <a:ext uri="{FF2B5EF4-FFF2-40B4-BE49-F238E27FC236}">
-                <a16:creationId xmlns:a16="http://schemas.microsoft.com/office/drawing/2014/main" xmlns="" id="{596B2FEF-B585-48E7-B708-8B00A3C505F6}"/>
+                <a16:creationId xmlns:a16="http://schemas.microsoft.com/office/drawing/2014/main" id="{596B2FEF-B585-48E7-B708-8B00A3C505F6}"/>
               </a:ext>
             </a:extLst>
           </p:cNvPr>
@@ -14188,7 +14164,7 @@
           <p:cNvPr id="2" name="כותרת 1">
             <a:extLst>
               <a:ext uri="{FF2B5EF4-FFF2-40B4-BE49-F238E27FC236}">
-                <a16:creationId xmlns:a16="http://schemas.microsoft.com/office/drawing/2014/main" xmlns="" id="{68371A04-20CC-4421-AB5B-44A46A8B7729}"/>
+                <a16:creationId xmlns:a16="http://schemas.microsoft.com/office/drawing/2014/main" id="{68371A04-20CC-4421-AB5B-44A46A8B7729}"/>
               </a:ext>
             </a:extLst>
           </p:cNvPr>
@@ -14218,14 +14194,6 @@
                 </a:solidFill>
               </a:rPr>
               <a:t>Analytics</a:t>
-            </a:r>
-            <a:r>
-              <a:rPr lang="he-IL" sz="6000" dirty="0">
-                <a:solidFill>
-                  <a:srgbClr val="92D050"/>
-                </a:solidFill>
-              </a:rPr>
-              <a:t/>
             </a:r>
             <a:br>
               <a:rPr lang="he-IL" sz="6000" dirty="0">
@@ -14235,7 +14203,7 @@
               </a:rPr>
             </a:br>
             <a:r>
-              <a:rPr lang="en-US" sz="6000" dirty="0" smtClean="0">
+              <a:rPr lang="en-US" sz="6000" dirty="0">
                 <a:solidFill>
                   <a:srgbClr val="92D050"/>
                 </a:solidFill>
@@ -14256,7 +14224,7 @@
             <a:hlinkClick r:id="rId2" action="ppaction://hlinksldjump"/>
             <a:extLst>
               <a:ext uri="{FF2B5EF4-FFF2-40B4-BE49-F238E27FC236}">
-                <a16:creationId xmlns:a16="http://schemas.microsoft.com/office/drawing/2014/main" xmlns="" id="{A7496070-4BAD-4787-8452-970571E2A05B}"/>
+                <a16:creationId xmlns:a16="http://schemas.microsoft.com/office/drawing/2014/main" id="{A7496070-4BAD-4787-8452-970571E2A05B}"/>
               </a:ext>
             </a:extLst>
           </p:cNvPr>
@@ -14327,7 +14295,7 @@
             <a:hlinkClick r:id="rId3" action="ppaction://hlinksldjump"/>
             <a:extLst>
               <a:ext uri="{FF2B5EF4-FFF2-40B4-BE49-F238E27FC236}">
-                <a16:creationId xmlns:a16="http://schemas.microsoft.com/office/drawing/2014/main" xmlns="" id="{F158FF11-28B2-4E76-8A15-1AE1FDBC9B7A}"/>
+                <a16:creationId xmlns:a16="http://schemas.microsoft.com/office/drawing/2014/main" id="{F158FF11-28B2-4E76-8A15-1AE1FDBC9B7A}"/>
               </a:ext>
             </a:extLst>
           </p:cNvPr>
@@ -14398,7 +14366,7 @@
             <a:hlinkClick r:id="rId4" action="ppaction://hlinksldjump"/>
             <a:extLst>
               <a:ext uri="{FF2B5EF4-FFF2-40B4-BE49-F238E27FC236}">
-                <a16:creationId xmlns:a16="http://schemas.microsoft.com/office/drawing/2014/main" xmlns="" id="{83C16521-83B7-4824-9D38-5F34B1AFF838}"/>
+                <a16:creationId xmlns:a16="http://schemas.microsoft.com/office/drawing/2014/main" id="{83C16521-83B7-4824-9D38-5F34B1AFF838}"/>
               </a:ext>
             </a:extLst>
           </p:cNvPr>
@@ -14458,7 +14426,7 @@
             <a:hlinkClick r:id="rId5" action="ppaction://hlinksldjump"/>
             <a:extLst>
               <a:ext uri="{FF2B5EF4-FFF2-40B4-BE49-F238E27FC236}">
-                <a16:creationId xmlns:a16="http://schemas.microsoft.com/office/drawing/2014/main" xmlns="" id="{A5F74AA9-DF0C-4185-991C-8566B6CE7002}"/>
+                <a16:creationId xmlns:a16="http://schemas.microsoft.com/office/drawing/2014/main" id="{A5F74AA9-DF0C-4185-991C-8566B6CE7002}"/>
               </a:ext>
             </a:extLst>
           </p:cNvPr>
@@ -14489,7 +14457,7 @@
             <a:hlinkClick r:id="rId7" action="ppaction://hlinksldjump"/>
             <a:extLst>
               <a:ext uri="{FF2B5EF4-FFF2-40B4-BE49-F238E27FC236}">
-                <a16:creationId xmlns:a16="http://schemas.microsoft.com/office/drawing/2014/main" xmlns="" id="{433E26BB-985A-4CB8-A700-4B05EB3DD514}"/>
+                <a16:creationId xmlns:a16="http://schemas.microsoft.com/office/drawing/2014/main" id="{433E26BB-985A-4CB8-A700-4B05EB3DD514}"/>
               </a:ext>
             </a:extLst>
           </p:cNvPr>
@@ -14577,7 +14545,7 @@
           <p:cNvPr id="2" name="כותרת 1">
             <a:extLst>
               <a:ext uri="{FF2B5EF4-FFF2-40B4-BE49-F238E27FC236}">
-                <a16:creationId xmlns:a16="http://schemas.microsoft.com/office/drawing/2014/main" xmlns="" id="{8D99CC99-F642-4FF3-B6C3-664106E0735C}"/>
+                <a16:creationId xmlns:a16="http://schemas.microsoft.com/office/drawing/2014/main" id="{8D99CC99-F642-4FF3-B6C3-664106E0735C}"/>
               </a:ext>
             </a:extLst>
           </p:cNvPr>
@@ -14619,7 +14587,7 @@
           <p:cNvPr id="9" name="תמונה 8">
             <a:extLst>
               <a:ext uri="{FF2B5EF4-FFF2-40B4-BE49-F238E27FC236}">
-                <a16:creationId xmlns:a16="http://schemas.microsoft.com/office/drawing/2014/main" xmlns="" id="{72781110-F205-4066-8C9F-1A7C2B4E10C2}"/>
+                <a16:creationId xmlns:a16="http://schemas.microsoft.com/office/drawing/2014/main" id="{72781110-F205-4066-8C9F-1A7C2B4E10C2}"/>
               </a:ext>
             </a:extLst>
           </p:cNvPr>
@@ -14649,7 +14617,7 @@
           <p:cNvPr id="10" name="מלבן: פינות מעוגלות 9">
             <a:extLst>
               <a:ext uri="{FF2B5EF4-FFF2-40B4-BE49-F238E27FC236}">
-                <a16:creationId xmlns:a16="http://schemas.microsoft.com/office/drawing/2014/main" xmlns="" id="{AA0A90C1-3252-49FB-93E6-79BA75C7C05D}"/>
+                <a16:creationId xmlns:a16="http://schemas.microsoft.com/office/drawing/2014/main" id="{AA0A90C1-3252-49FB-93E6-79BA75C7C05D}"/>
               </a:ext>
             </a:extLst>
           </p:cNvPr>
@@ -14703,7 +14671,7 @@
           <p:cNvPr id="14" name="TextBox 13">
             <a:extLst>
               <a:ext uri="{FF2B5EF4-FFF2-40B4-BE49-F238E27FC236}">
-                <a16:creationId xmlns:a16="http://schemas.microsoft.com/office/drawing/2014/main" xmlns="" id="{12BEC5FE-FBC3-4E9B-9340-CF90E67D50EB}"/>
+                <a16:creationId xmlns:a16="http://schemas.microsoft.com/office/drawing/2014/main" id="{12BEC5FE-FBC3-4E9B-9340-CF90E67D50EB}"/>
               </a:ext>
             </a:extLst>
           </p:cNvPr>
@@ -14744,7 +14712,7 @@
           <p:cNvPr id="16" name="מלבן: פינות מעוגלות 15">
             <a:extLst>
               <a:ext uri="{FF2B5EF4-FFF2-40B4-BE49-F238E27FC236}">
-                <a16:creationId xmlns:a16="http://schemas.microsoft.com/office/drawing/2014/main" xmlns="" id="{770D17DD-E99D-4685-8743-989158066D3D}"/>
+                <a16:creationId xmlns:a16="http://schemas.microsoft.com/office/drawing/2014/main" id="{770D17DD-E99D-4685-8743-989158066D3D}"/>
               </a:ext>
             </a:extLst>
           </p:cNvPr>
@@ -14798,7 +14766,7 @@
           <p:cNvPr id="15" name="TextBox 14">
             <a:extLst>
               <a:ext uri="{FF2B5EF4-FFF2-40B4-BE49-F238E27FC236}">
-                <a16:creationId xmlns:a16="http://schemas.microsoft.com/office/drawing/2014/main" xmlns="" id="{54E81A16-D84E-4DE3-946A-4261E8C41A8B}"/>
+                <a16:creationId xmlns:a16="http://schemas.microsoft.com/office/drawing/2014/main" id="{54E81A16-D84E-4DE3-946A-4261E8C41A8B}"/>
               </a:ext>
             </a:extLst>
           </p:cNvPr>
@@ -14841,7 +14809,7 @@
             <a:hlinkClick r:id="rId3" action="ppaction://hlinksldjump"/>
             <a:extLst>
               <a:ext uri="{FF2B5EF4-FFF2-40B4-BE49-F238E27FC236}">
-                <a16:creationId xmlns:a16="http://schemas.microsoft.com/office/drawing/2014/main" xmlns="" id="{CA43F4F6-BE39-4778-9EDF-8C1313F29C27}"/>
+                <a16:creationId xmlns:a16="http://schemas.microsoft.com/office/drawing/2014/main" id="{CA43F4F6-BE39-4778-9EDF-8C1313F29C27}"/>
               </a:ext>
             </a:extLst>
           </p:cNvPr>
@@ -14933,7 +14901,7 @@
           <p:cNvPr id="2" name="כותרת 1">
             <a:extLst>
               <a:ext uri="{FF2B5EF4-FFF2-40B4-BE49-F238E27FC236}">
-                <a16:creationId xmlns:a16="http://schemas.microsoft.com/office/drawing/2014/main" xmlns="" id="{E3576076-EC21-4CA3-80E6-48E00A6F3838}"/>
+                <a16:creationId xmlns:a16="http://schemas.microsoft.com/office/drawing/2014/main" id="{E3576076-EC21-4CA3-80E6-48E00A6F3838}"/>
               </a:ext>
             </a:extLst>
           </p:cNvPr>
@@ -14963,14 +14931,6 @@
                 </a:solidFill>
               </a:rPr>
               <a:t>Common Event</a:t>
-            </a:r>
-            <a:r>
-              <a:rPr lang="en-US" dirty="0">
-                <a:solidFill>
-                  <a:srgbClr val="92D050"/>
-                </a:solidFill>
-              </a:rPr>
-              <a:t/>
             </a:r>
             <a:br>
               <a:rPr lang="en-US" dirty="0">
@@ -14988,7 +14948,7 @@
           <p:cNvPr id="4" name="טבלה 3">
             <a:extLst>
               <a:ext uri="{FF2B5EF4-FFF2-40B4-BE49-F238E27FC236}">
-                <a16:creationId xmlns:a16="http://schemas.microsoft.com/office/drawing/2014/main" xmlns="" id="{B96BC705-5E96-45AA-B2E1-45D44CC01473}"/>
+                <a16:creationId xmlns:a16="http://schemas.microsoft.com/office/drawing/2014/main" id="{B96BC705-5E96-45AA-B2E1-45D44CC01473}"/>
               </a:ext>
             </a:extLst>
           </p:cNvPr>
@@ -15017,28 +14977,28 @@
                 <a:gridCol w="2619747">
                   <a:extLst>
                     <a:ext uri="{9D8B030D-6E8A-4147-A177-3AD203B41FA5}">
-                      <a16:colId xmlns:a16="http://schemas.microsoft.com/office/drawing/2014/main" xmlns="" val="1473483608"/>
+                      <a16:colId xmlns:a16="http://schemas.microsoft.com/office/drawing/2014/main" val="1473483608"/>
                     </a:ext>
                   </a:extLst>
                 </a:gridCol>
                 <a:gridCol w="2274163">
                   <a:extLst>
                     <a:ext uri="{9D8B030D-6E8A-4147-A177-3AD203B41FA5}">
-                      <a16:colId xmlns:a16="http://schemas.microsoft.com/office/drawing/2014/main" xmlns="" val="1847903682"/>
+                      <a16:colId xmlns:a16="http://schemas.microsoft.com/office/drawing/2014/main" val="1847903682"/>
                     </a:ext>
                   </a:extLst>
                 </a:gridCol>
                 <a:gridCol w="2597452">
                   <a:extLst>
                     <a:ext uri="{9D8B030D-6E8A-4147-A177-3AD203B41FA5}">
-                      <a16:colId xmlns:a16="http://schemas.microsoft.com/office/drawing/2014/main" xmlns="" val="2137394321"/>
+                      <a16:colId xmlns:a16="http://schemas.microsoft.com/office/drawing/2014/main" val="2137394321"/>
                     </a:ext>
                   </a:extLst>
                 </a:gridCol>
                 <a:gridCol w="1627584">
                   <a:extLst>
                     <a:ext uri="{9D8B030D-6E8A-4147-A177-3AD203B41FA5}">
-                      <a16:colId xmlns:a16="http://schemas.microsoft.com/office/drawing/2014/main" xmlns="" val="2033288465"/>
+                      <a16:colId xmlns:a16="http://schemas.microsoft.com/office/drawing/2014/main" val="2033288465"/>
                     </a:ext>
                   </a:extLst>
                 </a:gridCol>
@@ -15106,7 +15066,7 @@
                 </a:tc>
                 <a:extLst>
                   <a:ext uri="{0D108BD9-81ED-4DB2-BD59-A6C34878D82A}">
-                    <a16:rowId xmlns:a16="http://schemas.microsoft.com/office/drawing/2014/main" xmlns="" val="1228919773"/>
+                    <a16:rowId xmlns:a16="http://schemas.microsoft.com/office/drawing/2014/main" val="1228919773"/>
                   </a:ext>
                 </a:extLst>
               </a:tr>
@@ -15213,7 +15173,7 @@
                 </a:tc>
                 <a:extLst>
                   <a:ext uri="{0D108BD9-81ED-4DB2-BD59-A6C34878D82A}">
-                    <a16:rowId xmlns:a16="http://schemas.microsoft.com/office/drawing/2014/main" xmlns="" val="4120531732"/>
+                    <a16:rowId xmlns:a16="http://schemas.microsoft.com/office/drawing/2014/main" val="4120531732"/>
                   </a:ext>
                 </a:extLst>
               </a:tr>
@@ -15296,7 +15256,7 @@
                 </a:tc>
                 <a:extLst>
                   <a:ext uri="{0D108BD9-81ED-4DB2-BD59-A6C34878D82A}">
-                    <a16:rowId xmlns:a16="http://schemas.microsoft.com/office/drawing/2014/main" xmlns="" val="3981230142"/>
+                    <a16:rowId xmlns:a16="http://schemas.microsoft.com/office/drawing/2014/main" val="3981230142"/>
                   </a:ext>
                 </a:extLst>
               </a:tr>
@@ -15363,7 +15323,7 @@
                 </a:tc>
                 <a:extLst>
                   <a:ext uri="{0D108BD9-81ED-4DB2-BD59-A6C34878D82A}">
-                    <a16:rowId xmlns:a16="http://schemas.microsoft.com/office/drawing/2014/main" xmlns="" val="4122735466"/>
+                    <a16:rowId xmlns:a16="http://schemas.microsoft.com/office/drawing/2014/main" val="4122735466"/>
                   </a:ext>
                 </a:extLst>
               </a:tr>
@@ -15377,7 +15337,7 @@
             <a:hlinkClick r:id="rId2" action="ppaction://hlinksldjump"/>
             <a:extLst>
               <a:ext uri="{FF2B5EF4-FFF2-40B4-BE49-F238E27FC236}">
-                <a16:creationId xmlns:a16="http://schemas.microsoft.com/office/drawing/2014/main" xmlns="" id="{C093A001-0E1C-483E-90E2-C850933BE859}"/>
+                <a16:creationId xmlns:a16="http://schemas.microsoft.com/office/drawing/2014/main" id="{C093A001-0E1C-483E-90E2-C850933BE859}"/>
               </a:ext>
             </a:extLst>
           </p:cNvPr>
@@ -15449,7 +15409,7 @@
             <a:hlinkClick r:id="rId3" action="ppaction://hlinksldjump"/>
             <a:extLst>
               <a:ext uri="{FF2B5EF4-FFF2-40B4-BE49-F238E27FC236}">
-                <a16:creationId xmlns:a16="http://schemas.microsoft.com/office/drawing/2014/main" xmlns="" id="{3B64EE67-A85E-4B07-BFF8-BBF553BE962E}"/>
+                <a16:creationId xmlns:a16="http://schemas.microsoft.com/office/drawing/2014/main" id="{3B64EE67-A85E-4B07-BFF8-BBF553BE962E}"/>
               </a:ext>
             </a:extLst>
           </p:cNvPr>
@@ -15509,7 +15469,7 @@
           <p:cNvPr id="2" name="כותרת 1">
             <a:extLst>
               <a:ext uri="{FF2B5EF4-FFF2-40B4-BE49-F238E27FC236}">
-                <a16:creationId xmlns:a16="http://schemas.microsoft.com/office/drawing/2014/main" xmlns="" id="{7730EA33-6060-48D0-B095-74D69D091F9C}"/>
+                <a16:creationId xmlns:a16="http://schemas.microsoft.com/office/drawing/2014/main" id="{7730EA33-6060-48D0-B095-74D69D091F9C}"/>
               </a:ext>
             </a:extLst>
           </p:cNvPr>
@@ -15539,14 +15499,6 @@
                 </a:solidFill>
               </a:rPr>
               <a:t>Events By supervisor</a:t>
-            </a:r>
-            <a:r>
-              <a:rPr lang="en-US" dirty="0">
-                <a:solidFill>
-                  <a:srgbClr val="92D050"/>
-                </a:solidFill>
-              </a:rPr>
-              <a:t/>
             </a:r>
             <a:br>
               <a:rPr lang="en-US" dirty="0">
@@ -15564,7 +15516,7 @@
           <p:cNvPr id="7" name="מחבר חץ ישר 6">
             <a:extLst>
               <a:ext uri="{FF2B5EF4-FFF2-40B4-BE49-F238E27FC236}">
-                <a16:creationId xmlns:a16="http://schemas.microsoft.com/office/drawing/2014/main" xmlns="" id="{2506DE58-E6C4-48FB-95C6-80F0C720E1E7}"/>
+                <a16:creationId xmlns:a16="http://schemas.microsoft.com/office/drawing/2014/main" id="{2506DE58-E6C4-48FB-95C6-80F0C720E1E7}"/>
               </a:ext>
             </a:extLst>
           </p:cNvPr>
@@ -15610,7 +15562,7 @@
           <p:cNvPr id="9" name="מחבר חץ ישר 8">
             <a:extLst>
               <a:ext uri="{FF2B5EF4-FFF2-40B4-BE49-F238E27FC236}">
-                <a16:creationId xmlns:a16="http://schemas.microsoft.com/office/drawing/2014/main" xmlns="" id="{9571FF17-580B-42A1-93AB-F927F527EFCB}"/>
+                <a16:creationId xmlns:a16="http://schemas.microsoft.com/office/drawing/2014/main" id="{9571FF17-580B-42A1-93AB-F927F527EFCB}"/>
               </a:ext>
             </a:extLst>
           </p:cNvPr>
@@ -15654,7 +15606,7 @@
           <p:cNvPr id="12" name="TextBox 11">
             <a:extLst>
               <a:ext uri="{FF2B5EF4-FFF2-40B4-BE49-F238E27FC236}">
-                <a16:creationId xmlns:a16="http://schemas.microsoft.com/office/drawing/2014/main" xmlns="" id="{A8504308-07EE-47A3-ACE8-6DBED4E8EC0D}"/>
+                <a16:creationId xmlns:a16="http://schemas.microsoft.com/office/drawing/2014/main" id="{A8504308-07EE-47A3-ACE8-6DBED4E8EC0D}"/>
               </a:ext>
             </a:extLst>
           </p:cNvPr>
@@ -15691,7 +15643,7 @@
           <p:cNvPr id="14" name="TextBox 13">
             <a:extLst>
               <a:ext uri="{FF2B5EF4-FFF2-40B4-BE49-F238E27FC236}">
-                <a16:creationId xmlns:a16="http://schemas.microsoft.com/office/drawing/2014/main" xmlns="" id="{82DBC2F1-C340-47EF-A1BA-494B368F6BCA}"/>
+                <a16:creationId xmlns:a16="http://schemas.microsoft.com/office/drawing/2014/main" id="{82DBC2F1-C340-47EF-A1BA-494B368F6BCA}"/>
               </a:ext>
             </a:extLst>
           </p:cNvPr>
@@ -15727,7 +15679,7 @@
           <p:cNvPr id="16" name="TextBox 15">
             <a:extLst>
               <a:ext uri="{FF2B5EF4-FFF2-40B4-BE49-F238E27FC236}">
-                <a16:creationId xmlns:a16="http://schemas.microsoft.com/office/drawing/2014/main" xmlns="" id="{BD9A2C19-DA7A-4193-AC00-D77DFA880628}"/>
+                <a16:creationId xmlns:a16="http://schemas.microsoft.com/office/drawing/2014/main" id="{BD9A2C19-DA7A-4193-AC00-D77DFA880628}"/>
               </a:ext>
             </a:extLst>
           </p:cNvPr>
@@ -15763,7 +15715,7 @@
           <p:cNvPr id="18" name="TextBox 17">
             <a:extLst>
               <a:ext uri="{FF2B5EF4-FFF2-40B4-BE49-F238E27FC236}">
-                <a16:creationId xmlns:a16="http://schemas.microsoft.com/office/drawing/2014/main" xmlns="" id="{B3EF8822-AD8D-4C8E-9D8C-68F764EDAD5A}"/>
+                <a16:creationId xmlns:a16="http://schemas.microsoft.com/office/drawing/2014/main" id="{B3EF8822-AD8D-4C8E-9D8C-68F764EDAD5A}"/>
               </a:ext>
             </a:extLst>
           </p:cNvPr>
@@ -15799,7 +15751,7 @@
           <p:cNvPr id="19" name="TextBox 18">
             <a:extLst>
               <a:ext uri="{FF2B5EF4-FFF2-40B4-BE49-F238E27FC236}">
-                <a16:creationId xmlns:a16="http://schemas.microsoft.com/office/drawing/2014/main" xmlns="" id="{A840D7FD-684A-460F-A387-DC28A53DFBE2}"/>
+                <a16:creationId xmlns:a16="http://schemas.microsoft.com/office/drawing/2014/main" id="{A840D7FD-684A-460F-A387-DC28A53DFBE2}"/>
               </a:ext>
             </a:extLst>
           </p:cNvPr>
@@ -15835,7 +15787,7 @@
           <p:cNvPr id="23" name="TextBox 22">
             <a:extLst>
               <a:ext uri="{FF2B5EF4-FFF2-40B4-BE49-F238E27FC236}">
-                <a16:creationId xmlns:a16="http://schemas.microsoft.com/office/drawing/2014/main" xmlns="" id="{9FCD9748-F86A-457D-BEF5-0441F5D50534}"/>
+                <a16:creationId xmlns:a16="http://schemas.microsoft.com/office/drawing/2014/main" id="{9FCD9748-F86A-457D-BEF5-0441F5D50534}"/>
               </a:ext>
             </a:extLst>
           </p:cNvPr>
@@ -15871,7 +15823,7 @@
           <p:cNvPr id="24" name="TextBox 23">
             <a:extLst>
               <a:ext uri="{FF2B5EF4-FFF2-40B4-BE49-F238E27FC236}">
-                <a16:creationId xmlns:a16="http://schemas.microsoft.com/office/drawing/2014/main" xmlns="" id="{CF747CC7-DB2C-4F91-926E-B4B198BF6C98}"/>
+                <a16:creationId xmlns:a16="http://schemas.microsoft.com/office/drawing/2014/main" id="{CF747CC7-DB2C-4F91-926E-B4B198BF6C98}"/>
               </a:ext>
             </a:extLst>
           </p:cNvPr>
@@ -15907,7 +15859,7 @@
           <p:cNvPr id="25" name="TextBox 24">
             <a:extLst>
               <a:ext uri="{FF2B5EF4-FFF2-40B4-BE49-F238E27FC236}">
-                <a16:creationId xmlns:a16="http://schemas.microsoft.com/office/drawing/2014/main" xmlns="" id="{D7A4B1A2-4364-4350-84A9-7F3DA84758A7}"/>
+                <a16:creationId xmlns:a16="http://schemas.microsoft.com/office/drawing/2014/main" id="{D7A4B1A2-4364-4350-84A9-7F3DA84758A7}"/>
               </a:ext>
             </a:extLst>
           </p:cNvPr>
@@ -15943,7 +15895,7 @@
           <p:cNvPr id="26" name="TextBox 25">
             <a:extLst>
               <a:ext uri="{FF2B5EF4-FFF2-40B4-BE49-F238E27FC236}">
-                <a16:creationId xmlns:a16="http://schemas.microsoft.com/office/drawing/2014/main" xmlns="" id="{B9318630-A3B1-43F0-9746-1FA9864A7B4E}"/>
+                <a16:creationId xmlns:a16="http://schemas.microsoft.com/office/drawing/2014/main" id="{B9318630-A3B1-43F0-9746-1FA9864A7B4E}"/>
               </a:ext>
             </a:extLst>
           </p:cNvPr>
@@ -15979,7 +15931,7 @@
           <p:cNvPr id="27" name="TextBox 26">
             <a:extLst>
               <a:ext uri="{FF2B5EF4-FFF2-40B4-BE49-F238E27FC236}">
-                <a16:creationId xmlns:a16="http://schemas.microsoft.com/office/drawing/2014/main" xmlns="" id="{D7E49B80-8F04-41AD-919B-4ED477C97C35}"/>
+                <a16:creationId xmlns:a16="http://schemas.microsoft.com/office/drawing/2014/main" id="{D7E49B80-8F04-41AD-919B-4ED477C97C35}"/>
               </a:ext>
             </a:extLst>
           </p:cNvPr>
@@ -16015,7 +15967,7 @@
           <p:cNvPr id="28" name="TextBox 27">
             <a:extLst>
               <a:ext uri="{FF2B5EF4-FFF2-40B4-BE49-F238E27FC236}">
-                <a16:creationId xmlns:a16="http://schemas.microsoft.com/office/drawing/2014/main" xmlns="" id="{45943BDC-E878-454D-9761-B1E1CEEF0572}"/>
+                <a16:creationId xmlns:a16="http://schemas.microsoft.com/office/drawing/2014/main" id="{45943BDC-E878-454D-9761-B1E1CEEF0572}"/>
               </a:ext>
             </a:extLst>
           </p:cNvPr>
@@ -16051,7 +16003,7 @@
           <p:cNvPr id="29" name="TextBox 28">
             <a:extLst>
               <a:ext uri="{FF2B5EF4-FFF2-40B4-BE49-F238E27FC236}">
-                <a16:creationId xmlns:a16="http://schemas.microsoft.com/office/drawing/2014/main" xmlns="" id="{E8665DA1-5E55-484B-9700-A77837CD6ADD}"/>
+                <a16:creationId xmlns:a16="http://schemas.microsoft.com/office/drawing/2014/main" id="{E8665DA1-5E55-484B-9700-A77837CD6ADD}"/>
               </a:ext>
             </a:extLst>
           </p:cNvPr>
@@ -16087,7 +16039,7 @@
           <p:cNvPr id="30" name="TextBox 29">
             <a:extLst>
               <a:ext uri="{FF2B5EF4-FFF2-40B4-BE49-F238E27FC236}">
-                <a16:creationId xmlns:a16="http://schemas.microsoft.com/office/drawing/2014/main" xmlns="" id="{9F3E035B-C150-4F4D-BB71-2EDF9B28F410}"/>
+                <a16:creationId xmlns:a16="http://schemas.microsoft.com/office/drawing/2014/main" id="{9F3E035B-C150-4F4D-BB71-2EDF9B28F410}"/>
               </a:ext>
             </a:extLst>
           </p:cNvPr>
@@ -16123,7 +16075,7 @@
           <p:cNvPr id="31" name="TextBox 30">
             <a:extLst>
               <a:ext uri="{FF2B5EF4-FFF2-40B4-BE49-F238E27FC236}">
-                <a16:creationId xmlns:a16="http://schemas.microsoft.com/office/drawing/2014/main" xmlns="" id="{2AA37F1E-12FC-45F5-A9C3-57AD911BAE43}"/>
+                <a16:creationId xmlns:a16="http://schemas.microsoft.com/office/drawing/2014/main" id="{2AA37F1E-12FC-45F5-A9C3-57AD911BAE43}"/>
               </a:ext>
             </a:extLst>
           </p:cNvPr>
@@ -16159,7 +16111,7 @@
           <p:cNvPr id="32" name="מלבן 31">
             <a:extLst>
               <a:ext uri="{FF2B5EF4-FFF2-40B4-BE49-F238E27FC236}">
-                <a16:creationId xmlns:a16="http://schemas.microsoft.com/office/drawing/2014/main" xmlns="" id="{B9DF018A-8D5C-4BA4-A2E9-6BBD00880238}"/>
+                <a16:creationId xmlns:a16="http://schemas.microsoft.com/office/drawing/2014/main" id="{B9DF018A-8D5C-4BA4-A2E9-6BBD00880238}"/>
               </a:ext>
             </a:extLst>
           </p:cNvPr>
@@ -16215,7 +16167,7 @@
           <p:cNvPr id="33" name="מלבן 32">
             <a:extLst>
               <a:ext uri="{FF2B5EF4-FFF2-40B4-BE49-F238E27FC236}">
-                <a16:creationId xmlns:a16="http://schemas.microsoft.com/office/drawing/2014/main" xmlns="" id="{1D574789-0304-4757-9B56-64FAB6821415}"/>
+                <a16:creationId xmlns:a16="http://schemas.microsoft.com/office/drawing/2014/main" id="{1D574789-0304-4757-9B56-64FAB6821415}"/>
               </a:ext>
             </a:extLst>
           </p:cNvPr>
@@ -16271,7 +16223,7 @@
           <p:cNvPr id="34" name="מלבן 33">
             <a:extLst>
               <a:ext uri="{FF2B5EF4-FFF2-40B4-BE49-F238E27FC236}">
-                <a16:creationId xmlns:a16="http://schemas.microsoft.com/office/drawing/2014/main" xmlns="" id="{A58C9825-C3E4-4B8E-A829-2CEBF907EF57}"/>
+                <a16:creationId xmlns:a16="http://schemas.microsoft.com/office/drawing/2014/main" id="{A58C9825-C3E4-4B8E-A829-2CEBF907EF57}"/>
               </a:ext>
             </a:extLst>
           </p:cNvPr>
@@ -16327,7 +16279,7 @@
           <p:cNvPr id="35" name="מלבן 34">
             <a:extLst>
               <a:ext uri="{FF2B5EF4-FFF2-40B4-BE49-F238E27FC236}">
-                <a16:creationId xmlns:a16="http://schemas.microsoft.com/office/drawing/2014/main" xmlns="" id="{056A8E07-0F56-4147-9E3C-337329C9A43E}"/>
+                <a16:creationId xmlns:a16="http://schemas.microsoft.com/office/drawing/2014/main" id="{056A8E07-0F56-4147-9E3C-337329C9A43E}"/>
               </a:ext>
             </a:extLst>
           </p:cNvPr>
@@ -16383,7 +16335,7 @@
           <p:cNvPr id="36" name="מלבן 35">
             <a:extLst>
               <a:ext uri="{FF2B5EF4-FFF2-40B4-BE49-F238E27FC236}">
-                <a16:creationId xmlns:a16="http://schemas.microsoft.com/office/drawing/2014/main" xmlns="" id="{4031DEC8-A650-4553-BF5B-A926999EECFA}"/>
+                <a16:creationId xmlns:a16="http://schemas.microsoft.com/office/drawing/2014/main" id="{4031DEC8-A650-4553-BF5B-A926999EECFA}"/>
               </a:ext>
             </a:extLst>
           </p:cNvPr>
@@ -16439,7 +16391,7 @@
           <p:cNvPr id="38" name="TextBox 37">
             <a:extLst>
               <a:ext uri="{FF2B5EF4-FFF2-40B4-BE49-F238E27FC236}">
-                <a16:creationId xmlns:a16="http://schemas.microsoft.com/office/drawing/2014/main" xmlns="" id="{871A2E64-3208-4676-9645-03870A0CCA22}"/>
+                <a16:creationId xmlns:a16="http://schemas.microsoft.com/office/drawing/2014/main" id="{871A2E64-3208-4676-9645-03870A0CCA22}"/>
               </a:ext>
             </a:extLst>
           </p:cNvPr>
@@ -16474,7 +16426,7 @@
           <p:cNvPr id="41" name="TextBox 40">
             <a:extLst>
               <a:ext uri="{FF2B5EF4-FFF2-40B4-BE49-F238E27FC236}">
-                <a16:creationId xmlns:a16="http://schemas.microsoft.com/office/drawing/2014/main" xmlns="" id="{718951D3-AE54-43AF-B183-7296B8A42310}"/>
+                <a16:creationId xmlns:a16="http://schemas.microsoft.com/office/drawing/2014/main" id="{718951D3-AE54-43AF-B183-7296B8A42310}"/>
               </a:ext>
             </a:extLst>
           </p:cNvPr>
@@ -16509,7 +16461,7 @@
           <p:cNvPr id="42" name="TextBox 41">
             <a:extLst>
               <a:ext uri="{FF2B5EF4-FFF2-40B4-BE49-F238E27FC236}">
-                <a16:creationId xmlns:a16="http://schemas.microsoft.com/office/drawing/2014/main" xmlns="" id="{A8A5ADE7-8AE1-419B-846E-C4E040CCC93E}"/>
+                <a16:creationId xmlns:a16="http://schemas.microsoft.com/office/drawing/2014/main" id="{A8A5ADE7-8AE1-419B-846E-C4E040CCC93E}"/>
               </a:ext>
             </a:extLst>
           </p:cNvPr>
@@ -16544,7 +16496,7 @@
           <p:cNvPr id="43" name="TextBox 42">
             <a:extLst>
               <a:ext uri="{FF2B5EF4-FFF2-40B4-BE49-F238E27FC236}">
-                <a16:creationId xmlns:a16="http://schemas.microsoft.com/office/drawing/2014/main" xmlns="" id="{E456ACF4-64A6-4ACB-BB4F-C621149B506E}"/>
+                <a16:creationId xmlns:a16="http://schemas.microsoft.com/office/drawing/2014/main" id="{E456ACF4-64A6-4ACB-BB4F-C621149B506E}"/>
               </a:ext>
             </a:extLst>
           </p:cNvPr>
@@ -16579,7 +16531,7 @@
           <p:cNvPr id="44" name="TextBox 43">
             <a:extLst>
               <a:ext uri="{FF2B5EF4-FFF2-40B4-BE49-F238E27FC236}">
-                <a16:creationId xmlns:a16="http://schemas.microsoft.com/office/drawing/2014/main" xmlns="" id="{BEAAED97-1023-4ADF-A587-0B4360EBDE79}"/>
+                <a16:creationId xmlns:a16="http://schemas.microsoft.com/office/drawing/2014/main" id="{BEAAED97-1023-4ADF-A587-0B4360EBDE79}"/>
               </a:ext>
             </a:extLst>
           </p:cNvPr>
@@ -16614,7 +16566,7 @@
           <p:cNvPr id="46" name="TextBox 45">
             <a:extLst>
               <a:ext uri="{FF2B5EF4-FFF2-40B4-BE49-F238E27FC236}">
-                <a16:creationId xmlns:a16="http://schemas.microsoft.com/office/drawing/2014/main" xmlns="" id="{8AE7AF00-1948-4797-BA21-82B4998F5306}"/>
+                <a16:creationId xmlns:a16="http://schemas.microsoft.com/office/drawing/2014/main" id="{8AE7AF00-1948-4797-BA21-82B4998F5306}"/>
               </a:ext>
             </a:extLst>
           </p:cNvPr>
@@ -16651,7 +16603,7 @@
             <a:hlinkClick r:id="rId2" action="ppaction://hlinksldjump"/>
             <a:extLst>
               <a:ext uri="{FF2B5EF4-FFF2-40B4-BE49-F238E27FC236}">
-                <a16:creationId xmlns:a16="http://schemas.microsoft.com/office/drawing/2014/main" xmlns="" id="{F58C4563-86F7-48D8-92AB-E2497D45AAC2}"/>
+                <a16:creationId xmlns:a16="http://schemas.microsoft.com/office/drawing/2014/main" id="{F58C4563-86F7-48D8-92AB-E2497D45AAC2}"/>
               </a:ext>
             </a:extLst>
           </p:cNvPr>
@@ -16682,7 +16634,7 @@
             <a:hlinkClick r:id="rId4" action="ppaction://hlinksldjump"/>
             <a:extLst>
               <a:ext uri="{FF2B5EF4-FFF2-40B4-BE49-F238E27FC236}">
-                <a16:creationId xmlns:a16="http://schemas.microsoft.com/office/drawing/2014/main" xmlns="" id="{E97464E1-1896-422E-A7E0-BB4C5C24790E}"/>
+                <a16:creationId xmlns:a16="http://schemas.microsoft.com/office/drawing/2014/main" id="{E97464E1-1896-422E-A7E0-BB4C5C24790E}"/>
               </a:ext>
             </a:extLst>
           </p:cNvPr>
@@ -16783,7 +16735,7 @@
           <p:cNvPr id="2" name="כותרת 1">
             <a:extLst>
               <a:ext uri="{FF2B5EF4-FFF2-40B4-BE49-F238E27FC236}">
-                <a16:creationId xmlns:a16="http://schemas.microsoft.com/office/drawing/2014/main" xmlns="" id="{D1D6F690-6915-4F81-AFC2-647F64877C6D}"/>
+                <a16:creationId xmlns:a16="http://schemas.microsoft.com/office/drawing/2014/main" id="{D1D6F690-6915-4F81-AFC2-647F64877C6D}"/>
               </a:ext>
             </a:extLst>
           </p:cNvPr>
@@ -16813,14 +16765,6 @@
                 </a:solidFill>
               </a:rPr>
               <a:t>Pending Events By Supervisor</a:t>
-            </a:r>
-            <a:r>
-              <a:rPr lang="en-US" dirty="0">
-                <a:solidFill>
-                  <a:srgbClr val="92D050"/>
-                </a:solidFill>
-              </a:rPr>
-              <a:t/>
             </a:r>
             <a:br>
               <a:rPr lang="en-US" dirty="0">
@@ -16838,7 +16782,7 @@
           <p:cNvPr id="4" name="TextBox 3">
             <a:extLst>
               <a:ext uri="{FF2B5EF4-FFF2-40B4-BE49-F238E27FC236}">
-                <a16:creationId xmlns:a16="http://schemas.microsoft.com/office/drawing/2014/main" xmlns="" id="{26FCDF19-6D3F-45FC-816D-DBC5ECBF6CBA}"/>
+                <a16:creationId xmlns:a16="http://schemas.microsoft.com/office/drawing/2014/main" id="{26FCDF19-6D3F-45FC-816D-DBC5ECBF6CBA}"/>
               </a:ext>
             </a:extLst>
           </p:cNvPr>
@@ -16875,7 +16819,7 @@
           <p:cNvPr id="8" name="מחבר חץ ישר 7">
             <a:extLst>
               <a:ext uri="{FF2B5EF4-FFF2-40B4-BE49-F238E27FC236}">
-                <a16:creationId xmlns:a16="http://schemas.microsoft.com/office/drawing/2014/main" xmlns="" id="{CF1225D4-89E3-4C06-963A-BBA8D0DCADE9}"/>
+                <a16:creationId xmlns:a16="http://schemas.microsoft.com/office/drawing/2014/main" id="{CF1225D4-89E3-4C06-963A-BBA8D0DCADE9}"/>
               </a:ext>
             </a:extLst>
           </p:cNvPr>
@@ -16922,7 +16866,7 @@
           <p:cNvPr id="11" name="מחבר חץ ישר 10">
             <a:extLst>
               <a:ext uri="{FF2B5EF4-FFF2-40B4-BE49-F238E27FC236}">
-                <a16:creationId xmlns:a16="http://schemas.microsoft.com/office/drawing/2014/main" xmlns="" id="{AB1E9735-65C8-40B5-B34B-B46FC1BE418C}"/>
+                <a16:creationId xmlns:a16="http://schemas.microsoft.com/office/drawing/2014/main" id="{AB1E9735-65C8-40B5-B34B-B46FC1BE418C}"/>
               </a:ext>
             </a:extLst>
           </p:cNvPr>
@@ -16966,7 +16910,7 @@
           <p:cNvPr id="12" name="TextBox 11">
             <a:extLst>
               <a:ext uri="{FF2B5EF4-FFF2-40B4-BE49-F238E27FC236}">
-                <a16:creationId xmlns:a16="http://schemas.microsoft.com/office/drawing/2014/main" xmlns="" id="{30A0AD7F-0655-4E71-AC18-D4C6C13316CF}"/>
+                <a16:creationId xmlns:a16="http://schemas.microsoft.com/office/drawing/2014/main" id="{30A0AD7F-0655-4E71-AC18-D4C6C13316CF}"/>
               </a:ext>
             </a:extLst>
           </p:cNvPr>
@@ -17002,7 +16946,7 @@
           <p:cNvPr id="13" name="TextBox 12">
             <a:extLst>
               <a:ext uri="{FF2B5EF4-FFF2-40B4-BE49-F238E27FC236}">
-                <a16:creationId xmlns:a16="http://schemas.microsoft.com/office/drawing/2014/main" xmlns="" id="{FA791C8C-BD7B-4DAE-834C-498280211E13}"/>
+                <a16:creationId xmlns:a16="http://schemas.microsoft.com/office/drawing/2014/main" id="{FA791C8C-BD7B-4DAE-834C-498280211E13}"/>
               </a:ext>
             </a:extLst>
           </p:cNvPr>
@@ -17038,7 +16982,7 @@
           <p:cNvPr id="14" name="TextBox 13">
             <a:extLst>
               <a:ext uri="{FF2B5EF4-FFF2-40B4-BE49-F238E27FC236}">
-                <a16:creationId xmlns:a16="http://schemas.microsoft.com/office/drawing/2014/main" xmlns="" id="{AA01533F-865A-4B40-9B15-C03E43F8935F}"/>
+                <a16:creationId xmlns:a16="http://schemas.microsoft.com/office/drawing/2014/main" id="{AA01533F-865A-4B40-9B15-C03E43F8935F}"/>
               </a:ext>
             </a:extLst>
           </p:cNvPr>
@@ -17074,7 +17018,7 @@
           <p:cNvPr id="15" name="TextBox 14">
             <a:extLst>
               <a:ext uri="{FF2B5EF4-FFF2-40B4-BE49-F238E27FC236}">
-                <a16:creationId xmlns:a16="http://schemas.microsoft.com/office/drawing/2014/main" xmlns="" id="{C793E4E8-6B32-4A4A-BAFF-82DCCF5A62FE}"/>
+                <a16:creationId xmlns:a16="http://schemas.microsoft.com/office/drawing/2014/main" id="{C793E4E8-6B32-4A4A-BAFF-82DCCF5A62FE}"/>
               </a:ext>
             </a:extLst>
           </p:cNvPr>
@@ -17110,7 +17054,7 @@
           <p:cNvPr id="17" name="TextBox 16">
             <a:extLst>
               <a:ext uri="{FF2B5EF4-FFF2-40B4-BE49-F238E27FC236}">
-                <a16:creationId xmlns:a16="http://schemas.microsoft.com/office/drawing/2014/main" xmlns="" id="{965DFA69-0BE4-40E5-9555-3D8353F8BC54}"/>
+                <a16:creationId xmlns:a16="http://schemas.microsoft.com/office/drawing/2014/main" id="{965DFA69-0BE4-40E5-9555-3D8353F8BC54}"/>
               </a:ext>
             </a:extLst>
           </p:cNvPr>
@@ -17146,7 +17090,7 @@
           <p:cNvPr id="18" name="TextBox 17">
             <a:extLst>
               <a:ext uri="{FF2B5EF4-FFF2-40B4-BE49-F238E27FC236}">
-                <a16:creationId xmlns:a16="http://schemas.microsoft.com/office/drawing/2014/main" xmlns="" id="{8AB124E2-8364-404F-B008-8EA75983A0FB}"/>
+                <a16:creationId xmlns:a16="http://schemas.microsoft.com/office/drawing/2014/main" id="{8AB124E2-8364-404F-B008-8EA75983A0FB}"/>
               </a:ext>
             </a:extLst>
           </p:cNvPr>
@@ -17182,7 +17126,7 @@
           <p:cNvPr id="19" name="מלבן 18">
             <a:extLst>
               <a:ext uri="{FF2B5EF4-FFF2-40B4-BE49-F238E27FC236}">
-                <a16:creationId xmlns:a16="http://schemas.microsoft.com/office/drawing/2014/main" xmlns="" id="{20154B44-BC7A-461B-9D76-17616BD617BA}"/>
+                <a16:creationId xmlns:a16="http://schemas.microsoft.com/office/drawing/2014/main" id="{20154B44-BC7A-461B-9D76-17616BD617BA}"/>
               </a:ext>
             </a:extLst>
           </p:cNvPr>
@@ -17472,7 +17416,7 @@
           <p:cNvPr id="20" name="מלבן 19">
             <a:extLst>
               <a:ext uri="{FF2B5EF4-FFF2-40B4-BE49-F238E27FC236}">
-                <a16:creationId xmlns:a16="http://schemas.microsoft.com/office/drawing/2014/main" xmlns="" id="{CD2479C7-6852-4F5F-9FDF-823A78B3A92E}"/>
+                <a16:creationId xmlns:a16="http://schemas.microsoft.com/office/drawing/2014/main" id="{CD2479C7-6852-4F5F-9FDF-823A78B3A92E}"/>
               </a:ext>
             </a:extLst>
           </p:cNvPr>
@@ -17528,7 +17472,7 @@
           <p:cNvPr id="21" name="TextBox 20">
             <a:extLst>
               <a:ext uri="{FF2B5EF4-FFF2-40B4-BE49-F238E27FC236}">
-                <a16:creationId xmlns:a16="http://schemas.microsoft.com/office/drawing/2014/main" xmlns="" id="{E699EF30-DC3F-416D-A3E4-7D8DE3E684ED}"/>
+                <a16:creationId xmlns:a16="http://schemas.microsoft.com/office/drawing/2014/main" id="{E699EF30-DC3F-416D-A3E4-7D8DE3E684ED}"/>
               </a:ext>
             </a:extLst>
           </p:cNvPr>
@@ -17564,7 +17508,7 @@
           <p:cNvPr id="22" name="מלבן 21">
             <a:extLst>
               <a:ext uri="{FF2B5EF4-FFF2-40B4-BE49-F238E27FC236}">
-                <a16:creationId xmlns:a16="http://schemas.microsoft.com/office/drawing/2014/main" xmlns="" id="{576514FB-EA4B-4521-B621-97CF329A8DE8}"/>
+                <a16:creationId xmlns:a16="http://schemas.microsoft.com/office/drawing/2014/main" id="{576514FB-EA4B-4521-B621-97CF329A8DE8}"/>
               </a:ext>
             </a:extLst>
           </p:cNvPr>
@@ -17620,7 +17564,7 @@
           <p:cNvPr id="23" name="TextBox 22">
             <a:extLst>
               <a:ext uri="{FF2B5EF4-FFF2-40B4-BE49-F238E27FC236}">
-                <a16:creationId xmlns:a16="http://schemas.microsoft.com/office/drawing/2014/main" xmlns="" id="{80E06D79-C121-4FAD-8A35-4DE9D9BA433E}"/>
+                <a16:creationId xmlns:a16="http://schemas.microsoft.com/office/drawing/2014/main" id="{80E06D79-C121-4FAD-8A35-4DE9D9BA433E}"/>
               </a:ext>
             </a:extLst>
           </p:cNvPr>
@@ -17656,7 +17600,7 @@
           <p:cNvPr id="24" name="מלבן 23">
             <a:extLst>
               <a:ext uri="{FF2B5EF4-FFF2-40B4-BE49-F238E27FC236}">
-                <a16:creationId xmlns:a16="http://schemas.microsoft.com/office/drawing/2014/main" xmlns="" id="{49439A00-8D4D-43DF-9E28-1CB08C74E09B}"/>
+                <a16:creationId xmlns:a16="http://schemas.microsoft.com/office/drawing/2014/main" id="{49439A00-8D4D-43DF-9E28-1CB08C74E09B}"/>
               </a:ext>
             </a:extLst>
           </p:cNvPr>
@@ -17712,7 +17656,7 @@
           <p:cNvPr id="25" name="TextBox 24">
             <a:extLst>
               <a:ext uri="{FF2B5EF4-FFF2-40B4-BE49-F238E27FC236}">
-                <a16:creationId xmlns:a16="http://schemas.microsoft.com/office/drawing/2014/main" xmlns="" id="{E2064F84-B548-4D9D-9740-5D8C9517A460}"/>
+                <a16:creationId xmlns:a16="http://schemas.microsoft.com/office/drawing/2014/main" id="{E2064F84-B548-4D9D-9740-5D8C9517A460}"/>
               </a:ext>
             </a:extLst>
           </p:cNvPr>
@@ -17748,7 +17692,7 @@
           <p:cNvPr id="26" name="מלבן 25">
             <a:extLst>
               <a:ext uri="{FF2B5EF4-FFF2-40B4-BE49-F238E27FC236}">
-                <a16:creationId xmlns:a16="http://schemas.microsoft.com/office/drawing/2014/main" xmlns="" id="{3AF50A7D-6A83-4018-ABB2-33CCF7556746}"/>
+                <a16:creationId xmlns:a16="http://schemas.microsoft.com/office/drawing/2014/main" id="{3AF50A7D-6A83-4018-ABB2-33CCF7556746}"/>
               </a:ext>
             </a:extLst>
           </p:cNvPr>
@@ -17804,7 +17748,7 @@
           <p:cNvPr id="27" name="TextBox 26">
             <a:extLst>
               <a:ext uri="{FF2B5EF4-FFF2-40B4-BE49-F238E27FC236}">
-                <a16:creationId xmlns:a16="http://schemas.microsoft.com/office/drawing/2014/main" xmlns="" id="{ABE72B46-26DC-4929-9BF7-E09768A4D74F}"/>
+                <a16:creationId xmlns:a16="http://schemas.microsoft.com/office/drawing/2014/main" id="{ABE72B46-26DC-4929-9BF7-E09768A4D74F}"/>
               </a:ext>
             </a:extLst>
           </p:cNvPr>
@@ -17840,7 +17784,7 @@
           <p:cNvPr id="28" name="מלבן 27">
             <a:extLst>
               <a:ext uri="{FF2B5EF4-FFF2-40B4-BE49-F238E27FC236}">
-                <a16:creationId xmlns:a16="http://schemas.microsoft.com/office/drawing/2014/main" xmlns="" id="{4582DFC3-1004-4AFF-93BD-B0F37D84039B}"/>
+                <a16:creationId xmlns:a16="http://schemas.microsoft.com/office/drawing/2014/main" id="{4582DFC3-1004-4AFF-93BD-B0F37D84039B}"/>
               </a:ext>
             </a:extLst>
           </p:cNvPr>
@@ -17896,7 +17840,7 @@
           <p:cNvPr id="29" name="TextBox 28">
             <a:extLst>
               <a:ext uri="{FF2B5EF4-FFF2-40B4-BE49-F238E27FC236}">
-                <a16:creationId xmlns:a16="http://schemas.microsoft.com/office/drawing/2014/main" xmlns="" id="{16A4D1D9-C945-4730-8A8A-7BA908B4E37C}"/>
+                <a16:creationId xmlns:a16="http://schemas.microsoft.com/office/drawing/2014/main" id="{16A4D1D9-C945-4730-8A8A-7BA908B4E37C}"/>
               </a:ext>
             </a:extLst>
           </p:cNvPr>
@@ -17933,7 +17877,7 @@
             <a:hlinkClick r:id="rId2" action="ppaction://hlinksldjump"/>
             <a:extLst>
               <a:ext uri="{FF2B5EF4-FFF2-40B4-BE49-F238E27FC236}">
-                <a16:creationId xmlns:a16="http://schemas.microsoft.com/office/drawing/2014/main" xmlns="" id="{DDA19A5F-98F7-4B96-A9CC-6EBD8339415B}"/>
+                <a16:creationId xmlns:a16="http://schemas.microsoft.com/office/drawing/2014/main" id="{DDA19A5F-98F7-4B96-A9CC-6EBD8339415B}"/>
               </a:ext>
             </a:extLst>
           </p:cNvPr>
@@ -17964,7 +17908,7 @@
             <a:hlinkClick r:id="rId4" action="ppaction://hlinksldjump"/>
             <a:extLst>
               <a:ext uri="{FF2B5EF4-FFF2-40B4-BE49-F238E27FC236}">
-                <a16:creationId xmlns:a16="http://schemas.microsoft.com/office/drawing/2014/main" xmlns="" id="{AD287081-9F9D-45DD-A019-7B475B75AD84}"/>
+                <a16:creationId xmlns:a16="http://schemas.microsoft.com/office/drawing/2014/main" id="{AD287081-9F9D-45DD-A019-7B475B75AD84}"/>
               </a:ext>
             </a:extLst>
           </p:cNvPr>
@@ -18065,7 +18009,7 @@
           <p:cNvPr id="2" name="כותרת 1">
             <a:extLst>
               <a:ext uri="{FF2B5EF4-FFF2-40B4-BE49-F238E27FC236}">
-                <a16:creationId xmlns:a16="http://schemas.microsoft.com/office/drawing/2014/main" xmlns="" id="{1E452867-37CC-4853-9323-254DDF77884D}"/>
+                <a16:creationId xmlns:a16="http://schemas.microsoft.com/office/drawing/2014/main" id="{1E452867-37CC-4853-9323-254DDF77884D}"/>
               </a:ext>
             </a:extLst>
           </p:cNvPr>
@@ -18096,14 +18040,6 @@
                 </a:solidFill>
               </a:rPr>
               <a:t>Reports Parameters</a:t>
-            </a:r>
-            <a:r>
-              <a:rPr lang="he-IL" dirty="0">
-                <a:solidFill>
-                  <a:srgbClr val="92D050"/>
-                </a:solidFill>
-              </a:rPr>
-              <a:t/>
             </a:r>
             <a:br>
               <a:rPr lang="he-IL" dirty="0">
@@ -18121,7 +18057,7 @@
           <p:cNvPr id="4" name="TextBox 3">
             <a:extLst>
               <a:ext uri="{FF2B5EF4-FFF2-40B4-BE49-F238E27FC236}">
-                <a16:creationId xmlns:a16="http://schemas.microsoft.com/office/drawing/2014/main" xmlns="" id="{37E78F8A-2786-4CB8-A8E0-C33C80700AB6}"/>
+                <a16:creationId xmlns:a16="http://schemas.microsoft.com/office/drawing/2014/main" id="{37E78F8A-2786-4CB8-A8E0-C33C80700AB6}"/>
               </a:ext>
             </a:extLst>
           </p:cNvPr>
@@ -18157,7 +18093,7 @@
           <p:cNvPr id="5" name="מלבן: פינות מעוגלות 4">
             <a:extLst>
               <a:ext uri="{FF2B5EF4-FFF2-40B4-BE49-F238E27FC236}">
-                <a16:creationId xmlns:a16="http://schemas.microsoft.com/office/drawing/2014/main" xmlns="" id="{71433638-2BA1-46D8-A141-847568D2C841}"/>
+                <a16:creationId xmlns:a16="http://schemas.microsoft.com/office/drawing/2014/main" id="{71433638-2BA1-46D8-A141-847568D2C841}"/>
               </a:ext>
             </a:extLst>
           </p:cNvPr>
@@ -18227,7 +18163,7 @@
           <p:cNvPr id="6" name="טבלה 5">
             <a:extLst>
               <a:ext uri="{FF2B5EF4-FFF2-40B4-BE49-F238E27FC236}">
-                <a16:creationId xmlns:a16="http://schemas.microsoft.com/office/drawing/2014/main" xmlns="" id="{27444142-5132-4F6D-A550-A69E1AFE77D8}"/>
+                <a16:creationId xmlns:a16="http://schemas.microsoft.com/office/drawing/2014/main" id="{27444142-5132-4F6D-A550-A69E1AFE77D8}"/>
               </a:ext>
             </a:extLst>
           </p:cNvPr>
@@ -18256,7 +18192,7 @@
                 <a:gridCol w="2880986">
                   <a:extLst>
                     <a:ext uri="{9D8B030D-6E8A-4147-A177-3AD203B41FA5}">
-                      <a16:colId xmlns:a16="http://schemas.microsoft.com/office/drawing/2014/main" xmlns="" val="2343234628"/>
+                      <a16:colId xmlns:a16="http://schemas.microsoft.com/office/drawing/2014/main" val="2343234628"/>
                     </a:ext>
                   </a:extLst>
                 </a:gridCol>
@@ -18278,7 +18214,7 @@
                 </a:tc>
                 <a:extLst>
                   <a:ext uri="{0D108BD9-81ED-4DB2-BD59-A6C34878D82A}">
-                    <a16:rowId xmlns:a16="http://schemas.microsoft.com/office/drawing/2014/main" xmlns="" val="2878763511"/>
+                    <a16:rowId xmlns:a16="http://schemas.microsoft.com/office/drawing/2014/main" val="2878763511"/>
                   </a:ext>
                 </a:extLst>
               </a:tr>
@@ -18316,7 +18252,7 @@
                 </a:tc>
                 <a:extLst>
                   <a:ext uri="{0D108BD9-81ED-4DB2-BD59-A6C34878D82A}">
-                    <a16:rowId xmlns:a16="http://schemas.microsoft.com/office/drawing/2014/main" xmlns="" val="3036631769"/>
+                    <a16:rowId xmlns:a16="http://schemas.microsoft.com/office/drawing/2014/main" val="3036631769"/>
                   </a:ext>
                 </a:extLst>
               </a:tr>
@@ -18354,7 +18290,7 @@
                 </a:tc>
                 <a:extLst>
                   <a:ext uri="{0D108BD9-81ED-4DB2-BD59-A6C34878D82A}">
-                    <a16:rowId xmlns:a16="http://schemas.microsoft.com/office/drawing/2014/main" xmlns="" val="794648582"/>
+                    <a16:rowId xmlns:a16="http://schemas.microsoft.com/office/drawing/2014/main" val="794648582"/>
                   </a:ext>
                 </a:extLst>
               </a:tr>
@@ -18367,7 +18303,7 @@
           <p:cNvPr id="8" name="TextBox 7">
             <a:extLst>
               <a:ext uri="{FF2B5EF4-FFF2-40B4-BE49-F238E27FC236}">
-                <a16:creationId xmlns:a16="http://schemas.microsoft.com/office/drawing/2014/main" xmlns="" id="{A6E194E8-C9FA-40AA-882F-307784948B78}"/>
+                <a16:creationId xmlns:a16="http://schemas.microsoft.com/office/drawing/2014/main" id="{A6E194E8-C9FA-40AA-882F-307784948B78}"/>
               </a:ext>
             </a:extLst>
           </p:cNvPr>
@@ -18403,7 +18339,7 @@
           <p:cNvPr id="9" name="מלבן: פינות מעוגלות 8">
             <a:extLst>
               <a:ext uri="{FF2B5EF4-FFF2-40B4-BE49-F238E27FC236}">
-                <a16:creationId xmlns:a16="http://schemas.microsoft.com/office/drawing/2014/main" xmlns="" id="{390C82F1-BCCA-4466-B4B6-2613CF368C38}"/>
+                <a16:creationId xmlns:a16="http://schemas.microsoft.com/office/drawing/2014/main" id="{390C82F1-BCCA-4466-B4B6-2613CF368C38}"/>
               </a:ext>
             </a:extLst>
           </p:cNvPr>
@@ -18473,7 +18409,7 @@
           <p:cNvPr id="11" name="טבלה 10">
             <a:extLst>
               <a:ext uri="{FF2B5EF4-FFF2-40B4-BE49-F238E27FC236}">
-                <a16:creationId xmlns:a16="http://schemas.microsoft.com/office/drawing/2014/main" xmlns="" id="{4F833BD7-2D19-4854-9AA3-F4F15FA7CD41}"/>
+                <a16:creationId xmlns:a16="http://schemas.microsoft.com/office/drawing/2014/main" id="{4F833BD7-2D19-4854-9AA3-F4F15FA7CD41}"/>
               </a:ext>
             </a:extLst>
           </p:cNvPr>
@@ -18502,7 +18438,7 @@
                 <a:gridCol w="2880986">
                   <a:extLst>
                     <a:ext uri="{9D8B030D-6E8A-4147-A177-3AD203B41FA5}">
-                      <a16:colId xmlns:a16="http://schemas.microsoft.com/office/drawing/2014/main" xmlns="" val="2343234628"/>
+                      <a16:colId xmlns:a16="http://schemas.microsoft.com/office/drawing/2014/main" val="2343234628"/>
                     </a:ext>
                   </a:extLst>
                 </a:gridCol>
@@ -18524,7 +18460,7 @@
                 </a:tc>
                 <a:extLst>
                   <a:ext uri="{0D108BD9-81ED-4DB2-BD59-A6C34878D82A}">
-                    <a16:rowId xmlns:a16="http://schemas.microsoft.com/office/drawing/2014/main" xmlns="" val="2878763511"/>
+                    <a16:rowId xmlns:a16="http://schemas.microsoft.com/office/drawing/2014/main" val="2878763511"/>
                   </a:ext>
                 </a:extLst>
               </a:tr>
@@ -18562,7 +18498,7 @@
                 </a:tc>
                 <a:extLst>
                   <a:ext uri="{0D108BD9-81ED-4DB2-BD59-A6C34878D82A}">
-                    <a16:rowId xmlns:a16="http://schemas.microsoft.com/office/drawing/2014/main" xmlns="" val="3036631769"/>
+                    <a16:rowId xmlns:a16="http://schemas.microsoft.com/office/drawing/2014/main" val="3036631769"/>
                   </a:ext>
                 </a:extLst>
               </a:tr>
@@ -18575,7 +18511,7 @@
           <p:cNvPr id="12292" name="Picture 4" descr="×ª××× × ×§×©××¨×">
             <a:extLst>
               <a:ext uri="{FF2B5EF4-FFF2-40B4-BE49-F238E27FC236}">
-                <a16:creationId xmlns:a16="http://schemas.microsoft.com/office/drawing/2014/main" xmlns="" id="{812B95CE-FD15-43C2-A57F-5B8510C69555}"/>
+                <a16:creationId xmlns:a16="http://schemas.microsoft.com/office/drawing/2014/main" id="{812B95CE-FD15-43C2-A57F-5B8510C69555}"/>
               </a:ext>
             </a:extLst>
           </p:cNvPr>
@@ -18622,7 +18558,7 @@
           <p:cNvPr id="14" name="Picture 4" descr="×ª××× × ×§×©××¨×">
             <a:extLst>
               <a:ext uri="{FF2B5EF4-FFF2-40B4-BE49-F238E27FC236}">
-                <a16:creationId xmlns:a16="http://schemas.microsoft.com/office/drawing/2014/main" xmlns="" id="{122AB82C-F687-43C5-AB2F-E26315490FCF}"/>
+                <a16:creationId xmlns:a16="http://schemas.microsoft.com/office/drawing/2014/main" id="{122AB82C-F687-43C5-AB2F-E26315490FCF}"/>
               </a:ext>
             </a:extLst>
           </p:cNvPr>
@@ -18669,7 +18605,7 @@
           <p:cNvPr id="15" name="TextBox 14">
             <a:extLst>
               <a:ext uri="{FF2B5EF4-FFF2-40B4-BE49-F238E27FC236}">
-                <a16:creationId xmlns:a16="http://schemas.microsoft.com/office/drawing/2014/main" xmlns="" id="{FF3E1A57-1C67-4BD9-A19B-D0261E218A66}"/>
+                <a16:creationId xmlns:a16="http://schemas.microsoft.com/office/drawing/2014/main" id="{FF3E1A57-1C67-4BD9-A19B-D0261E218A66}"/>
               </a:ext>
             </a:extLst>
           </p:cNvPr>
@@ -18705,7 +18641,7 @@
           <p:cNvPr id="16" name="מלבן: פינות מעוגלות 15">
             <a:extLst>
               <a:ext uri="{FF2B5EF4-FFF2-40B4-BE49-F238E27FC236}">
-                <a16:creationId xmlns:a16="http://schemas.microsoft.com/office/drawing/2014/main" xmlns="" id="{F2D05FAD-7BF2-406F-B752-B213CB04F521}"/>
+                <a16:creationId xmlns:a16="http://schemas.microsoft.com/office/drawing/2014/main" id="{F2D05FAD-7BF2-406F-B752-B213CB04F521}"/>
               </a:ext>
             </a:extLst>
           </p:cNvPr>
@@ -18775,7 +18711,7 @@
           <p:cNvPr id="7" name="תמונה 6">
             <a:extLst>
               <a:ext uri="{FF2B5EF4-FFF2-40B4-BE49-F238E27FC236}">
-                <a16:creationId xmlns:a16="http://schemas.microsoft.com/office/drawing/2014/main" xmlns="" id="{0DA80268-5903-416B-9E4A-A60ADBEB65B3}"/>
+                <a16:creationId xmlns:a16="http://schemas.microsoft.com/office/drawing/2014/main" id="{0DA80268-5903-416B-9E4A-A60ADBEB65B3}"/>
               </a:ext>
             </a:extLst>
           </p:cNvPr>
@@ -18805,7 +18741,7 @@
           <p:cNvPr id="19" name="TextBox 18">
             <a:extLst>
               <a:ext uri="{FF2B5EF4-FFF2-40B4-BE49-F238E27FC236}">
-                <a16:creationId xmlns:a16="http://schemas.microsoft.com/office/drawing/2014/main" xmlns="" id="{3ED348E4-342A-4124-95A6-7274985C7983}"/>
+                <a16:creationId xmlns:a16="http://schemas.microsoft.com/office/drawing/2014/main" id="{3ED348E4-342A-4124-95A6-7274985C7983}"/>
               </a:ext>
             </a:extLst>
           </p:cNvPr>
@@ -18841,7 +18777,7 @@
           <p:cNvPr id="20" name="מלבן: פינות מעוגלות 19">
             <a:extLst>
               <a:ext uri="{FF2B5EF4-FFF2-40B4-BE49-F238E27FC236}">
-                <a16:creationId xmlns:a16="http://schemas.microsoft.com/office/drawing/2014/main" xmlns="" id="{67EB9913-87C9-4351-82D8-B2E1B53862E6}"/>
+                <a16:creationId xmlns:a16="http://schemas.microsoft.com/office/drawing/2014/main" id="{67EB9913-87C9-4351-82D8-B2E1B53862E6}"/>
               </a:ext>
             </a:extLst>
           </p:cNvPr>
@@ -18911,7 +18847,7 @@
           <p:cNvPr id="12" name="תמונה 11">
             <a:extLst>
               <a:ext uri="{FF2B5EF4-FFF2-40B4-BE49-F238E27FC236}">
-                <a16:creationId xmlns:a16="http://schemas.microsoft.com/office/drawing/2014/main" xmlns="" id="{40153AE1-A427-44C9-AD45-F456FC59890C}"/>
+                <a16:creationId xmlns:a16="http://schemas.microsoft.com/office/drawing/2014/main" id="{40153AE1-A427-44C9-AD45-F456FC59890C}"/>
               </a:ext>
             </a:extLst>
           </p:cNvPr>
@@ -18942,7 +18878,7 @@
             <a:hlinkClick r:id="rId4" action="ppaction://hlinksldjump"/>
             <a:extLst>
               <a:ext uri="{FF2B5EF4-FFF2-40B4-BE49-F238E27FC236}">
-                <a16:creationId xmlns:a16="http://schemas.microsoft.com/office/drawing/2014/main" xmlns="" id="{B0F18B07-BEEA-44C4-8A35-BB1421205F20}"/>
+                <a16:creationId xmlns:a16="http://schemas.microsoft.com/office/drawing/2014/main" id="{B0F18B07-BEEA-44C4-8A35-BB1421205F20}"/>
               </a:ext>
             </a:extLst>
           </p:cNvPr>
@@ -19014,7 +18950,7 @@
             <a:hlinkClick r:id="rId5" action="ppaction://hlinksldjump"/>
             <a:extLst>
               <a:ext uri="{FF2B5EF4-FFF2-40B4-BE49-F238E27FC236}">
-                <a16:creationId xmlns:a16="http://schemas.microsoft.com/office/drawing/2014/main" xmlns="" id="{3360CA21-ADD1-4D14-9A2B-458F4A943B31}"/>
+                <a16:creationId xmlns:a16="http://schemas.microsoft.com/office/drawing/2014/main" id="{3360CA21-ADD1-4D14-9A2B-458F4A943B31}"/>
               </a:ext>
             </a:extLst>
           </p:cNvPr>
@@ -19045,7 +18981,7 @@
             <a:hlinkClick r:id="rId7" action="ppaction://hlinksldjump"/>
             <a:extLst>
               <a:ext uri="{FF2B5EF4-FFF2-40B4-BE49-F238E27FC236}">
-                <a16:creationId xmlns:a16="http://schemas.microsoft.com/office/drawing/2014/main" xmlns="" id="{618FD8AC-789A-41D7-9BA4-6F486B0B142B}"/>
+                <a16:creationId xmlns:a16="http://schemas.microsoft.com/office/drawing/2014/main" id="{618FD8AC-789A-41D7-9BA4-6F486B0B142B}"/>
               </a:ext>
             </a:extLst>
           </p:cNvPr>
@@ -19116,7 +19052,7 @@
           <p:cNvPr id="25" name="TextBox 24">
             <a:extLst>
               <a:ext uri="{FF2B5EF4-FFF2-40B4-BE49-F238E27FC236}">
-                <a16:creationId xmlns:a16="http://schemas.microsoft.com/office/drawing/2014/main" xmlns="" id="{D62F5618-558A-435E-9516-FC23BAF3B4EF}"/>
+                <a16:creationId xmlns:a16="http://schemas.microsoft.com/office/drawing/2014/main" id="{D62F5618-558A-435E-9516-FC23BAF3B4EF}"/>
               </a:ext>
             </a:extLst>
           </p:cNvPr>
@@ -19152,7 +19088,7 @@
           <p:cNvPr id="27" name="מלבן: פינות מעוגלות 26">
             <a:extLst>
               <a:ext uri="{FF2B5EF4-FFF2-40B4-BE49-F238E27FC236}">
-                <a16:creationId xmlns:a16="http://schemas.microsoft.com/office/drawing/2014/main" xmlns="" id="{E3758B13-F47F-4AC5-8F63-BCE3F0A84F45}"/>
+                <a16:creationId xmlns:a16="http://schemas.microsoft.com/office/drawing/2014/main" id="{E3758B13-F47F-4AC5-8F63-BCE3F0A84F45}"/>
               </a:ext>
             </a:extLst>
           </p:cNvPr>
@@ -19252,7 +19188,7 @@
           <p:cNvPr id="2" name="כותרת 1">
             <a:extLst>
               <a:ext uri="{FF2B5EF4-FFF2-40B4-BE49-F238E27FC236}">
-                <a16:creationId xmlns:a16="http://schemas.microsoft.com/office/drawing/2014/main" xmlns="" id="{7B22CFC5-FBAA-4DFA-ADB7-B6C3DA12EE29}"/>
+                <a16:creationId xmlns:a16="http://schemas.microsoft.com/office/drawing/2014/main" id="{7B22CFC5-FBAA-4DFA-ADB7-B6C3DA12EE29}"/>
               </a:ext>
             </a:extLst>
           </p:cNvPr>
@@ -19294,7 +19230,7 @@
           <p:cNvPr id="5" name="טבלה 4">
             <a:extLst>
               <a:ext uri="{FF2B5EF4-FFF2-40B4-BE49-F238E27FC236}">
-                <a16:creationId xmlns:a16="http://schemas.microsoft.com/office/drawing/2014/main" xmlns="" id="{3E2117B7-F160-42B4-87BD-0D148817986D}"/>
+                <a16:creationId xmlns:a16="http://schemas.microsoft.com/office/drawing/2014/main" id="{3E2117B7-F160-42B4-87BD-0D148817986D}"/>
               </a:ext>
             </a:extLst>
           </p:cNvPr>
@@ -19323,63 +19259,63 @@
                 <a:gridCol w="1233826">
                   <a:extLst>
                     <a:ext uri="{9D8B030D-6E8A-4147-A177-3AD203B41FA5}">
-                      <a16:colId xmlns:a16="http://schemas.microsoft.com/office/drawing/2014/main" xmlns="" val="3614517155"/>
+                      <a16:colId xmlns:a16="http://schemas.microsoft.com/office/drawing/2014/main" val="3614517155"/>
                     </a:ext>
                   </a:extLst>
                 </a:gridCol>
                 <a:gridCol w="1044976">
                   <a:extLst>
                     <a:ext uri="{9D8B030D-6E8A-4147-A177-3AD203B41FA5}">
-                      <a16:colId xmlns:a16="http://schemas.microsoft.com/office/drawing/2014/main" xmlns="" val="149255907"/>
+                      <a16:colId xmlns:a16="http://schemas.microsoft.com/office/drawing/2014/main" val="149255907"/>
                     </a:ext>
                   </a:extLst>
                 </a:gridCol>
                 <a:gridCol w="982027">
                   <a:extLst>
                     <a:ext uri="{9D8B030D-6E8A-4147-A177-3AD203B41FA5}">
-                      <a16:colId xmlns:a16="http://schemas.microsoft.com/office/drawing/2014/main" xmlns="" val="2726573482"/>
+                      <a16:colId xmlns:a16="http://schemas.microsoft.com/office/drawing/2014/main" val="2726573482"/>
                     </a:ext>
                   </a:extLst>
                 </a:gridCol>
                 <a:gridCol w="1435268">
                   <a:extLst>
                     <a:ext uri="{9D8B030D-6E8A-4147-A177-3AD203B41FA5}">
-                      <a16:colId xmlns:a16="http://schemas.microsoft.com/office/drawing/2014/main" xmlns="" val="1847903682"/>
+                      <a16:colId xmlns:a16="http://schemas.microsoft.com/office/drawing/2014/main" val="1847903682"/>
                     </a:ext>
                   </a:extLst>
                 </a:gridCol>
                 <a:gridCol w="1271597">
                   <a:extLst>
                     <a:ext uri="{9D8B030D-6E8A-4147-A177-3AD203B41FA5}">
-                      <a16:colId xmlns:a16="http://schemas.microsoft.com/office/drawing/2014/main" xmlns="" val="3853517344"/>
+                      <a16:colId xmlns:a16="http://schemas.microsoft.com/office/drawing/2014/main" val="3853517344"/>
                     </a:ext>
                   </a:extLst>
                 </a:gridCol>
                 <a:gridCol w="1347506">
                   <a:extLst>
                     <a:ext uri="{9D8B030D-6E8A-4147-A177-3AD203B41FA5}">
-                      <a16:colId xmlns:a16="http://schemas.microsoft.com/office/drawing/2014/main" xmlns="" val="2137394321"/>
+                      <a16:colId xmlns:a16="http://schemas.microsoft.com/office/drawing/2014/main" val="2137394321"/>
                     </a:ext>
                   </a:extLst>
                 </a:gridCol>
                 <a:gridCol w="1352811">
                   <a:extLst>
                     <a:ext uri="{9D8B030D-6E8A-4147-A177-3AD203B41FA5}">
-                      <a16:colId xmlns:a16="http://schemas.microsoft.com/office/drawing/2014/main" xmlns="" val="2033288465"/>
+                      <a16:colId xmlns:a16="http://schemas.microsoft.com/office/drawing/2014/main" val="2033288465"/>
                     </a:ext>
                   </a:extLst>
                 </a:gridCol>
                 <a:gridCol w="1038935">
                   <a:extLst>
                     <a:ext uri="{9D8B030D-6E8A-4147-A177-3AD203B41FA5}">
-                      <a16:colId xmlns:a16="http://schemas.microsoft.com/office/drawing/2014/main" xmlns="" val="4245539016"/>
+                      <a16:colId xmlns:a16="http://schemas.microsoft.com/office/drawing/2014/main" val="4245539016"/>
                     </a:ext>
                   </a:extLst>
                 </a:gridCol>
                 <a:gridCol w="1299257">
                   <a:extLst>
                     <a:ext uri="{9D8B030D-6E8A-4147-A177-3AD203B41FA5}">
-                      <a16:colId xmlns:a16="http://schemas.microsoft.com/office/drawing/2014/main" xmlns="" val="1191744740"/>
+                      <a16:colId xmlns:a16="http://schemas.microsoft.com/office/drawing/2014/main" val="1191744740"/>
                     </a:ext>
                   </a:extLst>
                 </a:gridCol>
@@ -19522,7 +19458,7 @@
                 </a:tc>
                 <a:extLst>
                   <a:ext uri="{0D108BD9-81ED-4DB2-BD59-A6C34878D82A}">
-                    <a16:rowId xmlns:a16="http://schemas.microsoft.com/office/drawing/2014/main" xmlns="" val="1228919773"/>
+                    <a16:rowId xmlns:a16="http://schemas.microsoft.com/office/drawing/2014/main" val="1228919773"/>
                   </a:ext>
                 </a:extLst>
               </a:tr>
@@ -19670,7 +19606,7 @@
                 </a:tc>
                 <a:extLst>
                   <a:ext uri="{0D108BD9-81ED-4DB2-BD59-A6C34878D82A}">
-                    <a16:rowId xmlns:a16="http://schemas.microsoft.com/office/drawing/2014/main" xmlns="" val="3981230142"/>
+                    <a16:rowId xmlns:a16="http://schemas.microsoft.com/office/drawing/2014/main" val="3981230142"/>
                   </a:ext>
                 </a:extLst>
               </a:tr>
@@ -19684,7 +19620,7 @@
             <a:hlinkClick r:id="rId2" action="ppaction://hlinksldjump"/>
             <a:extLst>
               <a:ext uri="{FF2B5EF4-FFF2-40B4-BE49-F238E27FC236}">
-                <a16:creationId xmlns:a16="http://schemas.microsoft.com/office/drawing/2014/main" xmlns="" id="{B398FB14-4A02-4AA2-B41B-CF4D1D036DFB}"/>
+                <a16:creationId xmlns:a16="http://schemas.microsoft.com/office/drawing/2014/main" id="{B398FB14-4A02-4AA2-B41B-CF4D1D036DFB}"/>
               </a:ext>
             </a:extLst>
           </p:cNvPr>
@@ -19715,7 +19651,7 @@
             <a:hlinkClick r:id="rId4" action="ppaction://hlinksldjump"/>
             <a:extLst>
               <a:ext uri="{FF2B5EF4-FFF2-40B4-BE49-F238E27FC236}">
-                <a16:creationId xmlns:a16="http://schemas.microsoft.com/office/drawing/2014/main" xmlns="" id="{320CDC31-CA47-47AE-A333-154573088C1A}"/>
+                <a16:creationId xmlns:a16="http://schemas.microsoft.com/office/drawing/2014/main" id="{320CDC31-CA47-47AE-A333-154573088C1A}"/>
               </a:ext>
             </a:extLst>
           </p:cNvPr>
@@ -19824,7 +19760,7 @@
           <p:cNvPr id="2" name="כותרת 1">
             <a:extLst>
               <a:ext uri="{FF2B5EF4-FFF2-40B4-BE49-F238E27FC236}">
-                <a16:creationId xmlns:a16="http://schemas.microsoft.com/office/drawing/2014/main" xmlns="" id="{8D99CC99-F642-4FF3-B6C3-664106E0735C}"/>
+                <a16:creationId xmlns:a16="http://schemas.microsoft.com/office/drawing/2014/main" id="{8D99CC99-F642-4FF3-B6C3-664106E0735C}"/>
               </a:ext>
             </a:extLst>
           </p:cNvPr>
@@ -19869,7 +19805,7 @@
             <a:hlinkClick r:id="rId2" action="ppaction://hlinksldjump"/>
             <a:extLst>
               <a:ext uri="{FF2B5EF4-FFF2-40B4-BE49-F238E27FC236}">
-                <a16:creationId xmlns:a16="http://schemas.microsoft.com/office/drawing/2014/main" xmlns="" id="{D68DA035-0D93-40A1-B02E-BF776043554B}"/>
+                <a16:creationId xmlns:a16="http://schemas.microsoft.com/office/drawing/2014/main" id="{D68DA035-0D93-40A1-B02E-BF776043554B}"/>
               </a:ext>
             </a:extLst>
           </p:cNvPr>
@@ -19928,7 +19864,7 @@
             <a:hlinkClick r:id="rId3" action="ppaction://hlinksldjump"/>
             <a:extLst>
               <a:ext uri="{FF2B5EF4-FFF2-40B4-BE49-F238E27FC236}">
-                <a16:creationId xmlns:a16="http://schemas.microsoft.com/office/drawing/2014/main" xmlns="" id="{AC8A99DF-C51A-4587-8D92-F82CD5F231B7}"/>
+                <a16:creationId xmlns:a16="http://schemas.microsoft.com/office/drawing/2014/main" id="{AC8A99DF-C51A-4587-8D92-F82CD5F231B7}"/>
               </a:ext>
             </a:extLst>
           </p:cNvPr>
@@ -20024,7 +19960,7 @@
           <p:cNvPr id="4" name="תמונה 3">
             <a:extLst>
               <a:ext uri="{FF2B5EF4-FFF2-40B4-BE49-F238E27FC236}">
-                <a16:creationId xmlns:a16="http://schemas.microsoft.com/office/drawing/2014/main" xmlns="" id="{67CA33D0-42A4-46D8-BB64-57B25061BF22}"/>
+                <a16:creationId xmlns:a16="http://schemas.microsoft.com/office/drawing/2014/main" id="{67CA33D0-42A4-46D8-BB64-57B25061BF22}"/>
               </a:ext>
             </a:extLst>
           </p:cNvPr>
@@ -20055,7 +19991,7 @@
             <a:hlinkClick r:id="rId3" action="ppaction://hlinksldjump"/>
             <a:extLst>
               <a:ext uri="{FF2B5EF4-FFF2-40B4-BE49-F238E27FC236}">
-                <a16:creationId xmlns:a16="http://schemas.microsoft.com/office/drawing/2014/main" xmlns="" id="{762CD6EA-060C-44BB-B289-483F1A385B58}"/>
+                <a16:creationId xmlns:a16="http://schemas.microsoft.com/office/drawing/2014/main" id="{762CD6EA-060C-44BB-B289-483F1A385B58}"/>
               </a:ext>
             </a:extLst>
           </p:cNvPr>
@@ -20114,7 +20050,7 @@
             <a:hlinkClick r:id="rId4" action="ppaction://hlinksldjump"/>
             <a:extLst>
               <a:ext uri="{FF2B5EF4-FFF2-40B4-BE49-F238E27FC236}">
-                <a16:creationId xmlns:a16="http://schemas.microsoft.com/office/drawing/2014/main" xmlns="" id="{D16E8C99-A5A0-41FD-8410-A5DE6A41C7CC}"/>
+                <a16:creationId xmlns:a16="http://schemas.microsoft.com/office/drawing/2014/main" id="{D16E8C99-A5A0-41FD-8410-A5DE6A41C7CC}"/>
               </a:ext>
             </a:extLst>
           </p:cNvPr>
@@ -20240,7 +20176,7 @@
           <p:cNvPr id="2" name="כותרת 1">
             <a:extLst>
               <a:ext uri="{FF2B5EF4-FFF2-40B4-BE49-F238E27FC236}">
-                <a16:creationId xmlns:a16="http://schemas.microsoft.com/office/drawing/2014/main" xmlns="" id="{8D99CC99-F642-4FF3-B6C3-664106E0735C}"/>
+                <a16:creationId xmlns:a16="http://schemas.microsoft.com/office/drawing/2014/main" id="{8D99CC99-F642-4FF3-B6C3-664106E0735C}"/>
               </a:ext>
             </a:extLst>
           </p:cNvPr>
@@ -20287,7 +20223,7 @@
             <a:hlinkClick r:id="rId2" action="ppaction://hlinksldjump"/>
             <a:extLst>
               <a:ext uri="{FF2B5EF4-FFF2-40B4-BE49-F238E27FC236}">
-                <a16:creationId xmlns:a16="http://schemas.microsoft.com/office/drawing/2014/main" xmlns="" id="{4CB1B36D-A6B1-4326-877B-1BA41AA3B406}"/>
+                <a16:creationId xmlns:a16="http://schemas.microsoft.com/office/drawing/2014/main" id="{4CB1B36D-A6B1-4326-877B-1BA41AA3B406}"/>
               </a:ext>
             </a:extLst>
           </p:cNvPr>
@@ -20349,7 +20285,7 @@
           <p:cNvPr id="12" name="TextBox 11">
             <a:extLst>
               <a:ext uri="{FF2B5EF4-FFF2-40B4-BE49-F238E27FC236}">
-                <a16:creationId xmlns:a16="http://schemas.microsoft.com/office/drawing/2014/main" xmlns="" id="{C91E8B83-1D63-4011-8FBB-9D56D3459EE4}"/>
+                <a16:creationId xmlns:a16="http://schemas.microsoft.com/office/drawing/2014/main" id="{C91E8B83-1D63-4011-8FBB-9D56D3459EE4}"/>
               </a:ext>
             </a:extLst>
           </p:cNvPr>
@@ -20400,7 +20336,7 @@
           <p:cNvPr id="13" name="טבלה 12">
             <a:extLst>
               <a:ext uri="{FF2B5EF4-FFF2-40B4-BE49-F238E27FC236}">
-                <a16:creationId xmlns:a16="http://schemas.microsoft.com/office/drawing/2014/main" xmlns="" id="{CB0D669B-6C58-4C81-9B71-831C27205EBF}"/>
+                <a16:creationId xmlns:a16="http://schemas.microsoft.com/office/drawing/2014/main" id="{CB0D669B-6C58-4C81-9B71-831C27205EBF}"/>
               </a:ext>
             </a:extLst>
           </p:cNvPr>
@@ -20410,14 +20346,14 @@
           <p:nvPr>
             <p:extLst>
               <p:ext uri="{D42A27DB-BD31-4B8C-83A1-F6EECF244321}">
-                <p14:modId xmlns:p14="http://schemas.microsoft.com/office/powerpoint/2010/main" val="3527668014"/>
+                <p14:modId xmlns:p14="http://schemas.microsoft.com/office/powerpoint/2010/main" val="2324089715"/>
               </p:ext>
             </p:extLst>
           </p:nvPr>
         </p:nvGraphicFramePr>
         <p:xfrm>
-          <a:off x="857245" y="1728314"/>
-          <a:ext cx="10477500" cy="4080814"/>
+          <a:off x="848412" y="1728314"/>
+          <a:ext cx="10486333" cy="4080814"/>
         </p:xfrm>
         <a:graphic>
           <a:graphicData uri="http://schemas.openxmlformats.org/drawingml/2006/table">
@@ -20429,56 +20365,56 @@
                 <a:gridCol w="1181100">
                   <a:extLst>
                     <a:ext uri="{9D8B030D-6E8A-4147-A177-3AD203B41FA5}">
-                      <a16:colId xmlns:a16="http://schemas.microsoft.com/office/drawing/2014/main" xmlns="" val="1872591232"/>
+                      <a16:colId xmlns:a16="http://schemas.microsoft.com/office/drawing/2014/main" val="1872591232"/>
                     </a:ext>
                   </a:extLst>
                 </a:gridCol>
                 <a:gridCol w="940843">
                   <a:extLst>
                     <a:ext uri="{9D8B030D-6E8A-4147-A177-3AD203B41FA5}">
-                      <a16:colId xmlns:a16="http://schemas.microsoft.com/office/drawing/2014/main" xmlns="" val="3614517155"/>
+                      <a16:colId xmlns:a16="http://schemas.microsoft.com/office/drawing/2014/main" val="3614517155"/>
                     </a:ext>
                   </a:extLst>
                 </a:gridCol>
                 <a:gridCol w="1606390">
                   <a:extLst>
                     <a:ext uri="{9D8B030D-6E8A-4147-A177-3AD203B41FA5}">
-                      <a16:colId xmlns:a16="http://schemas.microsoft.com/office/drawing/2014/main" xmlns="" val="1847903682"/>
+                      <a16:colId xmlns:a16="http://schemas.microsoft.com/office/drawing/2014/main" val="1847903682"/>
                     </a:ext>
                   </a:extLst>
                 </a:gridCol>
                 <a:gridCol w="1340915">
                   <a:extLst>
                     <a:ext uri="{9D8B030D-6E8A-4147-A177-3AD203B41FA5}">
-                      <a16:colId xmlns:a16="http://schemas.microsoft.com/office/drawing/2014/main" xmlns="" val="3853517344"/>
+                      <a16:colId xmlns:a16="http://schemas.microsoft.com/office/drawing/2014/main" val="3853517344"/>
                     </a:ext>
                   </a:extLst>
                 </a:gridCol>
                 <a:gridCol w="1389948">
                   <a:extLst>
                     <a:ext uri="{9D8B030D-6E8A-4147-A177-3AD203B41FA5}">
-                      <a16:colId xmlns:a16="http://schemas.microsoft.com/office/drawing/2014/main" xmlns="" val="2137394321"/>
+                      <a16:colId xmlns:a16="http://schemas.microsoft.com/office/drawing/2014/main" val="2137394321"/>
                     </a:ext>
                   </a:extLst>
                 </a:gridCol>
                 <a:gridCol w="1491004">
                   <a:extLst>
                     <a:ext uri="{9D8B030D-6E8A-4147-A177-3AD203B41FA5}">
-                      <a16:colId xmlns:a16="http://schemas.microsoft.com/office/drawing/2014/main" xmlns="" val="2033288465"/>
+                      <a16:colId xmlns:a16="http://schemas.microsoft.com/office/drawing/2014/main" val="2033288465"/>
                     </a:ext>
                   </a:extLst>
                 </a:gridCol>
                 <a:gridCol w="1066610">
                   <a:extLst>
                     <a:ext uri="{9D8B030D-6E8A-4147-A177-3AD203B41FA5}">
-                      <a16:colId xmlns:a16="http://schemas.microsoft.com/office/drawing/2014/main" xmlns="" val="4245539016"/>
+                      <a16:colId xmlns:a16="http://schemas.microsoft.com/office/drawing/2014/main" val="4245539016"/>
                     </a:ext>
                   </a:extLst>
                 </a:gridCol>
-                <a:gridCol w="1460690">
+                <a:gridCol w="1469523">
                   <a:extLst>
                     <a:ext uri="{9D8B030D-6E8A-4147-A177-3AD203B41FA5}">
-                      <a16:colId xmlns:a16="http://schemas.microsoft.com/office/drawing/2014/main" xmlns="" val="1191744740"/>
+                      <a16:colId xmlns:a16="http://schemas.microsoft.com/office/drawing/2014/main" val="1191744740"/>
                     </a:ext>
                   </a:extLst>
                 </a:gridCol>
@@ -20606,7 +20542,7 @@
                 </a:tc>
                 <a:extLst>
                   <a:ext uri="{0D108BD9-81ED-4DB2-BD59-A6C34878D82A}">
-                    <a16:rowId xmlns:a16="http://schemas.microsoft.com/office/drawing/2014/main" xmlns="" val="1228919773"/>
+                    <a16:rowId xmlns:a16="http://schemas.microsoft.com/office/drawing/2014/main" val="1228919773"/>
                   </a:ext>
                 </a:extLst>
               </a:tr>
@@ -20756,7 +20692,7 @@
                 </a:tc>
                 <a:extLst>
                   <a:ext uri="{0D108BD9-81ED-4DB2-BD59-A6C34878D82A}">
-                    <a16:rowId xmlns:a16="http://schemas.microsoft.com/office/drawing/2014/main" xmlns="" val="4120531732"/>
+                    <a16:rowId xmlns:a16="http://schemas.microsoft.com/office/drawing/2014/main" val="4120531732"/>
                   </a:ext>
                 </a:extLst>
               </a:tr>
@@ -20893,7 +20829,7 @@
                 </a:tc>
                 <a:extLst>
                   <a:ext uri="{0D108BD9-81ED-4DB2-BD59-A6C34878D82A}">
-                    <a16:rowId xmlns:a16="http://schemas.microsoft.com/office/drawing/2014/main" xmlns="" val="3981230142"/>
+                    <a16:rowId xmlns:a16="http://schemas.microsoft.com/office/drawing/2014/main" val="3981230142"/>
                   </a:ext>
                 </a:extLst>
               </a:tr>
@@ -21023,7 +20959,7 @@
                 </a:tc>
                 <a:extLst>
                   <a:ext uri="{0D108BD9-81ED-4DB2-BD59-A6C34878D82A}">
-                    <a16:rowId xmlns:a16="http://schemas.microsoft.com/office/drawing/2014/main" xmlns="" val="4122735466"/>
+                    <a16:rowId xmlns:a16="http://schemas.microsoft.com/office/drawing/2014/main" val="4122735466"/>
                   </a:ext>
                 </a:extLst>
               </a:tr>
@@ -21037,7 +20973,7 @@
             <a:hlinkClick r:id="rId3" action="ppaction://hlinksldjump"/>
             <a:extLst>
               <a:ext uri="{FF2B5EF4-FFF2-40B4-BE49-F238E27FC236}">
-                <a16:creationId xmlns:a16="http://schemas.microsoft.com/office/drawing/2014/main" xmlns="" id="{8488D165-3C41-4082-8B13-3DC19D8E8A26}"/>
+                <a16:creationId xmlns:a16="http://schemas.microsoft.com/office/drawing/2014/main" id="{8488D165-3C41-4082-8B13-3DC19D8E8A26}"/>
               </a:ext>
             </a:extLst>
           </p:cNvPr>
@@ -21068,7 +21004,7 @@
             <a:hlinkClick r:id="rId5" action="ppaction://hlinksldjump"/>
             <a:extLst>
               <a:ext uri="{FF2B5EF4-FFF2-40B4-BE49-F238E27FC236}">
-                <a16:creationId xmlns:a16="http://schemas.microsoft.com/office/drawing/2014/main" xmlns="" id="{0CD64605-CCF9-48DA-A7FA-214DB0C788D5}"/>
+                <a16:creationId xmlns:a16="http://schemas.microsoft.com/office/drawing/2014/main" id="{0CD64605-CCF9-48DA-A7FA-214DB0C788D5}"/>
               </a:ext>
             </a:extLst>
           </p:cNvPr>
@@ -21123,7 +21059,7 @@
             <a:hlinkClick r:id="rId6" action="ppaction://hlinksldjump"/>
             <a:extLst>
               <a:ext uri="{FF2B5EF4-FFF2-40B4-BE49-F238E27FC236}">
-                <a16:creationId xmlns:a16="http://schemas.microsoft.com/office/drawing/2014/main" xmlns="" id="{47E8E6B4-3B07-40E9-81F7-0C4ACC425A6B}"/>
+                <a16:creationId xmlns:a16="http://schemas.microsoft.com/office/drawing/2014/main" id="{47E8E6B4-3B07-40E9-81F7-0C4ACC425A6B}"/>
               </a:ext>
             </a:extLst>
           </p:cNvPr>
@@ -21154,7 +21090,7 @@
             <a:hlinkClick r:id="rId8" action="ppaction://hlinksldjump"/>
             <a:extLst>
               <a:ext uri="{FF2B5EF4-FFF2-40B4-BE49-F238E27FC236}">
-                <a16:creationId xmlns:a16="http://schemas.microsoft.com/office/drawing/2014/main" xmlns="" id="{E770E8B8-725C-47E2-9D1F-344CB081FE77}"/>
+                <a16:creationId xmlns:a16="http://schemas.microsoft.com/office/drawing/2014/main" id="{E770E8B8-725C-47E2-9D1F-344CB081FE77}"/>
               </a:ext>
             </a:extLst>
           </p:cNvPr>
@@ -21214,7 +21150,7 @@
           <p:cNvPr id="2" name="כותרת 1">
             <a:extLst>
               <a:ext uri="{FF2B5EF4-FFF2-40B4-BE49-F238E27FC236}">
-                <a16:creationId xmlns:a16="http://schemas.microsoft.com/office/drawing/2014/main" xmlns="" id="{FEC76493-D624-4A62-BFB2-FB7A8EA11F2E}"/>
+                <a16:creationId xmlns:a16="http://schemas.microsoft.com/office/drawing/2014/main" id="{FEC76493-D624-4A62-BFB2-FB7A8EA11F2E}"/>
               </a:ext>
             </a:extLst>
           </p:cNvPr>
@@ -21258,7 +21194,7 @@
           <p:cNvPr id="4" name="Rectangle 1">
             <a:extLst>
               <a:ext uri="{FF2B5EF4-FFF2-40B4-BE49-F238E27FC236}">
-                <a16:creationId xmlns:a16="http://schemas.microsoft.com/office/drawing/2014/main" xmlns="" id="{E8C7965E-40C5-4E5A-9C73-22C1D86E0FBD}"/>
+                <a16:creationId xmlns:a16="http://schemas.microsoft.com/office/drawing/2014/main" id="{E8C7965E-40C5-4E5A-9C73-22C1D86E0FBD}"/>
               </a:ext>
             </a:extLst>
           </p:cNvPr>
@@ -21384,7 +21320,7 @@
             <a:hlinkClick r:id="rId2" action="ppaction://hlinksldjump"/>
             <a:extLst>
               <a:ext uri="{FF2B5EF4-FFF2-40B4-BE49-F238E27FC236}">
-                <a16:creationId xmlns:a16="http://schemas.microsoft.com/office/drawing/2014/main" xmlns="" id="{794D8B54-D71F-4584-8550-DF554DAD793B}"/>
+                <a16:creationId xmlns:a16="http://schemas.microsoft.com/office/drawing/2014/main" id="{794D8B54-D71F-4584-8550-DF554DAD793B}"/>
               </a:ext>
             </a:extLst>
           </p:cNvPr>
@@ -21415,7 +21351,7 @@
             <a:hlinkClick r:id="rId4" action="ppaction://hlinksldjump"/>
             <a:extLst>
               <a:ext uri="{FF2B5EF4-FFF2-40B4-BE49-F238E27FC236}">
-                <a16:creationId xmlns:a16="http://schemas.microsoft.com/office/drawing/2014/main" xmlns="" id="{DCAEFEBD-33B2-469F-8DDD-422A736D12DE}"/>
+                <a16:creationId xmlns:a16="http://schemas.microsoft.com/office/drawing/2014/main" id="{DCAEFEBD-33B2-469F-8DDD-422A736D12DE}"/>
               </a:ext>
             </a:extLst>
           </p:cNvPr>
@@ -21516,7 +21452,7 @@
           <p:cNvPr id="2" name="כותרת 1">
             <a:extLst>
               <a:ext uri="{FF2B5EF4-FFF2-40B4-BE49-F238E27FC236}">
-                <a16:creationId xmlns:a16="http://schemas.microsoft.com/office/drawing/2014/main" xmlns="" id="{FC2E1CD1-5E99-429A-AA4C-C319B2AAE49C}"/>
+                <a16:creationId xmlns:a16="http://schemas.microsoft.com/office/drawing/2014/main" id="{FC2E1CD1-5E99-429A-AA4C-C319B2AAE49C}"/>
               </a:ext>
             </a:extLst>
           </p:cNvPr>
@@ -21556,7 +21492,7 @@
           <p:cNvPr id="4" name="Rectangle 1">
             <a:extLst>
               <a:ext uri="{FF2B5EF4-FFF2-40B4-BE49-F238E27FC236}">
-                <a16:creationId xmlns:a16="http://schemas.microsoft.com/office/drawing/2014/main" xmlns="" id="{C4562EE5-30A8-497A-8F8B-6D5BBC6AE45B}"/>
+                <a16:creationId xmlns:a16="http://schemas.microsoft.com/office/drawing/2014/main" id="{C4562EE5-30A8-497A-8F8B-6D5BBC6AE45B}"/>
               </a:ext>
             </a:extLst>
           </p:cNvPr>
@@ -21754,7 +21690,7 @@
             <a:hlinkClick r:id="rId2" action="ppaction://hlinksldjump"/>
             <a:extLst>
               <a:ext uri="{FF2B5EF4-FFF2-40B4-BE49-F238E27FC236}">
-                <a16:creationId xmlns:a16="http://schemas.microsoft.com/office/drawing/2014/main" xmlns="" id="{1997B54C-4D0F-4CAE-B83D-B11489B54436}"/>
+                <a16:creationId xmlns:a16="http://schemas.microsoft.com/office/drawing/2014/main" id="{1997B54C-4D0F-4CAE-B83D-B11489B54436}"/>
               </a:ext>
             </a:extLst>
           </p:cNvPr>
@@ -21785,7 +21721,7 @@
             <a:hlinkClick r:id="rId4" action="ppaction://hlinksldjump"/>
             <a:extLst>
               <a:ext uri="{FF2B5EF4-FFF2-40B4-BE49-F238E27FC236}">
-                <a16:creationId xmlns:a16="http://schemas.microsoft.com/office/drawing/2014/main" xmlns="" id="{6F28D33C-44D1-4C24-86DD-5560BE8D6241}"/>
+                <a16:creationId xmlns:a16="http://schemas.microsoft.com/office/drawing/2014/main" id="{6F28D33C-44D1-4C24-86DD-5560BE8D6241}"/>
               </a:ext>
             </a:extLst>
           </p:cNvPr>
@@ -21886,7 +21822,7 @@
           <p:cNvPr id="3" name="מציין מיקום תוכן 2">
             <a:extLst>
               <a:ext uri="{FF2B5EF4-FFF2-40B4-BE49-F238E27FC236}">
-                <a16:creationId xmlns:a16="http://schemas.microsoft.com/office/drawing/2014/main" xmlns="" id="{F2DC8682-3A3C-4DD3-9BC1-46B2A35DB69B}"/>
+                <a16:creationId xmlns:a16="http://schemas.microsoft.com/office/drawing/2014/main" id="{F2DC8682-3A3C-4DD3-9BC1-46B2A35DB69B}"/>
               </a:ext>
             </a:extLst>
           </p:cNvPr>
@@ -22015,7 +21951,7 @@
           <p:cNvPr id="4" name="כותרת 1">
             <a:extLst>
               <a:ext uri="{FF2B5EF4-FFF2-40B4-BE49-F238E27FC236}">
-                <a16:creationId xmlns:a16="http://schemas.microsoft.com/office/drawing/2014/main" xmlns="" id="{48EEC3D4-8657-4288-9ADD-89F765296942}"/>
+                <a16:creationId xmlns:a16="http://schemas.microsoft.com/office/drawing/2014/main" id="{48EEC3D4-8657-4288-9ADD-89F765296942}"/>
               </a:ext>
             </a:extLst>
           </p:cNvPr>
@@ -22056,7 +21992,7 @@
             <a:hlinkClick r:id="rId2" action="ppaction://hlinksldjump"/>
             <a:extLst>
               <a:ext uri="{FF2B5EF4-FFF2-40B4-BE49-F238E27FC236}">
-                <a16:creationId xmlns:a16="http://schemas.microsoft.com/office/drawing/2014/main" xmlns="" id="{566C35D7-CB2A-49AA-AFE8-87BB693A4806}"/>
+                <a16:creationId xmlns:a16="http://schemas.microsoft.com/office/drawing/2014/main" id="{566C35D7-CB2A-49AA-AFE8-87BB693A4806}"/>
               </a:ext>
             </a:extLst>
           </p:cNvPr>
@@ -22087,7 +22023,7 @@
             <a:hlinkClick r:id="rId4" action="ppaction://hlinksldjump"/>
             <a:extLst>
               <a:ext uri="{FF2B5EF4-FFF2-40B4-BE49-F238E27FC236}">
-                <a16:creationId xmlns:a16="http://schemas.microsoft.com/office/drawing/2014/main" xmlns="" id="{F819A4B2-0851-4ADE-BE03-4DEEE81DB7A3}"/>
+                <a16:creationId xmlns:a16="http://schemas.microsoft.com/office/drawing/2014/main" id="{F819A4B2-0851-4ADE-BE03-4DEEE81DB7A3}"/>
               </a:ext>
             </a:extLst>
           </p:cNvPr>
@@ -22188,7 +22124,7 @@
           <p:cNvPr id="2" name="כותרת 1">
             <a:extLst>
               <a:ext uri="{FF2B5EF4-FFF2-40B4-BE49-F238E27FC236}">
-                <a16:creationId xmlns:a16="http://schemas.microsoft.com/office/drawing/2014/main" xmlns="" id="{8D99CC99-F642-4FF3-B6C3-664106E0735C}"/>
+                <a16:creationId xmlns:a16="http://schemas.microsoft.com/office/drawing/2014/main" id="{8D99CC99-F642-4FF3-B6C3-664106E0735C}"/>
               </a:ext>
             </a:extLst>
           </p:cNvPr>
@@ -22234,7 +22170,7 @@
           <p:cNvPr id="3" name="כותרת משנה 2">
             <a:extLst>
               <a:ext uri="{FF2B5EF4-FFF2-40B4-BE49-F238E27FC236}">
-                <a16:creationId xmlns:a16="http://schemas.microsoft.com/office/drawing/2014/main" xmlns="" id="{51E243ED-2629-466A-BF86-F432772E8DF5}"/>
+                <a16:creationId xmlns:a16="http://schemas.microsoft.com/office/drawing/2014/main" id="{51E243ED-2629-466A-BF86-F432772E8DF5}"/>
               </a:ext>
             </a:extLst>
           </p:cNvPr>
@@ -22278,7 +22214,7 @@
             <a:hlinkClick r:id="rId2" action="ppaction://hlinksldjump"/>
             <a:extLst>
               <a:ext uri="{FF2B5EF4-FFF2-40B4-BE49-F238E27FC236}">
-                <a16:creationId xmlns:a16="http://schemas.microsoft.com/office/drawing/2014/main" xmlns="" id="{2A06FD91-96A8-4A2D-9407-4F87E5E2762D}"/>
+                <a16:creationId xmlns:a16="http://schemas.microsoft.com/office/drawing/2014/main" id="{2A06FD91-96A8-4A2D-9407-4F87E5E2762D}"/>
               </a:ext>
             </a:extLst>
           </p:cNvPr>
@@ -22350,7 +22286,7 @@
             <a:hlinkClick r:id="rId3" action="ppaction://hlinksldjump"/>
             <a:extLst>
               <a:ext uri="{FF2B5EF4-FFF2-40B4-BE49-F238E27FC236}">
-                <a16:creationId xmlns:a16="http://schemas.microsoft.com/office/drawing/2014/main" xmlns="" id="{BC7F3C19-4BCC-4BC1-A26C-2973BC343B7C}"/>
+                <a16:creationId xmlns:a16="http://schemas.microsoft.com/office/drawing/2014/main" id="{BC7F3C19-4BCC-4BC1-A26C-2973BC343B7C}"/>
               </a:ext>
             </a:extLst>
           </p:cNvPr>
@@ -22415,7 +22351,7 @@
           <p:cNvPr id="9" name="מלבן: פינות מעוגלות 8">
             <a:extLst>
               <a:ext uri="{FF2B5EF4-FFF2-40B4-BE49-F238E27FC236}">
-                <a16:creationId xmlns:a16="http://schemas.microsoft.com/office/drawing/2014/main" xmlns="" id="{244B42EF-985A-4B1D-87D7-167E4CC40D65}"/>
+                <a16:creationId xmlns:a16="http://schemas.microsoft.com/office/drawing/2014/main" id="{244B42EF-985A-4B1D-87D7-167E4CC40D65}"/>
               </a:ext>
             </a:extLst>
           </p:cNvPr>
@@ -22472,7 +22408,7 @@
           <p:cNvPr id="13" name="TextBox 12">
             <a:extLst>
               <a:ext uri="{FF2B5EF4-FFF2-40B4-BE49-F238E27FC236}">
-                <a16:creationId xmlns:a16="http://schemas.microsoft.com/office/drawing/2014/main" xmlns="" id="{0A1D3DC5-9E3C-4C7E-BB78-26A3A94DE0B1}"/>
+                <a16:creationId xmlns:a16="http://schemas.microsoft.com/office/drawing/2014/main" id="{0A1D3DC5-9E3C-4C7E-BB78-26A3A94DE0B1}"/>
               </a:ext>
             </a:extLst>
           </p:cNvPr>
@@ -22512,7 +22448,7 @@
           <p:cNvPr id="14" name="תמונה 13">
             <a:extLst>
               <a:ext uri="{FF2B5EF4-FFF2-40B4-BE49-F238E27FC236}">
-                <a16:creationId xmlns:a16="http://schemas.microsoft.com/office/drawing/2014/main" xmlns="" id="{3874E7B7-2657-4122-A8CE-007670A03F96}"/>
+                <a16:creationId xmlns:a16="http://schemas.microsoft.com/office/drawing/2014/main" id="{3874E7B7-2657-4122-A8CE-007670A03F96}"/>
               </a:ext>
             </a:extLst>
           </p:cNvPr>
@@ -22542,7 +22478,7 @@
           <p:cNvPr id="15" name="TextBox 14">
             <a:extLst>
               <a:ext uri="{FF2B5EF4-FFF2-40B4-BE49-F238E27FC236}">
-                <a16:creationId xmlns:a16="http://schemas.microsoft.com/office/drawing/2014/main" xmlns="" id="{6903690B-E079-4F17-9B1B-70A839A08CD8}"/>
+                <a16:creationId xmlns:a16="http://schemas.microsoft.com/office/drawing/2014/main" id="{6903690B-E079-4F17-9B1B-70A839A08CD8}"/>
               </a:ext>
             </a:extLst>
           </p:cNvPr>
@@ -22583,7 +22519,7 @@
             <a:hlinkClick r:id="rId5" action="ppaction://hlinksldjump"/>
             <a:extLst>
               <a:ext uri="{FF2B5EF4-FFF2-40B4-BE49-F238E27FC236}">
-                <a16:creationId xmlns:a16="http://schemas.microsoft.com/office/drawing/2014/main" xmlns="" id="{01D9B498-25EC-484E-B713-17D8DD18BF77}"/>
+                <a16:creationId xmlns:a16="http://schemas.microsoft.com/office/drawing/2014/main" id="{01D9B498-25EC-484E-B713-17D8DD18BF77}"/>
               </a:ext>
             </a:extLst>
           </p:cNvPr>
@@ -22613,7 +22549,7 @@
           <p:cNvPr id="18" name="TextBox 17">
             <a:extLst>
               <a:ext uri="{FF2B5EF4-FFF2-40B4-BE49-F238E27FC236}">
-                <a16:creationId xmlns:a16="http://schemas.microsoft.com/office/drawing/2014/main" xmlns="" id="{732D2D4A-939A-42B1-A6FC-D7822AF037AD}"/>
+                <a16:creationId xmlns:a16="http://schemas.microsoft.com/office/drawing/2014/main" id="{732D2D4A-939A-42B1-A6FC-D7822AF037AD}"/>
               </a:ext>
             </a:extLst>
           </p:cNvPr>
@@ -22649,7 +22585,7 @@
           <p:cNvPr id="19" name="תמונה 18">
             <a:extLst>
               <a:ext uri="{FF2B5EF4-FFF2-40B4-BE49-F238E27FC236}">
-                <a16:creationId xmlns:a16="http://schemas.microsoft.com/office/drawing/2014/main" xmlns="" id="{3EF48236-8530-44B9-9E65-374F30477D29}"/>
+                <a16:creationId xmlns:a16="http://schemas.microsoft.com/office/drawing/2014/main" id="{3EF48236-8530-44B9-9E65-374F30477D29}"/>
               </a:ext>
             </a:extLst>
           </p:cNvPr>
@@ -22679,7 +22615,7 @@
           <p:cNvPr id="20" name="כותרת משנה 2">
             <a:extLst>
               <a:ext uri="{FF2B5EF4-FFF2-40B4-BE49-F238E27FC236}">
-                <a16:creationId xmlns:a16="http://schemas.microsoft.com/office/drawing/2014/main" xmlns="" id="{FE249E1B-A5CC-4B37-AB40-7E4DF93379F5}"/>
+                <a16:creationId xmlns:a16="http://schemas.microsoft.com/office/drawing/2014/main" id="{FE249E1B-A5CC-4B37-AB40-7E4DF93379F5}"/>
               </a:ext>
             </a:extLst>
           </p:cNvPr>
@@ -22886,7 +22822,7 @@
           <p:cNvPr id="21" name="מלבן: פינות מעוגלות 20">
             <a:extLst>
               <a:ext uri="{FF2B5EF4-FFF2-40B4-BE49-F238E27FC236}">
-                <a16:creationId xmlns:a16="http://schemas.microsoft.com/office/drawing/2014/main" xmlns="" id="{F2C23325-98DC-49DA-961B-DE6DC0A23017}"/>
+                <a16:creationId xmlns:a16="http://schemas.microsoft.com/office/drawing/2014/main" id="{F2C23325-98DC-49DA-961B-DE6DC0A23017}"/>
               </a:ext>
             </a:extLst>
           </p:cNvPr>
@@ -22943,7 +22879,7 @@
           <p:cNvPr id="22" name="Picture 4" descr="×ª××× × ×§×©××¨×">
             <a:extLst>
               <a:ext uri="{FF2B5EF4-FFF2-40B4-BE49-F238E27FC236}">
-                <a16:creationId xmlns:a16="http://schemas.microsoft.com/office/drawing/2014/main" xmlns="" id="{2B71DABA-2ABB-473B-96A8-D04CF9860696}"/>
+                <a16:creationId xmlns:a16="http://schemas.microsoft.com/office/drawing/2014/main" id="{2B71DABA-2ABB-473B-96A8-D04CF9860696}"/>
               </a:ext>
             </a:extLst>
           </p:cNvPr>
@@ -22990,7 +22926,7 @@
           <p:cNvPr id="23" name="טבלה 22">
             <a:extLst>
               <a:ext uri="{FF2B5EF4-FFF2-40B4-BE49-F238E27FC236}">
-                <a16:creationId xmlns:a16="http://schemas.microsoft.com/office/drawing/2014/main" xmlns="" id="{1AE8AEFF-AEF0-44EB-A18F-A6DBDADB3267}"/>
+                <a16:creationId xmlns:a16="http://schemas.microsoft.com/office/drawing/2014/main" id="{1AE8AEFF-AEF0-44EB-A18F-A6DBDADB3267}"/>
               </a:ext>
             </a:extLst>
           </p:cNvPr>
@@ -23019,7 +22955,7 @@
                 <a:gridCol w="2562715">
                   <a:extLst>
                     <a:ext uri="{9D8B030D-6E8A-4147-A177-3AD203B41FA5}">
-                      <a16:colId xmlns:a16="http://schemas.microsoft.com/office/drawing/2014/main" xmlns="" val="2343234628"/>
+                      <a16:colId xmlns:a16="http://schemas.microsoft.com/office/drawing/2014/main" val="2343234628"/>
                     </a:ext>
                   </a:extLst>
                 </a:gridCol>
@@ -23041,7 +22977,7 @@
                 </a:tc>
                 <a:extLst>
                   <a:ext uri="{0D108BD9-81ED-4DB2-BD59-A6C34878D82A}">
-                    <a16:rowId xmlns:a16="http://schemas.microsoft.com/office/drawing/2014/main" xmlns="" val="2878763511"/>
+                    <a16:rowId xmlns:a16="http://schemas.microsoft.com/office/drawing/2014/main" val="2878763511"/>
                   </a:ext>
                 </a:extLst>
               </a:tr>
@@ -23079,7 +23015,7 @@
                 </a:tc>
                 <a:extLst>
                   <a:ext uri="{0D108BD9-81ED-4DB2-BD59-A6C34878D82A}">
-                    <a16:rowId xmlns:a16="http://schemas.microsoft.com/office/drawing/2014/main" xmlns="" val="3036631769"/>
+                    <a16:rowId xmlns:a16="http://schemas.microsoft.com/office/drawing/2014/main" val="3036631769"/>
                   </a:ext>
                 </a:extLst>
               </a:tr>
@@ -23117,7 +23053,7 @@
                 </a:tc>
                 <a:extLst>
                   <a:ext uri="{0D108BD9-81ED-4DB2-BD59-A6C34878D82A}">
-                    <a16:rowId xmlns:a16="http://schemas.microsoft.com/office/drawing/2014/main" xmlns="" val="794648582"/>
+                    <a16:rowId xmlns:a16="http://schemas.microsoft.com/office/drawing/2014/main" val="794648582"/>
                   </a:ext>
                 </a:extLst>
               </a:tr>
@@ -23155,7 +23091,7 @@
                 </a:tc>
                 <a:extLst>
                   <a:ext uri="{0D108BD9-81ED-4DB2-BD59-A6C34878D82A}">
-                    <a16:rowId xmlns:a16="http://schemas.microsoft.com/office/drawing/2014/main" xmlns="" val="4093646392"/>
+                    <a16:rowId xmlns:a16="http://schemas.microsoft.com/office/drawing/2014/main" val="4093646392"/>
                   </a:ext>
                 </a:extLst>
               </a:tr>
@@ -23193,7 +23129,7 @@
                 </a:tc>
                 <a:extLst>
                   <a:ext uri="{0D108BD9-81ED-4DB2-BD59-A6C34878D82A}">
-                    <a16:rowId xmlns:a16="http://schemas.microsoft.com/office/drawing/2014/main" xmlns="" val="734820375"/>
+                    <a16:rowId xmlns:a16="http://schemas.microsoft.com/office/drawing/2014/main" val="734820375"/>
                   </a:ext>
                 </a:extLst>
               </a:tr>
@@ -23206,7 +23142,7 @@
           <p:cNvPr id="24" name="מלבן: פינות מעוגלות 23">
             <a:extLst>
               <a:ext uri="{FF2B5EF4-FFF2-40B4-BE49-F238E27FC236}">
-                <a16:creationId xmlns:a16="http://schemas.microsoft.com/office/drawing/2014/main" xmlns="" id="{71F98B71-7664-450C-B6ED-8BB4B79DE5A5}"/>
+                <a16:creationId xmlns:a16="http://schemas.microsoft.com/office/drawing/2014/main" id="{71F98B71-7664-450C-B6ED-8BB4B79DE5A5}"/>
               </a:ext>
             </a:extLst>
           </p:cNvPr>
@@ -23263,7 +23199,7 @@
           <p:cNvPr id="25" name="כותרת משנה 2">
             <a:extLst>
               <a:ext uri="{FF2B5EF4-FFF2-40B4-BE49-F238E27FC236}">
-                <a16:creationId xmlns:a16="http://schemas.microsoft.com/office/drawing/2014/main" xmlns="" id="{FE249E1B-A5CC-4B37-AB40-7E4DF93379F5}"/>
+                <a16:creationId xmlns:a16="http://schemas.microsoft.com/office/drawing/2014/main" id="{FE249E1B-A5CC-4B37-AB40-7E4DF93379F5}"/>
               </a:ext>
             </a:extLst>
           </p:cNvPr>
@@ -23451,7 +23387,7 @@
           </a:lstStyle>
           <a:p>
             <a:r>
-              <a:rPr lang="en-GB" sz="2300" dirty="0" smtClean="0">
+              <a:rPr lang="en-GB" sz="2300" dirty="0">
                 <a:latin typeface="+mj-lt"/>
               </a:rPr>
               <a:t>Event Number 350</a:t>
@@ -23459,7 +23395,7 @@
           </a:p>
           <a:p>
             <a:r>
-              <a:rPr lang="en-GB" sz="2300" dirty="0" smtClean="0">
+              <a:rPr lang="en-GB" sz="2300" dirty="0">
                 <a:latin typeface="+mj-lt"/>
               </a:rPr>
               <a:t>Date: 19/11/2018 22:17</a:t>
@@ -23467,7 +23403,7 @@
           </a:p>
           <a:p>
             <a:r>
-              <a:rPr lang="en-GB" sz="2300" dirty="0" smtClean="0">
+              <a:rPr lang="en-GB" sz="2300" dirty="0">
                 <a:latin typeface="+mj-lt"/>
               </a:rPr>
               <a:t>Status: In Process</a:t>
@@ -23527,7 +23463,7 @@
           <p:cNvPr id="2" name="כותרת 1">
             <a:extLst>
               <a:ext uri="{FF2B5EF4-FFF2-40B4-BE49-F238E27FC236}">
-                <a16:creationId xmlns:a16="http://schemas.microsoft.com/office/drawing/2014/main" xmlns="" id="{0F15EDF6-13FB-4157-9AA6-D1CFF4BF681E}"/>
+                <a16:creationId xmlns:a16="http://schemas.microsoft.com/office/drawing/2014/main" id="{0F15EDF6-13FB-4157-9AA6-D1CFF4BF681E}"/>
               </a:ext>
             </a:extLst>
           </p:cNvPr>
@@ -23567,7 +23503,7 @@
           <p:cNvPr id="4" name="מלבן 3">
             <a:extLst>
               <a:ext uri="{FF2B5EF4-FFF2-40B4-BE49-F238E27FC236}">
-                <a16:creationId xmlns:a16="http://schemas.microsoft.com/office/drawing/2014/main" xmlns="" id="{1B93343F-EE0D-4C04-9B82-153761EDC52C}"/>
+                <a16:creationId xmlns:a16="http://schemas.microsoft.com/office/drawing/2014/main" id="{1B93343F-EE0D-4C04-9B82-153761EDC52C}"/>
               </a:ext>
             </a:extLst>
           </p:cNvPr>
@@ -23612,7 +23548,7 @@
             <a:hlinkClick r:id="rId2" action="ppaction://hlinksldjump"/>
             <a:extLst>
               <a:ext uri="{FF2B5EF4-FFF2-40B4-BE49-F238E27FC236}">
-                <a16:creationId xmlns:a16="http://schemas.microsoft.com/office/drawing/2014/main" xmlns="" id="{F0508E22-5462-446A-9480-203A1C9F10B7}"/>
+                <a16:creationId xmlns:a16="http://schemas.microsoft.com/office/drawing/2014/main" id="{F0508E22-5462-446A-9480-203A1C9F10B7}"/>
               </a:ext>
             </a:extLst>
           </p:cNvPr>
@@ -23704,7 +23640,7 @@
           <p:cNvPr id="4" name="תמונה 3">
             <a:extLst>
               <a:ext uri="{FF2B5EF4-FFF2-40B4-BE49-F238E27FC236}">
-                <a16:creationId xmlns:a16="http://schemas.microsoft.com/office/drawing/2014/main" xmlns="" id="{98993C9E-42A1-41F2-B1DC-CDE21C6D277F}"/>
+                <a16:creationId xmlns:a16="http://schemas.microsoft.com/office/drawing/2014/main" id="{98993C9E-42A1-41F2-B1DC-CDE21C6D277F}"/>
               </a:ext>
             </a:extLst>
           </p:cNvPr>
@@ -23734,7 +23670,7 @@
           <p:cNvPr id="5" name="תמונה 4">
             <a:extLst>
               <a:ext uri="{FF2B5EF4-FFF2-40B4-BE49-F238E27FC236}">
-                <a16:creationId xmlns:a16="http://schemas.microsoft.com/office/drawing/2014/main" xmlns="" id="{FA34B908-926D-4A54-BB8C-2B7B1EC47BAB}"/>
+                <a16:creationId xmlns:a16="http://schemas.microsoft.com/office/drawing/2014/main" id="{FA34B908-926D-4A54-BB8C-2B7B1EC47BAB}"/>
               </a:ext>
             </a:extLst>
           </p:cNvPr>
@@ -23764,7 +23700,7 @@
           <p:cNvPr id="6" name="תמונה 5">
             <a:extLst>
               <a:ext uri="{FF2B5EF4-FFF2-40B4-BE49-F238E27FC236}">
-                <a16:creationId xmlns:a16="http://schemas.microsoft.com/office/drawing/2014/main" xmlns="" id="{A491CF5D-CFC2-47F9-BCB0-8F14713168D9}"/>
+                <a16:creationId xmlns:a16="http://schemas.microsoft.com/office/drawing/2014/main" id="{A491CF5D-CFC2-47F9-BCB0-8F14713168D9}"/>
               </a:ext>
             </a:extLst>
           </p:cNvPr>
@@ -23794,7 +23730,7 @@
           <p:cNvPr id="7" name="תמונה 6">
             <a:extLst>
               <a:ext uri="{FF2B5EF4-FFF2-40B4-BE49-F238E27FC236}">
-                <a16:creationId xmlns:a16="http://schemas.microsoft.com/office/drawing/2014/main" xmlns="" id="{68805D8A-F53B-4919-BEAE-B173B1A954D1}"/>
+                <a16:creationId xmlns:a16="http://schemas.microsoft.com/office/drawing/2014/main" id="{68805D8A-F53B-4919-BEAE-B173B1A954D1}"/>
               </a:ext>
             </a:extLst>
           </p:cNvPr>
@@ -23824,7 +23760,7 @@
           <p:cNvPr id="8" name="תמונה 7">
             <a:extLst>
               <a:ext uri="{FF2B5EF4-FFF2-40B4-BE49-F238E27FC236}">
-                <a16:creationId xmlns:a16="http://schemas.microsoft.com/office/drawing/2014/main" xmlns="" id="{644F595A-DB37-4D4E-BBED-AFE978E8ABCD}"/>
+                <a16:creationId xmlns:a16="http://schemas.microsoft.com/office/drawing/2014/main" id="{644F595A-DB37-4D4E-BBED-AFE978E8ABCD}"/>
               </a:ext>
             </a:extLst>
           </p:cNvPr>
@@ -23854,7 +23790,7 @@
           <p:cNvPr id="9" name="תמונה 8">
             <a:extLst>
               <a:ext uri="{FF2B5EF4-FFF2-40B4-BE49-F238E27FC236}">
-                <a16:creationId xmlns:a16="http://schemas.microsoft.com/office/drawing/2014/main" xmlns="" id="{B113DC01-ABE9-46B0-9AA9-23893E075674}"/>
+                <a16:creationId xmlns:a16="http://schemas.microsoft.com/office/drawing/2014/main" id="{B113DC01-ABE9-46B0-9AA9-23893E075674}"/>
               </a:ext>
             </a:extLst>
           </p:cNvPr>
@@ -23885,7 +23821,7 @@
             <a:hlinkClick r:id="rId7" action="ppaction://hlinksldjump"/>
             <a:extLst>
               <a:ext uri="{FF2B5EF4-FFF2-40B4-BE49-F238E27FC236}">
-                <a16:creationId xmlns:a16="http://schemas.microsoft.com/office/drawing/2014/main" xmlns="" id="{24DED110-2FC0-4A8C-80B3-CC1A37F92AA7}"/>
+                <a16:creationId xmlns:a16="http://schemas.microsoft.com/office/drawing/2014/main" id="{24DED110-2FC0-4A8C-80B3-CC1A37F92AA7}"/>
               </a:ext>
             </a:extLst>
           </p:cNvPr>

--- a/improved prototype final.pptx
+++ b/improved prototype final.pptx
@@ -297,7 +297,7 @@
           <a:p>
             <a:fld id="{2F696DD7-520A-476F-8728-3D5F2206F502}" type="datetimeFigureOut">
               <a:rPr lang="he-IL" smtClean="0"/>
-              <a:t>ט"ז/כסלו/תשע"ט</a:t>
+              <a:t>כ'/כסלו/תשע"ט</a:t>
             </a:fld>
             <a:endParaRPr lang="he-IL"/>
           </a:p>
@@ -495,7 +495,7 @@
           <a:p>
             <a:fld id="{2F696DD7-520A-476F-8728-3D5F2206F502}" type="datetimeFigureOut">
               <a:rPr lang="he-IL" smtClean="0"/>
-              <a:t>ט"ז/כסלו/תשע"ט</a:t>
+              <a:t>כ'/כסלו/תשע"ט</a:t>
             </a:fld>
             <a:endParaRPr lang="he-IL"/>
           </a:p>
@@ -703,7 +703,7 @@
           <a:p>
             <a:fld id="{2F696DD7-520A-476F-8728-3D5F2206F502}" type="datetimeFigureOut">
               <a:rPr lang="he-IL" smtClean="0"/>
-              <a:t>ט"ז/כסלו/תשע"ט</a:t>
+              <a:t>כ'/כסלו/תשע"ט</a:t>
             </a:fld>
             <a:endParaRPr lang="he-IL"/>
           </a:p>
@@ -901,7 +901,7 @@
           <a:p>
             <a:fld id="{2F696DD7-520A-476F-8728-3D5F2206F502}" type="datetimeFigureOut">
               <a:rPr lang="he-IL" smtClean="0"/>
-              <a:t>ט"ז/כסלו/תשע"ט</a:t>
+              <a:t>כ'/כסלו/תשע"ט</a:t>
             </a:fld>
             <a:endParaRPr lang="he-IL"/>
           </a:p>
@@ -1176,7 +1176,7 @@
           <a:p>
             <a:fld id="{2F696DD7-520A-476F-8728-3D5F2206F502}" type="datetimeFigureOut">
               <a:rPr lang="he-IL" smtClean="0"/>
-              <a:t>ט"ז/כסלו/תשע"ט</a:t>
+              <a:t>כ'/כסלו/תשע"ט</a:t>
             </a:fld>
             <a:endParaRPr lang="he-IL"/>
           </a:p>
@@ -1441,7 +1441,7 @@
           <a:p>
             <a:fld id="{2F696DD7-520A-476F-8728-3D5F2206F502}" type="datetimeFigureOut">
               <a:rPr lang="he-IL" smtClean="0"/>
-              <a:t>ט"ז/כסלו/תשע"ט</a:t>
+              <a:t>כ'/כסלו/תשע"ט</a:t>
             </a:fld>
             <a:endParaRPr lang="he-IL"/>
           </a:p>
@@ -1853,7 +1853,7 @@
           <a:p>
             <a:fld id="{2F696DD7-520A-476F-8728-3D5F2206F502}" type="datetimeFigureOut">
               <a:rPr lang="he-IL" smtClean="0"/>
-              <a:t>ט"ז/כסלו/תשע"ט</a:t>
+              <a:t>כ'/כסלו/תשע"ט</a:t>
             </a:fld>
             <a:endParaRPr lang="he-IL"/>
           </a:p>
@@ -1994,7 +1994,7 @@
           <a:p>
             <a:fld id="{2F696DD7-520A-476F-8728-3D5F2206F502}" type="datetimeFigureOut">
               <a:rPr lang="he-IL" smtClean="0"/>
-              <a:t>ט"ז/כסלו/תשע"ט</a:t>
+              <a:t>כ'/כסלו/תשע"ט</a:t>
             </a:fld>
             <a:endParaRPr lang="he-IL"/>
           </a:p>
@@ -2107,7 +2107,7 @@
           <a:p>
             <a:fld id="{2F696DD7-520A-476F-8728-3D5F2206F502}" type="datetimeFigureOut">
               <a:rPr lang="he-IL" smtClean="0"/>
-              <a:t>ט"ז/כסלו/תשע"ט</a:t>
+              <a:t>כ'/כסלו/תשע"ט</a:t>
             </a:fld>
             <a:endParaRPr lang="he-IL"/>
           </a:p>
@@ -2418,7 +2418,7 @@
           <a:p>
             <a:fld id="{2F696DD7-520A-476F-8728-3D5F2206F502}" type="datetimeFigureOut">
               <a:rPr lang="he-IL" smtClean="0"/>
-              <a:t>ט"ז/כסלו/תשע"ט</a:t>
+              <a:t>כ'/כסלו/תשע"ט</a:t>
             </a:fld>
             <a:endParaRPr lang="he-IL"/>
           </a:p>
@@ -2706,7 +2706,7 @@
           <a:p>
             <a:fld id="{2F696DD7-520A-476F-8728-3D5F2206F502}" type="datetimeFigureOut">
               <a:rPr lang="he-IL" smtClean="0"/>
-              <a:t>ט"ז/כסלו/תשע"ט</a:t>
+              <a:t>כ'/כסלו/תשע"ט</a:t>
             </a:fld>
             <a:endParaRPr lang="he-IL"/>
           </a:p>
@@ -2947,7 +2947,7 @@
           <a:p>
             <a:fld id="{2F696DD7-520A-476F-8728-3D5F2206F502}" type="datetimeFigureOut">
               <a:rPr lang="he-IL" smtClean="0"/>
-              <a:t>ט"ז/כסלו/תשע"ט</a:t>
+              <a:t>כ'/כסלו/תשע"ט</a:t>
             </a:fld>
             <a:endParaRPr lang="he-IL"/>
           </a:p>
@@ -4091,7 +4091,7 @@
                   <a:srgbClr val="92D050"/>
                 </a:solidFill>
               </a:rPr>
-              <a:t>Analytics</a:t>
+              <a:t>Reports</a:t>
             </a:r>
             <a:endParaRPr lang="he-IL" sz="2400" dirty="0">
               <a:solidFill>
@@ -14072,8 +14072,8 @@
         </p:nvSpPr>
         <p:spPr>
           <a:xfrm>
-            <a:off x="579808" y="5553199"/>
-            <a:ext cx="1299096" cy="1189361"/>
+            <a:off x="579808" y="5542343"/>
+            <a:ext cx="1299096" cy="1200217"/>
           </a:xfrm>
           <a:prstGeom prst="ellipse">
             <a:avLst/>
@@ -14112,15 +14112,14 @@
           <a:p>
             <a:pPr algn="ctr"/>
             <a:r>
-              <a:rPr lang="en-US" sz="2000" dirty="0">
+              <a:rPr lang="en-GB" sz="1400" b="1" dirty="0">
                 <a:solidFill>
                   <a:schemeClr val="bg1"/>
                 </a:solidFill>
-                <a:latin typeface="Arial Narrow" panose="020B0606020202030204" pitchFamily="34" charset="0"/>
               </a:rPr>
-              <a:t>Reports</a:t>
-            </a:r>
-            <a:endParaRPr lang="he-IL" sz="2000" dirty="0">
+              <a:t>Analytics</a:t>
+            </a:r>
+            <a:endParaRPr lang="he-IL" sz="1400" dirty="0">
               <a:solidFill>
                 <a:schemeClr val="bg1"/>
               </a:solidFill>

--- a/improved prototype final.pptx
+++ b/improved prototype final.pptx
@@ -24,14 +24,13 @@
     <p:sldId id="275" r:id="rId18"/>
     <p:sldId id="276" r:id="rId19"/>
     <p:sldId id="281" r:id="rId20"/>
-    <p:sldId id="282" r:id="rId21"/>
-    <p:sldId id="283" r:id="rId22"/>
-    <p:sldId id="284" r:id="rId23"/>
-    <p:sldId id="277" r:id="rId24"/>
-    <p:sldId id="278" r:id="rId25"/>
-    <p:sldId id="261" r:id="rId26"/>
-    <p:sldId id="263" r:id="rId27"/>
-    <p:sldId id="268" r:id="rId28"/>
+    <p:sldId id="283" r:id="rId21"/>
+    <p:sldId id="284" r:id="rId22"/>
+    <p:sldId id="277" r:id="rId23"/>
+    <p:sldId id="278" r:id="rId24"/>
+    <p:sldId id="261" r:id="rId25"/>
+    <p:sldId id="263" r:id="rId26"/>
+    <p:sldId id="268" r:id="rId27"/>
   </p:sldIdLst>
   <p:sldSz cx="12192000" cy="6858000"/>
   <p:notesSz cx="6858000" cy="9144000"/>
@@ -297,7 +296,7 @@
           <a:p>
             <a:fld id="{2F696DD7-520A-476F-8728-3D5F2206F502}" type="datetimeFigureOut">
               <a:rPr lang="he-IL" smtClean="0"/>
-              <a:t>כ'/כסלו/תשע"ט</a:t>
+              <a:t>ל'/כסלו/תשע"ט</a:t>
             </a:fld>
             <a:endParaRPr lang="he-IL"/>
           </a:p>
@@ -495,7 +494,7 @@
           <a:p>
             <a:fld id="{2F696DD7-520A-476F-8728-3D5F2206F502}" type="datetimeFigureOut">
               <a:rPr lang="he-IL" smtClean="0"/>
-              <a:t>כ'/כסלו/תשע"ט</a:t>
+              <a:t>ל'/כסלו/תשע"ט</a:t>
             </a:fld>
             <a:endParaRPr lang="he-IL"/>
           </a:p>
@@ -703,7 +702,7 @@
           <a:p>
             <a:fld id="{2F696DD7-520A-476F-8728-3D5F2206F502}" type="datetimeFigureOut">
               <a:rPr lang="he-IL" smtClean="0"/>
-              <a:t>כ'/כסלו/תשע"ט</a:t>
+              <a:t>ל'/כסלו/תשע"ט</a:t>
             </a:fld>
             <a:endParaRPr lang="he-IL"/>
           </a:p>
@@ -901,7 +900,7 @@
           <a:p>
             <a:fld id="{2F696DD7-520A-476F-8728-3D5F2206F502}" type="datetimeFigureOut">
               <a:rPr lang="he-IL" smtClean="0"/>
-              <a:t>כ'/כסלו/תשע"ט</a:t>
+              <a:t>ל'/כסלו/תשע"ט</a:t>
             </a:fld>
             <a:endParaRPr lang="he-IL"/>
           </a:p>
@@ -1176,7 +1175,7 @@
           <a:p>
             <a:fld id="{2F696DD7-520A-476F-8728-3D5F2206F502}" type="datetimeFigureOut">
               <a:rPr lang="he-IL" smtClean="0"/>
-              <a:t>כ'/כסלו/תשע"ט</a:t>
+              <a:t>ל'/כסלו/תשע"ט</a:t>
             </a:fld>
             <a:endParaRPr lang="he-IL"/>
           </a:p>
@@ -1441,7 +1440,7 @@
           <a:p>
             <a:fld id="{2F696DD7-520A-476F-8728-3D5F2206F502}" type="datetimeFigureOut">
               <a:rPr lang="he-IL" smtClean="0"/>
-              <a:t>כ'/כסלו/תשע"ט</a:t>
+              <a:t>ל'/כסלו/תשע"ט</a:t>
             </a:fld>
             <a:endParaRPr lang="he-IL"/>
           </a:p>
@@ -1853,7 +1852,7 @@
           <a:p>
             <a:fld id="{2F696DD7-520A-476F-8728-3D5F2206F502}" type="datetimeFigureOut">
               <a:rPr lang="he-IL" smtClean="0"/>
-              <a:t>כ'/כסלו/תשע"ט</a:t>
+              <a:t>ל'/כסלו/תשע"ט</a:t>
             </a:fld>
             <a:endParaRPr lang="he-IL"/>
           </a:p>
@@ -1994,7 +1993,7 @@
           <a:p>
             <a:fld id="{2F696DD7-520A-476F-8728-3D5F2206F502}" type="datetimeFigureOut">
               <a:rPr lang="he-IL" smtClean="0"/>
-              <a:t>כ'/כסלו/תשע"ט</a:t>
+              <a:t>ל'/כסלו/תשע"ט</a:t>
             </a:fld>
             <a:endParaRPr lang="he-IL"/>
           </a:p>
@@ -2107,7 +2106,7 @@
           <a:p>
             <a:fld id="{2F696DD7-520A-476F-8728-3D5F2206F502}" type="datetimeFigureOut">
               <a:rPr lang="he-IL" smtClean="0"/>
-              <a:t>כ'/כסלו/תשע"ט</a:t>
+              <a:t>ל'/כסלו/תשע"ט</a:t>
             </a:fld>
             <a:endParaRPr lang="he-IL"/>
           </a:p>
@@ -2418,7 +2417,7 @@
           <a:p>
             <a:fld id="{2F696DD7-520A-476F-8728-3D5F2206F502}" type="datetimeFigureOut">
               <a:rPr lang="he-IL" smtClean="0"/>
-              <a:t>כ'/כסלו/תשע"ט</a:t>
+              <a:t>ל'/כסלו/תשע"ט</a:t>
             </a:fld>
             <a:endParaRPr lang="he-IL"/>
           </a:p>
@@ -2706,7 +2705,7 @@
           <a:p>
             <a:fld id="{2F696DD7-520A-476F-8728-3D5F2206F502}" type="datetimeFigureOut">
               <a:rPr lang="he-IL" smtClean="0"/>
-              <a:t>כ'/כסלו/תשע"ט</a:t>
+              <a:t>ל'/כסלו/תשע"ט</a:t>
             </a:fld>
             <a:endParaRPr lang="he-IL"/>
           </a:p>
@@ -2947,7 +2946,7 @@
           <a:p>
             <a:fld id="{2F696DD7-520A-476F-8728-3D5F2206F502}" type="datetimeFigureOut">
               <a:rPr lang="he-IL" smtClean="0"/>
-              <a:t>כ'/כסלו/תשע"ט</a:t>
+              <a:t>ל'/כסלו/תשע"ט</a:t>
             </a:fld>
             <a:endParaRPr lang="he-IL"/>
           </a:p>
@@ -14219,11 +14218,11 @@
       </p:sp>
       <p:sp>
         <p:nvSpPr>
-          <p:cNvPr id="5" name="אליפסה 4">
+          <p:cNvPr id="6" name="אליפסה 5">
             <a:hlinkClick r:id="rId2" action="ppaction://hlinksldjump"/>
             <a:extLst>
               <a:ext uri="{FF2B5EF4-FFF2-40B4-BE49-F238E27FC236}">
-                <a16:creationId xmlns:a16="http://schemas.microsoft.com/office/drawing/2014/main" id="{A7496070-4BAD-4787-8452-970571E2A05B}"/>
+                <a16:creationId xmlns:a16="http://schemas.microsoft.com/office/drawing/2014/main" id="{F158FF11-28B2-4E76-8A15-1AE1FDBC9B7A}"/>
               </a:ext>
             </a:extLst>
           </p:cNvPr>
@@ -14232,7 +14231,7 @@
         </p:nvSpPr>
         <p:spPr>
           <a:xfrm>
-            <a:off x="1896650" y="2279737"/>
+            <a:off x="2486208" y="2199671"/>
             <a:ext cx="2525037" cy="2824010"/>
           </a:xfrm>
           <a:prstGeom prst="ellipse">
@@ -14272,7 +14271,7 @@
                   <a:srgbClr val="92D050"/>
                 </a:solidFill>
               </a:rPr>
-              <a:t>Common</a:t>
+              <a:t>Events By</a:t>
             </a:r>
           </a:p>
           <a:p>
@@ -14283,18 +14282,18 @@
                   <a:srgbClr val="92D050"/>
                 </a:solidFill>
               </a:rPr>
-              <a:t>Events</a:t>
-            </a:r>
-          </a:p>
-        </p:txBody>
-      </p:sp>
-      <p:sp>
-        <p:nvSpPr>
-          <p:cNvPr id="6" name="אליפסה 5">
+              <a:t>Supervisor</a:t>
+            </a:r>
+          </a:p>
+        </p:txBody>
+      </p:sp>
+      <p:sp>
+        <p:nvSpPr>
+          <p:cNvPr id="7" name="אליפסה 6">
             <a:hlinkClick r:id="rId3" action="ppaction://hlinksldjump"/>
             <a:extLst>
               <a:ext uri="{FF2B5EF4-FFF2-40B4-BE49-F238E27FC236}">
-                <a16:creationId xmlns:a16="http://schemas.microsoft.com/office/drawing/2014/main" id="{F158FF11-28B2-4E76-8A15-1AE1FDBC9B7A}"/>
+                <a16:creationId xmlns:a16="http://schemas.microsoft.com/office/drawing/2014/main" id="{83C16521-83B7-4824-9D38-5F34B1AFF838}"/>
               </a:ext>
             </a:extLst>
           </p:cNvPr>
@@ -14303,8 +14302,8 @@
         </p:nvSpPr>
         <p:spPr>
           <a:xfrm>
-            <a:off x="4833482" y="2279737"/>
-            <a:ext cx="2525037" cy="2824010"/>
+            <a:off x="7261267" y="2199671"/>
+            <a:ext cx="2525038" cy="2824010"/>
           </a:xfrm>
           <a:prstGeom prst="ellipse">
             <a:avLst/>
@@ -14343,77 +14342,6 @@
                   <a:srgbClr val="92D050"/>
                 </a:solidFill>
               </a:rPr>
-              <a:t>Events By</a:t>
-            </a:r>
-          </a:p>
-          <a:p>
-            <a:pPr algn="ctr"/>
-            <a:r>
-              <a:rPr lang="en-US" sz="2800" dirty="0">
-                <a:solidFill>
-                  <a:srgbClr val="92D050"/>
-                </a:solidFill>
-              </a:rPr>
-              <a:t>Supervisor</a:t>
-            </a:r>
-          </a:p>
-        </p:txBody>
-      </p:sp>
-      <p:sp>
-        <p:nvSpPr>
-          <p:cNvPr id="7" name="אליפסה 6">
-            <a:hlinkClick r:id="rId4" action="ppaction://hlinksldjump"/>
-            <a:extLst>
-              <a:ext uri="{FF2B5EF4-FFF2-40B4-BE49-F238E27FC236}">
-                <a16:creationId xmlns:a16="http://schemas.microsoft.com/office/drawing/2014/main" id="{83C16521-83B7-4824-9D38-5F34B1AFF838}"/>
-              </a:ext>
-            </a:extLst>
-          </p:cNvPr>
-          <p:cNvSpPr/>
-          <p:nvPr/>
-        </p:nvSpPr>
-        <p:spPr>
-          <a:xfrm>
-            <a:off x="7770315" y="2279737"/>
-            <a:ext cx="2525038" cy="2824010"/>
-          </a:xfrm>
-          <a:prstGeom prst="ellipse">
-            <a:avLst/>
-          </a:prstGeom>
-          <a:noFill/>
-          <a:ln w="76200">
-            <a:solidFill>
-              <a:srgbClr val="92D050"/>
-            </a:solidFill>
-          </a:ln>
-        </p:spPr>
-        <p:style>
-          <a:lnRef idx="2">
-            <a:schemeClr val="accent1">
-              <a:shade val="50000"/>
-            </a:schemeClr>
-          </a:lnRef>
-          <a:fillRef idx="1">
-            <a:schemeClr val="accent1"/>
-          </a:fillRef>
-          <a:effectRef idx="0">
-            <a:schemeClr val="accent1"/>
-          </a:effectRef>
-          <a:fontRef idx="minor">
-            <a:schemeClr val="lt1"/>
-          </a:fontRef>
-        </p:style>
-        <p:txBody>
-          <a:bodyPr rtlCol="1" anchor="ctr"/>
-          <a:lstStyle/>
-          <a:p>
-            <a:pPr algn="ctr"/>
-            <a:r>
-              <a:rPr lang="en-US" sz="2800" dirty="0">
-                <a:solidFill>
-                  <a:srgbClr val="92D050"/>
-                </a:solidFill>
-              </a:rPr>
               <a:t>Pending Events By Supervisor</a:t>
             </a:r>
           </a:p>
@@ -14422,7 +14350,7 @@
       <p:pic>
         <p:nvPicPr>
           <p:cNvPr id="8" name="תמונה 7">
-            <a:hlinkClick r:id="rId5" action="ppaction://hlinksldjump"/>
+            <a:hlinkClick r:id="rId4" action="ppaction://hlinksldjump"/>
             <a:extLst>
               <a:ext uri="{FF2B5EF4-FFF2-40B4-BE49-F238E27FC236}">
                 <a16:creationId xmlns:a16="http://schemas.microsoft.com/office/drawing/2014/main" id="{A5F74AA9-DF0C-4185-991C-8566B6CE7002}"/>
@@ -14435,7 +14363,7 @@
           <p:nvPr/>
         </p:nvPicPr>
         <p:blipFill>
-          <a:blip r:embed="rId6"/>
+          <a:blip r:embed="rId5"/>
           <a:stretch>
             <a:fillRect/>
           </a:stretch>
@@ -14453,7 +14381,7 @@
       <p:sp>
         <p:nvSpPr>
           <p:cNvPr id="9" name="אליפסה 8">
-            <a:hlinkClick r:id="rId7" action="ppaction://hlinksldjump"/>
+            <a:hlinkClick r:id="rId6" action="ppaction://hlinksldjump"/>
             <a:extLst>
               <a:ext uri="{FF2B5EF4-FFF2-40B4-BE49-F238E27FC236}">
                 <a16:creationId xmlns:a16="http://schemas.microsoft.com/office/drawing/2014/main" id="{433E26BB-985A-4CB8-A700-4B05EB3DD514}"/>
@@ -14900,7 +14828,7 @@
           <p:cNvPr id="2" name="כותרת 1">
             <a:extLst>
               <a:ext uri="{FF2B5EF4-FFF2-40B4-BE49-F238E27FC236}">
-                <a16:creationId xmlns:a16="http://schemas.microsoft.com/office/drawing/2014/main" id="{E3576076-EC21-4CA3-80E6-48E00A6F3838}"/>
+                <a16:creationId xmlns:a16="http://schemas.microsoft.com/office/drawing/2014/main" id="{7730EA33-6060-48D0-B095-74D69D091F9C}"/>
               </a:ext>
             </a:extLst>
           </p:cNvPr>
@@ -14913,8 +14841,8 @@
         </p:nvSpPr>
         <p:spPr>
           <a:xfrm>
-            <a:off x="3412820" y="500062"/>
-            <a:ext cx="5366359" cy="1325563"/>
+            <a:off x="2222848" y="500062"/>
+            <a:ext cx="7746304" cy="1325563"/>
           </a:xfrm>
         </p:spPr>
         <p:txBody>
@@ -14929,7 +14857,7 @@
                   <a:srgbClr val="92D050"/>
                 </a:solidFill>
               </a:rPr>
-              <a:t>Common Event</a:t>
+              <a:t>Events By supervisor</a:t>
             </a:r>
             <a:br>
               <a:rPr lang="en-US" dirty="0">
@@ -14942,401 +14870,607 @@
           </a:p>
         </p:txBody>
       </p:sp>
-      <p:graphicFrame>
-        <p:nvGraphicFramePr>
-          <p:cNvPr id="4" name="טבלה 3">
-            <a:extLst>
-              <a:ext uri="{FF2B5EF4-FFF2-40B4-BE49-F238E27FC236}">
-                <a16:creationId xmlns:a16="http://schemas.microsoft.com/office/drawing/2014/main" id="{B96BC705-5E96-45AA-B2E1-45D44CC01473}"/>
-              </a:ext>
-            </a:extLst>
-          </p:cNvPr>
-          <p:cNvGraphicFramePr>
-            <a:graphicFrameLocks noGrp="1"/>
-          </p:cNvGraphicFramePr>
-          <p:nvPr>
-            <p:extLst>
-              <p:ext uri="{D42A27DB-BD31-4B8C-83A1-F6EECF244321}">
-                <p14:modId xmlns:p14="http://schemas.microsoft.com/office/powerpoint/2010/main" val="2290615773"/>
-              </p:ext>
-            </p:extLst>
-          </p:nvPr>
-        </p:nvGraphicFramePr>
-        <p:xfrm>
-          <a:off x="1536527" y="1453020"/>
-          <a:ext cx="9118946" cy="4296427"/>
-        </p:xfrm>
-        <a:graphic>
-          <a:graphicData uri="http://schemas.openxmlformats.org/drawingml/2006/table">
-            <a:tbl>
-              <a:tblPr rtl="1" firstRow="1" bandRow="1">
-                <a:tableStyleId>{93296810-A885-4BE3-A3E7-6D5BEEA58F35}</a:tableStyleId>
-              </a:tblPr>
-              <a:tblGrid>
-                <a:gridCol w="2619747">
-                  <a:extLst>
-                    <a:ext uri="{9D8B030D-6E8A-4147-A177-3AD203B41FA5}">
-                      <a16:colId xmlns:a16="http://schemas.microsoft.com/office/drawing/2014/main" val="1473483608"/>
-                    </a:ext>
-                  </a:extLst>
-                </a:gridCol>
-                <a:gridCol w="2274163">
-                  <a:extLst>
-                    <a:ext uri="{9D8B030D-6E8A-4147-A177-3AD203B41FA5}">
-                      <a16:colId xmlns:a16="http://schemas.microsoft.com/office/drawing/2014/main" val="1847903682"/>
-                    </a:ext>
-                  </a:extLst>
-                </a:gridCol>
-                <a:gridCol w="2597452">
-                  <a:extLst>
-                    <a:ext uri="{9D8B030D-6E8A-4147-A177-3AD203B41FA5}">
-                      <a16:colId xmlns:a16="http://schemas.microsoft.com/office/drawing/2014/main" val="2137394321"/>
-                    </a:ext>
-                  </a:extLst>
-                </a:gridCol>
-                <a:gridCol w="1627584">
-                  <a:extLst>
-                    <a:ext uri="{9D8B030D-6E8A-4147-A177-3AD203B41FA5}">
-                      <a16:colId xmlns:a16="http://schemas.microsoft.com/office/drawing/2014/main" val="2033288465"/>
-                    </a:ext>
-                  </a:extLst>
-                </a:gridCol>
-              </a:tblGrid>
-              <a:tr h="741849">
-                <a:tc>
-                  <a:txBody>
-                    <a:bodyPr/>
-                    <a:lstStyle/>
-                    <a:p>
-                      <a:pPr algn="l" rtl="1"/>
-                      <a:r>
-                        <a:rPr lang="en-US" dirty="0"/>
-                        <a:t>Amount Of Events Until Today</a:t>
-                      </a:r>
-                      <a:endParaRPr lang="he-IL" dirty="0"/>
-                    </a:p>
-                  </a:txBody>
-                  <a:tcPr/>
-                </a:tc>
-                <a:tc>
-                  <a:txBody>
-                    <a:bodyPr/>
-                    <a:lstStyle/>
-                    <a:p>
-                      <a:pPr algn="l" rtl="1"/>
-                      <a:r>
-                        <a:rPr lang="en-US" dirty="0"/>
-                        <a:t>Supervisor </a:t>
-                      </a:r>
-                      <a:endParaRPr lang="he-IL" dirty="0"/>
-                    </a:p>
-                  </a:txBody>
-                  <a:tcPr/>
-                </a:tc>
-                <a:tc>
-                  <a:txBody>
-                    <a:bodyPr/>
-                    <a:lstStyle/>
-                    <a:p>
-                      <a:pPr algn="l" rtl="1"/>
-                      <a:r>
-                        <a:rPr lang="en-US" dirty="0"/>
-                        <a:t>Event Description</a:t>
-                      </a:r>
-                      <a:endParaRPr lang="he-IL" dirty="0"/>
-                    </a:p>
-                  </a:txBody>
-                  <a:tcPr/>
-                </a:tc>
-                <a:tc>
-                  <a:txBody>
-                    <a:bodyPr/>
-                    <a:lstStyle/>
-                    <a:p>
-                      <a:pPr algn="l" rtl="1"/>
-                      <a:r>
-                        <a:rPr lang="en-US" dirty="0"/>
-                        <a:t>Subject</a:t>
-                      </a:r>
-                      <a:endParaRPr lang="he-IL" dirty="0"/>
-                    </a:p>
-                  </a:txBody>
-                  <a:tcPr/>
-                </a:tc>
-                <a:extLst>
-                  <a:ext uri="{0D108BD9-81ED-4DB2-BD59-A6C34878D82A}">
-                    <a16:rowId xmlns:a16="http://schemas.microsoft.com/office/drawing/2014/main" val="1228919773"/>
-                  </a:ext>
-                </a:extLst>
-              </a:tr>
-              <a:tr h="1034274">
-                <a:tc>
-                  <a:txBody>
-                    <a:bodyPr/>
-                    <a:lstStyle/>
-                    <a:p>
-                      <a:pPr algn="l" rtl="1"/>
-                      <a:r>
-                        <a:rPr lang="en-US" dirty="0"/>
-                        <a:t>21</a:t>
-                      </a:r>
-                      <a:endParaRPr lang="he-IL" dirty="0"/>
-                    </a:p>
-                  </a:txBody>
-                  <a:tcPr/>
-                </a:tc>
-                <a:tc>
-                  <a:txBody>
-                    <a:bodyPr/>
-                    <a:lstStyle/>
-                    <a:p>
-                      <a:pPr marL="0" marR="0" lvl="0" indent="0" algn="l" defTabSz="914400" rtl="1" eaLnBrk="1" fontAlgn="auto" latinLnBrk="0" hangingPunct="1">
-                        <a:lnSpc>
-                          <a:spcPct val="100000"/>
-                        </a:lnSpc>
-                        <a:spcBef>
-                          <a:spcPts val="0"/>
-                        </a:spcBef>
-                        <a:spcAft>
-                          <a:spcPts val="0"/>
-                        </a:spcAft>
-                        <a:buClrTx/>
-                        <a:buSzTx/>
-                        <a:buFontTx/>
-                        <a:buNone/>
-                        <a:tabLst/>
-                        <a:defRPr/>
-                      </a:pPr>
-                      <a:r>
-                        <a:rPr lang="en-US" dirty="0"/>
-                        <a:t>Maintenance</a:t>
-                      </a:r>
-                      <a:endParaRPr lang="he-IL" dirty="0"/>
-                    </a:p>
-                    <a:p>
-                      <a:pPr algn="l" rtl="1"/>
-                      <a:endParaRPr lang="he-IL" dirty="0"/>
-                    </a:p>
-                  </a:txBody>
-                  <a:tcPr/>
-                </a:tc>
-                <a:tc>
-                  <a:txBody>
-                    <a:bodyPr/>
-                    <a:lstStyle/>
-                    <a:p>
-                      <a:pPr algn="l" rtl="1"/>
-                      <a:r>
-                        <a:rPr lang="en-US" dirty="0"/>
-                        <a:t>blinking light in class 211 AZ.</a:t>
-                      </a:r>
-                      <a:endParaRPr lang="he-IL" dirty="0"/>
-                    </a:p>
-                  </a:txBody>
-                  <a:tcPr/>
-                </a:tc>
-                <a:tc>
-                  <a:txBody>
-                    <a:bodyPr/>
-                    <a:lstStyle/>
-                    <a:p>
-                      <a:pPr marL="0" marR="0" lvl="0" indent="0" algn="l" defTabSz="914400" rtl="1" eaLnBrk="1" fontAlgn="auto" latinLnBrk="0" hangingPunct="1">
-                        <a:lnSpc>
-                          <a:spcPct val="100000"/>
-                        </a:lnSpc>
-                        <a:spcBef>
-                          <a:spcPts val="0"/>
-                        </a:spcBef>
-                        <a:spcAft>
-                          <a:spcPts val="0"/>
-                        </a:spcAft>
-                        <a:buClrTx/>
-                        <a:buSzTx/>
-                        <a:buFontTx/>
-                        <a:buNone/>
-                        <a:tabLst/>
-                        <a:defRPr/>
-                      </a:pPr>
-                      <a:r>
-                        <a:rPr lang="en-US" dirty="0"/>
-                        <a:t>Blinking light</a:t>
-                      </a:r>
-                      <a:endParaRPr lang="he-IL" dirty="0"/>
-                    </a:p>
-                    <a:p>
-                      <a:pPr algn="l" rtl="1"/>
-                      <a:endParaRPr lang="he-IL" dirty="0"/>
-                    </a:p>
-                  </a:txBody>
-                  <a:tcPr/>
-                </a:tc>
-                <a:extLst>
-                  <a:ext uri="{0D108BD9-81ED-4DB2-BD59-A6C34878D82A}">
-                    <a16:rowId xmlns:a16="http://schemas.microsoft.com/office/drawing/2014/main" val="4120531732"/>
-                  </a:ext>
-                </a:extLst>
-              </a:tr>
-              <a:tr h="1296290">
-                <a:tc>
-                  <a:txBody>
-                    <a:bodyPr/>
-                    <a:lstStyle/>
-                    <a:p>
-                      <a:pPr algn="l" rtl="1"/>
-                      <a:r>
-                        <a:rPr lang="en-US" dirty="0"/>
-                        <a:t>50</a:t>
-                      </a:r>
-                      <a:endParaRPr lang="he-IL" dirty="0"/>
-                    </a:p>
-                  </a:txBody>
-                  <a:tcPr/>
-                </a:tc>
-                <a:tc>
-                  <a:txBody>
-                    <a:bodyPr/>
-                    <a:lstStyle/>
-                    <a:p>
-                      <a:pPr algn="l" rtl="1"/>
-                      <a:r>
-                        <a:rPr lang="en-US" dirty="0"/>
-                        <a:t>Cleaning</a:t>
-                      </a:r>
-                      <a:endParaRPr lang="he-IL" dirty="0"/>
-                    </a:p>
-                  </a:txBody>
-                  <a:tcPr/>
-                </a:tc>
-                <a:tc>
-                  <a:txBody>
-                    <a:bodyPr/>
-                    <a:lstStyle/>
-                    <a:p>
-                      <a:pPr algn="l" rtl="1"/>
-                      <a:r>
-                        <a:rPr lang="en-US" dirty="0"/>
-                        <a:t>Toilet paper missing</a:t>
-                      </a:r>
-                      <a:endParaRPr lang="he-IL" dirty="0"/>
-                    </a:p>
-                  </a:txBody>
-                  <a:tcPr/>
-                </a:tc>
-                <a:tc>
-                  <a:txBody>
-                    <a:bodyPr/>
-                    <a:lstStyle/>
-                    <a:p>
-                      <a:pPr marL="0" marR="0" lvl="0" indent="0" algn="l" defTabSz="914400" rtl="1" eaLnBrk="1" fontAlgn="auto" latinLnBrk="0" hangingPunct="1">
-                        <a:lnSpc>
-                          <a:spcPct val="100000"/>
-                        </a:lnSpc>
-                        <a:spcBef>
-                          <a:spcPts val="0"/>
-                        </a:spcBef>
-                        <a:spcAft>
-                          <a:spcPts val="0"/>
-                        </a:spcAft>
-                        <a:buClrTx/>
-                        <a:buSzTx/>
-                        <a:buFontTx/>
-                        <a:buNone/>
-                        <a:tabLst/>
-                        <a:defRPr/>
-                      </a:pPr>
-                      <a:r>
-                        <a:rPr lang="en-US" dirty="0"/>
-                        <a:t>Toilet paper </a:t>
-                      </a:r>
-                      <a:endParaRPr lang="he-IL" dirty="0"/>
-                    </a:p>
-                  </a:txBody>
-                  <a:tcPr/>
-                </a:tc>
-                <a:extLst>
-                  <a:ext uri="{0D108BD9-81ED-4DB2-BD59-A6C34878D82A}">
-                    <a16:rowId xmlns:a16="http://schemas.microsoft.com/office/drawing/2014/main" val="3981230142"/>
-                  </a:ext>
-                </a:extLst>
-              </a:tr>
-              <a:tr h="1224014">
-                <a:tc>
-                  <a:txBody>
-                    <a:bodyPr/>
-                    <a:lstStyle/>
-                    <a:p>
-                      <a:pPr algn="l" rtl="1"/>
-                      <a:r>
-                        <a:rPr lang="en-US" dirty="0"/>
-                        <a:t>80</a:t>
-                      </a:r>
-                      <a:endParaRPr lang="he-IL" dirty="0"/>
-                    </a:p>
-                  </a:txBody>
-                  <a:tcPr/>
-                </a:tc>
-                <a:tc>
-                  <a:txBody>
-                    <a:bodyPr/>
-                    <a:lstStyle/>
-                    <a:p>
-                      <a:pPr algn="l" rtl="1"/>
-                      <a:r>
-                        <a:rPr lang="en-US" dirty="0"/>
-                        <a:t>Dean</a:t>
-                      </a:r>
-                      <a:endParaRPr lang="he-IL" dirty="0"/>
-                    </a:p>
-                  </a:txBody>
-                  <a:tcPr/>
-                </a:tc>
-                <a:tc>
-                  <a:txBody>
-                    <a:bodyPr/>
-                    <a:lstStyle/>
-                    <a:p>
-                      <a:pPr algn="l" rtl="1"/>
-                      <a:r>
-                        <a:rPr lang="en-US" dirty="0"/>
-                        <a:t>Need more practice hours.</a:t>
-                      </a:r>
-                      <a:endParaRPr lang="he-IL" dirty="0"/>
-                    </a:p>
-                  </a:txBody>
-                  <a:tcPr/>
-                </a:tc>
-                <a:tc>
-                  <a:txBody>
-                    <a:bodyPr/>
-                    <a:lstStyle/>
-                    <a:p>
-                      <a:pPr algn="l" rtl="1"/>
-                      <a:r>
-                        <a:rPr lang="en-US" dirty="0"/>
-                        <a:t>Studies</a:t>
-                      </a:r>
-                      <a:endParaRPr lang="he-IL" dirty="0"/>
-                    </a:p>
-                  </a:txBody>
-                  <a:tcPr/>
-                </a:tc>
-                <a:extLst>
-                  <a:ext uri="{0D108BD9-81ED-4DB2-BD59-A6C34878D82A}">
-                    <a16:rowId xmlns:a16="http://schemas.microsoft.com/office/drawing/2014/main" val="4122735466"/>
-                  </a:ext>
-                </a:extLst>
-              </a:tr>
-            </a:tbl>
-          </a:graphicData>
-        </a:graphic>
-      </p:graphicFrame>
-      <p:sp>
-        <p:nvSpPr>
-          <p:cNvPr id="5" name="אליפסה 4">
-            <a:hlinkClick r:id="rId2" action="ppaction://hlinksldjump"/>
-            <a:extLst>
-              <a:ext uri="{FF2B5EF4-FFF2-40B4-BE49-F238E27FC236}">
-                <a16:creationId xmlns:a16="http://schemas.microsoft.com/office/drawing/2014/main" id="{C093A001-0E1C-483E-90E2-C850933BE859}"/>
+      <p:cxnSp>
+        <p:nvCxnSpPr>
+          <p:cNvPr id="7" name="מחבר חץ ישר 6">
+            <a:extLst>
+              <a:ext uri="{FF2B5EF4-FFF2-40B4-BE49-F238E27FC236}">
+                <a16:creationId xmlns:a16="http://schemas.microsoft.com/office/drawing/2014/main" id="{2506DE58-E6C4-48FB-95C6-80F0C720E1E7}"/>
+              </a:ext>
+            </a:extLst>
+          </p:cNvPr>
+          <p:cNvCxnSpPr>
+            <a:cxnSpLocks/>
+          </p:cNvCxnSpPr>
+          <p:nvPr/>
+        </p:nvCxnSpPr>
+        <p:spPr>
+          <a:xfrm flipV="1">
+            <a:off x="2222848" y="1703540"/>
+            <a:ext cx="0" cy="4083486"/>
+          </a:xfrm>
+          <a:prstGeom prst="straightConnector1">
+            <a:avLst/>
+          </a:prstGeom>
+          <a:ln>
+            <a:solidFill>
+              <a:schemeClr val="accent6">
+                <a:lumMod val="50000"/>
+              </a:schemeClr>
+            </a:solidFill>
+            <a:tailEnd type="triangle"/>
+          </a:ln>
+        </p:spPr>
+        <p:style>
+          <a:lnRef idx="1">
+            <a:schemeClr val="accent1"/>
+          </a:lnRef>
+          <a:fillRef idx="0">
+            <a:schemeClr val="accent1"/>
+          </a:fillRef>
+          <a:effectRef idx="0">
+            <a:schemeClr val="accent1"/>
+          </a:effectRef>
+          <a:fontRef idx="minor">
+            <a:schemeClr val="tx1"/>
+          </a:fontRef>
+        </p:style>
+      </p:cxnSp>
+      <p:cxnSp>
+        <p:nvCxnSpPr>
+          <p:cNvPr id="9" name="מחבר חץ ישר 8">
+            <a:extLst>
+              <a:ext uri="{FF2B5EF4-FFF2-40B4-BE49-F238E27FC236}">
+                <a16:creationId xmlns:a16="http://schemas.microsoft.com/office/drawing/2014/main" id="{9571FF17-580B-42A1-93AB-F927F527EFCB}"/>
+              </a:ext>
+            </a:extLst>
+          </p:cNvPr>
+          <p:cNvCxnSpPr/>
+          <p:nvPr/>
+        </p:nvCxnSpPr>
+        <p:spPr>
+          <a:xfrm>
+            <a:off x="2222848" y="5787026"/>
+            <a:ext cx="8061020" cy="0"/>
+          </a:xfrm>
+          <a:prstGeom prst="straightConnector1">
+            <a:avLst/>
+          </a:prstGeom>
+          <a:ln>
+            <a:solidFill>
+              <a:schemeClr val="accent6">
+                <a:lumMod val="50000"/>
+              </a:schemeClr>
+            </a:solidFill>
+            <a:tailEnd type="triangle"/>
+          </a:ln>
+        </p:spPr>
+        <p:style>
+          <a:lnRef idx="1">
+            <a:schemeClr val="accent1"/>
+          </a:lnRef>
+          <a:fillRef idx="0">
+            <a:schemeClr val="accent1"/>
+          </a:fillRef>
+          <a:effectRef idx="0">
+            <a:schemeClr val="accent1"/>
+          </a:effectRef>
+          <a:fontRef idx="minor">
+            <a:schemeClr val="tx1"/>
+          </a:fontRef>
+        </p:style>
+      </p:cxnSp>
+      <p:sp>
+        <p:nvSpPr>
+          <p:cNvPr id="12" name="TextBox 11">
+            <a:extLst>
+              <a:ext uri="{FF2B5EF4-FFF2-40B4-BE49-F238E27FC236}">
+                <a16:creationId xmlns:a16="http://schemas.microsoft.com/office/drawing/2014/main" id="{A8504308-07EE-47A3-ACE8-6DBED4E8EC0D}"/>
+              </a:ext>
+            </a:extLst>
+          </p:cNvPr>
+          <p:cNvSpPr txBox="1"/>
+          <p:nvPr/>
+        </p:nvSpPr>
+        <p:spPr>
+          <a:xfrm>
+            <a:off x="1615858" y="1044683"/>
+            <a:ext cx="1240057" cy="646331"/>
+          </a:xfrm>
+          <a:prstGeom prst="rect">
+            <a:avLst/>
+          </a:prstGeom>
+          <a:noFill/>
+        </p:spPr>
+        <p:txBody>
+          <a:bodyPr wrap="square" rtlCol="1">
+            <a:spAutoFit/>
+          </a:bodyPr>
+          <a:lstStyle/>
+          <a:p>
+            <a:pPr algn="ctr"/>
+            <a:r>
+              <a:rPr lang="en-US" dirty="0"/>
+              <a:t>Amount of events</a:t>
+            </a:r>
+            <a:endParaRPr lang="he-IL" dirty="0"/>
+          </a:p>
+        </p:txBody>
+      </p:sp>
+      <p:sp>
+        <p:nvSpPr>
+          <p:cNvPr id="14" name="TextBox 13">
+            <a:extLst>
+              <a:ext uri="{FF2B5EF4-FFF2-40B4-BE49-F238E27FC236}">
+                <a16:creationId xmlns:a16="http://schemas.microsoft.com/office/drawing/2014/main" id="{82DBC2F1-C340-47EF-A1BA-494B368F6BCA}"/>
+              </a:ext>
+            </a:extLst>
+          </p:cNvPr>
+          <p:cNvSpPr txBox="1"/>
+          <p:nvPr/>
+        </p:nvSpPr>
+        <p:spPr>
+          <a:xfrm>
+            <a:off x="1419751" y="2311430"/>
+            <a:ext cx="789140" cy="369332"/>
+          </a:xfrm>
+          <a:prstGeom prst="rect">
+            <a:avLst/>
+          </a:prstGeom>
+          <a:noFill/>
+        </p:spPr>
+        <p:txBody>
+          <a:bodyPr wrap="square" rtlCol="1">
+            <a:spAutoFit/>
+          </a:bodyPr>
+          <a:lstStyle/>
+          <a:p>
+            <a:r>
+              <a:rPr lang="en-US" dirty="0"/>
+              <a:t>350</a:t>
+            </a:r>
+            <a:endParaRPr lang="he-IL" dirty="0"/>
+          </a:p>
+        </p:txBody>
+      </p:sp>
+      <p:sp>
+        <p:nvSpPr>
+          <p:cNvPr id="16" name="TextBox 15">
+            <a:extLst>
+              <a:ext uri="{FF2B5EF4-FFF2-40B4-BE49-F238E27FC236}">
+                <a16:creationId xmlns:a16="http://schemas.microsoft.com/office/drawing/2014/main" id="{BD9A2C19-DA7A-4193-AC00-D77DFA880628}"/>
+              </a:ext>
+            </a:extLst>
+          </p:cNvPr>
+          <p:cNvSpPr txBox="1"/>
+          <p:nvPr/>
+        </p:nvSpPr>
+        <p:spPr>
+          <a:xfrm>
+            <a:off x="1419751" y="3895715"/>
+            <a:ext cx="789140" cy="369332"/>
+          </a:xfrm>
+          <a:prstGeom prst="rect">
+            <a:avLst/>
+          </a:prstGeom>
+          <a:noFill/>
+        </p:spPr>
+        <p:txBody>
+          <a:bodyPr wrap="square" rtlCol="1">
+            <a:spAutoFit/>
+          </a:bodyPr>
+          <a:lstStyle/>
+          <a:p>
+            <a:r>
+              <a:rPr lang="en-US" dirty="0"/>
+              <a:t>150</a:t>
+            </a:r>
+            <a:endParaRPr lang="he-IL" dirty="0"/>
+          </a:p>
+        </p:txBody>
+      </p:sp>
+      <p:sp>
+        <p:nvSpPr>
+          <p:cNvPr id="18" name="TextBox 17">
+            <a:extLst>
+              <a:ext uri="{FF2B5EF4-FFF2-40B4-BE49-F238E27FC236}">
+                <a16:creationId xmlns:a16="http://schemas.microsoft.com/office/drawing/2014/main" id="{B3EF8822-AD8D-4C8E-9D8C-68F764EDAD5A}"/>
+              </a:ext>
+            </a:extLst>
+          </p:cNvPr>
+          <p:cNvSpPr txBox="1"/>
+          <p:nvPr/>
+        </p:nvSpPr>
+        <p:spPr>
+          <a:xfrm>
+            <a:off x="1446746" y="3059668"/>
+            <a:ext cx="789140" cy="369332"/>
+          </a:xfrm>
+          <a:prstGeom prst="rect">
+            <a:avLst/>
+          </a:prstGeom>
+          <a:noFill/>
+        </p:spPr>
+        <p:txBody>
+          <a:bodyPr wrap="square" rtlCol="1">
+            <a:spAutoFit/>
+          </a:bodyPr>
+          <a:lstStyle/>
+          <a:p>
+            <a:r>
+              <a:rPr lang="en-US" dirty="0"/>
+              <a:t>250</a:t>
+            </a:r>
+            <a:endParaRPr lang="he-IL" dirty="0"/>
+          </a:p>
+        </p:txBody>
+      </p:sp>
+      <p:sp>
+        <p:nvSpPr>
+          <p:cNvPr id="19" name="TextBox 18">
+            <a:extLst>
+              <a:ext uri="{FF2B5EF4-FFF2-40B4-BE49-F238E27FC236}">
+                <a16:creationId xmlns:a16="http://schemas.microsoft.com/office/drawing/2014/main" id="{A840D7FD-684A-460F-A387-DC28A53DFBE2}"/>
+              </a:ext>
+            </a:extLst>
+          </p:cNvPr>
+          <p:cNvSpPr txBox="1"/>
+          <p:nvPr/>
+        </p:nvSpPr>
+        <p:spPr>
+          <a:xfrm>
+            <a:off x="1419751" y="4773748"/>
+            <a:ext cx="789140" cy="369332"/>
+          </a:xfrm>
+          <a:prstGeom prst="rect">
+            <a:avLst/>
+          </a:prstGeom>
+          <a:noFill/>
+        </p:spPr>
+        <p:txBody>
+          <a:bodyPr wrap="square" rtlCol="1">
+            <a:spAutoFit/>
+          </a:bodyPr>
+          <a:lstStyle/>
+          <a:p>
+            <a:r>
+              <a:rPr lang="en-US" dirty="0"/>
+              <a:t>50</a:t>
+            </a:r>
+            <a:endParaRPr lang="he-IL" dirty="0"/>
+          </a:p>
+        </p:txBody>
+      </p:sp>
+      <p:sp>
+        <p:nvSpPr>
+          <p:cNvPr id="23" name="TextBox 22">
+            <a:extLst>
+              <a:ext uri="{FF2B5EF4-FFF2-40B4-BE49-F238E27FC236}">
+                <a16:creationId xmlns:a16="http://schemas.microsoft.com/office/drawing/2014/main" id="{9FCD9748-F86A-457D-BEF5-0441F5D50534}"/>
+              </a:ext>
+            </a:extLst>
+          </p:cNvPr>
+          <p:cNvSpPr txBox="1"/>
+          <p:nvPr/>
+        </p:nvSpPr>
+        <p:spPr>
+          <a:xfrm>
+            <a:off x="1433708" y="4353928"/>
+            <a:ext cx="789140" cy="369332"/>
+          </a:xfrm>
+          <a:prstGeom prst="rect">
+            <a:avLst/>
+          </a:prstGeom>
+          <a:noFill/>
+        </p:spPr>
+        <p:txBody>
+          <a:bodyPr wrap="square" rtlCol="1">
+            <a:spAutoFit/>
+          </a:bodyPr>
+          <a:lstStyle/>
+          <a:p>
+            <a:r>
+              <a:rPr lang="en-US" dirty="0"/>
+              <a:t>100</a:t>
+            </a:r>
+            <a:endParaRPr lang="he-IL" dirty="0"/>
+          </a:p>
+        </p:txBody>
+      </p:sp>
+      <p:sp>
+        <p:nvSpPr>
+          <p:cNvPr id="24" name="TextBox 23">
+            <a:extLst>
+              <a:ext uri="{FF2B5EF4-FFF2-40B4-BE49-F238E27FC236}">
+                <a16:creationId xmlns:a16="http://schemas.microsoft.com/office/drawing/2014/main" id="{CF747CC7-DB2C-4F91-926E-B4B198BF6C98}"/>
+              </a:ext>
+            </a:extLst>
+          </p:cNvPr>
+          <p:cNvSpPr txBox="1"/>
+          <p:nvPr/>
+        </p:nvSpPr>
+        <p:spPr>
+          <a:xfrm>
+            <a:off x="1433708" y="5229807"/>
+            <a:ext cx="789140" cy="369332"/>
+          </a:xfrm>
+          <a:prstGeom prst="rect">
+            <a:avLst/>
+          </a:prstGeom>
+          <a:noFill/>
+        </p:spPr>
+        <p:txBody>
+          <a:bodyPr wrap="square" rtlCol="1">
+            <a:spAutoFit/>
+          </a:bodyPr>
+          <a:lstStyle/>
+          <a:p>
+            <a:r>
+              <a:rPr lang="en-US" dirty="0"/>
+              <a:t>10</a:t>
+            </a:r>
+            <a:endParaRPr lang="he-IL" dirty="0"/>
+          </a:p>
+        </p:txBody>
+      </p:sp>
+      <p:sp>
+        <p:nvSpPr>
+          <p:cNvPr id="25" name="TextBox 24">
+            <a:extLst>
+              <a:ext uri="{FF2B5EF4-FFF2-40B4-BE49-F238E27FC236}">
+                <a16:creationId xmlns:a16="http://schemas.microsoft.com/office/drawing/2014/main" id="{D7A4B1A2-4364-4350-84A9-7F3DA84758A7}"/>
+              </a:ext>
+            </a:extLst>
+          </p:cNvPr>
+          <p:cNvSpPr txBox="1"/>
+          <p:nvPr/>
+        </p:nvSpPr>
+        <p:spPr>
+          <a:xfrm>
+            <a:off x="1426730" y="2687115"/>
+            <a:ext cx="789140" cy="369332"/>
+          </a:xfrm>
+          <a:prstGeom prst="rect">
+            <a:avLst/>
+          </a:prstGeom>
+          <a:noFill/>
+        </p:spPr>
+        <p:txBody>
+          <a:bodyPr wrap="square" rtlCol="1">
+            <a:spAutoFit/>
+          </a:bodyPr>
+          <a:lstStyle/>
+          <a:p>
+            <a:r>
+              <a:rPr lang="en-US" dirty="0"/>
+              <a:t>300</a:t>
+            </a:r>
+            <a:endParaRPr lang="he-IL" dirty="0"/>
+          </a:p>
+        </p:txBody>
+      </p:sp>
+      <p:sp>
+        <p:nvSpPr>
+          <p:cNvPr id="26" name="TextBox 25">
+            <a:extLst>
+              <a:ext uri="{FF2B5EF4-FFF2-40B4-BE49-F238E27FC236}">
+                <a16:creationId xmlns:a16="http://schemas.microsoft.com/office/drawing/2014/main" id="{B9318630-A3B1-43F0-9746-1FA9864A7B4E}"/>
+              </a:ext>
+            </a:extLst>
+          </p:cNvPr>
+          <p:cNvSpPr txBox="1"/>
+          <p:nvPr/>
+        </p:nvSpPr>
+        <p:spPr>
+          <a:xfrm>
+            <a:off x="1433708" y="3476081"/>
+            <a:ext cx="789140" cy="369332"/>
+          </a:xfrm>
+          <a:prstGeom prst="rect">
+            <a:avLst/>
+          </a:prstGeom>
+          <a:noFill/>
+        </p:spPr>
+        <p:txBody>
+          <a:bodyPr wrap="square" rtlCol="1">
+            <a:spAutoFit/>
+          </a:bodyPr>
+          <a:lstStyle/>
+          <a:p>
+            <a:r>
+              <a:rPr lang="en-US" dirty="0"/>
+              <a:t>200</a:t>
+            </a:r>
+            <a:endParaRPr lang="he-IL" dirty="0"/>
+          </a:p>
+        </p:txBody>
+      </p:sp>
+      <p:sp>
+        <p:nvSpPr>
+          <p:cNvPr id="27" name="TextBox 26">
+            <a:extLst>
+              <a:ext uri="{FF2B5EF4-FFF2-40B4-BE49-F238E27FC236}">
+                <a16:creationId xmlns:a16="http://schemas.microsoft.com/office/drawing/2014/main" id="{D7E49B80-8F04-41AD-919B-4ED477C97C35}"/>
+              </a:ext>
+            </a:extLst>
+          </p:cNvPr>
+          <p:cNvSpPr txBox="1"/>
+          <p:nvPr/>
+        </p:nvSpPr>
+        <p:spPr>
+          <a:xfrm>
+            <a:off x="1991651" y="5880158"/>
+            <a:ext cx="1465534" cy="369332"/>
+          </a:xfrm>
+          <a:prstGeom prst="rect">
+            <a:avLst/>
+          </a:prstGeom>
+          <a:noFill/>
+        </p:spPr>
+        <p:txBody>
+          <a:bodyPr wrap="square" rtlCol="1">
+            <a:spAutoFit/>
+          </a:bodyPr>
+          <a:lstStyle/>
+          <a:p>
+            <a:r>
+              <a:rPr lang="en-US" dirty="0"/>
+              <a:t>Securing </a:t>
+            </a:r>
+            <a:endParaRPr lang="he-IL" dirty="0"/>
+          </a:p>
+        </p:txBody>
+      </p:sp>
+      <p:sp>
+        <p:nvSpPr>
+          <p:cNvPr id="28" name="TextBox 27">
+            <a:extLst>
+              <a:ext uri="{FF2B5EF4-FFF2-40B4-BE49-F238E27FC236}">
+                <a16:creationId xmlns:a16="http://schemas.microsoft.com/office/drawing/2014/main" id="{45943BDC-E878-454D-9761-B1E1CEEF0572}"/>
+              </a:ext>
+            </a:extLst>
+          </p:cNvPr>
+          <p:cNvSpPr txBox="1"/>
+          <p:nvPr/>
+        </p:nvSpPr>
+        <p:spPr>
+          <a:xfrm>
+            <a:off x="3319397" y="5880158"/>
+            <a:ext cx="1327755" cy="369332"/>
+          </a:xfrm>
+          <a:prstGeom prst="rect">
+            <a:avLst/>
+          </a:prstGeom>
+          <a:noFill/>
+        </p:spPr>
+        <p:txBody>
+          <a:bodyPr wrap="square" rtlCol="1">
+            <a:spAutoFit/>
+          </a:bodyPr>
+          <a:lstStyle/>
+          <a:p>
+            <a:r>
+              <a:rPr lang="en-US" dirty="0"/>
+              <a:t>Cleaning </a:t>
+            </a:r>
+            <a:endParaRPr lang="he-IL" dirty="0"/>
+          </a:p>
+        </p:txBody>
+      </p:sp>
+      <p:sp>
+        <p:nvSpPr>
+          <p:cNvPr id="29" name="TextBox 28">
+            <a:extLst>
+              <a:ext uri="{FF2B5EF4-FFF2-40B4-BE49-F238E27FC236}">
+                <a16:creationId xmlns:a16="http://schemas.microsoft.com/office/drawing/2014/main" id="{E8665DA1-5E55-484B-9700-A77837CD6ADD}"/>
+              </a:ext>
+            </a:extLst>
+          </p:cNvPr>
+          <p:cNvSpPr txBox="1"/>
+          <p:nvPr/>
+        </p:nvSpPr>
+        <p:spPr>
+          <a:xfrm>
+            <a:off x="3983274" y="5880159"/>
+            <a:ext cx="1753640" cy="369332"/>
+          </a:xfrm>
+          <a:prstGeom prst="rect">
+            <a:avLst/>
+          </a:prstGeom>
+          <a:noFill/>
+        </p:spPr>
+        <p:txBody>
+          <a:bodyPr wrap="square" rtlCol="1">
+            <a:spAutoFit/>
+          </a:bodyPr>
+          <a:lstStyle/>
+          <a:p>
+            <a:r>
+              <a:rPr lang="en-US" dirty="0"/>
+              <a:t>Dean </a:t>
+            </a:r>
+            <a:endParaRPr lang="he-IL" dirty="0"/>
+          </a:p>
+        </p:txBody>
+      </p:sp>
+      <p:sp>
+        <p:nvSpPr>
+          <p:cNvPr id="30" name="TextBox 29">
+            <a:extLst>
+              <a:ext uri="{FF2B5EF4-FFF2-40B4-BE49-F238E27FC236}">
+                <a16:creationId xmlns:a16="http://schemas.microsoft.com/office/drawing/2014/main" id="{9F3E035B-C150-4F4D-BB71-2EDF9B28F410}"/>
+              </a:ext>
+            </a:extLst>
+          </p:cNvPr>
+          <p:cNvSpPr txBox="1"/>
+          <p:nvPr/>
+        </p:nvSpPr>
+        <p:spPr>
+          <a:xfrm>
+            <a:off x="5916464" y="5880158"/>
+            <a:ext cx="1628386" cy="369332"/>
+          </a:xfrm>
+          <a:prstGeom prst="rect">
+            <a:avLst/>
+          </a:prstGeom>
+          <a:noFill/>
+        </p:spPr>
+        <p:txBody>
+          <a:bodyPr wrap="square" rtlCol="1">
+            <a:spAutoFit/>
+          </a:bodyPr>
+          <a:lstStyle/>
+          <a:p>
+            <a:r>
+              <a:rPr lang="en-US" dirty="0"/>
+              <a:t>Maintenance </a:t>
+            </a:r>
+            <a:endParaRPr lang="he-IL" dirty="0"/>
+          </a:p>
+        </p:txBody>
+      </p:sp>
+      <p:sp>
+        <p:nvSpPr>
+          <p:cNvPr id="31" name="TextBox 30">
+            <a:extLst>
+              <a:ext uri="{FF2B5EF4-FFF2-40B4-BE49-F238E27FC236}">
+                <a16:creationId xmlns:a16="http://schemas.microsoft.com/office/drawing/2014/main" id="{2AA37F1E-12FC-45F5-A9C3-57AD911BAE43}"/>
+              </a:ext>
+            </a:extLst>
+          </p:cNvPr>
+          <p:cNvSpPr txBox="1"/>
+          <p:nvPr/>
+        </p:nvSpPr>
+        <p:spPr>
+          <a:xfrm>
+            <a:off x="7536505" y="5884270"/>
+            <a:ext cx="2275555" cy="369332"/>
+          </a:xfrm>
+          <a:prstGeom prst="rect">
+            <a:avLst/>
+          </a:prstGeom>
+          <a:noFill/>
+        </p:spPr>
+        <p:txBody>
+          <a:bodyPr wrap="square" rtlCol="1">
+            <a:spAutoFit/>
+          </a:bodyPr>
+          <a:lstStyle/>
+          <a:p>
+            <a:r>
+              <a:rPr lang="en-US" dirty="0"/>
+              <a:t>Students Association</a:t>
+            </a:r>
+            <a:endParaRPr lang="he-IL" dirty="0"/>
+          </a:p>
+        </p:txBody>
+      </p:sp>
+      <p:sp>
+        <p:nvSpPr>
+          <p:cNvPr id="32" name="מלבן 31">
+            <a:extLst>
+              <a:ext uri="{FF2B5EF4-FFF2-40B4-BE49-F238E27FC236}">
+                <a16:creationId xmlns:a16="http://schemas.microsoft.com/office/drawing/2014/main" id="{B9DF018A-8D5C-4BA4-A2E9-6BBD00880238}"/>
               </a:ext>
             </a:extLst>
           </p:cNvPr>
@@ -15345,20 +15479,19 @@
         </p:nvSpPr>
         <p:spPr>
           <a:xfrm>
-            <a:off x="10669262" y="5832347"/>
-            <a:ext cx="942930" cy="931691"/>
-          </a:xfrm>
-          <a:prstGeom prst="ellipse">
+            <a:off x="2668044" y="5336089"/>
+            <a:ext cx="438403" cy="450937"/>
+          </a:xfrm>
+          <a:prstGeom prst="rect">
             <a:avLst/>
           </a:prstGeom>
           <a:solidFill>
             <a:srgbClr val="92D050"/>
           </a:solidFill>
-          <a:ln w="19050">
+          <a:ln w="28575">
             <a:solidFill>
               <a:schemeClr val="accent6">
-                <a:lumMod val="60000"/>
-                <a:lumOff val="40000"/>
+                <a:lumMod val="75000"/>
               </a:schemeClr>
             </a:solidFill>
           </a:ln>
@@ -15384,6 +15517,530 @@
           <a:lstStyle/>
           <a:p>
             <a:pPr algn="ctr"/>
+            <a:endParaRPr lang="he-IL"/>
+          </a:p>
+        </p:txBody>
+      </p:sp>
+      <p:sp>
+        <p:nvSpPr>
+          <p:cNvPr id="33" name="מלבן 32">
+            <a:extLst>
+              <a:ext uri="{FF2B5EF4-FFF2-40B4-BE49-F238E27FC236}">
+                <a16:creationId xmlns:a16="http://schemas.microsoft.com/office/drawing/2014/main" id="{1D574789-0304-4757-9B56-64FAB6821415}"/>
+              </a:ext>
+            </a:extLst>
+          </p:cNvPr>
+          <p:cNvSpPr/>
+          <p:nvPr/>
+        </p:nvSpPr>
+        <p:spPr>
+          <a:xfrm>
+            <a:off x="3876806" y="3895715"/>
+            <a:ext cx="438403" cy="1891311"/>
+          </a:xfrm>
+          <a:prstGeom prst="rect">
+            <a:avLst/>
+          </a:prstGeom>
+          <a:solidFill>
+            <a:srgbClr val="92D050"/>
+          </a:solidFill>
+          <a:ln w="28575">
+            <a:solidFill>
+              <a:schemeClr val="accent6">
+                <a:lumMod val="75000"/>
+              </a:schemeClr>
+            </a:solidFill>
+          </a:ln>
+        </p:spPr>
+        <p:style>
+          <a:lnRef idx="2">
+            <a:schemeClr val="accent1">
+              <a:shade val="50000"/>
+            </a:schemeClr>
+          </a:lnRef>
+          <a:fillRef idx="1">
+            <a:schemeClr val="accent1"/>
+          </a:fillRef>
+          <a:effectRef idx="0">
+            <a:schemeClr val="accent1"/>
+          </a:effectRef>
+          <a:fontRef idx="minor">
+            <a:schemeClr val="lt1"/>
+          </a:fontRef>
+        </p:style>
+        <p:txBody>
+          <a:bodyPr rtlCol="1" anchor="ctr"/>
+          <a:lstStyle/>
+          <a:p>
+            <a:pPr algn="ctr"/>
+            <a:endParaRPr lang="he-IL"/>
+          </a:p>
+        </p:txBody>
+      </p:sp>
+      <p:sp>
+        <p:nvSpPr>
+          <p:cNvPr id="34" name="מלבן 33">
+            <a:extLst>
+              <a:ext uri="{FF2B5EF4-FFF2-40B4-BE49-F238E27FC236}">
+                <a16:creationId xmlns:a16="http://schemas.microsoft.com/office/drawing/2014/main" id="{A58C9825-C3E4-4B8E-A829-2CEBF907EF57}"/>
+              </a:ext>
+            </a:extLst>
+          </p:cNvPr>
+          <p:cNvSpPr/>
+          <p:nvPr/>
+        </p:nvSpPr>
+        <p:spPr>
+          <a:xfrm>
+            <a:off x="5160716" y="3767238"/>
+            <a:ext cx="438403" cy="2019788"/>
+          </a:xfrm>
+          <a:prstGeom prst="rect">
+            <a:avLst/>
+          </a:prstGeom>
+          <a:solidFill>
+            <a:srgbClr val="92D050"/>
+          </a:solidFill>
+          <a:ln w="28575">
+            <a:solidFill>
+              <a:schemeClr val="accent6">
+                <a:lumMod val="75000"/>
+              </a:schemeClr>
+            </a:solidFill>
+          </a:ln>
+        </p:spPr>
+        <p:style>
+          <a:lnRef idx="2">
+            <a:schemeClr val="accent1">
+              <a:shade val="50000"/>
+            </a:schemeClr>
+          </a:lnRef>
+          <a:fillRef idx="1">
+            <a:schemeClr val="accent1"/>
+          </a:fillRef>
+          <a:effectRef idx="0">
+            <a:schemeClr val="accent1"/>
+          </a:effectRef>
+          <a:fontRef idx="minor">
+            <a:schemeClr val="lt1"/>
+          </a:fontRef>
+        </p:style>
+        <p:txBody>
+          <a:bodyPr rtlCol="1" anchor="ctr"/>
+          <a:lstStyle/>
+          <a:p>
+            <a:pPr algn="ctr"/>
+            <a:endParaRPr lang="he-IL"/>
+          </a:p>
+        </p:txBody>
+      </p:sp>
+      <p:sp>
+        <p:nvSpPr>
+          <p:cNvPr id="35" name="מלבן 34">
+            <a:extLst>
+              <a:ext uri="{FF2B5EF4-FFF2-40B4-BE49-F238E27FC236}">
+                <a16:creationId xmlns:a16="http://schemas.microsoft.com/office/drawing/2014/main" id="{056A8E07-0F56-4147-9E3C-337329C9A43E}"/>
+              </a:ext>
+            </a:extLst>
+          </p:cNvPr>
+          <p:cNvSpPr/>
+          <p:nvPr/>
+        </p:nvSpPr>
+        <p:spPr>
+          <a:xfrm>
+            <a:off x="6642981" y="3056447"/>
+            <a:ext cx="438403" cy="2730579"/>
+          </a:xfrm>
+          <a:prstGeom prst="rect">
+            <a:avLst/>
+          </a:prstGeom>
+          <a:solidFill>
+            <a:srgbClr val="92D050"/>
+          </a:solidFill>
+          <a:ln w="28575">
+            <a:solidFill>
+              <a:schemeClr val="accent6">
+                <a:lumMod val="75000"/>
+              </a:schemeClr>
+            </a:solidFill>
+          </a:ln>
+        </p:spPr>
+        <p:style>
+          <a:lnRef idx="2">
+            <a:schemeClr val="accent1">
+              <a:shade val="50000"/>
+            </a:schemeClr>
+          </a:lnRef>
+          <a:fillRef idx="1">
+            <a:schemeClr val="accent1"/>
+          </a:fillRef>
+          <a:effectRef idx="0">
+            <a:schemeClr val="accent1"/>
+          </a:effectRef>
+          <a:fontRef idx="minor">
+            <a:schemeClr val="lt1"/>
+          </a:fontRef>
+        </p:style>
+        <p:txBody>
+          <a:bodyPr rtlCol="1" anchor="ctr"/>
+          <a:lstStyle/>
+          <a:p>
+            <a:pPr algn="ctr"/>
+            <a:endParaRPr lang="he-IL"/>
+          </a:p>
+        </p:txBody>
+      </p:sp>
+      <p:sp>
+        <p:nvSpPr>
+          <p:cNvPr id="36" name="מלבן 35">
+            <a:extLst>
+              <a:ext uri="{FF2B5EF4-FFF2-40B4-BE49-F238E27FC236}">
+                <a16:creationId xmlns:a16="http://schemas.microsoft.com/office/drawing/2014/main" id="{4031DEC8-A650-4553-BF5B-A926999EECFA}"/>
+              </a:ext>
+            </a:extLst>
+          </p:cNvPr>
+          <p:cNvSpPr/>
+          <p:nvPr/>
+        </p:nvSpPr>
+        <p:spPr>
+          <a:xfrm>
+            <a:off x="8455080" y="5143079"/>
+            <a:ext cx="438403" cy="643947"/>
+          </a:xfrm>
+          <a:prstGeom prst="rect">
+            <a:avLst/>
+          </a:prstGeom>
+          <a:solidFill>
+            <a:srgbClr val="92D050"/>
+          </a:solidFill>
+          <a:ln w="28575">
+            <a:solidFill>
+              <a:schemeClr val="accent6">
+                <a:lumMod val="75000"/>
+              </a:schemeClr>
+            </a:solidFill>
+          </a:ln>
+        </p:spPr>
+        <p:style>
+          <a:lnRef idx="2">
+            <a:schemeClr val="accent1">
+              <a:shade val="50000"/>
+            </a:schemeClr>
+          </a:lnRef>
+          <a:fillRef idx="1">
+            <a:schemeClr val="accent1"/>
+          </a:fillRef>
+          <a:effectRef idx="0">
+            <a:schemeClr val="accent1"/>
+          </a:effectRef>
+          <a:fontRef idx="minor">
+            <a:schemeClr val="lt1"/>
+          </a:fontRef>
+        </p:style>
+        <p:txBody>
+          <a:bodyPr rtlCol="1" anchor="ctr"/>
+          <a:lstStyle/>
+          <a:p>
+            <a:pPr algn="ctr"/>
+            <a:endParaRPr lang="he-IL"/>
+          </a:p>
+        </p:txBody>
+      </p:sp>
+      <p:sp>
+        <p:nvSpPr>
+          <p:cNvPr id="38" name="TextBox 37">
+            <a:extLst>
+              <a:ext uri="{FF2B5EF4-FFF2-40B4-BE49-F238E27FC236}">
+                <a16:creationId xmlns:a16="http://schemas.microsoft.com/office/drawing/2014/main" id="{871A2E64-3208-4676-9645-03870A0CCA22}"/>
+              </a:ext>
+            </a:extLst>
+          </p:cNvPr>
+          <p:cNvSpPr txBox="1"/>
+          <p:nvPr/>
+        </p:nvSpPr>
+        <p:spPr>
+          <a:xfrm>
+            <a:off x="6574087" y="2601572"/>
+            <a:ext cx="576189" cy="369332"/>
+          </a:xfrm>
+          <a:prstGeom prst="rect">
+            <a:avLst/>
+          </a:prstGeom>
+          <a:noFill/>
+        </p:spPr>
+        <p:txBody>
+          <a:bodyPr wrap="square" rtlCol="1">
+            <a:spAutoFit/>
+          </a:bodyPr>
+          <a:lstStyle/>
+          <a:p>
+            <a:r>
+              <a:rPr lang="he-IL" dirty="0"/>
+              <a:t>275</a:t>
+            </a:r>
+          </a:p>
+        </p:txBody>
+      </p:sp>
+      <p:sp>
+        <p:nvSpPr>
+          <p:cNvPr id="41" name="TextBox 40">
+            <a:extLst>
+              <a:ext uri="{FF2B5EF4-FFF2-40B4-BE49-F238E27FC236}">
+                <a16:creationId xmlns:a16="http://schemas.microsoft.com/office/drawing/2014/main" id="{718951D3-AE54-43AF-B183-7296B8A42310}"/>
+              </a:ext>
+            </a:extLst>
+          </p:cNvPr>
+          <p:cNvSpPr txBox="1"/>
+          <p:nvPr/>
+        </p:nvSpPr>
+        <p:spPr>
+          <a:xfrm>
+            <a:off x="8413313" y="4773748"/>
+            <a:ext cx="480170" cy="369332"/>
+          </a:xfrm>
+          <a:prstGeom prst="rect">
+            <a:avLst/>
+          </a:prstGeom>
+          <a:noFill/>
+        </p:spPr>
+        <p:txBody>
+          <a:bodyPr wrap="square" rtlCol="1">
+            <a:spAutoFit/>
+          </a:bodyPr>
+          <a:lstStyle/>
+          <a:p>
+            <a:r>
+              <a:rPr lang="he-IL" dirty="0"/>
+              <a:t>40</a:t>
+            </a:r>
+          </a:p>
+        </p:txBody>
+      </p:sp>
+      <p:sp>
+        <p:nvSpPr>
+          <p:cNvPr id="42" name="TextBox 41">
+            <a:extLst>
+              <a:ext uri="{FF2B5EF4-FFF2-40B4-BE49-F238E27FC236}">
+                <a16:creationId xmlns:a16="http://schemas.microsoft.com/office/drawing/2014/main" id="{A8A5ADE7-8AE1-419B-846E-C4E040CCC93E}"/>
+              </a:ext>
+            </a:extLst>
+          </p:cNvPr>
+          <p:cNvSpPr txBox="1"/>
+          <p:nvPr/>
+        </p:nvSpPr>
+        <p:spPr>
+          <a:xfrm>
+            <a:off x="4837148" y="3358836"/>
+            <a:ext cx="839234" cy="369332"/>
+          </a:xfrm>
+          <a:prstGeom prst="rect">
+            <a:avLst/>
+          </a:prstGeom>
+          <a:noFill/>
+        </p:spPr>
+        <p:txBody>
+          <a:bodyPr wrap="square" rtlCol="1">
+            <a:spAutoFit/>
+          </a:bodyPr>
+          <a:lstStyle/>
+          <a:p>
+            <a:r>
+              <a:rPr lang="he-IL" dirty="0"/>
+              <a:t>200</a:t>
+            </a:r>
+          </a:p>
+        </p:txBody>
+      </p:sp>
+      <p:sp>
+        <p:nvSpPr>
+          <p:cNvPr id="43" name="TextBox 42">
+            <a:extLst>
+              <a:ext uri="{FF2B5EF4-FFF2-40B4-BE49-F238E27FC236}">
+                <a16:creationId xmlns:a16="http://schemas.microsoft.com/office/drawing/2014/main" id="{E456ACF4-64A6-4ACB-BB4F-C621149B506E}"/>
+              </a:ext>
+            </a:extLst>
+          </p:cNvPr>
+          <p:cNvSpPr txBox="1"/>
+          <p:nvPr/>
+        </p:nvSpPr>
+        <p:spPr>
+          <a:xfrm>
+            <a:off x="3554272" y="3539381"/>
+            <a:ext cx="789127" cy="369332"/>
+          </a:xfrm>
+          <a:prstGeom prst="rect">
+            <a:avLst/>
+          </a:prstGeom>
+          <a:noFill/>
+        </p:spPr>
+        <p:txBody>
+          <a:bodyPr wrap="square" rtlCol="1">
+            <a:spAutoFit/>
+          </a:bodyPr>
+          <a:lstStyle/>
+          <a:p>
+            <a:r>
+              <a:rPr lang="he-IL" dirty="0"/>
+              <a:t>160</a:t>
+            </a:r>
+          </a:p>
+        </p:txBody>
+      </p:sp>
+      <p:sp>
+        <p:nvSpPr>
+          <p:cNvPr id="44" name="TextBox 43">
+            <a:extLst>
+              <a:ext uri="{FF2B5EF4-FFF2-40B4-BE49-F238E27FC236}">
+                <a16:creationId xmlns:a16="http://schemas.microsoft.com/office/drawing/2014/main" id="{BEAAED97-1023-4ADF-A587-0B4360EBDE79}"/>
+              </a:ext>
+            </a:extLst>
+          </p:cNvPr>
+          <p:cNvSpPr txBox="1"/>
+          <p:nvPr/>
+        </p:nvSpPr>
+        <p:spPr>
+          <a:xfrm>
+            <a:off x="2236805" y="4937904"/>
+            <a:ext cx="876822" cy="369332"/>
+          </a:xfrm>
+          <a:prstGeom prst="rect">
+            <a:avLst/>
+          </a:prstGeom>
+          <a:noFill/>
+        </p:spPr>
+        <p:txBody>
+          <a:bodyPr wrap="square" rtlCol="1">
+            <a:spAutoFit/>
+          </a:bodyPr>
+          <a:lstStyle/>
+          <a:p>
+            <a:r>
+              <a:rPr lang="he-IL" dirty="0"/>
+              <a:t>20</a:t>
+            </a:r>
+          </a:p>
+        </p:txBody>
+      </p:sp>
+      <p:sp>
+        <p:nvSpPr>
+          <p:cNvPr id="46" name="TextBox 45">
+            <a:extLst>
+              <a:ext uri="{FF2B5EF4-FFF2-40B4-BE49-F238E27FC236}">
+                <a16:creationId xmlns:a16="http://schemas.microsoft.com/office/drawing/2014/main" id="{8AE7AF00-1948-4797-BA21-82B4998F5306}"/>
+              </a:ext>
+            </a:extLst>
+          </p:cNvPr>
+          <p:cNvSpPr txBox="1"/>
+          <p:nvPr/>
+        </p:nvSpPr>
+        <p:spPr>
+          <a:xfrm>
+            <a:off x="9883060" y="5573877"/>
+            <a:ext cx="1691011" cy="369332"/>
+          </a:xfrm>
+          <a:prstGeom prst="rect">
+            <a:avLst/>
+          </a:prstGeom>
+          <a:noFill/>
+        </p:spPr>
+        <p:txBody>
+          <a:bodyPr wrap="square" rtlCol="1">
+            <a:spAutoFit/>
+          </a:bodyPr>
+          <a:lstStyle/>
+          <a:p>
+            <a:r>
+              <a:rPr lang="en-US" dirty="0"/>
+              <a:t>Supervisor </a:t>
+            </a:r>
+            <a:endParaRPr lang="he-IL" dirty="0"/>
+          </a:p>
+        </p:txBody>
+      </p:sp>
+      <p:pic>
+        <p:nvPicPr>
+          <p:cNvPr id="47" name="תמונה 46">
+            <a:hlinkClick r:id="rId2" action="ppaction://hlinksldjump"/>
+            <a:extLst>
+              <a:ext uri="{FF2B5EF4-FFF2-40B4-BE49-F238E27FC236}">
+                <a16:creationId xmlns:a16="http://schemas.microsoft.com/office/drawing/2014/main" id="{F58C4563-86F7-48D8-92AB-E2497D45AAC2}"/>
+              </a:ext>
+            </a:extLst>
+          </p:cNvPr>
+          <p:cNvPicPr>
+            <a:picLocks noChangeAspect="1"/>
+          </p:cNvPicPr>
+          <p:nvPr/>
+        </p:nvPicPr>
+        <p:blipFill>
+          <a:blip r:embed="rId3"/>
+          <a:stretch>
+            <a:fillRect/>
+          </a:stretch>
+        </p:blipFill>
+        <p:spPr>
+          <a:xfrm>
+            <a:off x="79893" y="199347"/>
+            <a:ext cx="499915" cy="499915"/>
+          </a:xfrm>
+          <a:prstGeom prst="rect">
+            <a:avLst/>
+          </a:prstGeom>
+        </p:spPr>
+      </p:pic>
+      <p:sp>
+        <p:nvSpPr>
+          <p:cNvPr id="48" name="אליפסה 47">
+            <a:hlinkClick r:id="rId4" action="ppaction://hlinksldjump"/>
+            <a:extLst>
+              <a:ext uri="{FF2B5EF4-FFF2-40B4-BE49-F238E27FC236}">
+                <a16:creationId xmlns:a16="http://schemas.microsoft.com/office/drawing/2014/main" id="{E97464E1-1896-422E-A7E0-BB4C5C24790E}"/>
+              </a:ext>
+            </a:extLst>
+          </p:cNvPr>
+          <p:cNvSpPr/>
+          <p:nvPr/>
+        </p:nvSpPr>
+        <p:spPr>
+          <a:xfrm>
+            <a:off x="11117396" y="5916738"/>
+            <a:ext cx="934594" cy="868640"/>
+          </a:xfrm>
+          <a:prstGeom prst="ellipse">
+            <a:avLst/>
+          </a:prstGeom>
+          <a:solidFill>
+            <a:srgbClr val="92D050"/>
+          </a:solidFill>
+          <a:ln w="19050">
+            <a:solidFill>
+              <a:schemeClr val="accent6">
+                <a:lumMod val="60000"/>
+                <a:lumOff val="40000"/>
+              </a:schemeClr>
+            </a:solidFill>
+          </a:ln>
+        </p:spPr>
+        <p:style>
+          <a:lnRef idx="2">
+            <a:schemeClr val="accent1">
+              <a:shade val="50000"/>
+            </a:schemeClr>
+          </a:lnRef>
+          <a:fillRef idx="1">
+            <a:schemeClr val="accent1"/>
+          </a:fillRef>
+          <a:effectRef idx="0">
+            <a:schemeClr val="accent1"/>
+          </a:effectRef>
+          <a:fontRef idx="minor">
+            <a:schemeClr val="lt1"/>
+          </a:fontRef>
+        </p:style>
+        <p:txBody>
+          <a:bodyPr rtlCol="1" anchor="ctr"/>
+          <a:lstStyle/>
+          <a:p>
+            <a:pPr algn="ctr"/>
             <a:r>
               <a:rPr lang="en-US" sz="2000" dirty="0">
                 <a:solidFill>
@@ -15402,41 +16059,10 @@
           </a:p>
         </p:txBody>
       </p:sp>
-      <p:pic>
-        <p:nvPicPr>
-          <p:cNvPr id="6" name="תמונה 5">
-            <a:hlinkClick r:id="rId3" action="ppaction://hlinksldjump"/>
-            <a:extLst>
-              <a:ext uri="{FF2B5EF4-FFF2-40B4-BE49-F238E27FC236}">
-                <a16:creationId xmlns:a16="http://schemas.microsoft.com/office/drawing/2014/main" id="{3B64EE67-A85E-4B07-BFF8-BBF553BE962E}"/>
-              </a:ext>
-            </a:extLst>
-          </p:cNvPr>
-          <p:cNvPicPr>
-            <a:picLocks noChangeAspect="1"/>
-          </p:cNvPicPr>
-          <p:nvPr/>
-        </p:nvPicPr>
-        <p:blipFill>
-          <a:blip r:embed="rId4"/>
-          <a:stretch>
-            <a:fillRect/>
-          </a:stretch>
-        </p:blipFill>
-        <p:spPr>
-          <a:xfrm>
-            <a:off x="79893" y="199347"/>
-            <a:ext cx="499915" cy="499915"/>
-          </a:xfrm>
-          <a:prstGeom prst="rect">
-            <a:avLst/>
-          </a:prstGeom>
-        </p:spPr>
-      </p:pic>
     </p:spTree>
     <p:extLst>
       <p:ext uri="{BB962C8B-B14F-4D97-AF65-F5344CB8AC3E}">
-        <p14:creationId xmlns:p14="http://schemas.microsoft.com/office/powerpoint/2010/main" val="2564198328"/>
+        <p14:creationId xmlns:p14="http://schemas.microsoft.com/office/powerpoint/2010/main" val="4044948089"/>
       </p:ext>
     </p:extLst>
   </p:cSld>
@@ -15468,1272 +16094,6 @@
           <p:cNvPr id="2" name="כותרת 1">
             <a:extLst>
               <a:ext uri="{FF2B5EF4-FFF2-40B4-BE49-F238E27FC236}">
-                <a16:creationId xmlns:a16="http://schemas.microsoft.com/office/drawing/2014/main" id="{7730EA33-6060-48D0-B095-74D69D091F9C}"/>
-              </a:ext>
-            </a:extLst>
-          </p:cNvPr>
-          <p:cNvSpPr>
-            <a:spLocks noGrp="1"/>
-          </p:cNvSpPr>
-          <p:nvPr>
-            <p:ph type="title"/>
-          </p:nvPr>
-        </p:nvSpPr>
-        <p:spPr>
-          <a:xfrm>
-            <a:off x="2222848" y="500062"/>
-            <a:ext cx="7746304" cy="1325563"/>
-          </a:xfrm>
-        </p:spPr>
-        <p:txBody>
-          <a:bodyPr>
-            <a:normAutofit fontScale="90000"/>
-          </a:bodyPr>
-          <a:lstStyle/>
-          <a:p>
-            <a:r>
-              <a:rPr lang="en-US" sz="7300" b="1" dirty="0">
-                <a:solidFill>
-                  <a:srgbClr val="92D050"/>
-                </a:solidFill>
-              </a:rPr>
-              <a:t>Events By supervisor</a:t>
-            </a:r>
-            <a:br>
-              <a:rPr lang="en-US" dirty="0">
-                <a:solidFill>
-                  <a:srgbClr val="92D050"/>
-                </a:solidFill>
-              </a:rPr>
-            </a:br>
-            <a:endParaRPr lang="he-IL" dirty="0"/>
-          </a:p>
-        </p:txBody>
-      </p:sp>
-      <p:cxnSp>
-        <p:nvCxnSpPr>
-          <p:cNvPr id="7" name="מחבר חץ ישר 6">
-            <a:extLst>
-              <a:ext uri="{FF2B5EF4-FFF2-40B4-BE49-F238E27FC236}">
-                <a16:creationId xmlns:a16="http://schemas.microsoft.com/office/drawing/2014/main" id="{2506DE58-E6C4-48FB-95C6-80F0C720E1E7}"/>
-              </a:ext>
-            </a:extLst>
-          </p:cNvPr>
-          <p:cNvCxnSpPr>
-            <a:cxnSpLocks/>
-          </p:cNvCxnSpPr>
-          <p:nvPr/>
-        </p:nvCxnSpPr>
-        <p:spPr>
-          <a:xfrm flipV="1">
-            <a:off x="2222848" y="1703540"/>
-            <a:ext cx="0" cy="4083486"/>
-          </a:xfrm>
-          <a:prstGeom prst="straightConnector1">
-            <a:avLst/>
-          </a:prstGeom>
-          <a:ln>
-            <a:solidFill>
-              <a:schemeClr val="accent6">
-                <a:lumMod val="50000"/>
-              </a:schemeClr>
-            </a:solidFill>
-            <a:tailEnd type="triangle"/>
-          </a:ln>
-        </p:spPr>
-        <p:style>
-          <a:lnRef idx="1">
-            <a:schemeClr val="accent1"/>
-          </a:lnRef>
-          <a:fillRef idx="0">
-            <a:schemeClr val="accent1"/>
-          </a:fillRef>
-          <a:effectRef idx="0">
-            <a:schemeClr val="accent1"/>
-          </a:effectRef>
-          <a:fontRef idx="minor">
-            <a:schemeClr val="tx1"/>
-          </a:fontRef>
-        </p:style>
-      </p:cxnSp>
-      <p:cxnSp>
-        <p:nvCxnSpPr>
-          <p:cNvPr id="9" name="מחבר חץ ישר 8">
-            <a:extLst>
-              <a:ext uri="{FF2B5EF4-FFF2-40B4-BE49-F238E27FC236}">
-                <a16:creationId xmlns:a16="http://schemas.microsoft.com/office/drawing/2014/main" id="{9571FF17-580B-42A1-93AB-F927F527EFCB}"/>
-              </a:ext>
-            </a:extLst>
-          </p:cNvPr>
-          <p:cNvCxnSpPr/>
-          <p:nvPr/>
-        </p:nvCxnSpPr>
-        <p:spPr>
-          <a:xfrm>
-            <a:off x="2222848" y="5787026"/>
-            <a:ext cx="8061020" cy="0"/>
-          </a:xfrm>
-          <a:prstGeom prst="straightConnector1">
-            <a:avLst/>
-          </a:prstGeom>
-          <a:ln>
-            <a:solidFill>
-              <a:schemeClr val="accent6">
-                <a:lumMod val="50000"/>
-              </a:schemeClr>
-            </a:solidFill>
-            <a:tailEnd type="triangle"/>
-          </a:ln>
-        </p:spPr>
-        <p:style>
-          <a:lnRef idx="1">
-            <a:schemeClr val="accent1"/>
-          </a:lnRef>
-          <a:fillRef idx="0">
-            <a:schemeClr val="accent1"/>
-          </a:fillRef>
-          <a:effectRef idx="0">
-            <a:schemeClr val="accent1"/>
-          </a:effectRef>
-          <a:fontRef idx="minor">
-            <a:schemeClr val="tx1"/>
-          </a:fontRef>
-        </p:style>
-      </p:cxnSp>
-      <p:sp>
-        <p:nvSpPr>
-          <p:cNvPr id="12" name="TextBox 11">
-            <a:extLst>
-              <a:ext uri="{FF2B5EF4-FFF2-40B4-BE49-F238E27FC236}">
-                <a16:creationId xmlns:a16="http://schemas.microsoft.com/office/drawing/2014/main" id="{A8504308-07EE-47A3-ACE8-6DBED4E8EC0D}"/>
-              </a:ext>
-            </a:extLst>
-          </p:cNvPr>
-          <p:cNvSpPr txBox="1"/>
-          <p:nvPr/>
-        </p:nvSpPr>
-        <p:spPr>
-          <a:xfrm>
-            <a:off x="1615858" y="1044683"/>
-            <a:ext cx="1240057" cy="646331"/>
-          </a:xfrm>
-          <a:prstGeom prst="rect">
-            <a:avLst/>
-          </a:prstGeom>
-          <a:noFill/>
-        </p:spPr>
-        <p:txBody>
-          <a:bodyPr wrap="square" rtlCol="1">
-            <a:spAutoFit/>
-          </a:bodyPr>
-          <a:lstStyle/>
-          <a:p>
-            <a:pPr algn="ctr"/>
-            <a:r>
-              <a:rPr lang="en-US" dirty="0"/>
-              <a:t>Amount of events</a:t>
-            </a:r>
-            <a:endParaRPr lang="he-IL" dirty="0"/>
-          </a:p>
-        </p:txBody>
-      </p:sp>
-      <p:sp>
-        <p:nvSpPr>
-          <p:cNvPr id="14" name="TextBox 13">
-            <a:extLst>
-              <a:ext uri="{FF2B5EF4-FFF2-40B4-BE49-F238E27FC236}">
-                <a16:creationId xmlns:a16="http://schemas.microsoft.com/office/drawing/2014/main" id="{82DBC2F1-C340-47EF-A1BA-494B368F6BCA}"/>
-              </a:ext>
-            </a:extLst>
-          </p:cNvPr>
-          <p:cNvSpPr txBox="1"/>
-          <p:nvPr/>
-        </p:nvSpPr>
-        <p:spPr>
-          <a:xfrm>
-            <a:off x="1419751" y="2311430"/>
-            <a:ext cx="789140" cy="369332"/>
-          </a:xfrm>
-          <a:prstGeom prst="rect">
-            <a:avLst/>
-          </a:prstGeom>
-          <a:noFill/>
-        </p:spPr>
-        <p:txBody>
-          <a:bodyPr wrap="square" rtlCol="1">
-            <a:spAutoFit/>
-          </a:bodyPr>
-          <a:lstStyle/>
-          <a:p>
-            <a:r>
-              <a:rPr lang="en-US" dirty="0"/>
-              <a:t>350</a:t>
-            </a:r>
-            <a:endParaRPr lang="he-IL" dirty="0"/>
-          </a:p>
-        </p:txBody>
-      </p:sp>
-      <p:sp>
-        <p:nvSpPr>
-          <p:cNvPr id="16" name="TextBox 15">
-            <a:extLst>
-              <a:ext uri="{FF2B5EF4-FFF2-40B4-BE49-F238E27FC236}">
-                <a16:creationId xmlns:a16="http://schemas.microsoft.com/office/drawing/2014/main" id="{BD9A2C19-DA7A-4193-AC00-D77DFA880628}"/>
-              </a:ext>
-            </a:extLst>
-          </p:cNvPr>
-          <p:cNvSpPr txBox="1"/>
-          <p:nvPr/>
-        </p:nvSpPr>
-        <p:spPr>
-          <a:xfrm>
-            <a:off x="1419751" y="3895715"/>
-            <a:ext cx="789140" cy="369332"/>
-          </a:xfrm>
-          <a:prstGeom prst="rect">
-            <a:avLst/>
-          </a:prstGeom>
-          <a:noFill/>
-        </p:spPr>
-        <p:txBody>
-          <a:bodyPr wrap="square" rtlCol="1">
-            <a:spAutoFit/>
-          </a:bodyPr>
-          <a:lstStyle/>
-          <a:p>
-            <a:r>
-              <a:rPr lang="en-US" dirty="0"/>
-              <a:t>150</a:t>
-            </a:r>
-            <a:endParaRPr lang="he-IL" dirty="0"/>
-          </a:p>
-        </p:txBody>
-      </p:sp>
-      <p:sp>
-        <p:nvSpPr>
-          <p:cNvPr id="18" name="TextBox 17">
-            <a:extLst>
-              <a:ext uri="{FF2B5EF4-FFF2-40B4-BE49-F238E27FC236}">
-                <a16:creationId xmlns:a16="http://schemas.microsoft.com/office/drawing/2014/main" id="{B3EF8822-AD8D-4C8E-9D8C-68F764EDAD5A}"/>
-              </a:ext>
-            </a:extLst>
-          </p:cNvPr>
-          <p:cNvSpPr txBox="1"/>
-          <p:nvPr/>
-        </p:nvSpPr>
-        <p:spPr>
-          <a:xfrm>
-            <a:off x="1446746" y="3059668"/>
-            <a:ext cx="789140" cy="369332"/>
-          </a:xfrm>
-          <a:prstGeom prst="rect">
-            <a:avLst/>
-          </a:prstGeom>
-          <a:noFill/>
-        </p:spPr>
-        <p:txBody>
-          <a:bodyPr wrap="square" rtlCol="1">
-            <a:spAutoFit/>
-          </a:bodyPr>
-          <a:lstStyle/>
-          <a:p>
-            <a:r>
-              <a:rPr lang="en-US" dirty="0"/>
-              <a:t>250</a:t>
-            </a:r>
-            <a:endParaRPr lang="he-IL" dirty="0"/>
-          </a:p>
-        </p:txBody>
-      </p:sp>
-      <p:sp>
-        <p:nvSpPr>
-          <p:cNvPr id="19" name="TextBox 18">
-            <a:extLst>
-              <a:ext uri="{FF2B5EF4-FFF2-40B4-BE49-F238E27FC236}">
-                <a16:creationId xmlns:a16="http://schemas.microsoft.com/office/drawing/2014/main" id="{A840D7FD-684A-460F-A387-DC28A53DFBE2}"/>
-              </a:ext>
-            </a:extLst>
-          </p:cNvPr>
-          <p:cNvSpPr txBox="1"/>
-          <p:nvPr/>
-        </p:nvSpPr>
-        <p:spPr>
-          <a:xfrm>
-            <a:off x="1419751" y="4773748"/>
-            <a:ext cx="789140" cy="369332"/>
-          </a:xfrm>
-          <a:prstGeom prst="rect">
-            <a:avLst/>
-          </a:prstGeom>
-          <a:noFill/>
-        </p:spPr>
-        <p:txBody>
-          <a:bodyPr wrap="square" rtlCol="1">
-            <a:spAutoFit/>
-          </a:bodyPr>
-          <a:lstStyle/>
-          <a:p>
-            <a:r>
-              <a:rPr lang="en-US" dirty="0"/>
-              <a:t>50</a:t>
-            </a:r>
-            <a:endParaRPr lang="he-IL" dirty="0"/>
-          </a:p>
-        </p:txBody>
-      </p:sp>
-      <p:sp>
-        <p:nvSpPr>
-          <p:cNvPr id="23" name="TextBox 22">
-            <a:extLst>
-              <a:ext uri="{FF2B5EF4-FFF2-40B4-BE49-F238E27FC236}">
-                <a16:creationId xmlns:a16="http://schemas.microsoft.com/office/drawing/2014/main" id="{9FCD9748-F86A-457D-BEF5-0441F5D50534}"/>
-              </a:ext>
-            </a:extLst>
-          </p:cNvPr>
-          <p:cNvSpPr txBox="1"/>
-          <p:nvPr/>
-        </p:nvSpPr>
-        <p:spPr>
-          <a:xfrm>
-            <a:off x="1433708" y="4353928"/>
-            <a:ext cx="789140" cy="369332"/>
-          </a:xfrm>
-          <a:prstGeom prst="rect">
-            <a:avLst/>
-          </a:prstGeom>
-          <a:noFill/>
-        </p:spPr>
-        <p:txBody>
-          <a:bodyPr wrap="square" rtlCol="1">
-            <a:spAutoFit/>
-          </a:bodyPr>
-          <a:lstStyle/>
-          <a:p>
-            <a:r>
-              <a:rPr lang="en-US" dirty="0"/>
-              <a:t>100</a:t>
-            </a:r>
-            <a:endParaRPr lang="he-IL" dirty="0"/>
-          </a:p>
-        </p:txBody>
-      </p:sp>
-      <p:sp>
-        <p:nvSpPr>
-          <p:cNvPr id="24" name="TextBox 23">
-            <a:extLst>
-              <a:ext uri="{FF2B5EF4-FFF2-40B4-BE49-F238E27FC236}">
-                <a16:creationId xmlns:a16="http://schemas.microsoft.com/office/drawing/2014/main" id="{CF747CC7-DB2C-4F91-926E-B4B198BF6C98}"/>
-              </a:ext>
-            </a:extLst>
-          </p:cNvPr>
-          <p:cNvSpPr txBox="1"/>
-          <p:nvPr/>
-        </p:nvSpPr>
-        <p:spPr>
-          <a:xfrm>
-            <a:off x="1433708" y="5229807"/>
-            <a:ext cx="789140" cy="369332"/>
-          </a:xfrm>
-          <a:prstGeom prst="rect">
-            <a:avLst/>
-          </a:prstGeom>
-          <a:noFill/>
-        </p:spPr>
-        <p:txBody>
-          <a:bodyPr wrap="square" rtlCol="1">
-            <a:spAutoFit/>
-          </a:bodyPr>
-          <a:lstStyle/>
-          <a:p>
-            <a:r>
-              <a:rPr lang="en-US" dirty="0"/>
-              <a:t>10</a:t>
-            </a:r>
-            <a:endParaRPr lang="he-IL" dirty="0"/>
-          </a:p>
-        </p:txBody>
-      </p:sp>
-      <p:sp>
-        <p:nvSpPr>
-          <p:cNvPr id="25" name="TextBox 24">
-            <a:extLst>
-              <a:ext uri="{FF2B5EF4-FFF2-40B4-BE49-F238E27FC236}">
-                <a16:creationId xmlns:a16="http://schemas.microsoft.com/office/drawing/2014/main" id="{D7A4B1A2-4364-4350-84A9-7F3DA84758A7}"/>
-              </a:ext>
-            </a:extLst>
-          </p:cNvPr>
-          <p:cNvSpPr txBox="1"/>
-          <p:nvPr/>
-        </p:nvSpPr>
-        <p:spPr>
-          <a:xfrm>
-            <a:off x="1426730" y="2687115"/>
-            <a:ext cx="789140" cy="369332"/>
-          </a:xfrm>
-          <a:prstGeom prst="rect">
-            <a:avLst/>
-          </a:prstGeom>
-          <a:noFill/>
-        </p:spPr>
-        <p:txBody>
-          <a:bodyPr wrap="square" rtlCol="1">
-            <a:spAutoFit/>
-          </a:bodyPr>
-          <a:lstStyle/>
-          <a:p>
-            <a:r>
-              <a:rPr lang="en-US" dirty="0"/>
-              <a:t>300</a:t>
-            </a:r>
-            <a:endParaRPr lang="he-IL" dirty="0"/>
-          </a:p>
-        </p:txBody>
-      </p:sp>
-      <p:sp>
-        <p:nvSpPr>
-          <p:cNvPr id="26" name="TextBox 25">
-            <a:extLst>
-              <a:ext uri="{FF2B5EF4-FFF2-40B4-BE49-F238E27FC236}">
-                <a16:creationId xmlns:a16="http://schemas.microsoft.com/office/drawing/2014/main" id="{B9318630-A3B1-43F0-9746-1FA9864A7B4E}"/>
-              </a:ext>
-            </a:extLst>
-          </p:cNvPr>
-          <p:cNvSpPr txBox="1"/>
-          <p:nvPr/>
-        </p:nvSpPr>
-        <p:spPr>
-          <a:xfrm>
-            <a:off x="1433708" y="3476081"/>
-            <a:ext cx="789140" cy="369332"/>
-          </a:xfrm>
-          <a:prstGeom prst="rect">
-            <a:avLst/>
-          </a:prstGeom>
-          <a:noFill/>
-        </p:spPr>
-        <p:txBody>
-          <a:bodyPr wrap="square" rtlCol="1">
-            <a:spAutoFit/>
-          </a:bodyPr>
-          <a:lstStyle/>
-          <a:p>
-            <a:r>
-              <a:rPr lang="en-US" dirty="0"/>
-              <a:t>200</a:t>
-            </a:r>
-            <a:endParaRPr lang="he-IL" dirty="0"/>
-          </a:p>
-        </p:txBody>
-      </p:sp>
-      <p:sp>
-        <p:nvSpPr>
-          <p:cNvPr id="27" name="TextBox 26">
-            <a:extLst>
-              <a:ext uri="{FF2B5EF4-FFF2-40B4-BE49-F238E27FC236}">
-                <a16:creationId xmlns:a16="http://schemas.microsoft.com/office/drawing/2014/main" id="{D7E49B80-8F04-41AD-919B-4ED477C97C35}"/>
-              </a:ext>
-            </a:extLst>
-          </p:cNvPr>
-          <p:cNvSpPr txBox="1"/>
-          <p:nvPr/>
-        </p:nvSpPr>
-        <p:spPr>
-          <a:xfrm>
-            <a:off x="1991651" y="5880158"/>
-            <a:ext cx="1465534" cy="369332"/>
-          </a:xfrm>
-          <a:prstGeom prst="rect">
-            <a:avLst/>
-          </a:prstGeom>
-          <a:noFill/>
-        </p:spPr>
-        <p:txBody>
-          <a:bodyPr wrap="square" rtlCol="1">
-            <a:spAutoFit/>
-          </a:bodyPr>
-          <a:lstStyle/>
-          <a:p>
-            <a:r>
-              <a:rPr lang="en-US" dirty="0"/>
-              <a:t>Securing </a:t>
-            </a:r>
-            <a:endParaRPr lang="he-IL" dirty="0"/>
-          </a:p>
-        </p:txBody>
-      </p:sp>
-      <p:sp>
-        <p:nvSpPr>
-          <p:cNvPr id="28" name="TextBox 27">
-            <a:extLst>
-              <a:ext uri="{FF2B5EF4-FFF2-40B4-BE49-F238E27FC236}">
-                <a16:creationId xmlns:a16="http://schemas.microsoft.com/office/drawing/2014/main" id="{45943BDC-E878-454D-9761-B1E1CEEF0572}"/>
-              </a:ext>
-            </a:extLst>
-          </p:cNvPr>
-          <p:cNvSpPr txBox="1"/>
-          <p:nvPr/>
-        </p:nvSpPr>
-        <p:spPr>
-          <a:xfrm>
-            <a:off x="3319397" y="5880158"/>
-            <a:ext cx="1327755" cy="369332"/>
-          </a:xfrm>
-          <a:prstGeom prst="rect">
-            <a:avLst/>
-          </a:prstGeom>
-          <a:noFill/>
-        </p:spPr>
-        <p:txBody>
-          <a:bodyPr wrap="square" rtlCol="1">
-            <a:spAutoFit/>
-          </a:bodyPr>
-          <a:lstStyle/>
-          <a:p>
-            <a:r>
-              <a:rPr lang="en-US" dirty="0"/>
-              <a:t>Cleaning </a:t>
-            </a:r>
-            <a:endParaRPr lang="he-IL" dirty="0"/>
-          </a:p>
-        </p:txBody>
-      </p:sp>
-      <p:sp>
-        <p:nvSpPr>
-          <p:cNvPr id="29" name="TextBox 28">
-            <a:extLst>
-              <a:ext uri="{FF2B5EF4-FFF2-40B4-BE49-F238E27FC236}">
-                <a16:creationId xmlns:a16="http://schemas.microsoft.com/office/drawing/2014/main" id="{E8665DA1-5E55-484B-9700-A77837CD6ADD}"/>
-              </a:ext>
-            </a:extLst>
-          </p:cNvPr>
-          <p:cNvSpPr txBox="1"/>
-          <p:nvPr/>
-        </p:nvSpPr>
-        <p:spPr>
-          <a:xfrm>
-            <a:off x="3983274" y="5880159"/>
-            <a:ext cx="1753640" cy="369332"/>
-          </a:xfrm>
-          <a:prstGeom prst="rect">
-            <a:avLst/>
-          </a:prstGeom>
-          <a:noFill/>
-        </p:spPr>
-        <p:txBody>
-          <a:bodyPr wrap="square" rtlCol="1">
-            <a:spAutoFit/>
-          </a:bodyPr>
-          <a:lstStyle/>
-          <a:p>
-            <a:r>
-              <a:rPr lang="en-US" dirty="0"/>
-              <a:t>Dean </a:t>
-            </a:r>
-            <a:endParaRPr lang="he-IL" dirty="0"/>
-          </a:p>
-        </p:txBody>
-      </p:sp>
-      <p:sp>
-        <p:nvSpPr>
-          <p:cNvPr id="30" name="TextBox 29">
-            <a:extLst>
-              <a:ext uri="{FF2B5EF4-FFF2-40B4-BE49-F238E27FC236}">
-                <a16:creationId xmlns:a16="http://schemas.microsoft.com/office/drawing/2014/main" id="{9F3E035B-C150-4F4D-BB71-2EDF9B28F410}"/>
-              </a:ext>
-            </a:extLst>
-          </p:cNvPr>
-          <p:cNvSpPr txBox="1"/>
-          <p:nvPr/>
-        </p:nvSpPr>
-        <p:spPr>
-          <a:xfrm>
-            <a:off x="5916464" y="5880158"/>
-            <a:ext cx="1628386" cy="369332"/>
-          </a:xfrm>
-          <a:prstGeom prst="rect">
-            <a:avLst/>
-          </a:prstGeom>
-          <a:noFill/>
-        </p:spPr>
-        <p:txBody>
-          <a:bodyPr wrap="square" rtlCol="1">
-            <a:spAutoFit/>
-          </a:bodyPr>
-          <a:lstStyle/>
-          <a:p>
-            <a:r>
-              <a:rPr lang="en-US" dirty="0"/>
-              <a:t>Maintenance </a:t>
-            </a:r>
-            <a:endParaRPr lang="he-IL" dirty="0"/>
-          </a:p>
-        </p:txBody>
-      </p:sp>
-      <p:sp>
-        <p:nvSpPr>
-          <p:cNvPr id="31" name="TextBox 30">
-            <a:extLst>
-              <a:ext uri="{FF2B5EF4-FFF2-40B4-BE49-F238E27FC236}">
-                <a16:creationId xmlns:a16="http://schemas.microsoft.com/office/drawing/2014/main" id="{2AA37F1E-12FC-45F5-A9C3-57AD911BAE43}"/>
-              </a:ext>
-            </a:extLst>
-          </p:cNvPr>
-          <p:cNvSpPr txBox="1"/>
-          <p:nvPr/>
-        </p:nvSpPr>
-        <p:spPr>
-          <a:xfrm>
-            <a:off x="7536505" y="5884270"/>
-            <a:ext cx="2275555" cy="369332"/>
-          </a:xfrm>
-          <a:prstGeom prst="rect">
-            <a:avLst/>
-          </a:prstGeom>
-          <a:noFill/>
-        </p:spPr>
-        <p:txBody>
-          <a:bodyPr wrap="square" rtlCol="1">
-            <a:spAutoFit/>
-          </a:bodyPr>
-          <a:lstStyle/>
-          <a:p>
-            <a:r>
-              <a:rPr lang="en-US" dirty="0"/>
-              <a:t>Students Association</a:t>
-            </a:r>
-            <a:endParaRPr lang="he-IL" dirty="0"/>
-          </a:p>
-        </p:txBody>
-      </p:sp>
-      <p:sp>
-        <p:nvSpPr>
-          <p:cNvPr id="32" name="מלבן 31">
-            <a:extLst>
-              <a:ext uri="{FF2B5EF4-FFF2-40B4-BE49-F238E27FC236}">
-                <a16:creationId xmlns:a16="http://schemas.microsoft.com/office/drawing/2014/main" id="{B9DF018A-8D5C-4BA4-A2E9-6BBD00880238}"/>
-              </a:ext>
-            </a:extLst>
-          </p:cNvPr>
-          <p:cNvSpPr/>
-          <p:nvPr/>
-        </p:nvSpPr>
-        <p:spPr>
-          <a:xfrm>
-            <a:off x="2668044" y="5336089"/>
-            <a:ext cx="438403" cy="450937"/>
-          </a:xfrm>
-          <a:prstGeom prst="rect">
-            <a:avLst/>
-          </a:prstGeom>
-          <a:solidFill>
-            <a:srgbClr val="92D050"/>
-          </a:solidFill>
-          <a:ln w="28575">
-            <a:solidFill>
-              <a:schemeClr val="accent6">
-                <a:lumMod val="75000"/>
-              </a:schemeClr>
-            </a:solidFill>
-          </a:ln>
-        </p:spPr>
-        <p:style>
-          <a:lnRef idx="2">
-            <a:schemeClr val="accent1">
-              <a:shade val="50000"/>
-            </a:schemeClr>
-          </a:lnRef>
-          <a:fillRef idx="1">
-            <a:schemeClr val="accent1"/>
-          </a:fillRef>
-          <a:effectRef idx="0">
-            <a:schemeClr val="accent1"/>
-          </a:effectRef>
-          <a:fontRef idx="minor">
-            <a:schemeClr val="lt1"/>
-          </a:fontRef>
-        </p:style>
-        <p:txBody>
-          <a:bodyPr rtlCol="1" anchor="ctr"/>
-          <a:lstStyle/>
-          <a:p>
-            <a:pPr algn="ctr"/>
-            <a:endParaRPr lang="he-IL"/>
-          </a:p>
-        </p:txBody>
-      </p:sp>
-      <p:sp>
-        <p:nvSpPr>
-          <p:cNvPr id="33" name="מלבן 32">
-            <a:extLst>
-              <a:ext uri="{FF2B5EF4-FFF2-40B4-BE49-F238E27FC236}">
-                <a16:creationId xmlns:a16="http://schemas.microsoft.com/office/drawing/2014/main" id="{1D574789-0304-4757-9B56-64FAB6821415}"/>
-              </a:ext>
-            </a:extLst>
-          </p:cNvPr>
-          <p:cNvSpPr/>
-          <p:nvPr/>
-        </p:nvSpPr>
-        <p:spPr>
-          <a:xfrm>
-            <a:off x="3876806" y="3895715"/>
-            <a:ext cx="438403" cy="1891311"/>
-          </a:xfrm>
-          <a:prstGeom prst="rect">
-            <a:avLst/>
-          </a:prstGeom>
-          <a:solidFill>
-            <a:srgbClr val="92D050"/>
-          </a:solidFill>
-          <a:ln w="28575">
-            <a:solidFill>
-              <a:schemeClr val="accent6">
-                <a:lumMod val="75000"/>
-              </a:schemeClr>
-            </a:solidFill>
-          </a:ln>
-        </p:spPr>
-        <p:style>
-          <a:lnRef idx="2">
-            <a:schemeClr val="accent1">
-              <a:shade val="50000"/>
-            </a:schemeClr>
-          </a:lnRef>
-          <a:fillRef idx="1">
-            <a:schemeClr val="accent1"/>
-          </a:fillRef>
-          <a:effectRef idx="0">
-            <a:schemeClr val="accent1"/>
-          </a:effectRef>
-          <a:fontRef idx="minor">
-            <a:schemeClr val="lt1"/>
-          </a:fontRef>
-        </p:style>
-        <p:txBody>
-          <a:bodyPr rtlCol="1" anchor="ctr"/>
-          <a:lstStyle/>
-          <a:p>
-            <a:pPr algn="ctr"/>
-            <a:endParaRPr lang="he-IL"/>
-          </a:p>
-        </p:txBody>
-      </p:sp>
-      <p:sp>
-        <p:nvSpPr>
-          <p:cNvPr id="34" name="מלבן 33">
-            <a:extLst>
-              <a:ext uri="{FF2B5EF4-FFF2-40B4-BE49-F238E27FC236}">
-                <a16:creationId xmlns:a16="http://schemas.microsoft.com/office/drawing/2014/main" id="{A58C9825-C3E4-4B8E-A829-2CEBF907EF57}"/>
-              </a:ext>
-            </a:extLst>
-          </p:cNvPr>
-          <p:cNvSpPr/>
-          <p:nvPr/>
-        </p:nvSpPr>
-        <p:spPr>
-          <a:xfrm>
-            <a:off x="5160716" y="3767238"/>
-            <a:ext cx="438403" cy="2019788"/>
-          </a:xfrm>
-          <a:prstGeom prst="rect">
-            <a:avLst/>
-          </a:prstGeom>
-          <a:solidFill>
-            <a:srgbClr val="92D050"/>
-          </a:solidFill>
-          <a:ln w="28575">
-            <a:solidFill>
-              <a:schemeClr val="accent6">
-                <a:lumMod val="75000"/>
-              </a:schemeClr>
-            </a:solidFill>
-          </a:ln>
-        </p:spPr>
-        <p:style>
-          <a:lnRef idx="2">
-            <a:schemeClr val="accent1">
-              <a:shade val="50000"/>
-            </a:schemeClr>
-          </a:lnRef>
-          <a:fillRef idx="1">
-            <a:schemeClr val="accent1"/>
-          </a:fillRef>
-          <a:effectRef idx="0">
-            <a:schemeClr val="accent1"/>
-          </a:effectRef>
-          <a:fontRef idx="minor">
-            <a:schemeClr val="lt1"/>
-          </a:fontRef>
-        </p:style>
-        <p:txBody>
-          <a:bodyPr rtlCol="1" anchor="ctr"/>
-          <a:lstStyle/>
-          <a:p>
-            <a:pPr algn="ctr"/>
-            <a:endParaRPr lang="he-IL"/>
-          </a:p>
-        </p:txBody>
-      </p:sp>
-      <p:sp>
-        <p:nvSpPr>
-          <p:cNvPr id="35" name="מלבן 34">
-            <a:extLst>
-              <a:ext uri="{FF2B5EF4-FFF2-40B4-BE49-F238E27FC236}">
-                <a16:creationId xmlns:a16="http://schemas.microsoft.com/office/drawing/2014/main" id="{056A8E07-0F56-4147-9E3C-337329C9A43E}"/>
-              </a:ext>
-            </a:extLst>
-          </p:cNvPr>
-          <p:cNvSpPr/>
-          <p:nvPr/>
-        </p:nvSpPr>
-        <p:spPr>
-          <a:xfrm>
-            <a:off x="6642981" y="3056447"/>
-            <a:ext cx="438403" cy="2730579"/>
-          </a:xfrm>
-          <a:prstGeom prst="rect">
-            <a:avLst/>
-          </a:prstGeom>
-          <a:solidFill>
-            <a:srgbClr val="92D050"/>
-          </a:solidFill>
-          <a:ln w="28575">
-            <a:solidFill>
-              <a:schemeClr val="accent6">
-                <a:lumMod val="75000"/>
-              </a:schemeClr>
-            </a:solidFill>
-          </a:ln>
-        </p:spPr>
-        <p:style>
-          <a:lnRef idx="2">
-            <a:schemeClr val="accent1">
-              <a:shade val="50000"/>
-            </a:schemeClr>
-          </a:lnRef>
-          <a:fillRef idx="1">
-            <a:schemeClr val="accent1"/>
-          </a:fillRef>
-          <a:effectRef idx="0">
-            <a:schemeClr val="accent1"/>
-          </a:effectRef>
-          <a:fontRef idx="minor">
-            <a:schemeClr val="lt1"/>
-          </a:fontRef>
-        </p:style>
-        <p:txBody>
-          <a:bodyPr rtlCol="1" anchor="ctr"/>
-          <a:lstStyle/>
-          <a:p>
-            <a:pPr algn="ctr"/>
-            <a:endParaRPr lang="he-IL"/>
-          </a:p>
-        </p:txBody>
-      </p:sp>
-      <p:sp>
-        <p:nvSpPr>
-          <p:cNvPr id="36" name="מלבן 35">
-            <a:extLst>
-              <a:ext uri="{FF2B5EF4-FFF2-40B4-BE49-F238E27FC236}">
-                <a16:creationId xmlns:a16="http://schemas.microsoft.com/office/drawing/2014/main" id="{4031DEC8-A650-4553-BF5B-A926999EECFA}"/>
-              </a:ext>
-            </a:extLst>
-          </p:cNvPr>
-          <p:cNvSpPr/>
-          <p:nvPr/>
-        </p:nvSpPr>
-        <p:spPr>
-          <a:xfrm>
-            <a:off x="8455080" y="5143079"/>
-            <a:ext cx="438403" cy="643947"/>
-          </a:xfrm>
-          <a:prstGeom prst="rect">
-            <a:avLst/>
-          </a:prstGeom>
-          <a:solidFill>
-            <a:srgbClr val="92D050"/>
-          </a:solidFill>
-          <a:ln w="28575">
-            <a:solidFill>
-              <a:schemeClr val="accent6">
-                <a:lumMod val="75000"/>
-              </a:schemeClr>
-            </a:solidFill>
-          </a:ln>
-        </p:spPr>
-        <p:style>
-          <a:lnRef idx="2">
-            <a:schemeClr val="accent1">
-              <a:shade val="50000"/>
-            </a:schemeClr>
-          </a:lnRef>
-          <a:fillRef idx="1">
-            <a:schemeClr val="accent1"/>
-          </a:fillRef>
-          <a:effectRef idx="0">
-            <a:schemeClr val="accent1"/>
-          </a:effectRef>
-          <a:fontRef idx="minor">
-            <a:schemeClr val="lt1"/>
-          </a:fontRef>
-        </p:style>
-        <p:txBody>
-          <a:bodyPr rtlCol="1" anchor="ctr"/>
-          <a:lstStyle/>
-          <a:p>
-            <a:pPr algn="ctr"/>
-            <a:endParaRPr lang="he-IL"/>
-          </a:p>
-        </p:txBody>
-      </p:sp>
-      <p:sp>
-        <p:nvSpPr>
-          <p:cNvPr id="38" name="TextBox 37">
-            <a:extLst>
-              <a:ext uri="{FF2B5EF4-FFF2-40B4-BE49-F238E27FC236}">
-                <a16:creationId xmlns:a16="http://schemas.microsoft.com/office/drawing/2014/main" id="{871A2E64-3208-4676-9645-03870A0CCA22}"/>
-              </a:ext>
-            </a:extLst>
-          </p:cNvPr>
-          <p:cNvSpPr txBox="1"/>
-          <p:nvPr/>
-        </p:nvSpPr>
-        <p:spPr>
-          <a:xfrm>
-            <a:off x="6574087" y="2601572"/>
-            <a:ext cx="576189" cy="369332"/>
-          </a:xfrm>
-          <a:prstGeom prst="rect">
-            <a:avLst/>
-          </a:prstGeom>
-          <a:noFill/>
-        </p:spPr>
-        <p:txBody>
-          <a:bodyPr wrap="square" rtlCol="1">
-            <a:spAutoFit/>
-          </a:bodyPr>
-          <a:lstStyle/>
-          <a:p>
-            <a:r>
-              <a:rPr lang="he-IL" dirty="0"/>
-              <a:t>275</a:t>
-            </a:r>
-          </a:p>
-        </p:txBody>
-      </p:sp>
-      <p:sp>
-        <p:nvSpPr>
-          <p:cNvPr id="41" name="TextBox 40">
-            <a:extLst>
-              <a:ext uri="{FF2B5EF4-FFF2-40B4-BE49-F238E27FC236}">
-                <a16:creationId xmlns:a16="http://schemas.microsoft.com/office/drawing/2014/main" id="{718951D3-AE54-43AF-B183-7296B8A42310}"/>
-              </a:ext>
-            </a:extLst>
-          </p:cNvPr>
-          <p:cNvSpPr txBox="1"/>
-          <p:nvPr/>
-        </p:nvSpPr>
-        <p:spPr>
-          <a:xfrm>
-            <a:off x="8413313" y="4773748"/>
-            <a:ext cx="480170" cy="369332"/>
-          </a:xfrm>
-          <a:prstGeom prst="rect">
-            <a:avLst/>
-          </a:prstGeom>
-          <a:noFill/>
-        </p:spPr>
-        <p:txBody>
-          <a:bodyPr wrap="square" rtlCol="1">
-            <a:spAutoFit/>
-          </a:bodyPr>
-          <a:lstStyle/>
-          <a:p>
-            <a:r>
-              <a:rPr lang="he-IL" dirty="0"/>
-              <a:t>40</a:t>
-            </a:r>
-          </a:p>
-        </p:txBody>
-      </p:sp>
-      <p:sp>
-        <p:nvSpPr>
-          <p:cNvPr id="42" name="TextBox 41">
-            <a:extLst>
-              <a:ext uri="{FF2B5EF4-FFF2-40B4-BE49-F238E27FC236}">
-                <a16:creationId xmlns:a16="http://schemas.microsoft.com/office/drawing/2014/main" id="{A8A5ADE7-8AE1-419B-846E-C4E040CCC93E}"/>
-              </a:ext>
-            </a:extLst>
-          </p:cNvPr>
-          <p:cNvSpPr txBox="1"/>
-          <p:nvPr/>
-        </p:nvSpPr>
-        <p:spPr>
-          <a:xfrm>
-            <a:off x="4837148" y="3358836"/>
-            <a:ext cx="839234" cy="369332"/>
-          </a:xfrm>
-          <a:prstGeom prst="rect">
-            <a:avLst/>
-          </a:prstGeom>
-          <a:noFill/>
-        </p:spPr>
-        <p:txBody>
-          <a:bodyPr wrap="square" rtlCol="1">
-            <a:spAutoFit/>
-          </a:bodyPr>
-          <a:lstStyle/>
-          <a:p>
-            <a:r>
-              <a:rPr lang="he-IL" dirty="0"/>
-              <a:t>200</a:t>
-            </a:r>
-          </a:p>
-        </p:txBody>
-      </p:sp>
-      <p:sp>
-        <p:nvSpPr>
-          <p:cNvPr id="43" name="TextBox 42">
-            <a:extLst>
-              <a:ext uri="{FF2B5EF4-FFF2-40B4-BE49-F238E27FC236}">
-                <a16:creationId xmlns:a16="http://schemas.microsoft.com/office/drawing/2014/main" id="{E456ACF4-64A6-4ACB-BB4F-C621149B506E}"/>
-              </a:ext>
-            </a:extLst>
-          </p:cNvPr>
-          <p:cNvSpPr txBox="1"/>
-          <p:nvPr/>
-        </p:nvSpPr>
-        <p:spPr>
-          <a:xfrm>
-            <a:off x="3554272" y="3539381"/>
-            <a:ext cx="789127" cy="369332"/>
-          </a:xfrm>
-          <a:prstGeom prst="rect">
-            <a:avLst/>
-          </a:prstGeom>
-          <a:noFill/>
-        </p:spPr>
-        <p:txBody>
-          <a:bodyPr wrap="square" rtlCol="1">
-            <a:spAutoFit/>
-          </a:bodyPr>
-          <a:lstStyle/>
-          <a:p>
-            <a:r>
-              <a:rPr lang="he-IL" dirty="0"/>
-              <a:t>160</a:t>
-            </a:r>
-          </a:p>
-        </p:txBody>
-      </p:sp>
-      <p:sp>
-        <p:nvSpPr>
-          <p:cNvPr id="44" name="TextBox 43">
-            <a:extLst>
-              <a:ext uri="{FF2B5EF4-FFF2-40B4-BE49-F238E27FC236}">
-                <a16:creationId xmlns:a16="http://schemas.microsoft.com/office/drawing/2014/main" id="{BEAAED97-1023-4ADF-A587-0B4360EBDE79}"/>
-              </a:ext>
-            </a:extLst>
-          </p:cNvPr>
-          <p:cNvSpPr txBox="1"/>
-          <p:nvPr/>
-        </p:nvSpPr>
-        <p:spPr>
-          <a:xfrm>
-            <a:off x="2236805" y="4937904"/>
-            <a:ext cx="876822" cy="369332"/>
-          </a:xfrm>
-          <a:prstGeom prst="rect">
-            <a:avLst/>
-          </a:prstGeom>
-          <a:noFill/>
-        </p:spPr>
-        <p:txBody>
-          <a:bodyPr wrap="square" rtlCol="1">
-            <a:spAutoFit/>
-          </a:bodyPr>
-          <a:lstStyle/>
-          <a:p>
-            <a:r>
-              <a:rPr lang="he-IL" dirty="0"/>
-              <a:t>20</a:t>
-            </a:r>
-          </a:p>
-        </p:txBody>
-      </p:sp>
-      <p:sp>
-        <p:nvSpPr>
-          <p:cNvPr id="46" name="TextBox 45">
-            <a:extLst>
-              <a:ext uri="{FF2B5EF4-FFF2-40B4-BE49-F238E27FC236}">
-                <a16:creationId xmlns:a16="http://schemas.microsoft.com/office/drawing/2014/main" id="{8AE7AF00-1948-4797-BA21-82B4998F5306}"/>
-              </a:ext>
-            </a:extLst>
-          </p:cNvPr>
-          <p:cNvSpPr txBox="1"/>
-          <p:nvPr/>
-        </p:nvSpPr>
-        <p:spPr>
-          <a:xfrm>
-            <a:off x="9883060" y="5573877"/>
-            <a:ext cx="1691011" cy="369332"/>
-          </a:xfrm>
-          <a:prstGeom prst="rect">
-            <a:avLst/>
-          </a:prstGeom>
-          <a:noFill/>
-        </p:spPr>
-        <p:txBody>
-          <a:bodyPr wrap="square" rtlCol="1">
-            <a:spAutoFit/>
-          </a:bodyPr>
-          <a:lstStyle/>
-          <a:p>
-            <a:r>
-              <a:rPr lang="en-US" dirty="0"/>
-              <a:t>Supervisor </a:t>
-            </a:r>
-            <a:endParaRPr lang="he-IL" dirty="0"/>
-          </a:p>
-        </p:txBody>
-      </p:sp>
-      <p:pic>
-        <p:nvPicPr>
-          <p:cNvPr id="47" name="תמונה 46">
-            <a:hlinkClick r:id="rId2" action="ppaction://hlinksldjump"/>
-            <a:extLst>
-              <a:ext uri="{FF2B5EF4-FFF2-40B4-BE49-F238E27FC236}">
-                <a16:creationId xmlns:a16="http://schemas.microsoft.com/office/drawing/2014/main" id="{F58C4563-86F7-48D8-92AB-E2497D45AAC2}"/>
-              </a:ext>
-            </a:extLst>
-          </p:cNvPr>
-          <p:cNvPicPr>
-            <a:picLocks noChangeAspect="1"/>
-          </p:cNvPicPr>
-          <p:nvPr/>
-        </p:nvPicPr>
-        <p:blipFill>
-          <a:blip r:embed="rId3"/>
-          <a:stretch>
-            <a:fillRect/>
-          </a:stretch>
-        </p:blipFill>
-        <p:spPr>
-          <a:xfrm>
-            <a:off x="79893" y="199347"/>
-            <a:ext cx="499915" cy="499915"/>
-          </a:xfrm>
-          <a:prstGeom prst="rect">
-            <a:avLst/>
-          </a:prstGeom>
-        </p:spPr>
-      </p:pic>
-      <p:sp>
-        <p:nvSpPr>
-          <p:cNvPr id="48" name="אליפסה 47">
-            <a:hlinkClick r:id="rId4" action="ppaction://hlinksldjump"/>
-            <a:extLst>
-              <a:ext uri="{FF2B5EF4-FFF2-40B4-BE49-F238E27FC236}">
-                <a16:creationId xmlns:a16="http://schemas.microsoft.com/office/drawing/2014/main" id="{E97464E1-1896-422E-A7E0-BB4C5C24790E}"/>
-              </a:ext>
-            </a:extLst>
-          </p:cNvPr>
-          <p:cNvSpPr/>
-          <p:nvPr/>
-        </p:nvSpPr>
-        <p:spPr>
-          <a:xfrm>
-            <a:off x="11117396" y="5916738"/>
-            <a:ext cx="934594" cy="868640"/>
-          </a:xfrm>
-          <a:prstGeom prst="ellipse">
-            <a:avLst/>
-          </a:prstGeom>
-          <a:solidFill>
-            <a:srgbClr val="92D050"/>
-          </a:solidFill>
-          <a:ln w="19050">
-            <a:solidFill>
-              <a:schemeClr val="accent6">
-                <a:lumMod val="60000"/>
-                <a:lumOff val="40000"/>
-              </a:schemeClr>
-            </a:solidFill>
-          </a:ln>
-        </p:spPr>
-        <p:style>
-          <a:lnRef idx="2">
-            <a:schemeClr val="accent1">
-              <a:shade val="50000"/>
-            </a:schemeClr>
-          </a:lnRef>
-          <a:fillRef idx="1">
-            <a:schemeClr val="accent1"/>
-          </a:fillRef>
-          <a:effectRef idx="0">
-            <a:schemeClr val="accent1"/>
-          </a:effectRef>
-          <a:fontRef idx="minor">
-            <a:schemeClr val="lt1"/>
-          </a:fontRef>
-        </p:style>
-        <p:txBody>
-          <a:bodyPr rtlCol="1" anchor="ctr"/>
-          <a:lstStyle/>
-          <a:p>
-            <a:pPr algn="ctr"/>
-            <a:r>
-              <a:rPr lang="en-US" sz="2000" dirty="0">
-                <a:solidFill>
-                  <a:schemeClr val="bg1"/>
-                </a:solidFill>
-                <a:latin typeface="Arial Narrow" panose="020B0606020202030204" pitchFamily="34" charset="0"/>
-              </a:rPr>
-              <a:t>Back</a:t>
-            </a:r>
-            <a:endParaRPr lang="he-IL" sz="2000" dirty="0">
-              <a:solidFill>
-                <a:schemeClr val="bg1"/>
-              </a:solidFill>
-              <a:latin typeface="Arial Narrow" panose="020B0606020202030204" pitchFamily="34" charset="0"/>
-            </a:endParaRPr>
-          </a:p>
-        </p:txBody>
-      </p:sp>
-    </p:spTree>
-    <p:extLst>
-      <p:ext uri="{BB962C8B-B14F-4D97-AF65-F5344CB8AC3E}">
-        <p14:creationId xmlns:p14="http://schemas.microsoft.com/office/powerpoint/2010/main" val="4044948089"/>
-      </p:ext>
-    </p:extLst>
-  </p:cSld>
-  <p:clrMapOvr>
-    <a:masterClrMapping/>
-  </p:clrMapOvr>
-</p:sld>
-</file>
-
-<file path=ppt/slides/slide22.xml><?xml version="1.0" encoding="utf-8"?>
-<p:sld xmlns:a="http://schemas.openxmlformats.org/drawingml/2006/main" xmlns:r="http://schemas.openxmlformats.org/officeDocument/2006/relationships" xmlns:p="http://schemas.openxmlformats.org/presentationml/2006/main">
-  <p:cSld>
-    <p:spTree>
-      <p:nvGrpSpPr>
-        <p:cNvPr id="1" name=""/>
-        <p:cNvGrpSpPr/>
-        <p:nvPr/>
-      </p:nvGrpSpPr>
-      <p:grpSpPr>
-        <a:xfrm>
-          <a:off x="0" y="0"/>
-          <a:ext cx="0" cy="0"/>
-          <a:chOff x="0" y="0"/>
-          <a:chExt cx="0" cy="0"/>
-        </a:xfrm>
-      </p:grpSpPr>
-      <p:sp>
-        <p:nvSpPr>
-          <p:cNvPr id="2" name="כותרת 1">
-            <a:extLst>
-              <a:ext uri="{FF2B5EF4-FFF2-40B4-BE49-F238E27FC236}">
                 <a16:creationId xmlns:a16="http://schemas.microsoft.com/office/drawing/2014/main" id="{D1D6F690-6915-4F81-AFC2-647F64877C6D}"/>
               </a:ext>
             </a:extLst>
@@ -17986,7 +17346,7 @@
 </p:sld>
 </file>
 
-<file path=ppt/slides/slide23.xml><?xml version="1.0" encoding="utf-8"?>
+<file path=ppt/slides/slide22.xml><?xml version="1.0" encoding="utf-8"?>
 <p:sld xmlns:a="http://schemas.openxmlformats.org/drawingml/2006/main" xmlns:r="http://schemas.openxmlformats.org/officeDocument/2006/relationships" xmlns:p="http://schemas.openxmlformats.org/presentationml/2006/main">
   <p:cSld>
     <p:spTree>
@@ -19165,7 +18525,7 @@
 </p:sld>
 </file>
 
-<file path=ppt/slides/slide24.xml><?xml version="1.0" encoding="utf-8"?>
+<file path=ppt/slides/slide23.xml><?xml version="1.0" encoding="utf-8"?>
 <p:sld xmlns:a="http://schemas.openxmlformats.org/drawingml/2006/main" xmlns:r="http://schemas.openxmlformats.org/officeDocument/2006/relationships" xmlns:p="http://schemas.openxmlformats.org/presentationml/2006/main">
   <p:cSld>
     <p:spTree>
@@ -19729,7 +19089,7 @@
 </p:sld>
 </file>
 
-<file path=ppt/slides/slide25.xml><?xml version="1.0" encoding="utf-8"?>
+<file path=ppt/slides/slide24.xml><?xml version="1.0" encoding="utf-8"?>
 <p:sld xmlns:a="http://schemas.openxmlformats.org/drawingml/2006/main" xmlns:r="http://schemas.openxmlformats.org/officeDocument/2006/relationships" xmlns:p="http://schemas.openxmlformats.org/presentationml/2006/main">
   <p:cSld>
     <p:bg>
@@ -19929,7 +19289,7 @@
 </p:sld>
 </file>
 
-<file path=ppt/slides/slide26.xml><?xml version="1.0" encoding="utf-8"?>
+<file path=ppt/slides/slide25.xml><?xml version="1.0" encoding="utf-8"?>
 <p:sld xmlns:a="http://schemas.openxmlformats.org/drawingml/2006/main" xmlns:r="http://schemas.openxmlformats.org/officeDocument/2006/relationships" xmlns:p="http://schemas.openxmlformats.org/presentationml/2006/main">
   <p:cSld>
     <p:bg>
@@ -20115,7 +19475,7 @@
 </p:sld>
 </file>
 
-<file path=ppt/slides/slide27.xml><?xml version="1.0" encoding="utf-8"?>
+<file path=ppt/slides/slide26.xml><?xml version="1.0" encoding="utf-8"?>
 <p:sld xmlns:a="http://schemas.openxmlformats.org/drawingml/2006/main" xmlns:r="http://schemas.openxmlformats.org/officeDocument/2006/relationships" xmlns:p="http://schemas.openxmlformats.org/presentationml/2006/main">
   <p:cSld>
     <p:bg>
